--- a/material/draw.pptx
+++ b/material/draw.pptx
@@ -6,6 +6,8 @@
   </p:sldMasterIdLst>
   <p:sldIdLst>
     <p:sldId id="256" r:id="rId2"/>
+    <p:sldId id="257" r:id="rId3"/>
+    <p:sldId id="258" r:id="rId4"/>
   </p:sldIdLst>
   <p:sldSz cx="12192000" cy="6858000"/>
   <p:notesSz cx="6858000" cy="9144000"/>
@@ -259,7 +261,7 @@
           <a:p>
             <a:fld id="{2F9CE705-09FF-4707-95CD-526466700775}" type="datetimeFigureOut">
               <a:rPr lang="zh-CN" altLang="en-US" smtClean="0"/>
-              <a:t>2021/5/9</a:t>
+              <a:t>2021/5/10</a:t>
             </a:fld>
             <a:endParaRPr lang="zh-CN" altLang="en-US"/>
           </a:p>
@@ -457,7 +459,7 @@
           <a:p>
             <a:fld id="{2F9CE705-09FF-4707-95CD-526466700775}" type="datetimeFigureOut">
               <a:rPr lang="zh-CN" altLang="en-US" smtClean="0"/>
-              <a:t>2021/5/9</a:t>
+              <a:t>2021/5/10</a:t>
             </a:fld>
             <a:endParaRPr lang="zh-CN" altLang="en-US"/>
           </a:p>
@@ -665,7 +667,7 @@
           <a:p>
             <a:fld id="{2F9CE705-09FF-4707-95CD-526466700775}" type="datetimeFigureOut">
               <a:rPr lang="zh-CN" altLang="en-US" smtClean="0"/>
-              <a:t>2021/5/9</a:t>
+              <a:t>2021/5/10</a:t>
             </a:fld>
             <a:endParaRPr lang="zh-CN" altLang="en-US"/>
           </a:p>
@@ -863,7 +865,7 @@
           <a:p>
             <a:fld id="{2F9CE705-09FF-4707-95CD-526466700775}" type="datetimeFigureOut">
               <a:rPr lang="zh-CN" altLang="en-US" smtClean="0"/>
-              <a:t>2021/5/9</a:t>
+              <a:t>2021/5/10</a:t>
             </a:fld>
             <a:endParaRPr lang="zh-CN" altLang="en-US"/>
           </a:p>
@@ -1138,7 +1140,7 @@
           <a:p>
             <a:fld id="{2F9CE705-09FF-4707-95CD-526466700775}" type="datetimeFigureOut">
               <a:rPr lang="zh-CN" altLang="en-US" smtClean="0"/>
-              <a:t>2021/5/9</a:t>
+              <a:t>2021/5/10</a:t>
             </a:fld>
             <a:endParaRPr lang="zh-CN" altLang="en-US"/>
           </a:p>
@@ -1403,7 +1405,7 @@
           <a:p>
             <a:fld id="{2F9CE705-09FF-4707-95CD-526466700775}" type="datetimeFigureOut">
               <a:rPr lang="zh-CN" altLang="en-US" smtClean="0"/>
-              <a:t>2021/5/9</a:t>
+              <a:t>2021/5/10</a:t>
             </a:fld>
             <a:endParaRPr lang="zh-CN" altLang="en-US"/>
           </a:p>
@@ -1815,7 +1817,7 @@
           <a:p>
             <a:fld id="{2F9CE705-09FF-4707-95CD-526466700775}" type="datetimeFigureOut">
               <a:rPr lang="zh-CN" altLang="en-US" smtClean="0"/>
-              <a:t>2021/5/9</a:t>
+              <a:t>2021/5/10</a:t>
             </a:fld>
             <a:endParaRPr lang="zh-CN" altLang="en-US"/>
           </a:p>
@@ -1956,7 +1958,7 @@
           <a:p>
             <a:fld id="{2F9CE705-09FF-4707-95CD-526466700775}" type="datetimeFigureOut">
               <a:rPr lang="zh-CN" altLang="en-US" smtClean="0"/>
-              <a:t>2021/5/9</a:t>
+              <a:t>2021/5/10</a:t>
             </a:fld>
             <a:endParaRPr lang="zh-CN" altLang="en-US"/>
           </a:p>
@@ -2069,7 +2071,7 @@
           <a:p>
             <a:fld id="{2F9CE705-09FF-4707-95CD-526466700775}" type="datetimeFigureOut">
               <a:rPr lang="zh-CN" altLang="en-US" smtClean="0"/>
-              <a:t>2021/5/9</a:t>
+              <a:t>2021/5/10</a:t>
             </a:fld>
             <a:endParaRPr lang="zh-CN" altLang="en-US"/>
           </a:p>
@@ -2380,7 +2382,7 @@
           <a:p>
             <a:fld id="{2F9CE705-09FF-4707-95CD-526466700775}" type="datetimeFigureOut">
               <a:rPr lang="zh-CN" altLang="en-US" smtClean="0"/>
-              <a:t>2021/5/9</a:t>
+              <a:t>2021/5/10</a:t>
             </a:fld>
             <a:endParaRPr lang="zh-CN" altLang="en-US"/>
           </a:p>
@@ -2668,7 +2670,7 @@
           <a:p>
             <a:fld id="{2F9CE705-09FF-4707-95CD-526466700775}" type="datetimeFigureOut">
               <a:rPr lang="zh-CN" altLang="en-US" smtClean="0"/>
-              <a:t>2021/5/9</a:t>
+              <a:t>2021/5/10</a:t>
             </a:fld>
             <a:endParaRPr lang="zh-CN" altLang="en-US"/>
           </a:p>
@@ -2909,7 +2911,7 @@
           <a:p>
             <a:fld id="{2F9CE705-09FF-4707-95CD-526466700775}" type="datetimeFigureOut">
               <a:rPr lang="zh-CN" altLang="en-US" smtClean="0"/>
-              <a:t>2021/5/9</a:t>
+              <a:t>2021/5/10</a:t>
             </a:fld>
             <a:endParaRPr lang="zh-CN" altLang="en-US"/>
           </a:p>
@@ -5187,8 +5189,8 @@
           </p:sp>
         </mc:Fallback>
       </mc:AlternateContent>
-      <mc:AlternateContent xmlns:mc="http://schemas.openxmlformats.org/markup-compatibility/2006">
-        <mc:Choice xmlns:a14="http://schemas.microsoft.com/office/drawing/2010/main" Requires="a14">
+      <mc:AlternateContent xmlns:mc="http://schemas.openxmlformats.org/markup-compatibility/2006" xmlns:a14="http://schemas.microsoft.com/office/drawing/2010/main">
+        <mc:Choice Requires="a14">
           <p:sp>
             <p:nvSpPr>
               <p:cNvPr id="27" name="文本框 26">
@@ -5217,6 +5219,7 @@
               </a:bodyPr>
               <a:lstStyle/>
               <a:p>
+                <a:pPr/>
                 <a14:m>
                   <m:oMathPara xmlns:m="http://schemas.openxmlformats.org/officeDocument/2006/math">
                     <m:oMathParaPr>
@@ -5237,7 +5240,7 @@
             </p:txBody>
           </p:sp>
         </mc:Choice>
-        <mc:Fallback>
+        <mc:Fallback xmlns="">
           <p:sp>
             <p:nvSpPr>
               <p:cNvPr id="27" name="文本框 26">
@@ -5282,8 +5285,8 @@
           </p:sp>
         </mc:Fallback>
       </mc:AlternateContent>
-      <mc:AlternateContent xmlns:mc="http://schemas.openxmlformats.org/markup-compatibility/2006">
-        <mc:Choice xmlns:a14="http://schemas.microsoft.com/office/drawing/2010/main" Requires="a14">
+      <mc:AlternateContent xmlns:mc="http://schemas.openxmlformats.org/markup-compatibility/2006" xmlns:a14="http://schemas.microsoft.com/office/drawing/2010/main">
+        <mc:Choice Requires="a14">
           <p:sp>
             <p:nvSpPr>
               <p:cNvPr id="36" name="文本框 35">
@@ -5312,6 +5315,7 @@
               </a:bodyPr>
               <a:lstStyle/>
               <a:p>
+                <a:pPr/>
                 <a14:m>
                   <m:oMathPara xmlns:m="http://schemas.openxmlformats.org/officeDocument/2006/math">
                     <m:oMathParaPr>
@@ -5332,7 +5336,7 @@
             </p:txBody>
           </p:sp>
         </mc:Choice>
-        <mc:Fallback>
+        <mc:Fallback xmlns="">
           <p:sp>
             <p:nvSpPr>
               <p:cNvPr id="36" name="文本框 35">
@@ -5421,8 +5425,8 @@
           </a:fontRef>
         </p:style>
       </p:cxnSp>
-      <mc:AlternateContent xmlns:mc="http://schemas.openxmlformats.org/markup-compatibility/2006">
-        <mc:Choice xmlns:a14="http://schemas.microsoft.com/office/drawing/2010/main" Requires="a14">
+      <mc:AlternateContent xmlns:mc="http://schemas.openxmlformats.org/markup-compatibility/2006" xmlns:a14="http://schemas.microsoft.com/office/drawing/2010/main">
+        <mc:Choice Requires="a14">
           <p:sp>
             <p:nvSpPr>
               <p:cNvPr id="41" name="文本框 40">
@@ -5663,7 +5667,7 @@
             </p:txBody>
           </p:sp>
         </mc:Choice>
-        <mc:Fallback>
+        <mc:Fallback xmlns="">
           <p:sp>
             <p:nvSpPr>
               <p:cNvPr id="41" name="文本框 40">
@@ -5712,6 +5716,5922 @@
     <p:extLst>
       <p:ext uri="{BB962C8B-B14F-4D97-AF65-F5344CB8AC3E}">
         <p14:creationId xmlns:p14="http://schemas.microsoft.com/office/powerpoint/2010/main" val="3724809378"/>
+      </p:ext>
+    </p:extLst>
+  </p:cSld>
+  <p:clrMapOvr>
+    <a:masterClrMapping/>
+  </p:clrMapOvr>
+</p:sld>
+</file>
+
+<file path=ppt/slides/slide2.xml><?xml version="1.0" encoding="utf-8"?>
+<p:sld xmlns:a="http://schemas.openxmlformats.org/drawingml/2006/main" xmlns:r="http://schemas.openxmlformats.org/officeDocument/2006/relationships" xmlns:p="http://schemas.openxmlformats.org/presentationml/2006/main">
+  <p:cSld>
+    <p:spTree>
+      <p:nvGrpSpPr>
+        <p:cNvPr id="1" name=""/>
+        <p:cNvGrpSpPr/>
+        <p:nvPr/>
+      </p:nvGrpSpPr>
+      <p:grpSpPr>
+        <a:xfrm>
+          <a:off x="0" y="0"/>
+          <a:ext cx="0" cy="0"/>
+          <a:chOff x="0" y="0"/>
+          <a:chExt cx="0" cy="0"/>
+        </a:xfrm>
+      </p:grpSpPr>
+      <p:sp>
+        <p:nvSpPr>
+          <p:cNvPr id="25" name="箭头: 上弧形 24">
+            <a:extLst>
+              <a:ext uri="{FF2B5EF4-FFF2-40B4-BE49-F238E27FC236}">
+                <a16:creationId xmlns:a16="http://schemas.microsoft.com/office/drawing/2014/main" id="{AC05410B-1543-41EF-BA99-6981F0BF9F45}"/>
+              </a:ext>
+            </a:extLst>
+          </p:cNvPr>
+          <p:cNvSpPr/>
+          <p:nvPr/>
+        </p:nvSpPr>
+        <p:spPr>
+          <a:xfrm>
+            <a:off x="3312600" y="1214819"/>
+            <a:ext cx="1320360" cy="297180"/>
+          </a:xfrm>
+          <a:prstGeom prst="curvedDownArrow">
+            <a:avLst/>
+          </a:prstGeom>
+          <a:solidFill>
+            <a:srgbClr val="FFFF00"/>
+          </a:solidFill>
+          <a:ln>
+            <a:solidFill>
+              <a:schemeClr val="tx1"/>
+            </a:solidFill>
+          </a:ln>
+        </p:spPr>
+        <p:style>
+          <a:lnRef idx="2">
+            <a:schemeClr val="accent1">
+              <a:shade val="50000"/>
+            </a:schemeClr>
+          </a:lnRef>
+          <a:fillRef idx="1">
+            <a:schemeClr val="accent1"/>
+          </a:fillRef>
+          <a:effectRef idx="0">
+            <a:schemeClr val="accent1"/>
+          </a:effectRef>
+          <a:fontRef idx="minor">
+            <a:schemeClr val="lt1"/>
+          </a:fontRef>
+        </p:style>
+        <p:txBody>
+          <a:bodyPr rtlCol="0" anchor="ctr"/>
+          <a:lstStyle/>
+          <a:p>
+            <a:pPr algn="ctr"/>
+            <a:endParaRPr lang="zh-CN" altLang="en-US">
+              <a:solidFill>
+                <a:schemeClr val="tx1"/>
+              </a:solidFill>
+            </a:endParaRPr>
+          </a:p>
+        </p:txBody>
+      </p:sp>
+      <p:sp>
+        <p:nvSpPr>
+          <p:cNvPr id="27" name="矩形 26">
+            <a:extLst>
+              <a:ext uri="{FF2B5EF4-FFF2-40B4-BE49-F238E27FC236}">
+                <a16:creationId xmlns:a16="http://schemas.microsoft.com/office/drawing/2014/main" id="{AE8CCB75-FD4B-4B49-9D0E-EE4BC3762EAE}"/>
+              </a:ext>
+            </a:extLst>
+          </p:cNvPr>
+          <p:cNvSpPr/>
+          <p:nvPr/>
+        </p:nvSpPr>
+        <p:spPr>
+          <a:xfrm>
+            <a:off x="4448583" y="1541035"/>
+            <a:ext cx="540000" cy="540000"/>
+          </a:xfrm>
+          <a:prstGeom prst="rect">
+            <a:avLst/>
+          </a:prstGeom>
+          <a:solidFill>
+            <a:srgbClr val="5F86CD"/>
+          </a:solidFill>
+        </p:spPr>
+        <p:style>
+          <a:lnRef idx="2">
+            <a:schemeClr val="accent1">
+              <a:shade val="50000"/>
+            </a:schemeClr>
+          </a:lnRef>
+          <a:fillRef idx="1">
+            <a:schemeClr val="accent1"/>
+          </a:fillRef>
+          <a:effectRef idx="0">
+            <a:schemeClr val="accent1"/>
+          </a:effectRef>
+          <a:fontRef idx="minor">
+            <a:schemeClr val="lt1"/>
+          </a:fontRef>
+        </p:style>
+        <p:txBody>
+          <a:bodyPr rtlCol="0" anchor="ctr"/>
+          <a:lstStyle/>
+          <a:p>
+            <a:pPr algn="ctr"/>
+            <a:r>
+              <a:rPr lang="en-US" altLang="zh-CN" dirty="0">
+                <a:solidFill>
+                  <a:schemeClr val="tx1"/>
+                </a:solidFill>
+                <a:latin typeface="Times New Roman" panose="02020603050405020304" pitchFamily="18" charset="0"/>
+                <a:cs typeface="Times New Roman" panose="02020603050405020304" pitchFamily="18" charset="0"/>
+              </a:rPr>
+              <a:t>7</a:t>
+            </a:r>
+            <a:endParaRPr lang="zh-CN" altLang="en-US" dirty="0">
+              <a:solidFill>
+                <a:schemeClr val="tx1"/>
+              </a:solidFill>
+              <a:latin typeface="Times New Roman" panose="02020603050405020304" pitchFamily="18" charset="0"/>
+              <a:cs typeface="Times New Roman" panose="02020603050405020304" pitchFamily="18" charset="0"/>
+            </a:endParaRPr>
+          </a:p>
+        </p:txBody>
+      </p:sp>
+      <p:sp>
+        <p:nvSpPr>
+          <p:cNvPr id="32" name="矩形 31">
+            <a:extLst>
+              <a:ext uri="{FF2B5EF4-FFF2-40B4-BE49-F238E27FC236}">
+                <a16:creationId xmlns:a16="http://schemas.microsoft.com/office/drawing/2014/main" id="{F344CBFF-2E08-4EC4-BE4D-D2A0C4135AE2}"/>
+              </a:ext>
+            </a:extLst>
+          </p:cNvPr>
+          <p:cNvSpPr/>
+          <p:nvPr/>
+        </p:nvSpPr>
+        <p:spPr>
+          <a:xfrm>
+            <a:off x="4988583" y="1541035"/>
+            <a:ext cx="540000" cy="540000"/>
+          </a:xfrm>
+          <a:prstGeom prst="rect">
+            <a:avLst/>
+          </a:prstGeom>
+          <a:solidFill>
+            <a:srgbClr val="02FFC4"/>
+          </a:solidFill>
+        </p:spPr>
+        <p:style>
+          <a:lnRef idx="2">
+            <a:schemeClr val="accent1">
+              <a:shade val="50000"/>
+            </a:schemeClr>
+          </a:lnRef>
+          <a:fillRef idx="1">
+            <a:schemeClr val="accent1"/>
+          </a:fillRef>
+          <a:effectRef idx="0">
+            <a:schemeClr val="accent1"/>
+          </a:effectRef>
+          <a:fontRef idx="minor">
+            <a:schemeClr val="lt1"/>
+          </a:fontRef>
+        </p:style>
+        <p:txBody>
+          <a:bodyPr rtlCol="0" anchor="ctr"/>
+          <a:lstStyle/>
+          <a:p>
+            <a:pPr algn="ctr"/>
+            <a:r>
+              <a:rPr lang="en-US" altLang="zh-CN" dirty="0">
+                <a:solidFill>
+                  <a:schemeClr val="tx1"/>
+                </a:solidFill>
+                <a:latin typeface="Times New Roman" panose="02020603050405020304" pitchFamily="18" charset="0"/>
+                <a:cs typeface="Times New Roman" panose="02020603050405020304" pitchFamily="18" charset="0"/>
+              </a:rPr>
+              <a:t>9</a:t>
+            </a:r>
+            <a:endParaRPr lang="zh-CN" altLang="en-US" dirty="0">
+              <a:solidFill>
+                <a:schemeClr val="tx1"/>
+              </a:solidFill>
+              <a:latin typeface="Times New Roman" panose="02020603050405020304" pitchFamily="18" charset="0"/>
+              <a:cs typeface="Times New Roman" panose="02020603050405020304" pitchFamily="18" charset="0"/>
+            </a:endParaRPr>
+          </a:p>
+        </p:txBody>
+      </p:sp>
+      <p:sp>
+        <p:nvSpPr>
+          <p:cNvPr id="38" name="矩形 37">
+            <a:extLst>
+              <a:ext uri="{FF2B5EF4-FFF2-40B4-BE49-F238E27FC236}">
+                <a16:creationId xmlns:a16="http://schemas.microsoft.com/office/drawing/2014/main" id="{DB669A1C-CAE3-4993-8316-F21508AE5BEC}"/>
+              </a:ext>
+            </a:extLst>
+          </p:cNvPr>
+          <p:cNvSpPr/>
+          <p:nvPr/>
+        </p:nvSpPr>
+        <p:spPr>
+          <a:xfrm>
+            <a:off x="4449600" y="2081035"/>
+            <a:ext cx="540000" cy="540000"/>
+          </a:xfrm>
+          <a:prstGeom prst="rect">
+            <a:avLst/>
+          </a:prstGeom>
+          <a:solidFill>
+            <a:srgbClr val="02FFFF"/>
+          </a:solidFill>
+        </p:spPr>
+        <p:style>
+          <a:lnRef idx="2">
+            <a:schemeClr val="accent1">
+              <a:shade val="50000"/>
+            </a:schemeClr>
+          </a:lnRef>
+          <a:fillRef idx="1">
+            <a:schemeClr val="accent1"/>
+          </a:fillRef>
+          <a:effectRef idx="0">
+            <a:schemeClr val="accent1"/>
+          </a:effectRef>
+          <a:fontRef idx="minor">
+            <a:schemeClr val="lt1"/>
+          </a:fontRef>
+        </p:style>
+        <p:txBody>
+          <a:bodyPr rtlCol="0" anchor="ctr"/>
+          <a:lstStyle/>
+          <a:p>
+            <a:pPr algn="ctr"/>
+            <a:r>
+              <a:rPr lang="en-US" altLang="zh-CN" dirty="0">
+                <a:solidFill>
+                  <a:schemeClr val="tx1"/>
+                </a:solidFill>
+                <a:latin typeface="Times New Roman" panose="02020603050405020304" pitchFamily="18" charset="0"/>
+                <a:cs typeface="Times New Roman" panose="02020603050405020304" pitchFamily="18" charset="0"/>
+              </a:rPr>
+              <a:t>8</a:t>
+            </a:r>
+            <a:endParaRPr lang="zh-CN" altLang="en-US" dirty="0">
+              <a:solidFill>
+                <a:schemeClr val="tx1"/>
+              </a:solidFill>
+              <a:latin typeface="Times New Roman" panose="02020603050405020304" pitchFamily="18" charset="0"/>
+              <a:cs typeface="Times New Roman" panose="02020603050405020304" pitchFamily="18" charset="0"/>
+            </a:endParaRPr>
+          </a:p>
+        </p:txBody>
+      </p:sp>
+      <p:sp>
+        <p:nvSpPr>
+          <p:cNvPr id="40" name="矩形 39">
+            <a:extLst>
+              <a:ext uri="{FF2B5EF4-FFF2-40B4-BE49-F238E27FC236}">
+                <a16:creationId xmlns:a16="http://schemas.microsoft.com/office/drawing/2014/main" id="{AB8EE838-AB42-454E-A6F0-2EB7E5544615}"/>
+              </a:ext>
+            </a:extLst>
+          </p:cNvPr>
+          <p:cNvSpPr/>
+          <p:nvPr/>
+        </p:nvSpPr>
+        <p:spPr>
+          <a:xfrm>
+            <a:off x="4988583" y="2081102"/>
+            <a:ext cx="540000" cy="540000"/>
+          </a:xfrm>
+          <a:prstGeom prst="rect">
+            <a:avLst/>
+          </a:prstGeom>
+          <a:solidFill>
+            <a:srgbClr val="A162D0"/>
+          </a:solidFill>
+        </p:spPr>
+        <p:style>
+          <a:lnRef idx="2">
+            <a:schemeClr val="accent1">
+              <a:shade val="50000"/>
+            </a:schemeClr>
+          </a:lnRef>
+          <a:fillRef idx="1">
+            <a:schemeClr val="accent1"/>
+          </a:fillRef>
+          <a:effectRef idx="0">
+            <a:schemeClr val="accent1"/>
+          </a:effectRef>
+          <a:fontRef idx="minor">
+            <a:schemeClr val="lt1"/>
+          </a:fontRef>
+        </p:style>
+        <p:txBody>
+          <a:bodyPr rtlCol="0" anchor="ctr"/>
+          <a:lstStyle/>
+          <a:p>
+            <a:pPr algn="ctr"/>
+            <a:r>
+              <a:rPr lang="en-US" altLang="zh-CN" dirty="0">
+                <a:solidFill>
+                  <a:schemeClr val="tx1"/>
+                </a:solidFill>
+                <a:latin typeface="Times New Roman" panose="02020603050405020304" pitchFamily="18" charset="0"/>
+                <a:cs typeface="Times New Roman" panose="02020603050405020304" pitchFamily="18" charset="0"/>
+              </a:rPr>
+              <a:t>6</a:t>
+            </a:r>
+            <a:endParaRPr lang="zh-CN" altLang="en-US" dirty="0">
+              <a:solidFill>
+                <a:schemeClr val="tx1"/>
+              </a:solidFill>
+              <a:latin typeface="Times New Roman" panose="02020603050405020304" pitchFamily="18" charset="0"/>
+              <a:cs typeface="Times New Roman" panose="02020603050405020304" pitchFamily="18" charset="0"/>
+            </a:endParaRPr>
+          </a:p>
+        </p:txBody>
+      </p:sp>
+      <p:sp>
+        <p:nvSpPr>
+          <p:cNvPr id="42" name="文本框 41">
+            <a:extLst>
+              <a:ext uri="{FF2B5EF4-FFF2-40B4-BE49-F238E27FC236}">
+                <a16:creationId xmlns:a16="http://schemas.microsoft.com/office/drawing/2014/main" id="{E92B1F26-B963-4640-9138-F8A7CB069DF2}"/>
+              </a:ext>
+            </a:extLst>
+          </p:cNvPr>
+          <p:cNvSpPr txBox="1"/>
+          <p:nvPr/>
+        </p:nvSpPr>
+        <p:spPr>
+          <a:xfrm>
+            <a:off x="3786539" y="772758"/>
+            <a:ext cx="1107780" cy="261610"/>
+          </a:xfrm>
+          <a:prstGeom prst="rect">
+            <a:avLst/>
+          </a:prstGeom>
+          <a:noFill/>
+        </p:spPr>
+        <p:txBody>
+          <a:bodyPr wrap="square" rtlCol="0">
+            <a:spAutoFit/>
+          </a:bodyPr>
+          <a:lstStyle/>
+          <a:p>
+            <a:r>
+              <a:rPr lang="en-US" altLang="zh-CN" sz="1100" dirty="0">
+                <a:latin typeface="Arial" panose="020B0604020202020204" pitchFamily="34" charset="0"/>
+                <a:cs typeface="Arial" panose="020B0604020202020204" pitchFamily="34" charset="0"/>
+              </a:rPr>
+              <a:t>Max Selection</a:t>
+            </a:r>
+            <a:endParaRPr lang="zh-CN" altLang="en-US" sz="1100" dirty="0">
+              <a:latin typeface="Arial" panose="020B0604020202020204" pitchFamily="34" charset="0"/>
+              <a:cs typeface="Arial" panose="020B0604020202020204" pitchFamily="34" charset="0"/>
+            </a:endParaRPr>
+          </a:p>
+        </p:txBody>
+      </p:sp>
+      <p:sp>
+        <p:nvSpPr>
+          <p:cNvPr id="43" name="矩形 42">
+            <a:extLst>
+              <a:ext uri="{FF2B5EF4-FFF2-40B4-BE49-F238E27FC236}">
+                <a16:creationId xmlns:a16="http://schemas.microsoft.com/office/drawing/2014/main" id="{2929FBFA-6FBE-45B6-9A86-C6C0F0ADA6A3}"/>
+              </a:ext>
+            </a:extLst>
+          </p:cNvPr>
+          <p:cNvSpPr/>
+          <p:nvPr/>
+        </p:nvSpPr>
+        <p:spPr>
+          <a:xfrm>
+            <a:off x="4408592" y="3156899"/>
+            <a:ext cx="360000" cy="360000"/>
+          </a:xfrm>
+          <a:prstGeom prst="rect">
+            <a:avLst/>
+          </a:prstGeom>
+          <a:solidFill>
+            <a:srgbClr val="5F86CD"/>
+          </a:solidFill>
+        </p:spPr>
+        <p:style>
+          <a:lnRef idx="2">
+            <a:schemeClr val="accent1">
+              <a:shade val="50000"/>
+            </a:schemeClr>
+          </a:lnRef>
+          <a:fillRef idx="1">
+            <a:schemeClr val="accent1"/>
+          </a:fillRef>
+          <a:effectRef idx="0">
+            <a:schemeClr val="accent1"/>
+          </a:effectRef>
+          <a:fontRef idx="minor">
+            <a:schemeClr val="lt1"/>
+          </a:fontRef>
+        </p:style>
+        <p:txBody>
+          <a:bodyPr rtlCol="0" anchor="ctr"/>
+          <a:lstStyle/>
+          <a:p>
+            <a:pPr algn="ctr"/>
+            <a:r>
+              <a:rPr lang="en-US" altLang="zh-CN" dirty="0">
+                <a:solidFill>
+                  <a:schemeClr val="tx1"/>
+                </a:solidFill>
+                <a:latin typeface="Times New Roman" panose="02020603050405020304" pitchFamily="18" charset="0"/>
+                <a:cs typeface="Times New Roman" panose="02020603050405020304" pitchFamily="18" charset="0"/>
+              </a:rPr>
+              <a:t>2</a:t>
+            </a:r>
+            <a:endParaRPr lang="zh-CN" altLang="en-US" dirty="0">
+              <a:solidFill>
+                <a:schemeClr val="tx1"/>
+              </a:solidFill>
+              <a:latin typeface="Times New Roman" panose="02020603050405020304" pitchFamily="18" charset="0"/>
+              <a:cs typeface="Times New Roman" panose="02020603050405020304" pitchFamily="18" charset="0"/>
+            </a:endParaRPr>
+          </a:p>
+        </p:txBody>
+      </p:sp>
+      <p:sp>
+        <p:nvSpPr>
+          <p:cNvPr id="44" name="矩形 43">
+            <a:extLst>
+              <a:ext uri="{FF2B5EF4-FFF2-40B4-BE49-F238E27FC236}">
+                <a16:creationId xmlns:a16="http://schemas.microsoft.com/office/drawing/2014/main" id="{5B2981BB-F435-4375-B84D-0F32052047E7}"/>
+              </a:ext>
+            </a:extLst>
+          </p:cNvPr>
+          <p:cNvSpPr/>
+          <p:nvPr/>
+        </p:nvSpPr>
+        <p:spPr>
+          <a:xfrm>
+            <a:off x="4769611" y="3156899"/>
+            <a:ext cx="360000" cy="360000"/>
+          </a:xfrm>
+          <a:prstGeom prst="rect">
+            <a:avLst/>
+          </a:prstGeom>
+          <a:solidFill>
+            <a:srgbClr val="5F86CD"/>
+          </a:solidFill>
+        </p:spPr>
+        <p:style>
+          <a:lnRef idx="2">
+            <a:schemeClr val="accent1">
+              <a:shade val="50000"/>
+            </a:schemeClr>
+          </a:lnRef>
+          <a:fillRef idx="1">
+            <a:schemeClr val="accent1"/>
+          </a:fillRef>
+          <a:effectRef idx="0">
+            <a:schemeClr val="accent1"/>
+          </a:effectRef>
+          <a:fontRef idx="minor">
+            <a:schemeClr val="lt1"/>
+          </a:fontRef>
+        </p:style>
+        <p:txBody>
+          <a:bodyPr rtlCol="0" anchor="ctr"/>
+          <a:lstStyle/>
+          <a:p>
+            <a:pPr algn="ctr"/>
+            <a:r>
+              <a:rPr lang="en-US" altLang="zh-CN" dirty="0">
+                <a:solidFill>
+                  <a:schemeClr val="tx1"/>
+                </a:solidFill>
+                <a:latin typeface="Times New Roman" panose="02020603050405020304" pitchFamily="18" charset="0"/>
+                <a:cs typeface="Times New Roman" panose="02020603050405020304" pitchFamily="18" charset="0"/>
+              </a:rPr>
+              <a:t>7</a:t>
+            </a:r>
+            <a:endParaRPr lang="zh-CN" altLang="en-US" dirty="0">
+              <a:solidFill>
+                <a:schemeClr val="tx1"/>
+              </a:solidFill>
+              <a:latin typeface="Times New Roman" panose="02020603050405020304" pitchFamily="18" charset="0"/>
+              <a:cs typeface="Times New Roman" panose="02020603050405020304" pitchFamily="18" charset="0"/>
+            </a:endParaRPr>
+          </a:p>
+        </p:txBody>
+      </p:sp>
+      <p:sp>
+        <p:nvSpPr>
+          <p:cNvPr id="45" name="矩形 44">
+            <a:extLst>
+              <a:ext uri="{FF2B5EF4-FFF2-40B4-BE49-F238E27FC236}">
+                <a16:creationId xmlns:a16="http://schemas.microsoft.com/office/drawing/2014/main" id="{04250B1E-0D65-44F0-B5EB-A72D7773AF0A}"/>
+              </a:ext>
+            </a:extLst>
+          </p:cNvPr>
+          <p:cNvSpPr/>
+          <p:nvPr/>
+        </p:nvSpPr>
+        <p:spPr>
+          <a:xfrm>
+            <a:off x="5129611" y="3156899"/>
+            <a:ext cx="360000" cy="360000"/>
+          </a:xfrm>
+          <a:prstGeom prst="rect">
+            <a:avLst/>
+          </a:prstGeom>
+          <a:solidFill>
+            <a:srgbClr val="02FFC4"/>
+          </a:solidFill>
+        </p:spPr>
+        <p:style>
+          <a:lnRef idx="2">
+            <a:schemeClr val="accent1">
+              <a:shade val="50000"/>
+            </a:schemeClr>
+          </a:lnRef>
+          <a:fillRef idx="1">
+            <a:schemeClr val="accent1"/>
+          </a:fillRef>
+          <a:effectRef idx="0">
+            <a:schemeClr val="accent1"/>
+          </a:effectRef>
+          <a:fontRef idx="minor">
+            <a:schemeClr val="lt1"/>
+          </a:fontRef>
+        </p:style>
+        <p:txBody>
+          <a:bodyPr rtlCol="0" anchor="ctr"/>
+          <a:lstStyle/>
+          <a:p>
+            <a:pPr algn="ctr"/>
+            <a:r>
+              <a:rPr lang="en-US" altLang="zh-CN" dirty="0">
+                <a:solidFill>
+                  <a:schemeClr val="tx1"/>
+                </a:solidFill>
+                <a:latin typeface="Times New Roman" panose="02020603050405020304" pitchFamily="18" charset="0"/>
+                <a:cs typeface="Times New Roman" panose="02020603050405020304" pitchFamily="18" charset="0"/>
+              </a:rPr>
+              <a:t>5</a:t>
+            </a:r>
+            <a:endParaRPr lang="zh-CN" altLang="en-US" dirty="0">
+              <a:solidFill>
+                <a:schemeClr val="tx1"/>
+              </a:solidFill>
+              <a:latin typeface="Times New Roman" panose="02020603050405020304" pitchFamily="18" charset="0"/>
+              <a:cs typeface="Times New Roman" panose="02020603050405020304" pitchFamily="18" charset="0"/>
+            </a:endParaRPr>
+          </a:p>
+        </p:txBody>
+      </p:sp>
+      <p:sp>
+        <p:nvSpPr>
+          <p:cNvPr id="46" name="矩形 45">
+            <a:extLst>
+              <a:ext uri="{FF2B5EF4-FFF2-40B4-BE49-F238E27FC236}">
+                <a16:creationId xmlns:a16="http://schemas.microsoft.com/office/drawing/2014/main" id="{CFD8BA9E-A309-462F-B787-F552E7DBE03D}"/>
+              </a:ext>
+            </a:extLst>
+          </p:cNvPr>
+          <p:cNvSpPr/>
+          <p:nvPr/>
+        </p:nvSpPr>
+        <p:spPr>
+          <a:xfrm>
+            <a:off x="5489611" y="3156899"/>
+            <a:ext cx="360000" cy="360000"/>
+          </a:xfrm>
+          <a:prstGeom prst="rect">
+            <a:avLst/>
+          </a:prstGeom>
+          <a:solidFill>
+            <a:srgbClr val="02FFC4"/>
+          </a:solidFill>
+        </p:spPr>
+        <p:style>
+          <a:lnRef idx="2">
+            <a:schemeClr val="accent1">
+              <a:shade val="50000"/>
+            </a:schemeClr>
+          </a:lnRef>
+          <a:fillRef idx="1">
+            <a:schemeClr val="accent1"/>
+          </a:fillRef>
+          <a:effectRef idx="0">
+            <a:schemeClr val="accent1"/>
+          </a:effectRef>
+          <a:fontRef idx="minor">
+            <a:schemeClr val="lt1"/>
+          </a:fontRef>
+        </p:style>
+        <p:txBody>
+          <a:bodyPr rtlCol="0" anchor="ctr"/>
+          <a:lstStyle/>
+          <a:p>
+            <a:pPr algn="ctr"/>
+            <a:r>
+              <a:rPr lang="en-US" altLang="zh-CN" dirty="0">
+                <a:solidFill>
+                  <a:schemeClr val="tx1"/>
+                </a:solidFill>
+                <a:latin typeface="Times New Roman" panose="02020603050405020304" pitchFamily="18" charset="0"/>
+                <a:cs typeface="Times New Roman" panose="02020603050405020304" pitchFamily="18" charset="0"/>
+              </a:rPr>
+              <a:t>2</a:t>
+            </a:r>
+            <a:endParaRPr lang="zh-CN" altLang="en-US" dirty="0">
+              <a:solidFill>
+                <a:schemeClr val="tx1"/>
+              </a:solidFill>
+              <a:latin typeface="Times New Roman" panose="02020603050405020304" pitchFamily="18" charset="0"/>
+              <a:cs typeface="Times New Roman" panose="02020603050405020304" pitchFamily="18" charset="0"/>
+            </a:endParaRPr>
+          </a:p>
+        </p:txBody>
+      </p:sp>
+      <p:sp>
+        <p:nvSpPr>
+          <p:cNvPr id="47" name="矩形 46">
+            <a:extLst>
+              <a:ext uri="{FF2B5EF4-FFF2-40B4-BE49-F238E27FC236}">
+                <a16:creationId xmlns:a16="http://schemas.microsoft.com/office/drawing/2014/main" id="{1DE6D3D8-9F96-4EEE-9E67-44A89EFEB5E6}"/>
+              </a:ext>
+            </a:extLst>
+          </p:cNvPr>
+          <p:cNvSpPr/>
+          <p:nvPr/>
+        </p:nvSpPr>
+        <p:spPr>
+          <a:xfrm>
+            <a:off x="4408592" y="3516899"/>
+            <a:ext cx="360000" cy="360000"/>
+          </a:xfrm>
+          <a:prstGeom prst="rect">
+            <a:avLst/>
+          </a:prstGeom>
+          <a:solidFill>
+            <a:srgbClr val="5F86CD"/>
+          </a:solidFill>
+        </p:spPr>
+        <p:style>
+          <a:lnRef idx="2">
+            <a:schemeClr val="accent1">
+              <a:shade val="50000"/>
+            </a:schemeClr>
+          </a:lnRef>
+          <a:fillRef idx="1">
+            <a:schemeClr val="accent1"/>
+          </a:fillRef>
+          <a:effectRef idx="0">
+            <a:schemeClr val="accent1"/>
+          </a:effectRef>
+          <a:fontRef idx="minor">
+            <a:schemeClr val="lt1"/>
+          </a:fontRef>
+        </p:style>
+        <p:txBody>
+          <a:bodyPr rtlCol="0" anchor="ctr"/>
+          <a:lstStyle/>
+          <a:p>
+            <a:pPr algn="ctr"/>
+            <a:r>
+              <a:rPr lang="en-US" altLang="zh-CN" dirty="0">
+                <a:solidFill>
+                  <a:schemeClr val="tx1"/>
+                </a:solidFill>
+                <a:latin typeface="Times New Roman" panose="02020603050405020304" pitchFamily="18" charset="0"/>
+                <a:cs typeface="Times New Roman" panose="02020603050405020304" pitchFamily="18" charset="0"/>
+              </a:rPr>
+              <a:t>0</a:t>
+            </a:r>
+            <a:endParaRPr lang="zh-CN" altLang="en-US" dirty="0">
+              <a:solidFill>
+                <a:schemeClr val="tx1"/>
+              </a:solidFill>
+              <a:latin typeface="Times New Roman" panose="02020603050405020304" pitchFamily="18" charset="0"/>
+              <a:cs typeface="Times New Roman" panose="02020603050405020304" pitchFamily="18" charset="0"/>
+            </a:endParaRPr>
+          </a:p>
+        </p:txBody>
+      </p:sp>
+      <p:sp>
+        <p:nvSpPr>
+          <p:cNvPr id="48" name="矩形 47">
+            <a:extLst>
+              <a:ext uri="{FF2B5EF4-FFF2-40B4-BE49-F238E27FC236}">
+                <a16:creationId xmlns:a16="http://schemas.microsoft.com/office/drawing/2014/main" id="{513D2D0C-54F3-451F-8C41-8EC6E75D4A83}"/>
+              </a:ext>
+            </a:extLst>
+          </p:cNvPr>
+          <p:cNvSpPr/>
+          <p:nvPr/>
+        </p:nvSpPr>
+        <p:spPr>
+          <a:xfrm>
+            <a:off x="4769611" y="3516899"/>
+            <a:ext cx="360000" cy="360000"/>
+          </a:xfrm>
+          <a:prstGeom prst="rect">
+            <a:avLst/>
+          </a:prstGeom>
+          <a:solidFill>
+            <a:srgbClr val="5F86CD"/>
+          </a:solidFill>
+        </p:spPr>
+        <p:style>
+          <a:lnRef idx="2">
+            <a:schemeClr val="accent1">
+              <a:shade val="50000"/>
+            </a:schemeClr>
+          </a:lnRef>
+          <a:fillRef idx="1">
+            <a:schemeClr val="accent1"/>
+          </a:fillRef>
+          <a:effectRef idx="0">
+            <a:schemeClr val="accent1"/>
+          </a:effectRef>
+          <a:fontRef idx="minor">
+            <a:schemeClr val="lt1"/>
+          </a:fontRef>
+        </p:style>
+        <p:txBody>
+          <a:bodyPr rtlCol="0" anchor="ctr"/>
+          <a:lstStyle/>
+          <a:p>
+            <a:pPr algn="ctr"/>
+            <a:r>
+              <a:rPr lang="en-US" altLang="zh-CN" dirty="0">
+                <a:solidFill>
+                  <a:schemeClr val="tx1"/>
+                </a:solidFill>
+                <a:latin typeface="Times New Roman" panose="02020603050405020304" pitchFamily="18" charset="0"/>
+                <a:cs typeface="Times New Roman" panose="02020603050405020304" pitchFamily="18" charset="0"/>
+              </a:rPr>
+              <a:t>3</a:t>
+            </a:r>
+            <a:endParaRPr lang="zh-CN" altLang="en-US" dirty="0">
+              <a:solidFill>
+                <a:schemeClr val="tx1"/>
+              </a:solidFill>
+              <a:latin typeface="Times New Roman" panose="02020603050405020304" pitchFamily="18" charset="0"/>
+              <a:cs typeface="Times New Roman" panose="02020603050405020304" pitchFamily="18" charset="0"/>
+            </a:endParaRPr>
+          </a:p>
+        </p:txBody>
+      </p:sp>
+      <p:sp>
+        <p:nvSpPr>
+          <p:cNvPr id="49" name="矩形 48">
+            <a:extLst>
+              <a:ext uri="{FF2B5EF4-FFF2-40B4-BE49-F238E27FC236}">
+                <a16:creationId xmlns:a16="http://schemas.microsoft.com/office/drawing/2014/main" id="{F1EC1F76-4D67-48D6-84EE-36B095B0CA81}"/>
+              </a:ext>
+            </a:extLst>
+          </p:cNvPr>
+          <p:cNvSpPr/>
+          <p:nvPr/>
+        </p:nvSpPr>
+        <p:spPr>
+          <a:xfrm>
+            <a:off x="5129611" y="3516899"/>
+            <a:ext cx="360000" cy="360000"/>
+          </a:xfrm>
+          <a:prstGeom prst="rect">
+            <a:avLst/>
+          </a:prstGeom>
+          <a:solidFill>
+            <a:srgbClr val="02FFC4"/>
+          </a:solidFill>
+        </p:spPr>
+        <p:style>
+          <a:lnRef idx="2">
+            <a:schemeClr val="accent1">
+              <a:shade val="50000"/>
+            </a:schemeClr>
+          </a:lnRef>
+          <a:fillRef idx="1">
+            <a:schemeClr val="accent1"/>
+          </a:fillRef>
+          <a:effectRef idx="0">
+            <a:schemeClr val="accent1"/>
+          </a:effectRef>
+          <a:fontRef idx="minor">
+            <a:schemeClr val="lt1"/>
+          </a:fontRef>
+        </p:style>
+        <p:txBody>
+          <a:bodyPr rtlCol="0" anchor="ctr"/>
+          <a:lstStyle/>
+          <a:p>
+            <a:pPr algn="ctr"/>
+            <a:r>
+              <a:rPr lang="en-US" altLang="zh-CN" dirty="0">
+                <a:solidFill>
+                  <a:schemeClr val="tx1"/>
+                </a:solidFill>
+                <a:latin typeface="Times New Roman" panose="02020603050405020304" pitchFamily="18" charset="0"/>
+                <a:cs typeface="Times New Roman" panose="02020603050405020304" pitchFamily="18" charset="0"/>
+              </a:rPr>
+              <a:t>9</a:t>
+            </a:r>
+            <a:endParaRPr lang="zh-CN" altLang="en-US" dirty="0">
+              <a:solidFill>
+                <a:schemeClr val="tx1"/>
+              </a:solidFill>
+              <a:latin typeface="Times New Roman" panose="02020603050405020304" pitchFamily="18" charset="0"/>
+              <a:cs typeface="Times New Roman" panose="02020603050405020304" pitchFamily="18" charset="0"/>
+            </a:endParaRPr>
+          </a:p>
+        </p:txBody>
+      </p:sp>
+      <p:sp>
+        <p:nvSpPr>
+          <p:cNvPr id="50" name="矩形 49">
+            <a:extLst>
+              <a:ext uri="{FF2B5EF4-FFF2-40B4-BE49-F238E27FC236}">
+                <a16:creationId xmlns:a16="http://schemas.microsoft.com/office/drawing/2014/main" id="{DAC4C60E-6A15-4B3D-A596-650DCD8415A3}"/>
+              </a:ext>
+            </a:extLst>
+          </p:cNvPr>
+          <p:cNvSpPr/>
+          <p:nvPr/>
+        </p:nvSpPr>
+        <p:spPr>
+          <a:xfrm>
+            <a:off x="5489611" y="3516899"/>
+            <a:ext cx="360000" cy="360000"/>
+          </a:xfrm>
+          <a:prstGeom prst="rect">
+            <a:avLst/>
+          </a:prstGeom>
+          <a:solidFill>
+            <a:srgbClr val="02FFC4"/>
+          </a:solidFill>
+        </p:spPr>
+        <p:style>
+          <a:lnRef idx="2">
+            <a:schemeClr val="accent1">
+              <a:shade val="50000"/>
+            </a:schemeClr>
+          </a:lnRef>
+          <a:fillRef idx="1">
+            <a:schemeClr val="accent1"/>
+          </a:fillRef>
+          <a:effectRef idx="0">
+            <a:schemeClr val="accent1"/>
+          </a:effectRef>
+          <a:fontRef idx="minor">
+            <a:schemeClr val="lt1"/>
+          </a:fontRef>
+        </p:style>
+        <p:txBody>
+          <a:bodyPr rtlCol="0" anchor="ctr"/>
+          <a:lstStyle/>
+          <a:p>
+            <a:pPr algn="ctr"/>
+            <a:r>
+              <a:rPr lang="en-US" altLang="zh-CN" dirty="0">
+                <a:solidFill>
+                  <a:schemeClr val="tx1"/>
+                </a:solidFill>
+                <a:latin typeface="Times New Roman" panose="02020603050405020304" pitchFamily="18" charset="0"/>
+                <a:cs typeface="Times New Roman" panose="02020603050405020304" pitchFamily="18" charset="0"/>
+              </a:rPr>
+              <a:t>4</a:t>
+            </a:r>
+            <a:endParaRPr lang="zh-CN" altLang="en-US" dirty="0">
+              <a:solidFill>
+                <a:schemeClr val="tx1"/>
+              </a:solidFill>
+              <a:latin typeface="Times New Roman" panose="02020603050405020304" pitchFamily="18" charset="0"/>
+              <a:cs typeface="Times New Roman" panose="02020603050405020304" pitchFamily="18" charset="0"/>
+            </a:endParaRPr>
+          </a:p>
+        </p:txBody>
+      </p:sp>
+      <p:sp>
+        <p:nvSpPr>
+          <p:cNvPr id="51" name="矩形 50">
+            <a:extLst>
+              <a:ext uri="{FF2B5EF4-FFF2-40B4-BE49-F238E27FC236}">
+                <a16:creationId xmlns:a16="http://schemas.microsoft.com/office/drawing/2014/main" id="{3B7C7D90-0A2A-40F9-B011-0AAFE53D9547}"/>
+              </a:ext>
+            </a:extLst>
+          </p:cNvPr>
+          <p:cNvSpPr/>
+          <p:nvPr/>
+        </p:nvSpPr>
+        <p:spPr>
+          <a:xfrm>
+            <a:off x="4408592" y="3876899"/>
+            <a:ext cx="360000" cy="360000"/>
+          </a:xfrm>
+          <a:prstGeom prst="rect">
+            <a:avLst/>
+          </a:prstGeom>
+          <a:solidFill>
+            <a:srgbClr val="02FFFF"/>
+          </a:solidFill>
+        </p:spPr>
+        <p:style>
+          <a:lnRef idx="2">
+            <a:schemeClr val="accent1">
+              <a:shade val="50000"/>
+            </a:schemeClr>
+          </a:lnRef>
+          <a:fillRef idx="1">
+            <a:schemeClr val="accent1"/>
+          </a:fillRef>
+          <a:effectRef idx="0">
+            <a:schemeClr val="accent1"/>
+          </a:effectRef>
+          <a:fontRef idx="minor">
+            <a:schemeClr val="lt1"/>
+          </a:fontRef>
+        </p:style>
+        <p:txBody>
+          <a:bodyPr rtlCol="0" anchor="ctr"/>
+          <a:lstStyle/>
+          <a:p>
+            <a:pPr algn="ctr"/>
+            <a:r>
+              <a:rPr lang="en-US" altLang="zh-CN" dirty="0">
+                <a:solidFill>
+                  <a:schemeClr val="tx1"/>
+                </a:solidFill>
+                <a:latin typeface="Times New Roman" panose="02020603050405020304" pitchFamily="18" charset="0"/>
+                <a:cs typeface="Times New Roman" panose="02020603050405020304" pitchFamily="18" charset="0"/>
+              </a:rPr>
+              <a:t>2</a:t>
+            </a:r>
+            <a:endParaRPr lang="zh-CN" altLang="en-US" dirty="0">
+              <a:solidFill>
+                <a:schemeClr val="tx1"/>
+              </a:solidFill>
+              <a:latin typeface="Times New Roman" panose="02020603050405020304" pitchFamily="18" charset="0"/>
+              <a:cs typeface="Times New Roman" panose="02020603050405020304" pitchFamily="18" charset="0"/>
+            </a:endParaRPr>
+          </a:p>
+        </p:txBody>
+      </p:sp>
+      <p:sp>
+        <p:nvSpPr>
+          <p:cNvPr id="52" name="矩形 51">
+            <a:extLst>
+              <a:ext uri="{FF2B5EF4-FFF2-40B4-BE49-F238E27FC236}">
+                <a16:creationId xmlns:a16="http://schemas.microsoft.com/office/drawing/2014/main" id="{67230DD4-8CB9-4942-B428-B3B86B22CB6F}"/>
+              </a:ext>
+            </a:extLst>
+          </p:cNvPr>
+          <p:cNvSpPr/>
+          <p:nvPr/>
+        </p:nvSpPr>
+        <p:spPr>
+          <a:xfrm>
+            <a:off x="4769611" y="3876899"/>
+            <a:ext cx="360000" cy="360000"/>
+          </a:xfrm>
+          <a:prstGeom prst="rect">
+            <a:avLst/>
+          </a:prstGeom>
+          <a:solidFill>
+            <a:srgbClr val="02FFFF"/>
+          </a:solidFill>
+        </p:spPr>
+        <p:style>
+          <a:lnRef idx="2">
+            <a:schemeClr val="accent1">
+              <a:shade val="50000"/>
+            </a:schemeClr>
+          </a:lnRef>
+          <a:fillRef idx="1">
+            <a:schemeClr val="accent1"/>
+          </a:fillRef>
+          <a:effectRef idx="0">
+            <a:schemeClr val="accent1"/>
+          </a:effectRef>
+          <a:fontRef idx="minor">
+            <a:schemeClr val="lt1"/>
+          </a:fontRef>
+        </p:style>
+        <p:txBody>
+          <a:bodyPr rtlCol="0" anchor="ctr"/>
+          <a:lstStyle/>
+          <a:p>
+            <a:pPr algn="ctr"/>
+            <a:r>
+              <a:rPr lang="en-US" altLang="zh-CN" dirty="0">
+                <a:solidFill>
+                  <a:schemeClr val="tx1"/>
+                </a:solidFill>
+                <a:latin typeface="Times New Roman" panose="02020603050405020304" pitchFamily="18" charset="0"/>
+                <a:cs typeface="Times New Roman" panose="02020603050405020304" pitchFamily="18" charset="0"/>
+              </a:rPr>
+              <a:t>3</a:t>
+            </a:r>
+            <a:endParaRPr lang="zh-CN" altLang="en-US" dirty="0">
+              <a:solidFill>
+                <a:schemeClr val="tx1"/>
+              </a:solidFill>
+              <a:latin typeface="Times New Roman" panose="02020603050405020304" pitchFamily="18" charset="0"/>
+              <a:cs typeface="Times New Roman" panose="02020603050405020304" pitchFamily="18" charset="0"/>
+            </a:endParaRPr>
+          </a:p>
+        </p:txBody>
+      </p:sp>
+      <p:sp>
+        <p:nvSpPr>
+          <p:cNvPr id="53" name="矩形 52">
+            <a:extLst>
+              <a:ext uri="{FF2B5EF4-FFF2-40B4-BE49-F238E27FC236}">
+                <a16:creationId xmlns:a16="http://schemas.microsoft.com/office/drawing/2014/main" id="{BA34CEA2-8DFA-4C78-89E5-04E495BE3D3C}"/>
+              </a:ext>
+            </a:extLst>
+          </p:cNvPr>
+          <p:cNvSpPr/>
+          <p:nvPr/>
+        </p:nvSpPr>
+        <p:spPr>
+          <a:xfrm>
+            <a:off x="5129611" y="3876899"/>
+            <a:ext cx="360000" cy="360000"/>
+          </a:xfrm>
+          <a:prstGeom prst="rect">
+            <a:avLst/>
+          </a:prstGeom>
+          <a:solidFill>
+            <a:srgbClr val="A162D0"/>
+          </a:solidFill>
+        </p:spPr>
+        <p:style>
+          <a:lnRef idx="2">
+            <a:schemeClr val="accent1">
+              <a:shade val="50000"/>
+            </a:schemeClr>
+          </a:lnRef>
+          <a:fillRef idx="1">
+            <a:schemeClr val="accent1"/>
+          </a:fillRef>
+          <a:effectRef idx="0">
+            <a:schemeClr val="accent1"/>
+          </a:effectRef>
+          <a:fontRef idx="minor">
+            <a:schemeClr val="lt1"/>
+          </a:fontRef>
+        </p:style>
+        <p:txBody>
+          <a:bodyPr rtlCol="0" anchor="ctr"/>
+          <a:lstStyle/>
+          <a:p>
+            <a:pPr algn="ctr"/>
+            <a:r>
+              <a:rPr lang="en-US" altLang="zh-CN" dirty="0">
+                <a:solidFill>
+                  <a:schemeClr val="tx1"/>
+                </a:solidFill>
+                <a:latin typeface="Times New Roman" panose="02020603050405020304" pitchFamily="18" charset="0"/>
+                <a:cs typeface="Times New Roman" panose="02020603050405020304" pitchFamily="18" charset="0"/>
+              </a:rPr>
+              <a:t>2</a:t>
+            </a:r>
+            <a:endParaRPr lang="zh-CN" altLang="en-US" dirty="0">
+              <a:solidFill>
+                <a:schemeClr val="tx1"/>
+              </a:solidFill>
+              <a:latin typeface="Times New Roman" panose="02020603050405020304" pitchFamily="18" charset="0"/>
+              <a:cs typeface="Times New Roman" panose="02020603050405020304" pitchFamily="18" charset="0"/>
+            </a:endParaRPr>
+          </a:p>
+        </p:txBody>
+      </p:sp>
+      <p:sp>
+        <p:nvSpPr>
+          <p:cNvPr id="54" name="矩形 53">
+            <a:extLst>
+              <a:ext uri="{FF2B5EF4-FFF2-40B4-BE49-F238E27FC236}">
+                <a16:creationId xmlns:a16="http://schemas.microsoft.com/office/drawing/2014/main" id="{B5032240-0142-44F5-AC38-68991D9B0FB5}"/>
+              </a:ext>
+            </a:extLst>
+          </p:cNvPr>
+          <p:cNvSpPr/>
+          <p:nvPr/>
+        </p:nvSpPr>
+        <p:spPr>
+          <a:xfrm>
+            <a:off x="5489611" y="3876899"/>
+            <a:ext cx="360000" cy="360000"/>
+          </a:xfrm>
+          <a:prstGeom prst="rect">
+            <a:avLst/>
+          </a:prstGeom>
+          <a:solidFill>
+            <a:srgbClr val="A162D0"/>
+          </a:solidFill>
+        </p:spPr>
+        <p:style>
+          <a:lnRef idx="2">
+            <a:schemeClr val="accent1">
+              <a:shade val="50000"/>
+            </a:schemeClr>
+          </a:lnRef>
+          <a:fillRef idx="1">
+            <a:schemeClr val="accent1"/>
+          </a:fillRef>
+          <a:effectRef idx="0">
+            <a:schemeClr val="accent1"/>
+          </a:effectRef>
+          <a:fontRef idx="minor">
+            <a:schemeClr val="lt1"/>
+          </a:fontRef>
+        </p:style>
+        <p:txBody>
+          <a:bodyPr rtlCol="0" anchor="ctr"/>
+          <a:lstStyle/>
+          <a:p>
+            <a:pPr algn="ctr"/>
+            <a:r>
+              <a:rPr lang="en-US" altLang="zh-CN" dirty="0">
+                <a:solidFill>
+                  <a:schemeClr val="tx1"/>
+                </a:solidFill>
+                <a:latin typeface="Times New Roman" panose="02020603050405020304" pitchFamily="18" charset="0"/>
+                <a:cs typeface="Times New Roman" panose="02020603050405020304" pitchFamily="18" charset="0"/>
+              </a:rPr>
+              <a:t>3</a:t>
+            </a:r>
+            <a:endParaRPr lang="zh-CN" altLang="en-US" dirty="0">
+              <a:solidFill>
+                <a:schemeClr val="tx1"/>
+              </a:solidFill>
+              <a:latin typeface="Times New Roman" panose="02020603050405020304" pitchFamily="18" charset="0"/>
+              <a:cs typeface="Times New Roman" panose="02020603050405020304" pitchFamily="18" charset="0"/>
+            </a:endParaRPr>
+          </a:p>
+        </p:txBody>
+      </p:sp>
+      <p:sp>
+        <p:nvSpPr>
+          <p:cNvPr id="55" name="矩形 54">
+            <a:extLst>
+              <a:ext uri="{FF2B5EF4-FFF2-40B4-BE49-F238E27FC236}">
+                <a16:creationId xmlns:a16="http://schemas.microsoft.com/office/drawing/2014/main" id="{A6F322F9-22A5-4360-9A1E-8DDB375ACB81}"/>
+              </a:ext>
+            </a:extLst>
+          </p:cNvPr>
+          <p:cNvSpPr/>
+          <p:nvPr/>
+        </p:nvSpPr>
+        <p:spPr>
+          <a:xfrm>
+            <a:off x="4408592" y="4236899"/>
+            <a:ext cx="360000" cy="360000"/>
+          </a:xfrm>
+          <a:prstGeom prst="rect">
+            <a:avLst/>
+          </a:prstGeom>
+          <a:solidFill>
+            <a:srgbClr val="02FFFF"/>
+          </a:solidFill>
+        </p:spPr>
+        <p:style>
+          <a:lnRef idx="2">
+            <a:schemeClr val="accent1">
+              <a:shade val="50000"/>
+            </a:schemeClr>
+          </a:lnRef>
+          <a:fillRef idx="1">
+            <a:schemeClr val="accent1"/>
+          </a:fillRef>
+          <a:effectRef idx="0">
+            <a:schemeClr val="accent1"/>
+          </a:effectRef>
+          <a:fontRef idx="minor">
+            <a:schemeClr val="lt1"/>
+          </a:fontRef>
+        </p:style>
+        <p:txBody>
+          <a:bodyPr rtlCol="0" anchor="ctr"/>
+          <a:lstStyle/>
+          <a:p>
+            <a:pPr algn="ctr"/>
+            <a:r>
+              <a:rPr lang="en-US" altLang="zh-CN" dirty="0">
+                <a:solidFill>
+                  <a:schemeClr val="tx1"/>
+                </a:solidFill>
+                <a:latin typeface="Times New Roman" panose="02020603050405020304" pitchFamily="18" charset="0"/>
+                <a:cs typeface="Times New Roman" panose="02020603050405020304" pitchFamily="18" charset="0"/>
+              </a:rPr>
+              <a:t>8</a:t>
+            </a:r>
+            <a:endParaRPr lang="zh-CN" altLang="en-US" dirty="0">
+              <a:solidFill>
+                <a:schemeClr val="tx1"/>
+              </a:solidFill>
+              <a:latin typeface="Times New Roman" panose="02020603050405020304" pitchFamily="18" charset="0"/>
+              <a:cs typeface="Times New Roman" panose="02020603050405020304" pitchFamily="18" charset="0"/>
+            </a:endParaRPr>
+          </a:p>
+        </p:txBody>
+      </p:sp>
+      <p:sp>
+        <p:nvSpPr>
+          <p:cNvPr id="56" name="矩形 55">
+            <a:extLst>
+              <a:ext uri="{FF2B5EF4-FFF2-40B4-BE49-F238E27FC236}">
+                <a16:creationId xmlns:a16="http://schemas.microsoft.com/office/drawing/2014/main" id="{84CBE9D1-CC30-4D23-B904-7872FCC03044}"/>
+              </a:ext>
+            </a:extLst>
+          </p:cNvPr>
+          <p:cNvSpPr/>
+          <p:nvPr/>
+        </p:nvSpPr>
+        <p:spPr>
+          <a:xfrm>
+            <a:off x="4769611" y="4236899"/>
+            <a:ext cx="360000" cy="360000"/>
+          </a:xfrm>
+          <a:prstGeom prst="rect">
+            <a:avLst/>
+          </a:prstGeom>
+          <a:solidFill>
+            <a:srgbClr val="02FFFF"/>
+          </a:solidFill>
+        </p:spPr>
+        <p:style>
+          <a:lnRef idx="2">
+            <a:schemeClr val="accent1">
+              <a:shade val="50000"/>
+            </a:schemeClr>
+          </a:lnRef>
+          <a:fillRef idx="1">
+            <a:schemeClr val="accent1"/>
+          </a:fillRef>
+          <a:effectRef idx="0">
+            <a:schemeClr val="accent1"/>
+          </a:effectRef>
+          <a:fontRef idx="minor">
+            <a:schemeClr val="lt1"/>
+          </a:fontRef>
+        </p:style>
+        <p:txBody>
+          <a:bodyPr rtlCol="0" anchor="ctr"/>
+          <a:lstStyle/>
+          <a:p>
+            <a:pPr algn="ctr"/>
+            <a:r>
+              <a:rPr lang="en-US" altLang="zh-CN" dirty="0">
+                <a:solidFill>
+                  <a:schemeClr val="tx1"/>
+                </a:solidFill>
+                <a:latin typeface="Times New Roman" panose="02020603050405020304" pitchFamily="18" charset="0"/>
+                <a:cs typeface="Times New Roman" panose="02020603050405020304" pitchFamily="18" charset="0"/>
+              </a:rPr>
+              <a:t>7</a:t>
+            </a:r>
+            <a:endParaRPr lang="zh-CN" altLang="en-US" dirty="0">
+              <a:solidFill>
+                <a:schemeClr val="tx1"/>
+              </a:solidFill>
+              <a:latin typeface="Times New Roman" panose="02020603050405020304" pitchFamily="18" charset="0"/>
+              <a:cs typeface="Times New Roman" panose="02020603050405020304" pitchFamily="18" charset="0"/>
+            </a:endParaRPr>
+          </a:p>
+        </p:txBody>
+      </p:sp>
+      <p:sp>
+        <p:nvSpPr>
+          <p:cNvPr id="57" name="矩形 56">
+            <a:extLst>
+              <a:ext uri="{FF2B5EF4-FFF2-40B4-BE49-F238E27FC236}">
+                <a16:creationId xmlns:a16="http://schemas.microsoft.com/office/drawing/2014/main" id="{A6925CA8-3D00-4946-8B8C-B911EEAF4752}"/>
+              </a:ext>
+            </a:extLst>
+          </p:cNvPr>
+          <p:cNvSpPr/>
+          <p:nvPr/>
+        </p:nvSpPr>
+        <p:spPr>
+          <a:xfrm>
+            <a:off x="5129611" y="4236899"/>
+            <a:ext cx="360000" cy="360000"/>
+          </a:xfrm>
+          <a:prstGeom prst="rect">
+            <a:avLst/>
+          </a:prstGeom>
+          <a:solidFill>
+            <a:srgbClr val="A162D0"/>
+          </a:solidFill>
+        </p:spPr>
+        <p:style>
+          <a:lnRef idx="2">
+            <a:schemeClr val="accent1">
+              <a:shade val="50000"/>
+            </a:schemeClr>
+          </a:lnRef>
+          <a:fillRef idx="1">
+            <a:schemeClr val="accent1"/>
+          </a:fillRef>
+          <a:effectRef idx="0">
+            <a:schemeClr val="accent1"/>
+          </a:effectRef>
+          <a:fontRef idx="minor">
+            <a:schemeClr val="lt1"/>
+          </a:fontRef>
+        </p:style>
+        <p:txBody>
+          <a:bodyPr rtlCol="0" anchor="ctr"/>
+          <a:lstStyle/>
+          <a:p>
+            <a:pPr algn="ctr"/>
+            <a:r>
+              <a:rPr lang="en-US" altLang="zh-CN" dirty="0">
+                <a:solidFill>
+                  <a:schemeClr val="tx1"/>
+                </a:solidFill>
+                <a:latin typeface="Times New Roman" panose="02020603050405020304" pitchFamily="18" charset="0"/>
+                <a:cs typeface="Times New Roman" panose="02020603050405020304" pitchFamily="18" charset="0"/>
+              </a:rPr>
+              <a:t>6</a:t>
+            </a:r>
+            <a:endParaRPr lang="zh-CN" altLang="en-US" dirty="0">
+              <a:solidFill>
+                <a:schemeClr val="tx1"/>
+              </a:solidFill>
+              <a:latin typeface="Times New Roman" panose="02020603050405020304" pitchFamily="18" charset="0"/>
+              <a:cs typeface="Times New Roman" panose="02020603050405020304" pitchFamily="18" charset="0"/>
+            </a:endParaRPr>
+          </a:p>
+        </p:txBody>
+      </p:sp>
+      <p:sp>
+        <p:nvSpPr>
+          <p:cNvPr id="58" name="矩形 57">
+            <a:extLst>
+              <a:ext uri="{FF2B5EF4-FFF2-40B4-BE49-F238E27FC236}">
+                <a16:creationId xmlns:a16="http://schemas.microsoft.com/office/drawing/2014/main" id="{7297289A-AD1E-40BB-947A-26D76CFEA2AA}"/>
+              </a:ext>
+            </a:extLst>
+          </p:cNvPr>
+          <p:cNvSpPr/>
+          <p:nvPr/>
+        </p:nvSpPr>
+        <p:spPr>
+          <a:xfrm>
+            <a:off x="5489611" y="4236899"/>
+            <a:ext cx="360000" cy="360000"/>
+          </a:xfrm>
+          <a:prstGeom prst="rect">
+            <a:avLst/>
+          </a:prstGeom>
+          <a:solidFill>
+            <a:srgbClr val="A162D0"/>
+          </a:solidFill>
+        </p:spPr>
+        <p:style>
+          <a:lnRef idx="2">
+            <a:schemeClr val="accent1">
+              <a:shade val="50000"/>
+            </a:schemeClr>
+          </a:lnRef>
+          <a:fillRef idx="1">
+            <a:schemeClr val="accent1"/>
+          </a:fillRef>
+          <a:effectRef idx="0">
+            <a:schemeClr val="accent1"/>
+          </a:effectRef>
+          <a:fontRef idx="minor">
+            <a:schemeClr val="lt1"/>
+          </a:fontRef>
+        </p:style>
+        <p:txBody>
+          <a:bodyPr rtlCol="0" anchor="ctr"/>
+          <a:lstStyle/>
+          <a:p>
+            <a:pPr algn="ctr"/>
+            <a:r>
+              <a:rPr lang="en-US" altLang="zh-CN" dirty="0">
+                <a:solidFill>
+                  <a:schemeClr val="tx1"/>
+                </a:solidFill>
+                <a:latin typeface="Times New Roman" panose="02020603050405020304" pitchFamily="18" charset="0"/>
+                <a:cs typeface="Times New Roman" panose="02020603050405020304" pitchFamily="18" charset="0"/>
+              </a:rPr>
+              <a:t>5</a:t>
+            </a:r>
+            <a:endParaRPr lang="zh-CN" altLang="en-US" dirty="0">
+              <a:solidFill>
+                <a:schemeClr val="tx1"/>
+              </a:solidFill>
+              <a:latin typeface="Times New Roman" panose="02020603050405020304" pitchFamily="18" charset="0"/>
+              <a:cs typeface="Times New Roman" panose="02020603050405020304" pitchFamily="18" charset="0"/>
+            </a:endParaRPr>
+          </a:p>
+        </p:txBody>
+      </p:sp>
+      <p:sp>
+        <p:nvSpPr>
+          <p:cNvPr id="59" name="箭头: 上弧形 58">
+            <a:extLst>
+              <a:ext uri="{FF2B5EF4-FFF2-40B4-BE49-F238E27FC236}">
+                <a16:creationId xmlns:a16="http://schemas.microsoft.com/office/drawing/2014/main" id="{CDA3FD6D-917E-4E39-8D95-386880D9F28B}"/>
+              </a:ext>
+            </a:extLst>
+          </p:cNvPr>
+          <p:cNvSpPr/>
+          <p:nvPr/>
+        </p:nvSpPr>
+        <p:spPr>
+          <a:xfrm>
+            <a:off x="5754452" y="2756939"/>
+            <a:ext cx="1677660" cy="297180"/>
+          </a:xfrm>
+          <a:prstGeom prst="curvedDownArrow">
+            <a:avLst/>
+          </a:prstGeom>
+          <a:solidFill>
+            <a:srgbClr val="FFFF00"/>
+          </a:solidFill>
+          <a:ln>
+            <a:solidFill>
+              <a:schemeClr val="tx1"/>
+            </a:solidFill>
+          </a:ln>
+        </p:spPr>
+        <p:style>
+          <a:lnRef idx="2">
+            <a:schemeClr val="accent1">
+              <a:shade val="50000"/>
+            </a:schemeClr>
+          </a:lnRef>
+          <a:fillRef idx="1">
+            <a:schemeClr val="accent1"/>
+          </a:fillRef>
+          <a:effectRef idx="0">
+            <a:schemeClr val="accent1"/>
+          </a:effectRef>
+          <a:fontRef idx="minor">
+            <a:schemeClr val="lt1"/>
+          </a:fontRef>
+        </p:style>
+        <p:txBody>
+          <a:bodyPr rtlCol="0" anchor="ctr"/>
+          <a:lstStyle/>
+          <a:p>
+            <a:pPr algn="ctr"/>
+            <a:endParaRPr lang="zh-CN" altLang="en-US">
+              <a:solidFill>
+                <a:schemeClr val="tx1"/>
+              </a:solidFill>
+            </a:endParaRPr>
+          </a:p>
+        </p:txBody>
+      </p:sp>
+      <p:sp>
+        <p:nvSpPr>
+          <p:cNvPr id="64" name="文本框 63">
+            <a:extLst>
+              <a:ext uri="{FF2B5EF4-FFF2-40B4-BE49-F238E27FC236}">
+                <a16:creationId xmlns:a16="http://schemas.microsoft.com/office/drawing/2014/main" id="{9C78CFFA-23E8-429B-A0C4-11EE8FB157F2}"/>
+              </a:ext>
+            </a:extLst>
+          </p:cNvPr>
+          <p:cNvSpPr txBox="1"/>
+          <p:nvPr/>
+        </p:nvSpPr>
+        <p:spPr>
+          <a:xfrm>
+            <a:off x="5914172" y="2455034"/>
+            <a:ext cx="1358220" cy="261610"/>
+          </a:xfrm>
+          <a:prstGeom prst="rect">
+            <a:avLst/>
+          </a:prstGeom>
+          <a:noFill/>
+        </p:spPr>
+        <p:txBody>
+          <a:bodyPr wrap="square" rtlCol="0">
+            <a:spAutoFit/>
+          </a:bodyPr>
+          <a:lstStyle/>
+          <a:p>
+            <a:r>
+              <a:rPr lang="en-US" altLang="zh-CN" sz="1100" dirty="0">
+                <a:latin typeface="Arial" panose="020B0604020202020204" pitchFamily="34" charset="0"/>
+                <a:cs typeface="Arial" panose="020B0604020202020204" pitchFamily="34" charset="0"/>
+              </a:rPr>
+              <a:t>Average Selection</a:t>
+            </a:r>
+            <a:endParaRPr lang="zh-CN" altLang="en-US" sz="1100" dirty="0">
+              <a:latin typeface="Arial" panose="020B0604020202020204" pitchFamily="34" charset="0"/>
+              <a:cs typeface="Arial" panose="020B0604020202020204" pitchFamily="34" charset="0"/>
+            </a:endParaRPr>
+          </a:p>
+        </p:txBody>
+      </p:sp>
+      <p:sp>
+        <p:nvSpPr>
+          <p:cNvPr id="65" name="矩形 64">
+            <a:extLst>
+              <a:ext uri="{FF2B5EF4-FFF2-40B4-BE49-F238E27FC236}">
+                <a16:creationId xmlns:a16="http://schemas.microsoft.com/office/drawing/2014/main" id="{A8481341-3C6F-4371-91A2-0BD541FA0A90}"/>
+              </a:ext>
+            </a:extLst>
+          </p:cNvPr>
+          <p:cNvSpPr/>
+          <p:nvPr/>
+        </p:nvSpPr>
+        <p:spPr>
+          <a:xfrm>
+            <a:off x="2051581" y="1541035"/>
+            <a:ext cx="360000" cy="360000"/>
+          </a:xfrm>
+          <a:prstGeom prst="rect">
+            <a:avLst/>
+          </a:prstGeom>
+          <a:solidFill>
+            <a:srgbClr val="5F86CD"/>
+          </a:solidFill>
+        </p:spPr>
+        <p:style>
+          <a:lnRef idx="2">
+            <a:schemeClr val="accent1">
+              <a:shade val="50000"/>
+            </a:schemeClr>
+          </a:lnRef>
+          <a:fillRef idx="1">
+            <a:schemeClr val="accent1"/>
+          </a:fillRef>
+          <a:effectRef idx="0">
+            <a:schemeClr val="accent1"/>
+          </a:effectRef>
+          <a:fontRef idx="minor">
+            <a:schemeClr val="lt1"/>
+          </a:fontRef>
+        </p:style>
+        <p:txBody>
+          <a:bodyPr rtlCol="0" anchor="ctr"/>
+          <a:lstStyle/>
+          <a:p>
+            <a:pPr algn="ctr"/>
+            <a:r>
+              <a:rPr lang="en-US" altLang="zh-CN" dirty="0">
+                <a:solidFill>
+                  <a:schemeClr val="tx1"/>
+                </a:solidFill>
+                <a:latin typeface="Times New Roman" panose="02020603050405020304" pitchFamily="18" charset="0"/>
+                <a:cs typeface="Times New Roman" panose="02020603050405020304" pitchFamily="18" charset="0"/>
+              </a:rPr>
+              <a:t>2</a:t>
+            </a:r>
+            <a:endParaRPr lang="zh-CN" altLang="en-US" dirty="0">
+              <a:solidFill>
+                <a:schemeClr val="tx1"/>
+              </a:solidFill>
+              <a:latin typeface="Times New Roman" panose="02020603050405020304" pitchFamily="18" charset="0"/>
+              <a:cs typeface="Times New Roman" panose="02020603050405020304" pitchFamily="18" charset="0"/>
+            </a:endParaRPr>
+          </a:p>
+        </p:txBody>
+      </p:sp>
+      <p:sp>
+        <p:nvSpPr>
+          <p:cNvPr id="66" name="矩形 65">
+            <a:extLst>
+              <a:ext uri="{FF2B5EF4-FFF2-40B4-BE49-F238E27FC236}">
+                <a16:creationId xmlns:a16="http://schemas.microsoft.com/office/drawing/2014/main" id="{2A038563-DB68-4E6E-A764-D1437A580585}"/>
+              </a:ext>
+            </a:extLst>
+          </p:cNvPr>
+          <p:cNvSpPr/>
+          <p:nvPr/>
+        </p:nvSpPr>
+        <p:spPr>
+          <a:xfrm>
+            <a:off x="2412600" y="1541035"/>
+            <a:ext cx="360000" cy="360000"/>
+          </a:xfrm>
+          <a:prstGeom prst="rect">
+            <a:avLst/>
+          </a:prstGeom>
+          <a:solidFill>
+            <a:srgbClr val="5F86CD"/>
+          </a:solidFill>
+        </p:spPr>
+        <p:style>
+          <a:lnRef idx="2">
+            <a:schemeClr val="accent1">
+              <a:shade val="50000"/>
+            </a:schemeClr>
+          </a:lnRef>
+          <a:fillRef idx="1">
+            <a:schemeClr val="accent1"/>
+          </a:fillRef>
+          <a:effectRef idx="0">
+            <a:schemeClr val="accent1"/>
+          </a:effectRef>
+          <a:fontRef idx="minor">
+            <a:schemeClr val="lt1"/>
+          </a:fontRef>
+        </p:style>
+        <p:txBody>
+          <a:bodyPr rtlCol="0" anchor="ctr"/>
+          <a:lstStyle/>
+          <a:p>
+            <a:pPr algn="ctr"/>
+            <a:r>
+              <a:rPr lang="en-US" altLang="zh-CN" dirty="0">
+                <a:solidFill>
+                  <a:schemeClr val="tx1"/>
+                </a:solidFill>
+                <a:latin typeface="Times New Roman" panose="02020603050405020304" pitchFamily="18" charset="0"/>
+                <a:cs typeface="Times New Roman" panose="02020603050405020304" pitchFamily="18" charset="0"/>
+              </a:rPr>
+              <a:t>7</a:t>
+            </a:r>
+            <a:endParaRPr lang="zh-CN" altLang="en-US" dirty="0">
+              <a:solidFill>
+                <a:schemeClr val="tx1"/>
+              </a:solidFill>
+              <a:latin typeface="Times New Roman" panose="02020603050405020304" pitchFamily="18" charset="0"/>
+              <a:cs typeface="Times New Roman" panose="02020603050405020304" pitchFamily="18" charset="0"/>
+            </a:endParaRPr>
+          </a:p>
+        </p:txBody>
+      </p:sp>
+      <p:sp>
+        <p:nvSpPr>
+          <p:cNvPr id="67" name="矩形 66">
+            <a:extLst>
+              <a:ext uri="{FF2B5EF4-FFF2-40B4-BE49-F238E27FC236}">
+                <a16:creationId xmlns:a16="http://schemas.microsoft.com/office/drawing/2014/main" id="{AD145E3B-89E6-4FF8-B7FF-179C480D33E7}"/>
+              </a:ext>
+            </a:extLst>
+          </p:cNvPr>
+          <p:cNvSpPr/>
+          <p:nvPr/>
+        </p:nvSpPr>
+        <p:spPr>
+          <a:xfrm>
+            <a:off x="2772600" y="1541035"/>
+            <a:ext cx="360000" cy="360000"/>
+          </a:xfrm>
+          <a:prstGeom prst="rect">
+            <a:avLst/>
+          </a:prstGeom>
+          <a:solidFill>
+            <a:srgbClr val="02FFC4"/>
+          </a:solidFill>
+        </p:spPr>
+        <p:style>
+          <a:lnRef idx="2">
+            <a:schemeClr val="accent1">
+              <a:shade val="50000"/>
+            </a:schemeClr>
+          </a:lnRef>
+          <a:fillRef idx="1">
+            <a:schemeClr val="accent1"/>
+          </a:fillRef>
+          <a:effectRef idx="0">
+            <a:schemeClr val="accent1"/>
+          </a:effectRef>
+          <a:fontRef idx="minor">
+            <a:schemeClr val="lt1"/>
+          </a:fontRef>
+        </p:style>
+        <p:txBody>
+          <a:bodyPr rtlCol="0" anchor="ctr"/>
+          <a:lstStyle/>
+          <a:p>
+            <a:pPr algn="ctr"/>
+            <a:r>
+              <a:rPr lang="en-US" altLang="zh-CN" dirty="0">
+                <a:solidFill>
+                  <a:schemeClr val="tx1"/>
+                </a:solidFill>
+                <a:latin typeface="Times New Roman" panose="02020603050405020304" pitchFamily="18" charset="0"/>
+                <a:cs typeface="Times New Roman" panose="02020603050405020304" pitchFamily="18" charset="0"/>
+              </a:rPr>
+              <a:t>5</a:t>
+            </a:r>
+            <a:endParaRPr lang="zh-CN" altLang="en-US" dirty="0">
+              <a:solidFill>
+                <a:schemeClr val="tx1"/>
+              </a:solidFill>
+              <a:latin typeface="Times New Roman" panose="02020603050405020304" pitchFamily="18" charset="0"/>
+              <a:cs typeface="Times New Roman" panose="02020603050405020304" pitchFamily="18" charset="0"/>
+            </a:endParaRPr>
+          </a:p>
+        </p:txBody>
+      </p:sp>
+      <p:sp>
+        <p:nvSpPr>
+          <p:cNvPr id="68" name="矩形 67">
+            <a:extLst>
+              <a:ext uri="{FF2B5EF4-FFF2-40B4-BE49-F238E27FC236}">
+                <a16:creationId xmlns:a16="http://schemas.microsoft.com/office/drawing/2014/main" id="{85D1DC20-55B8-422B-B9E0-3314093517D3}"/>
+              </a:ext>
+            </a:extLst>
+          </p:cNvPr>
+          <p:cNvSpPr/>
+          <p:nvPr/>
+        </p:nvSpPr>
+        <p:spPr>
+          <a:xfrm>
+            <a:off x="3132600" y="1541035"/>
+            <a:ext cx="360000" cy="360000"/>
+          </a:xfrm>
+          <a:prstGeom prst="rect">
+            <a:avLst/>
+          </a:prstGeom>
+          <a:solidFill>
+            <a:srgbClr val="02FFC4"/>
+          </a:solidFill>
+        </p:spPr>
+        <p:style>
+          <a:lnRef idx="2">
+            <a:schemeClr val="accent1">
+              <a:shade val="50000"/>
+            </a:schemeClr>
+          </a:lnRef>
+          <a:fillRef idx="1">
+            <a:schemeClr val="accent1"/>
+          </a:fillRef>
+          <a:effectRef idx="0">
+            <a:schemeClr val="accent1"/>
+          </a:effectRef>
+          <a:fontRef idx="minor">
+            <a:schemeClr val="lt1"/>
+          </a:fontRef>
+        </p:style>
+        <p:txBody>
+          <a:bodyPr rtlCol="0" anchor="ctr"/>
+          <a:lstStyle/>
+          <a:p>
+            <a:pPr algn="ctr"/>
+            <a:r>
+              <a:rPr lang="en-US" altLang="zh-CN" dirty="0">
+                <a:solidFill>
+                  <a:schemeClr val="tx1"/>
+                </a:solidFill>
+                <a:latin typeface="Times New Roman" panose="02020603050405020304" pitchFamily="18" charset="0"/>
+                <a:cs typeface="Times New Roman" panose="02020603050405020304" pitchFamily="18" charset="0"/>
+              </a:rPr>
+              <a:t>2</a:t>
+            </a:r>
+            <a:endParaRPr lang="zh-CN" altLang="en-US" dirty="0">
+              <a:solidFill>
+                <a:schemeClr val="tx1"/>
+              </a:solidFill>
+              <a:latin typeface="Times New Roman" panose="02020603050405020304" pitchFamily="18" charset="0"/>
+              <a:cs typeface="Times New Roman" panose="02020603050405020304" pitchFamily="18" charset="0"/>
+            </a:endParaRPr>
+          </a:p>
+        </p:txBody>
+      </p:sp>
+      <p:sp>
+        <p:nvSpPr>
+          <p:cNvPr id="69" name="矩形 68">
+            <a:extLst>
+              <a:ext uri="{FF2B5EF4-FFF2-40B4-BE49-F238E27FC236}">
+                <a16:creationId xmlns:a16="http://schemas.microsoft.com/office/drawing/2014/main" id="{0A6C996D-25C8-4F34-A03C-67CC4AC0AF46}"/>
+              </a:ext>
+            </a:extLst>
+          </p:cNvPr>
+          <p:cNvSpPr/>
+          <p:nvPr/>
+        </p:nvSpPr>
+        <p:spPr>
+          <a:xfrm>
+            <a:off x="2051581" y="1901035"/>
+            <a:ext cx="360000" cy="360000"/>
+          </a:xfrm>
+          <a:prstGeom prst="rect">
+            <a:avLst/>
+          </a:prstGeom>
+          <a:solidFill>
+            <a:srgbClr val="5F86CD"/>
+          </a:solidFill>
+        </p:spPr>
+        <p:style>
+          <a:lnRef idx="2">
+            <a:schemeClr val="accent1">
+              <a:shade val="50000"/>
+            </a:schemeClr>
+          </a:lnRef>
+          <a:fillRef idx="1">
+            <a:schemeClr val="accent1"/>
+          </a:fillRef>
+          <a:effectRef idx="0">
+            <a:schemeClr val="accent1"/>
+          </a:effectRef>
+          <a:fontRef idx="minor">
+            <a:schemeClr val="lt1"/>
+          </a:fontRef>
+        </p:style>
+        <p:txBody>
+          <a:bodyPr rtlCol="0" anchor="ctr"/>
+          <a:lstStyle/>
+          <a:p>
+            <a:pPr algn="ctr"/>
+            <a:r>
+              <a:rPr lang="en-US" altLang="zh-CN" dirty="0">
+                <a:solidFill>
+                  <a:schemeClr val="tx1"/>
+                </a:solidFill>
+                <a:latin typeface="Times New Roman" panose="02020603050405020304" pitchFamily="18" charset="0"/>
+                <a:cs typeface="Times New Roman" panose="02020603050405020304" pitchFamily="18" charset="0"/>
+              </a:rPr>
+              <a:t>0</a:t>
+            </a:r>
+            <a:endParaRPr lang="zh-CN" altLang="en-US" dirty="0">
+              <a:solidFill>
+                <a:schemeClr val="tx1"/>
+              </a:solidFill>
+              <a:latin typeface="Times New Roman" panose="02020603050405020304" pitchFamily="18" charset="0"/>
+              <a:cs typeface="Times New Roman" panose="02020603050405020304" pitchFamily="18" charset="0"/>
+            </a:endParaRPr>
+          </a:p>
+        </p:txBody>
+      </p:sp>
+      <p:sp>
+        <p:nvSpPr>
+          <p:cNvPr id="70" name="矩形 69">
+            <a:extLst>
+              <a:ext uri="{FF2B5EF4-FFF2-40B4-BE49-F238E27FC236}">
+                <a16:creationId xmlns:a16="http://schemas.microsoft.com/office/drawing/2014/main" id="{5BBE6424-067D-4539-98A8-E7DA3808B350}"/>
+              </a:ext>
+            </a:extLst>
+          </p:cNvPr>
+          <p:cNvSpPr/>
+          <p:nvPr/>
+        </p:nvSpPr>
+        <p:spPr>
+          <a:xfrm>
+            <a:off x="2412600" y="1901035"/>
+            <a:ext cx="360000" cy="360000"/>
+          </a:xfrm>
+          <a:prstGeom prst="rect">
+            <a:avLst/>
+          </a:prstGeom>
+          <a:solidFill>
+            <a:srgbClr val="5F86CD"/>
+          </a:solidFill>
+        </p:spPr>
+        <p:style>
+          <a:lnRef idx="2">
+            <a:schemeClr val="accent1">
+              <a:shade val="50000"/>
+            </a:schemeClr>
+          </a:lnRef>
+          <a:fillRef idx="1">
+            <a:schemeClr val="accent1"/>
+          </a:fillRef>
+          <a:effectRef idx="0">
+            <a:schemeClr val="accent1"/>
+          </a:effectRef>
+          <a:fontRef idx="minor">
+            <a:schemeClr val="lt1"/>
+          </a:fontRef>
+        </p:style>
+        <p:txBody>
+          <a:bodyPr rtlCol="0" anchor="ctr"/>
+          <a:lstStyle/>
+          <a:p>
+            <a:pPr algn="ctr"/>
+            <a:r>
+              <a:rPr lang="en-US" altLang="zh-CN" dirty="0">
+                <a:solidFill>
+                  <a:schemeClr val="tx1"/>
+                </a:solidFill>
+                <a:latin typeface="Times New Roman" panose="02020603050405020304" pitchFamily="18" charset="0"/>
+                <a:cs typeface="Times New Roman" panose="02020603050405020304" pitchFamily="18" charset="0"/>
+              </a:rPr>
+              <a:t>3</a:t>
+            </a:r>
+            <a:endParaRPr lang="zh-CN" altLang="en-US" dirty="0">
+              <a:solidFill>
+                <a:schemeClr val="tx1"/>
+              </a:solidFill>
+              <a:latin typeface="Times New Roman" panose="02020603050405020304" pitchFamily="18" charset="0"/>
+              <a:cs typeface="Times New Roman" panose="02020603050405020304" pitchFamily="18" charset="0"/>
+            </a:endParaRPr>
+          </a:p>
+        </p:txBody>
+      </p:sp>
+      <p:sp>
+        <p:nvSpPr>
+          <p:cNvPr id="71" name="矩形 70">
+            <a:extLst>
+              <a:ext uri="{FF2B5EF4-FFF2-40B4-BE49-F238E27FC236}">
+                <a16:creationId xmlns:a16="http://schemas.microsoft.com/office/drawing/2014/main" id="{85E3C7D0-E0A2-47AD-9217-596FFBBFCAAC}"/>
+              </a:ext>
+            </a:extLst>
+          </p:cNvPr>
+          <p:cNvSpPr/>
+          <p:nvPr/>
+        </p:nvSpPr>
+        <p:spPr>
+          <a:xfrm>
+            <a:off x="2772600" y="1901035"/>
+            <a:ext cx="360000" cy="360000"/>
+          </a:xfrm>
+          <a:prstGeom prst="rect">
+            <a:avLst/>
+          </a:prstGeom>
+          <a:solidFill>
+            <a:srgbClr val="02FFC4"/>
+          </a:solidFill>
+        </p:spPr>
+        <p:style>
+          <a:lnRef idx="2">
+            <a:schemeClr val="accent1">
+              <a:shade val="50000"/>
+            </a:schemeClr>
+          </a:lnRef>
+          <a:fillRef idx="1">
+            <a:schemeClr val="accent1"/>
+          </a:fillRef>
+          <a:effectRef idx="0">
+            <a:schemeClr val="accent1"/>
+          </a:effectRef>
+          <a:fontRef idx="minor">
+            <a:schemeClr val="lt1"/>
+          </a:fontRef>
+        </p:style>
+        <p:txBody>
+          <a:bodyPr rtlCol="0" anchor="ctr"/>
+          <a:lstStyle/>
+          <a:p>
+            <a:pPr algn="ctr"/>
+            <a:r>
+              <a:rPr lang="en-US" altLang="zh-CN" dirty="0">
+                <a:solidFill>
+                  <a:schemeClr val="tx1"/>
+                </a:solidFill>
+                <a:latin typeface="Times New Roman" panose="02020603050405020304" pitchFamily="18" charset="0"/>
+                <a:cs typeface="Times New Roman" panose="02020603050405020304" pitchFamily="18" charset="0"/>
+              </a:rPr>
+              <a:t>9</a:t>
+            </a:r>
+            <a:endParaRPr lang="zh-CN" altLang="en-US" dirty="0">
+              <a:solidFill>
+                <a:schemeClr val="tx1"/>
+              </a:solidFill>
+              <a:latin typeface="Times New Roman" panose="02020603050405020304" pitchFamily="18" charset="0"/>
+              <a:cs typeface="Times New Roman" panose="02020603050405020304" pitchFamily="18" charset="0"/>
+            </a:endParaRPr>
+          </a:p>
+        </p:txBody>
+      </p:sp>
+      <p:sp>
+        <p:nvSpPr>
+          <p:cNvPr id="72" name="矩形 71">
+            <a:extLst>
+              <a:ext uri="{FF2B5EF4-FFF2-40B4-BE49-F238E27FC236}">
+                <a16:creationId xmlns:a16="http://schemas.microsoft.com/office/drawing/2014/main" id="{6A9505BE-B8D3-457B-BDB8-ED7C64DFD4D0}"/>
+              </a:ext>
+            </a:extLst>
+          </p:cNvPr>
+          <p:cNvSpPr/>
+          <p:nvPr/>
+        </p:nvSpPr>
+        <p:spPr>
+          <a:xfrm>
+            <a:off x="3132600" y="1901035"/>
+            <a:ext cx="360000" cy="360000"/>
+          </a:xfrm>
+          <a:prstGeom prst="rect">
+            <a:avLst/>
+          </a:prstGeom>
+          <a:solidFill>
+            <a:srgbClr val="02FFC4"/>
+          </a:solidFill>
+        </p:spPr>
+        <p:style>
+          <a:lnRef idx="2">
+            <a:schemeClr val="accent1">
+              <a:shade val="50000"/>
+            </a:schemeClr>
+          </a:lnRef>
+          <a:fillRef idx="1">
+            <a:schemeClr val="accent1"/>
+          </a:fillRef>
+          <a:effectRef idx="0">
+            <a:schemeClr val="accent1"/>
+          </a:effectRef>
+          <a:fontRef idx="minor">
+            <a:schemeClr val="lt1"/>
+          </a:fontRef>
+        </p:style>
+        <p:txBody>
+          <a:bodyPr rtlCol="0" anchor="ctr"/>
+          <a:lstStyle/>
+          <a:p>
+            <a:pPr algn="ctr"/>
+            <a:r>
+              <a:rPr lang="en-US" altLang="zh-CN" dirty="0">
+                <a:solidFill>
+                  <a:schemeClr val="tx1"/>
+                </a:solidFill>
+                <a:latin typeface="Times New Roman" panose="02020603050405020304" pitchFamily="18" charset="0"/>
+                <a:cs typeface="Times New Roman" panose="02020603050405020304" pitchFamily="18" charset="0"/>
+              </a:rPr>
+              <a:t>4</a:t>
+            </a:r>
+            <a:endParaRPr lang="zh-CN" altLang="en-US" dirty="0">
+              <a:solidFill>
+                <a:schemeClr val="tx1"/>
+              </a:solidFill>
+              <a:latin typeface="Times New Roman" panose="02020603050405020304" pitchFamily="18" charset="0"/>
+              <a:cs typeface="Times New Roman" panose="02020603050405020304" pitchFamily="18" charset="0"/>
+            </a:endParaRPr>
+          </a:p>
+        </p:txBody>
+      </p:sp>
+      <p:sp>
+        <p:nvSpPr>
+          <p:cNvPr id="73" name="矩形 72">
+            <a:extLst>
+              <a:ext uri="{FF2B5EF4-FFF2-40B4-BE49-F238E27FC236}">
+                <a16:creationId xmlns:a16="http://schemas.microsoft.com/office/drawing/2014/main" id="{3A213D09-2B74-402D-B08C-703F97BAAA47}"/>
+              </a:ext>
+            </a:extLst>
+          </p:cNvPr>
+          <p:cNvSpPr/>
+          <p:nvPr/>
+        </p:nvSpPr>
+        <p:spPr>
+          <a:xfrm>
+            <a:off x="2051581" y="2261035"/>
+            <a:ext cx="360000" cy="360000"/>
+          </a:xfrm>
+          <a:prstGeom prst="rect">
+            <a:avLst/>
+          </a:prstGeom>
+          <a:solidFill>
+            <a:srgbClr val="02FFFF"/>
+          </a:solidFill>
+        </p:spPr>
+        <p:style>
+          <a:lnRef idx="2">
+            <a:schemeClr val="accent1">
+              <a:shade val="50000"/>
+            </a:schemeClr>
+          </a:lnRef>
+          <a:fillRef idx="1">
+            <a:schemeClr val="accent1"/>
+          </a:fillRef>
+          <a:effectRef idx="0">
+            <a:schemeClr val="accent1"/>
+          </a:effectRef>
+          <a:fontRef idx="minor">
+            <a:schemeClr val="lt1"/>
+          </a:fontRef>
+        </p:style>
+        <p:txBody>
+          <a:bodyPr rtlCol="0" anchor="ctr"/>
+          <a:lstStyle/>
+          <a:p>
+            <a:pPr algn="ctr"/>
+            <a:r>
+              <a:rPr lang="en-US" altLang="zh-CN" dirty="0">
+                <a:solidFill>
+                  <a:schemeClr val="tx1"/>
+                </a:solidFill>
+                <a:latin typeface="Times New Roman" panose="02020603050405020304" pitchFamily="18" charset="0"/>
+                <a:cs typeface="Times New Roman" panose="02020603050405020304" pitchFamily="18" charset="0"/>
+              </a:rPr>
+              <a:t>2</a:t>
+            </a:r>
+            <a:endParaRPr lang="zh-CN" altLang="en-US" dirty="0">
+              <a:solidFill>
+                <a:schemeClr val="tx1"/>
+              </a:solidFill>
+              <a:latin typeface="Times New Roman" panose="02020603050405020304" pitchFamily="18" charset="0"/>
+              <a:cs typeface="Times New Roman" panose="02020603050405020304" pitchFamily="18" charset="0"/>
+            </a:endParaRPr>
+          </a:p>
+        </p:txBody>
+      </p:sp>
+      <p:sp>
+        <p:nvSpPr>
+          <p:cNvPr id="74" name="矩形 73">
+            <a:extLst>
+              <a:ext uri="{FF2B5EF4-FFF2-40B4-BE49-F238E27FC236}">
+                <a16:creationId xmlns:a16="http://schemas.microsoft.com/office/drawing/2014/main" id="{CFE4DDED-361A-41D8-A6C7-374507DEC561}"/>
+              </a:ext>
+            </a:extLst>
+          </p:cNvPr>
+          <p:cNvSpPr/>
+          <p:nvPr/>
+        </p:nvSpPr>
+        <p:spPr>
+          <a:xfrm>
+            <a:off x="2412600" y="2261035"/>
+            <a:ext cx="360000" cy="360000"/>
+          </a:xfrm>
+          <a:prstGeom prst="rect">
+            <a:avLst/>
+          </a:prstGeom>
+          <a:solidFill>
+            <a:srgbClr val="02FFFF"/>
+          </a:solidFill>
+        </p:spPr>
+        <p:style>
+          <a:lnRef idx="2">
+            <a:schemeClr val="accent1">
+              <a:shade val="50000"/>
+            </a:schemeClr>
+          </a:lnRef>
+          <a:fillRef idx="1">
+            <a:schemeClr val="accent1"/>
+          </a:fillRef>
+          <a:effectRef idx="0">
+            <a:schemeClr val="accent1"/>
+          </a:effectRef>
+          <a:fontRef idx="minor">
+            <a:schemeClr val="lt1"/>
+          </a:fontRef>
+        </p:style>
+        <p:txBody>
+          <a:bodyPr rtlCol="0" anchor="ctr"/>
+          <a:lstStyle/>
+          <a:p>
+            <a:pPr algn="ctr"/>
+            <a:r>
+              <a:rPr lang="en-US" altLang="zh-CN" dirty="0">
+                <a:solidFill>
+                  <a:schemeClr val="tx1"/>
+                </a:solidFill>
+                <a:latin typeface="Times New Roman" panose="02020603050405020304" pitchFamily="18" charset="0"/>
+                <a:cs typeface="Times New Roman" panose="02020603050405020304" pitchFamily="18" charset="0"/>
+              </a:rPr>
+              <a:t>3</a:t>
+            </a:r>
+            <a:endParaRPr lang="zh-CN" altLang="en-US" dirty="0">
+              <a:solidFill>
+                <a:schemeClr val="tx1"/>
+              </a:solidFill>
+              <a:latin typeface="Times New Roman" panose="02020603050405020304" pitchFamily="18" charset="0"/>
+              <a:cs typeface="Times New Roman" panose="02020603050405020304" pitchFamily="18" charset="0"/>
+            </a:endParaRPr>
+          </a:p>
+        </p:txBody>
+      </p:sp>
+      <p:sp>
+        <p:nvSpPr>
+          <p:cNvPr id="75" name="矩形 74">
+            <a:extLst>
+              <a:ext uri="{FF2B5EF4-FFF2-40B4-BE49-F238E27FC236}">
+                <a16:creationId xmlns:a16="http://schemas.microsoft.com/office/drawing/2014/main" id="{7C5A22A4-51CB-490D-87B6-FFA001F5BE6C}"/>
+              </a:ext>
+            </a:extLst>
+          </p:cNvPr>
+          <p:cNvSpPr/>
+          <p:nvPr/>
+        </p:nvSpPr>
+        <p:spPr>
+          <a:xfrm>
+            <a:off x="2772600" y="2261035"/>
+            <a:ext cx="360000" cy="360000"/>
+          </a:xfrm>
+          <a:prstGeom prst="rect">
+            <a:avLst/>
+          </a:prstGeom>
+          <a:solidFill>
+            <a:srgbClr val="A162D0"/>
+          </a:solidFill>
+        </p:spPr>
+        <p:style>
+          <a:lnRef idx="2">
+            <a:schemeClr val="accent1">
+              <a:shade val="50000"/>
+            </a:schemeClr>
+          </a:lnRef>
+          <a:fillRef idx="1">
+            <a:schemeClr val="accent1"/>
+          </a:fillRef>
+          <a:effectRef idx="0">
+            <a:schemeClr val="accent1"/>
+          </a:effectRef>
+          <a:fontRef idx="minor">
+            <a:schemeClr val="lt1"/>
+          </a:fontRef>
+        </p:style>
+        <p:txBody>
+          <a:bodyPr rtlCol="0" anchor="ctr"/>
+          <a:lstStyle/>
+          <a:p>
+            <a:pPr algn="ctr"/>
+            <a:r>
+              <a:rPr lang="en-US" altLang="zh-CN" dirty="0">
+                <a:solidFill>
+                  <a:schemeClr val="tx1"/>
+                </a:solidFill>
+                <a:latin typeface="Times New Roman" panose="02020603050405020304" pitchFamily="18" charset="0"/>
+                <a:cs typeface="Times New Roman" panose="02020603050405020304" pitchFamily="18" charset="0"/>
+              </a:rPr>
+              <a:t>2</a:t>
+            </a:r>
+            <a:endParaRPr lang="zh-CN" altLang="en-US" dirty="0">
+              <a:solidFill>
+                <a:schemeClr val="tx1"/>
+              </a:solidFill>
+              <a:latin typeface="Times New Roman" panose="02020603050405020304" pitchFamily="18" charset="0"/>
+              <a:cs typeface="Times New Roman" panose="02020603050405020304" pitchFamily="18" charset="0"/>
+            </a:endParaRPr>
+          </a:p>
+        </p:txBody>
+      </p:sp>
+      <p:sp>
+        <p:nvSpPr>
+          <p:cNvPr id="76" name="矩形 75">
+            <a:extLst>
+              <a:ext uri="{FF2B5EF4-FFF2-40B4-BE49-F238E27FC236}">
+                <a16:creationId xmlns:a16="http://schemas.microsoft.com/office/drawing/2014/main" id="{E295C35E-41FC-4BE5-B5E9-36E346427BA0}"/>
+              </a:ext>
+            </a:extLst>
+          </p:cNvPr>
+          <p:cNvSpPr/>
+          <p:nvPr/>
+        </p:nvSpPr>
+        <p:spPr>
+          <a:xfrm>
+            <a:off x="3132600" y="2261035"/>
+            <a:ext cx="360000" cy="360000"/>
+          </a:xfrm>
+          <a:prstGeom prst="rect">
+            <a:avLst/>
+          </a:prstGeom>
+          <a:solidFill>
+            <a:srgbClr val="A162D0"/>
+          </a:solidFill>
+        </p:spPr>
+        <p:style>
+          <a:lnRef idx="2">
+            <a:schemeClr val="accent1">
+              <a:shade val="50000"/>
+            </a:schemeClr>
+          </a:lnRef>
+          <a:fillRef idx="1">
+            <a:schemeClr val="accent1"/>
+          </a:fillRef>
+          <a:effectRef idx="0">
+            <a:schemeClr val="accent1"/>
+          </a:effectRef>
+          <a:fontRef idx="minor">
+            <a:schemeClr val="lt1"/>
+          </a:fontRef>
+        </p:style>
+        <p:txBody>
+          <a:bodyPr rtlCol="0" anchor="ctr"/>
+          <a:lstStyle/>
+          <a:p>
+            <a:pPr algn="ctr"/>
+            <a:r>
+              <a:rPr lang="en-US" altLang="zh-CN" dirty="0">
+                <a:solidFill>
+                  <a:schemeClr val="tx1"/>
+                </a:solidFill>
+                <a:latin typeface="Times New Roman" panose="02020603050405020304" pitchFamily="18" charset="0"/>
+                <a:cs typeface="Times New Roman" panose="02020603050405020304" pitchFamily="18" charset="0"/>
+              </a:rPr>
+              <a:t>3</a:t>
+            </a:r>
+            <a:endParaRPr lang="zh-CN" altLang="en-US" dirty="0">
+              <a:solidFill>
+                <a:schemeClr val="tx1"/>
+              </a:solidFill>
+              <a:latin typeface="Times New Roman" panose="02020603050405020304" pitchFamily="18" charset="0"/>
+              <a:cs typeface="Times New Roman" panose="02020603050405020304" pitchFamily="18" charset="0"/>
+            </a:endParaRPr>
+          </a:p>
+        </p:txBody>
+      </p:sp>
+      <p:sp>
+        <p:nvSpPr>
+          <p:cNvPr id="77" name="矩形 76">
+            <a:extLst>
+              <a:ext uri="{FF2B5EF4-FFF2-40B4-BE49-F238E27FC236}">
+                <a16:creationId xmlns:a16="http://schemas.microsoft.com/office/drawing/2014/main" id="{09A4812E-63D3-4F3F-852D-81676CA47362}"/>
+              </a:ext>
+            </a:extLst>
+          </p:cNvPr>
+          <p:cNvSpPr/>
+          <p:nvPr/>
+        </p:nvSpPr>
+        <p:spPr>
+          <a:xfrm>
+            <a:off x="2051581" y="2621035"/>
+            <a:ext cx="360000" cy="360000"/>
+          </a:xfrm>
+          <a:prstGeom prst="rect">
+            <a:avLst/>
+          </a:prstGeom>
+          <a:solidFill>
+            <a:srgbClr val="02FFFF"/>
+          </a:solidFill>
+        </p:spPr>
+        <p:style>
+          <a:lnRef idx="2">
+            <a:schemeClr val="accent1">
+              <a:shade val="50000"/>
+            </a:schemeClr>
+          </a:lnRef>
+          <a:fillRef idx="1">
+            <a:schemeClr val="accent1"/>
+          </a:fillRef>
+          <a:effectRef idx="0">
+            <a:schemeClr val="accent1"/>
+          </a:effectRef>
+          <a:fontRef idx="minor">
+            <a:schemeClr val="lt1"/>
+          </a:fontRef>
+        </p:style>
+        <p:txBody>
+          <a:bodyPr rtlCol="0" anchor="ctr"/>
+          <a:lstStyle/>
+          <a:p>
+            <a:pPr algn="ctr"/>
+            <a:r>
+              <a:rPr lang="en-US" altLang="zh-CN" dirty="0">
+                <a:solidFill>
+                  <a:schemeClr val="tx1"/>
+                </a:solidFill>
+                <a:latin typeface="Times New Roman" panose="02020603050405020304" pitchFamily="18" charset="0"/>
+                <a:cs typeface="Times New Roman" panose="02020603050405020304" pitchFamily="18" charset="0"/>
+              </a:rPr>
+              <a:t>8</a:t>
+            </a:r>
+            <a:endParaRPr lang="zh-CN" altLang="en-US" dirty="0">
+              <a:solidFill>
+                <a:schemeClr val="tx1"/>
+              </a:solidFill>
+              <a:latin typeface="Times New Roman" panose="02020603050405020304" pitchFamily="18" charset="0"/>
+              <a:cs typeface="Times New Roman" panose="02020603050405020304" pitchFamily="18" charset="0"/>
+            </a:endParaRPr>
+          </a:p>
+        </p:txBody>
+      </p:sp>
+      <p:sp>
+        <p:nvSpPr>
+          <p:cNvPr id="78" name="矩形 77">
+            <a:extLst>
+              <a:ext uri="{FF2B5EF4-FFF2-40B4-BE49-F238E27FC236}">
+                <a16:creationId xmlns:a16="http://schemas.microsoft.com/office/drawing/2014/main" id="{644095F6-7972-4D6C-9045-E547AAF9706E}"/>
+              </a:ext>
+            </a:extLst>
+          </p:cNvPr>
+          <p:cNvSpPr/>
+          <p:nvPr/>
+        </p:nvSpPr>
+        <p:spPr>
+          <a:xfrm>
+            <a:off x="2412600" y="2621035"/>
+            <a:ext cx="360000" cy="360000"/>
+          </a:xfrm>
+          <a:prstGeom prst="rect">
+            <a:avLst/>
+          </a:prstGeom>
+          <a:solidFill>
+            <a:srgbClr val="02FFFF"/>
+          </a:solidFill>
+        </p:spPr>
+        <p:style>
+          <a:lnRef idx="2">
+            <a:schemeClr val="accent1">
+              <a:shade val="50000"/>
+            </a:schemeClr>
+          </a:lnRef>
+          <a:fillRef idx="1">
+            <a:schemeClr val="accent1"/>
+          </a:fillRef>
+          <a:effectRef idx="0">
+            <a:schemeClr val="accent1"/>
+          </a:effectRef>
+          <a:fontRef idx="minor">
+            <a:schemeClr val="lt1"/>
+          </a:fontRef>
+        </p:style>
+        <p:txBody>
+          <a:bodyPr rtlCol="0" anchor="ctr"/>
+          <a:lstStyle/>
+          <a:p>
+            <a:pPr algn="ctr"/>
+            <a:r>
+              <a:rPr lang="en-US" altLang="zh-CN" dirty="0">
+                <a:solidFill>
+                  <a:schemeClr val="tx1"/>
+                </a:solidFill>
+                <a:latin typeface="Times New Roman" panose="02020603050405020304" pitchFamily="18" charset="0"/>
+                <a:cs typeface="Times New Roman" panose="02020603050405020304" pitchFamily="18" charset="0"/>
+              </a:rPr>
+              <a:t>7</a:t>
+            </a:r>
+            <a:endParaRPr lang="zh-CN" altLang="en-US" dirty="0">
+              <a:solidFill>
+                <a:schemeClr val="tx1"/>
+              </a:solidFill>
+              <a:latin typeface="Times New Roman" panose="02020603050405020304" pitchFamily="18" charset="0"/>
+              <a:cs typeface="Times New Roman" panose="02020603050405020304" pitchFamily="18" charset="0"/>
+            </a:endParaRPr>
+          </a:p>
+        </p:txBody>
+      </p:sp>
+      <p:sp>
+        <p:nvSpPr>
+          <p:cNvPr id="79" name="矩形 78">
+            <a:extLst>
+              <a:ext uri="{FF2B5EF4-FFF2-40B4-BE49-F238E27FC236}">
+                <a16:creationId xmlns:a16="http://schemas.microsoft.com/office/drawing/2014/main" id="{8F682651-1645-4F1C-8774-0C1206B8B771}"/>
+              </a:ext>
+            </a:extLst>
+          </p:cNvPr>
+          <p:cNvSpPr/>
+          <p:nvPr/>
+        </p:nvSpPr>
+        <p:spPr>
+          <a:xfrm>
+            <a:off x="2772600" y="2621035"/>
+            <a:ext cx="360000" cy="360000"/>
+          </a:xfrm>
+          <a:prstGeom prst="rect">
+            <a:avLst/>
+          </a:prstGeom>
+          <a:solidFill>
+            <a:srgbClr val="A162D0"/>
+          </a:solidFill>
+        </p:spPr>
+        <p:style>
+          <a:lnRef idx="2">
+            <a:schemeClr val="accent1">
+              <a:shade val="50000"/>
+            </a:schemeClr>
+          </a:lnRef>
+          <a:fillRef idx="1">
+            <a:schemeClr val="accent1"/>
+          </a:fillRef>
+          <a:effectRef idx="0">
+            <a:schemeClr val="accent1"/>
+          </a:effectRef>
+          <a:fontRef idx="minor">
+            <a:schemeClr val="lt1"/>
+          </a:fontRef>
+        </p:style>
+        <p:txBody>
+          <a:bodyPr rtlCol="0" anchor="ctr"/>
+          <a:lstStyle/>
+          <a:p>
+            <a:pPr algn="ctr"/>
+            <a:r>
+              <a:rPr lang="en-US" altLang="zh-CN" dirty="0">
+                <a:solidFill>
+                  <a:schemeClr val="tx1"/>
+                </a:solidFill>
+                <a:latin typeface="Times New Roman" panose="02020603050405020304" pitchFamily="18" charset="0"/>
+                <a:cs typeface="Times New Roman" panose="02020603050405020304" pitchFamily="18" charset="0"/>
+              </a:rPr>
+              <a:t>6</a:t>
+            </a:r>
+            <a:endParaRPr lang="zh-CN" altLang="en-US" dirty="0">
+              <a:solidFill>
+                <a:schemeClr val="tx1"/>
+              </a:solidFill>
+              <a:latin typeface="Times New Roman" panose="02020603050405020304" pitchFamily="18" charset="0"/>
+              <a:cs typeface="Times New Roman" panose="02020603050405020304" pitchFamily="18" charset="0"/>
+            </a:endParaRPr>
+          </a:p>
+        </p:txBody>
+      </p:sp>
+      <p:sp>
+        <p:nvSpPr>
+          <p:cNvPr id="80" name="矩形 79">
+            <a:extLst>
+              <a:ext uri="{FF2B5EF4-FFF2-40B4-BE49-F238E27FC236}">
+                <a16:creationId xmlns:a16="http://schemas.microsoft.com/office/drawing/2014/main" id="{BE444EF8-B69D-404F-9302-36B1B6C92545}"/>
+              </a:ext>
+            </a:extLst>
+          </p:cNvPr>
+          <p:cNvSpPr/>
+          <p:nvPr/>
+        </p:nvSpPr>
+        <p:spPr>
+          <a:xfrm>
+            <a:off x="3132600" y="2621035"/>
+            <a:ext cx="360000" cy="360000"/>
+          </a:xfrm>
+          <a:prstGeom prst="rect">
+            <a:avLst/>
+          </a:prstGeom>
+          <a:solidFill>
+            <a:srgbClr val="A162D0"/>
+          </a:solidFill>
+        </p:spPr>
+        <p:style>
+          <a:lnRef idx="2">
+            <a:schemeClr val="accent1">
+              <a:shade val="50000"/>
+            </a:schemeClr>
+          </a:lnRef>
+          <a:fillRef idx="1">
+            <a:schemeClr val="accent1"/>
+          </a:fillRef>
+          <a:effectRef idx="0">
+            <a:schemeClr val="accent1"/>
+          </a:effectRef>
+          <a:fontRef idx="minor">
+            <a:schemeClr val="lt1"/>
+          </a:fontRef>
+        </p:style>
+        <p:txBody>
+          <a:bodyPr rtlCol="0" anchor="ctr"/>
+          <a:lstStyle/>
+          <a:p>
+            <a:pPr algn="ctr"/>
+            <a:r>
+              <a:rPr lang="en-US" altLang="zh-CN" dirty="0">
+                <a:solidFill>
+                  <a:schemeClr val="tx1"/>
+                </a:solidFill>
+                <a:latin typeface="Times New Roman" panose="02020603050405020304" pitchFamily="18" charset="0"/>
+                <a:cs typeface="Times New Roman" panose="02020603050405020304" pitchFamily="18" charset="0"/>
+              </a:rPr>
+              <a:t>5</a:t>
+            </a:r>
+            <a:endParaRPr lang="zh-CN" altLang="en-US" dirty="0">
+              <a:solidFill>
+                <a:schemeClr val="tx1"/>
+              </a:solidFill>
+              <a:latin typeface="Times New Roman" panose="02020603050405020304" pitchFamily="18" charset="0"/>
+              <a:cs typeface="Times New Roman" panose="02020603050405020304" pitchFamily="18" charset="0"/>
+            </a:endParaRPr>
+          </a:p>
+        </p:txBody>
+      </p:sp>
+      <p:sp>
+        <p:nvSpPr>
+          <p:cNvPr id="81" name="矩形 80">
+            <a:extLst>
+              <a:ext uri="{FF2B5EF4-FFF2-40B4-BE49-F238E27FC236}">
+                <a16:creationId xmlns:a16="http://schemas.microsoft.com/office/drawing/2014/main" id="{A1B40976-029D-4DC5-B139-4BF66EBC59F7}"/>
+              </a:ext>
+            </a:extLst>
+          </p:cNvPr>
+          <p:cNvSpPr/>
+          <p:nvPr/>
+        </p:nvSpPr>
+        <p:spPr>
+          <a:xfrm>
+            <a:off x="6892112" y="3156832"/>
+            <a:ext cx="540000" cy="540000"/>
+          </a:xfrm>
+          <a:prstGeom prst="rect">
+            <a:avLst/>
+          </a:prstGeom>
+          <a:solidFill>
+            <a:srgbClr val="5F86CD"/>
+          </a:solidFill>
+        </p:spPr>
+        <p:style>
+          <a:lnRef idx="2">
+            <a:schemeClr val="accent1">
+              <a:shade val="50000"/>
+            </a:schemeClr>
+          </a:lnRef>
+          <a:fillRef idx="1">
+            <a:schemeClr val="accent1"/>
+          </a:fillRef>
+          <a:effectRef idx="0">
+            <a:schemeClr val="accent1"/>
+          </a:effectRef>
+          <a:fontRef idx="minor">
+            <a:schemeClr val="lt1"/>
+          </a:fontRef>
+        </p:style>
+        <p:txBody>
+          <a:bodyPr rtlCol="0" anchor="ctr"/>
+          <a:lstStyle/>
+          <a:p>
+            <a:pPr algn="ctr"/>
+            <a:r>
+              <a:rPr lang="en-US" altLang="zh-CN" sz="1600" dirty="0">
+                <a:solidFill>
+                  <a:schemeClr val="tx1"/>
+                </a:solidFill>
+                <a:latin typeface="Times New Roman" panose="02020603050405020304" pitchFamily="18" charset="0"/>
+                <a:cs typeface="Times New Roman" panose="02020603050405020304" pitchFamily="18" charset="0"/>
+              </a:rPr>
+              <a:t>3</a:t>
+            </a:r>
+            <a:endParaRPr lang="zh-CN" altLang="en-US" sz="1600" dirty="0">
+              <a:solidFill>
+                <a:schemeClr val="tx1"/>
+              </a:solidFill>
+              <a:latin typeface="Times New Roman" panose="02020603050405020304" pitchFamily="18" charset="0"/>
+              <a:cs typeface="Times New Roman" panose="02020603050405020304" pitchFamily="18" charset="0"/>
+            </a:endParaRPr>
+          </a:p>
+        </p:txBody>
+      </p:sp>
+      <p:sp>
+        <p:nvSpPr>
+          <p:cNvPr id="82" name="矩形 81">
+            <a:extLst>
+              <a:ext uri="{FF2B5EF4-FFF2-40B4-BE49-F238E27FC236}">
+                <a16:creationId xmlns:a16="http://schemas.microsoft.com/office/drawing/2014/main" id="{B063ED1E-307F-4F13-BFF0-2964ED09DDEF}"/>
+              </a:ext>
+            </a:extLst>
+          </p:cNvPr>
+          <p:cNvSpPr/>
+          <p:nvPr/>
+        </p:nvSpPr>
+        <p:spPr>
+          <a:xfrm>
+            <a:off x="7432112" y="3156832"/>
+            <a:ext cx="540000" cy="540000"/>
+          </a:xfrm>
+          <a:prstGeom prst="rect">
+            <a:avLst/>
+          </a:prstGeom>
+          <a:solidFill>
+            <a:srgbClr val="02FFC4"/>
+          </a:solidFill>
+        </p:spPr>
+        <p:style>
+          <a:lnRef idx="2">
+            <a:schemeClr val="accent1">
+              <a:shade val="50000"/>
+            </a:schemeClr>
+          </a:lnRef>
+          <a:fillRef idx="1">
+            <a:schemeClr val="accent1"/>
+          </a:fillRef>
+          <a:effectRef idx="0">
+            <a:schemeClr val="accent1"/>
+          </a:effectRef>
+          <a:fontRef idx="minor">
+            <a:schemeClr val="lt1"/>
+          </a:fontRef>
+        </p:style>
+        <p:txBody>
+          <a:bodyPr rtlCol="0" anchor="ctr"/>
+          <a:lstStyle/>
+          <a:p>
+            <a:pPr algn="ctr"/>
+            <a:r>
+              <a:rPr lang="en-US" altLang="zh-CN" dirty="0">
+                <a:solidFill>
+                  <a:schemeClr val="tx1"/>
+                </a:solidFill>
+                <a:latin typeface="Times New Roman" panose="02020603050405020304" pitchFamily="18" charset="0"/>
+                <a:cs typeface="Times New Roman" panose="02020603050405020304" pitchFamily="18" charset="0"/>
+              </a:rPr>
+              <a:t>5</a:t>
+            </a:r>
+            <a:endParaRPr lang="zh-CN" altLang="en-US" dirty="0">
+              <a:solidFill>
+                <a:schemeClr val="tx1"/>
+              </a:solidFill>
+              <a:latin typeface="Times New Roman" panose="02020603050405020304" pitchFamily="18" charset="0"/>
+              <a:cs typeface="Times New Roman" panose="02020603050405020304" pitchFamily="18" charset="0"/>
+            </a:endParaRPr>
+          </a:p>
+        </p:txBody>
+      </p:sp>
+      <p:sp>
+        <p:nvSpPr>
+          <p:cNvPr id="83" name="矩形 82">
+            <a:extLst>
+              <a:ext uri="{FF2B5EF4-FFF2-40B4-BE49-F238E27FC236}">
+                <a16:creationId xmlns:a16="http://schemas.microsoft.com/office/drawing/2014/main" id="{9AAD008C-0257-48A3-9B38-6BADA87587CF}"/>
+              </a:ext>
+            </a:extLst>
+          </p:cNvPr>
+          <p:cNvSpPr/>
+          <p:nvPr/>
+        </p:nvSpPr>
+        <p:spPr>
+          <a:xfrm>
+            <a:off x="6892112" y="3696899"/>
+            <a:ext cx="540000" cy="540000"/>
+          </a:xfrm>
+          <a:prstGeom prst="rect">
+            <a:avLst/>
+          </a:prstGeom>
+          <a:solidFill>
+            <a:srgbClr val="02FFFF"/>
+          </a:solidFill>
+        </p:spPr>
+        <p:style>
+          <a:lnRef idx="2">
+            <a:schemeClr val="accent1">
+              <a:shade val="50000"/>
+            </a:schemeClr>
+          </a:lnRef>
+          <a:fillRef idx="1">
+            <a:schemeClr val="accent1"/>
+          </a:fillRef>
+          <a:effectRef idx="0">
+            <a:schemeClr val="accent1"/>
+          </a:effectRef>
+          <a:fontRef idx="minor">
+            <a:schemeClr val="lt1"/>
+          </a:fontRef>
+        </p:style>
+        <p:txBody>
+          <a:bodyPr rtlCol="0" anchor="ctr"/>
+          <a:lstStyle/>
+          <a:p>
+            <a:pPr algn="ctr"/>
+            <a:r>
+              <a:rPr lang="en-US" altLang="zh-CN" sz="1600" dirty="0">
+                <a:solidFill>
+                  <a:schemeClr val="tx1"/>
+                </a:solidFill>
+                <a:latin typeface="Times New Roman" panose="02020603050405020304" pitchFamily="18" charset="0"/>
+                <a:cs typeface="Times New Roman" panose="02020603050405020304" pitchFamily="18" charset="0"/>
+              </a:rPr>
+              <a:t>4</a:t>
+            </a:r>
+            <a:endParaRPr lang="zh-CN" altLang="en-US" sz="1600" dirty="0">
+              <a:solidFill>
+                <a:schemeClr val="tx1"/>
+              </a:solidFill>
+              <a:latin typeface="Times New Roman" panose="02020603050405020304" pitchFamily="18" charset="0"/>
+              <a:cs typeface="Times New Roman" panose="02020603050405020304" pitchFamily="18" charset="0"/>
+            </a:endParaRPr>
+          </a:p>
+        </p:txBody>
+      </p:sp>
+      <p:sp>
+        <p:nvSpPr>
+          <p:cNvPr id="84" name="矩形 83">
+            <a:extLst>
+              <a:ext uri="{FF2B5EF4-FFF2-40B4-BE49-F238E27FC236}">
+                <a16:creationId xmlns:a16="http://schemas.microsoft.com/office/drawing/2014/main" id="{1CC626FB-30A6-45A9-A8BF-77CE783D65E3}"/>
+              </a:ext>
+            </a:extLst>
+          </p:cNvPr>
+          <p:cNvSpPr/>
+          <p:nvPr/>
+        </p:nvSpPr>
+        <p:spPr>
+          <a:xfrm>
+            <a:off x="7432112" y="3696899"/>
+            <a:ext cx="540000" cy="540000"/>
+          </a:xfrm>
+          <a:prstGeom prst="rect">
+            <a:avLst/>
+          </a:prstGeom>
+          <a:solidFill>
+            <a:srgbClr val="A162D0"/>
+          </a:solidFill>
+        </p:spPr>
+        <p:style>
+          <a:lnRef idx="2">
+            <a:schemeClr val="accent1">
+              <a:shade val="50000"/>
+            </a:schemeClr>
+          </a:lnRef>
+          <a:fillRef idx="1">
+            <a:schemeClr val="accent1"/>
+          </a:fillRef>
+          <a:effectRef idx="0">
+            <a:schemeClr val="accent1"/>
+          </a:effectRef>
+          <a:fontRef idx="minor">
+            <a:schemeClr val="lt1"/>
+          </a:fontRef>
+        </p:style>
+        <p:txBody>
+          <a:bodyPr rtlCol="0" anchor="ctr"/>
+          <a:lstStyle/>
+          <a:p>
+            <a:pPr algn="ctr"/>
+            <a:r>
+              <a:rPr lang="en-US" altLang="zh-CN" dirty="0">
+                <a:solidFill>
+                  <a:schemeClr val="tx1"/>
+                </a:solidFill>
+                <a:latin typeface="Times New Roman" panose="02020603050405020304" pitchFamily="18" charset="0"/>
+                <a:cs typeface="Times New Roman" panose="02020603050405020304" pitchFamily="18" charset="0"/>
+              </a:rPr>
+              <a:t>4</a:t>
+            </a:r>
+            <a:endParaRPr lang="zh-CN" altLang="en-US" dirty="0">
+              <a:solidFill>
+                <a:schemeClr val="tx1"/>
+              </a:solidFill>
+              <a:latin typeface="Times New Roman" panose="02020603050405020304" pitchFamily="18" charset="0"/>
+              <a:cs typeface="Times New Roman" panose="02020603050405020304" pitchFamily="18" charset="0"/>
+            </a:endParaRPr>
+          </a:p>
+        </p:txBody>
+      </p:sp>
+    </p:spTree>
+    <p:extLst>
+      <p:ext uri="{BB962C8B-B14F-4D97-AF65-F5344CB8AC3E}">
+        <p14:creationId xmlns:p14="http://schemas.microsoft.com/office/powerpoint/2010/main" val="590501619"/>
+      </p:ext>
+    </p:extLst>
+  </p:cSld>
+  <p:clrMapOvr>
+    <a:masterClrMapping/>
+  </p:clrMapOvr>
+</p:sld>
+</file>
+
+<file path=ppt/slides/slide3.xml><?xml version="1.0" encoding="utf-8"?>
+<p:sld xmlns:a="http://schemas.openxmlformats.org/drawingml/2006/main" xmlns:r="http://schemas.openxmlformats.org/officeDocument/2006/relationships" xmlns:p="http://schemas.openxmlformats.org/presentationml/2006/main">
+  <p:cSld>
+    <p:spTree>
+      <p:nvGrpSpPr>
+        <p:cNvPr id="1" name=""/>
+        <p:cNvGrpSpPr/>
+        <p:nvPr/>
+      </p:nvGrpSpPr>
+      <p:grpSpPr>
+        <a:xfrm>
+          <a:off x="0" y="0"/>
+          <a:ext cx="0" cy="0"/>
+          <a:chOff x="0" y="0"/>
+          <a:chExt cx="0" cy="0"/>
+        </a:xfrm>
+      </p:grpSpPr>
+      <p:sp>
+        <p:nvSpPr>
+          <p:cNvPr id="25" name="箭头: 上弧形 24">
+            <a:extLst>
+              <a:ext uri="{FF2B5EF4-FFF2-40B4-BE49-F238E27FC236}">
+                <a16:creationId xmlns:a16="http://schemas.microsoft.com/office/drawing/2014/main" id="{AC05410B-1543-41EF-BA99-6981F0BF9F45}"/>
+              </a:ext>
+            </a:extLst>
+          </p:cNvPr>
+          <p:cNvSpPr/>
+          <p:nvPr/>
+        </p:nvSpPr>
+        <p:spPr>
+          <a:xfrm flipH="1" flipV="1">
+            <a:off x="3126359" y="2531011"/>
+            <a:ext cx="1320360" cy="297180"/>
+          </a:xfrm>
+          <a:prstGeom prst="curvedDownArrow">
+            <a:avLst/>
+          </a:prstGeom>
+          <a:solidFill>
+            <a:srgbClr val="FFFF00"/>
+          </a:solidFill>
+          <a:ln>
+            <a:solidFill>
+              <a:schemeClr val="tx1"/>
+            </a:solidFill>
+          </a:ln>
+        </p:spPr>
+        <p:style>
+          <a:lnRef idx="2">
+            <a:schemeClr val="accent1">
+              <a:shade val="50000"/>
+            </a:schemeClr>
+          </a:lnRef>
+          <a:fillRef idx="1">
+            <a:schemeClr val="accent1"/>
+          </a:fillRef>
+          <a:effectRef idx="0">
+            <a:schemeClr val="accent1"/>
+          </a:effectRef>
+          <a:fontRef idx="minor">
+            <a:schemeClr val="lt1"/>
+          </a:fontRef>
+        </p:style>
+        <p:txBody>
+          <a:bodyPr rtlCol="0" anchor="ctr"/>
+          <a:lstStyle/>
+          <a:p>
+            <a:pPr algn="ctr"/>
+            <a:endParaRPr lang="zh-CN" altLang="en-US">
+              <a:solidFill>
+                <a:schemeClr val="tx1"/>
+              </a:solidFill>
+            </a:endParaRPr>
+          </a:p>
+        </p:txBody>
+      </p:sp>
+      <p:sp>
+        <p:nvSpPr>
+          <p:cNvPr id="27" name="矩形 26">
+            <a:extLst>
+              <a:ext uri="{FF2B5EF4-FFF2-40B4-BE49-F238E27FC236}">
+                <a16:creationId xmlns:a16="http://schemas.microsoft.com/office/drawing/2014/main" id="{AE8CCB75-FD4B-4B49-9D0E-EE4BC3762EAE}"/>
+              </a:ext>
+            </a:extLst>
+          </p:cNvPr>
+          <p:cNvSpPr/>
+          <p:nvPr/>
+        </p:nvSpPr>
+        <p:spPr>
+          <a:xfrm>
+            <a:off x="4084319" y="1363009"/>
+            <a:ext cx="540000" cy="540000"/>
+          </a:xfrm>
+          <a:prstGeom prst="rect">
+            <a:avLst/>
+          </a:prstGeom>
+          <a:solidFill>
+            <a:srgbClr val="5F86CD"/>
+          </a:solidFill>
+        </p:spPr>
+        <p:style>
+          <a:lnRef idx="2">
+            <a:schemeClr val="accent1">
+              <a:shade val="50000"/>
+            </a:schemeClr>
+          </a:lnRef>
+          <a:fillRef idx="1">
+            <a:schemeClr val="accent1"/>
+          </a:fillRef>
+          <a:effectRef idx="0">
+            <a:schemeClr val="accent1"/>
+          </a:effectRef>
+          <a:fontRef idx="minor">
+            <a:schemeClr val="lt1"/>
+          </a:fontRef>
+        </p:style>
+        <p:txBody>
+          <a:bodyPr rtlCol="0" anchor="ctr"/>
+          <a:lstStyle/>
+          <a:p>
+            <a:pPr algn="ctr"/>
+            <a:r>
+              <a:rPr lang="en-US" altLang="zh-CN" dirty="0">
+                <a:solidFill>
+                  <a:schemeClr val="tx1"/>
+                </a:solidFill>
+                <a:latin typeface="Times New Roman" panose="02020603050405020304" pitchFamily="18" charset="0"/>
+                <a:cs typeface="Times New Roman" panose="02020603050405020304" pitchFamily="18" charset="0"/>
+              </a:rPr>
+              <a:t>7</a:t>
+            </a:r>
+            <a:endParaRPr lang="zh-CN" altLang="en-US" dirty="0">
+              <a:solidFill>
+                <a:schemeClr val="tx1"/>
+              </a:solidFill>
+              <a:latin typeface="Times New Roman" panose="02020603050405020304" pitchFamily="18" charset="0"/>
+              <a:cs typeface="Times New Roman" panose="02020603050405020304" pitchFamily="18" charset="0"/>
+            </a:endParaRPr>
+          </a:p>
+        </p:txBody>
+      </p:sp>
+      <p:sp>
+        <p:nvSpPr>
+          <p:cNvPr id="32" name="矩形 31">
+            <a:extLst>
+              <a:ext uri="{FF2B5EF4-FFF2-40B4-BE49-F238E27FC236}">
+                <a16:creationId xmlns:a16="http://schemas.microsoft.com/office/drawing/2014/main" id="{F344CBFF-2E08-4EC4-BE4D-D2A0C4135AE2}"/>
+              </a:ext>
+            </a:extLst>
+          </p:cNvPr>
+          <p:cNvSpPr/>
+          <p:nvPr/>
+        </p:nvSpPr>
+        <p:spPr>
+          <a:xfrm>
+            <a:off x="4624319" y="1363009"/>
+            <a:ext cx="540000" cy="540000"/>
+          </a:xfrm>
+          <a:prstGeom prst="rect">
+            <a:avLst/>
+          </a:prstGeom>
+          <a:solidFill>
+            <a:srgbClr val="02FFC4"/>
+          </a:solidFill>
+        </p:spPr>
+        <p:style>
+          <a:lnRef idx="2">
+            <a:schemeClr val="accent1">
+              <a:shade val="50000"/>
+            </a:schemeClr>
+          </a:lnRef>
+          <a:fillRef idx="1">
+            <a:schemeClr val="accent1"/>
+          </a:fillRef>
+          <a:effectRef idx="0">
+            <a:schemeClr val="accent1"/>
+          </a:effectRef>
+          <a:fontRef idx="minor">
+            <a:schemeClr val="lt1"/>
+          </a:fontRef>
+        </p:style>
+        <p:txBody>
+          <a:bodyPr rtlCol="0" anchor="ctr"/>
+          <a:lstStyle/>
+          <a:p>
+            <a:pPr algn="ctr"/>
+            <a:r>
+              <a:rPr lang="en-US" altLang="zh-CN" dirty="0">
+                <a:solidFill>
+                  <a:schemeClr val="tx1"/>
+                </a:solidFill>
+                <a:latin typeface="Times New Roman" panose="02020603050405020304" pitchFamily="18" charset="0"/>
+                <a:cs typeface="Times New Roman" panose="02020603050405020304" pitchFamily="18" charset="0"/>
+              </a:rPr>
+              <a:t>9</a:t>
+            </a:r>
+            <a:endParaRPr lang="zh-CN" altLang="en-US" dirty="0">
+              <a:solidFill>
+                <a:schemeClr val="tx1"/>
+              </a:solidFill>
+              <a:latin typeface="Times New Roman" panose="02020603050405020304" pitchFamily="18" charset="0"/>
+              <a:cs typeface="Times New Roman" panose="02020603050405020304" pitchFamily="18" charset="0"/>
+            </a:endParaRPr>
+          </a:p>
+        </p:txBody>
+      </p:sp>
+      <p:sp>
+        <p:nvSpPr>
+          <p:cNvPr id="38" name="矩形 37">
+            <a:extLst>
+              <a:ext uri="{FF2B5EF4-FFF2-40B4-BE49-F238E27FC236}">
+                <a16:creationId xmlns:a16="http://schemas.microsoft.com/office/drawing/2014/main" id="{DB669A1C-CAE3-4993-8316-F21508AE5BEC}"/>
+              </a:ext>
+            </a:extLst>
+          </p:cNvPr>
+          <p:cNvSpPr/>
+          <p:nvPr/>
+        </p:nvSpPr>
+        <p:spPr>
+          <a:xfrm>
+            <a:off x="4085336" y="1903009"/>
+            <a:ext cx="540000" cy="540000"/>
+          </a:xfrm>
+          <a:prstGeom prst="rect">
+            <a:avLst/>
+          </a:prstGeom>
+          <a:solidFill>
+            <a:srgbClr val="02FFFF"/>
+          </a:solidFill>
+        </p:spPr>
+        <p:style>
+          <a:lnRef idx="2">
+            <a:schemeClr val="accent1">
+              <a:shade val="50000"/>
+            </a:schemeClr>
+          </a:lnRef>
+          <a:fillRef idx="1">
+            <a:schemeClr val="accent1"/>
+          </a:fillRef>
+          <a:effectRef idx="0">
+            <a:schemeClr val="accent1"/>
+          </a:effectRef>
+          <a:fontRef idx="minor">
+            <a:schemeClr val="lt1"/>
+          </a:fontRef>
+        </p:style>
+        <p:txBody>
+          <a:bodyPr rtlCol="0" anchor="ctr"/>
+          <a:lstStyle/>
+          <a:p>
+            <a:pPr algn="ctr"/>
+            <a:r>
+              <a:rPr lang="en-US" altLang="zh-CN" dirty="0">
+                <a:solidFill>
+                  <a:schemeClr val="tx1"/>
+                </a:solidFill>
+                <a:latin typeface="Times New Roman" panose="02020603050405020304" pitchFamily="18" charset="0"/>
+                <a:cs typeface="Times New Roman" panose="02020603050405020304" pitchFamily="18" charset="0"/>
+              </a:rPr>
+              <a:t>8</a:t>
+            </a:r>
+            <a:endParaRPr lang="zh-CN" altLang="en-US" dirty="0">
+              <a:solidFill>
+                <a:schemeClr val="tx1"/>
+              </a:solidFill>
+              <a:latin typeface="Times New Roman" panose="02020603050405020304" pitchFamily="18" charset="0"/>
+              <a:cs typeface="Times New Roman" panose="02020603050405020304" pitchFamily="18" charset="0"/>
+            </a:endParaRPr>
+          </a:p>
+        </p:txBody>
+      </p:sp>
+      <p:sp>
+        <p:nvSpPr>
+          <p:cNvPr id="40" name="矩形 39">
+            <a:extLst>
+              <a:ext uri="{FF2B5EF4-FFF2-40B4-BE49-F238E27FC236}">
+                <a16:creationId xmlns:a16="http://schemas.microsoft.com/office/drawing/2014/main" id="{AB8EE838-AB42-454E-A6F0-2EB7E5544615}"/>
+              </a:ext>
+            </a:extLst>
+          </p:cNvPr>
+          <p:cNvSpPr/>
+          <p:nvPr/>
+        </p:nvSpPr>
+        <p:spPr>
+          <a:xfrm>
+            <a:off x="4624319" y="1903076"/>
+            <a:ext cx="540000" cy="540000"/>
+          </a:xfrm>
+          <a:prstGeom prst="rect">
+            <a:avLst/>
+          </a:prstGeom>
+          <a:solidFill>
+            <a:srgbClr val="A162D0"/>
+          </a:solidFill>
+        </p:spPr>
+        <p:style>
+          <a:lnRef idx="2">
+            <a:schemeClr val="accent1">
+              <a:shade val="50000"/>
+            </a:schemeClr>
+          </a:lnRef>
+          <a:fillRef idx="1">
+            <a:schemeClr val="accent1"/>
+          </a:fillRef>
+          <a:effectRef idx="0">
+            <a:schemeClr val="accent1"/>
+          </a:effectRef>
+          <a:fontRef idx="minor">
+            <a:schemeClr val="lt1"/>
+          </a:fontRef>
+        </p:style>
+        <p:txBody>
+          <a:bodyPr rtlCol="0" anchor="ctr"/>
+          <a:lstStyle/>
+          <a:p>
+            <a:pPr algn="ctr"/>
+            <a:r>
+              <a:rPr lang="en-US" altLang="zh-CN" dirty="0">
+                <a:solidFill>
+                  <a:schemeClr val="tx1"/>
+                </a:solidFill>
+                <a:latin typeface="Times New Roman" panose="02020603050405020304" pitchFamily="18" charset="0"/>
+                <a:cs typeface="Times New Roman" panose="02020603050405020304" pitchFamily="18" charset="0"/>
+              </a:rPr>
+              <a:t>6</a:t>
+            </a:r>
+            <a:endParaRPr lang="zh-CN" altLang="en-US" dirty="0">
+              <a:solidFill>
+                <a:schemeClr val="tx1"/>
+              </a:solidFill>
+              <a:latin typeface="Times New Roman" panose="02020603050405020304" pitchFamily="18" charset="0"/>
+              <a:cs typeface="Times New Roman" panose="02020603050405020304" pitchFamily="18" charset="0"/>
+            </a:endParaRPr>
+          </a:p>
+        </p:txBody>
+      </p:sp>
+      <p:sp>
+        <p:nvSpPr>
+          <p:cNvPr id="42" name="文本框 41">
+            <a:extLst>
+              <a:ext uri="{FF2B5EF4-FFF2-40B4-BE49-F238E27FC236}">
+                <a16:creationId xmlns:a16="http://schemas.microsoft.com/office/drawing/2014/main" id="{E92B1F26-B963-4640-9138-F8A7CB069DF2}"/>
+              </a:ext>
+            </a:extLst>
+          </p:cNvPr>
+          <p:cNvSpPr txBox="1"/>
+          <p:nvPr/>
+        </p:nvSpPr>
+        <p:spPr>
+          <a:xfrm>
+            <a:off x="3388131" y="2883779"/>
+            <a:ext cx="907079" cy="430887"/>
+          </a:xfrm>
+          <a:prstGeom prst="rect">
+            <a:avLst/>
+          </a:prstGeom>
+          <a:noFill/>
+        </p:spPr>
+        <p:txBody>
+          <a:bodyPr wrap="square" rtlCol="0">
+            <a:spAutoFit/>
+          </a:bodyPr>
+          <a:lstStyle/>
+          <a:p>
+            <a:r>
+              <a:rPr lang="en-US" altLang="zh-CN" sz="1100" dirty="0">
+                <a:latin typeface="Arial" panose="020B0604020202020204" pitchFamily="34" charset="0"/>
+                <a:cs typeface="Arial" panose="020B0604020202020204" pitchFamily="34" charset="0"/>
+              </a:rPr>
+              <a:t>Maxpooling Backward</a:t>
+            </a:r>
+            <a:endParaRPr lang="zh-CN" altLang="en-US" sz="1100" dirty="0">
+              <a:latin typeface="Arial" panose="020B0604020202020204" pitchFamily="34" charset="0"/>
+              <a:cs typeface="Arial" panose="020B0604020202020204" pitchFamily="34" charset="0"/>
+            </a:endParaRPr>
+          </a:p>
+        </p:txBody>
+      </p:sp>
+      <p:sp>
+        <p:nvSpPr>
+          <p:cNvPr id="43" name="矩形 42">
+            <a:extLst>
+              <a:ext uri="{FF2B5EF4-FFF2-40B4-BE49-F238E27FC236}">
+                <a16:creationId xmlns:a16="http://schemas.microsoft.com/office/drawing/2014/main" id="{2929FBFA-6FBE-45B6-9A86-C6C0F0ADA6A3}"/>
+              </a:ext>
+            </a:extLst>
+          </p:cNvPr>
+          <p:cNvSpPr/>
+          <p:nvPr/>
+        </p:nvSpPr>
+        <p:spPr>
+          <a:xfrm>
+            <a:off x="4408592" y="3156899"/>
+            <a:ext cx="360000" cy="360000"/>
+          </a:xfrm>
+          <a:prstGeom prst="rect">
+            <a:avLst/>
+          </a:prstGeom>
+          <a:solidFill>
+            <a:srgbClr val="5F86CD"/>
+          </a:solidFill>
+        </p:spPr>
+        <p:style>
+          <a:lnRef idx="2">
+            <a:schemeClr val="accent1">
+              <a:shade val="50000"/>
+            </a:schemeClr>
+          </a:lnRef>
+          <a:fillRef idx="1">
+            <a:schemeClr val="accent1"/>
+          </a:fillRef>
+          <a:effectRef idx="0">
+            <a:schemeClr val="accent1"/>
+          </a:effectRef>
+          <a:fontRef idx="minor">
+            <a:schemeClr val="lt1"/>
+          </a:fontRef>
+        </p:style>
+        <p:txBody>
+          <a:bodyPr rtlCol="0" anchor="ctr"/>
+          <a:lstStyle/>
+          <a:p>
+            <a:pPr algn="ctr"/>
+            <a:endParaRPr lang="zh-CN" altLang="en-US" sz="600" dirty="0">
+              <a:solidFill>
+                <a:schemeClr val="tx1"/>
+              </a:solidFill>
+              <a:latin typeface="Times New Roman" panose="02020603050405020304" pitchFamily="18" charset="0"/>
+              <a:cs typeface="Times New Roman" panose="02020603050405020304" pitchFamily="18" charset="0"/>
+            </a:endParaRPr>
+          </a:p>
+        </p:txBody>
+      </p:sp>
+      <p:sp>
+        <p:nvSpPr>
+          <p:cNvPr id="44" name="矩形 43">
+            <a:extLst>
+              <a:ext uri="{FF2B5EF4-FFF2-40B4-BE49-F238E27FC236}">
+                <a16:creationId xmlns:a16="http://schemas.microsoft.com/office/drawing/2014/main" id="{5B2981BB-F435-4375-B84D-0F32052047E7}"/>
+              </a:ext>
+            </a:extLst>
+          </p:cNvPr>
+          <p:cNvSpPr/>
+          <p:nvPr/>
+        </p:nvSpPr>
+        <p:spPr>
+          <a:xfrm>
+            <a:off x="4769611" y="3156899"/>
+            <a:ext cx="360000" cy="360000"/>
+          </a:xfrm>
+          <a:prstGeom prst="rect">
+            <a:avLst/>
+          </a:prstGeom>
+          <a:solidFill>
+            <a:srgbClr val="5F86CD"/>
+          </a:solidFill>
+        </p:spPr>
+        <p:style>
+          <a:lnRef idx="2">
+            <a:schemeClr val="accent1">
+              <a:shade val="50000"/>
+            </a:schemeClr>
+          </a:lnRef>
+          <a:fillRef idx="1">
+            <a:schemeClr val="accent1"/>
+          </a:fillRef>
+          <a:effectRef idx="0">
+            <a:schemeClr val="accent1"/>
+          </a:effectRef>
+          <a:fontRef idx="minor">
+            <a:schemeClr val="lt1"/>
+          </a:fontRef>
+        </p:style>
+        <p:txBody>
+          <a:bodyPr rtlCol="0" anchor="ctr"/>
+          <a:lstStyle/>
+          <a:p>
+            <a:pPr algn="ctr"/>
+            <a:endParaRPr lang="zh-CN" altLang="en-US" dirty="0">
+              <a:solidFill>
+                <a:schemeClr val="tx1"/>
+              </a:solidFill>
+              <a:latin typeface="Times New Roman" panose="02020603050405020304" pitchFamily="18" charset="0"/>
+              <a:cs typeface="Times New Roman" panose="02020603050405020304" pitchFamily="18" charset="0"/>
+            </a:endParaRPr>
+          </a:p>
+        </p:txBody>
+      </p:sp>
+      <p:sp>
+        <p:nvSpPr>
+          <p:cNvPr id="45" name="矩形 44">
+            <a:extLst>
+              <a:ext uri="{FF2B5EF4-FFF2-40B4-BE49-F238E27FC236}">
+                <a16:creationId xmlns:a16="http://schemas.microsoft.com/office/drawing/2014/main" id="{04250B1E-0D65-44F0-B5EB-A72D7773AF0A}"/>
+              </a:ext>
+            </a:extLst>
+          </p:cNvPr>
+          <p:cNvSpPr/>
+          <p:nvPr/>
+        </p:nvSpPr>
+        <p:spPr>
+          <a:xfrm>
+            <a:off x="5129611" y="3156899"/>
+            <a:ext cx="360000" cy="360000"/>
+          </a:xfrm>
+          <a:prstGeom prst="rect">
+            <a:avLst/>
+          </a:prstGeom>
+          <a:solidFill>
+            <a:srgbClr val="02FFC4"/>
+          </a:solidFill>
+        </p:spPr>
+        <p:style>
+          <a:lnRef idx="2">
+            <a:schemeClr val="accent1">
+              <a:shade val="50000"/>
+            </a:schemeClr>
+          </a:lnRef>
+          <a:fillRef idx="1">
+            <a:schemeClr val="accent1"/>
+          </a:fillRef>
+          <a:effectRef idx="0">
+            <a:schemeClr val="accent1"/>
+          </a:effectRef>
+          <a:fontRef idx="minor">
+            <a:schemeClr val="lt1"/>
+          </a:fontRef>
+        </p:style>
+        <p:txBody>
+          <a:bodyPr rtlCol="0" anchor="ctr"/>
+          <a:lstStyle/>
+          <a:p>
+            <a:pPr algn="ctr"/>
+            <a:endParaRPr lang="zh-CN" altLang="en-US" dirty="0">
+              <a:solidFill>
+                <a:schemeClr val="tx1"/>
+              </a:solidFill>
+              <a:latin typeface="Times New Roman" panose="02020603050405020304" pitchFamily="18" charset="0"/>
+              <a:cs typeface="Times New Roman" panose="02020603050405020304" pitchFamily="18" charset="0"/>
+            </a:endParaRPr>
+          </a:p>
+        </p:txBody>
+      </p:sp>
+      <p:sp>
+        <p:nvSpPr>
+          <p:cNvPr id="46" name="矩形 45">
+            <a:extLst>
+              <a:ext uri="{FF2B5EF4-FFF2-40B4-BE49-F238E27FC236}">
+                <a16:creationId xmlns:a16="http://schemas.microsoft.com/office/drawing/2014/main" id="{CFD8BA9E-A309-462F-B787-F552E7DBE03D}"/>
+              </a:ext>
+            </a:extLst>
+          </p:cNvPr>
+          <p:cNvSpPr/>
+          <p:nvPr/>
+        </p:nvSpPr>
+        <p:spPr>
+          <a:xfrm>
+            <a:off x="5489611" y="3156899"/>
+            <a:ext cx="360000" cy="360000"/>
+          </a:xfrm>
+          <a:prstGeom prst="rect">
+            <a:avLst/>
+          </a:prstGeom>
+          <a:solidFill>
+            <a:srgbClr val="02FFC4"/>
+          </a:solidFill>
+        </p:spPr>
+        <p:style>
+          <a:lnRef idx="2">
+            <a:schemeClr val="accent1">
+              <a:shade val="50000"/>
+            </a:schemeClr>
+          </a:lnRef>
+          <a:fillRef idx="1">
+            <a:schemeClr val="accent1"/>
+          </a:fillRef>
+          <a:effectRef idx="0">
+            <a:schemeClr val="accent1"/>
+          </a:effectRef>
+          <a:fontRef idx="minor">
+            <a:schemeClr val="lt1"/>
+          </a:fontRef>
+        </p:style>
+        <p:txBody>
+          <a:bodyPr rtlCol="0" anchor="ctr"/>
+          <a:lstStyle/>
+          <a:p>
+            <a:pPr algn="ctr"/>
+            <a:endParaRPr lang="zh-CN" altLang="en-US" dirty="0">
+              <a:solidFill>
+                <a:schemeClr val="tx1"/>
+              </a:solidFill>
+              <a:latin typeface="Times New Roman" panose="02020603050405020304" pitchFamily="18" charset="0"/>
+              <a:cs typeface="Times New Roman" panose="02020603050405020304" pitchFamily="18" charset="0"/>
+            </a:endParaRPr>
+          </a:p>
+        </p:txBody>
+      </p:sp>
+      <p:sp>
+        <p:nvSpPr>
+          <p:cNvPr id="47" name="矩形 46">
+            <a:extLst>
+              <a:ext uri="{FF2B5EF4-FFF2-40B4-BE49-F238E27FC236}">
+                <a16:creationId xmlns:a16="http://schemas.microsoft.com/office/drawing/2014/main" id="{1DE6D3D8-9F96-4EEE-9E67-44A89EFEB5E6}"/>
+              </a:ext>
+            </a:extLst>
+          </p:cNvPr>
+          <p:cNvSpPr/>
+          <p:nvPr/>
+        </p:nvSpPr>
+        <p:spPr>
+          <a:xfrm>
+            <a:off x="4408592" y="3516899"/>
+            <a:ext cx="360000" cy="360000"/>
+          </a:xfrm>
+          <a:prstGeom prst="rect">
+            <a:avLst/>
+          </a:prstGeom>
+          <a:solidFill>
+            <a:srgbClr val="5F86CD"/>
+          </a:solidFill>
+        </p:spPr>
+        <p:style>
+          <a:lnRef idx="2">
+            <a:schemeClr val="accent1">
+              <a:shade val="50000"/>
+            </a:schemeClr>
+          </a:lnRef>
+          <a:fillRef idx="1">
+            <a:schemeClr val="accent1"/>
+          </a:fillRef>
+          <a:effectRef idx="0">
+            <a:schemeClr val="accent1"/>
+          </a:effectRef>
+          <a:fontRef idx="minor">
+            <a:schemeClr val="lt1"/>
+          </a:fontRef>
+        </p:style>
+        <p:txBody>
+          <a:bodyPr rtlCol="0" anchor="ctr"/>
+          <a:lstStyle/>
+          <a:p>
+            <a:pPr algn="ctr"/>
+            <a:endParaRPr lang="zh-CN" altLang="en-US" dirty="0">
+              <a:solidFill>
+                <a:schemeClr val="tx1"/>
+              </a:solidFill>
+              <a:latin typeface="Times New Roman" panose="02020603050405020304" pitchFamily="18" charset="0"/>
+              <a:cs typeface="Times New Roman" panose="02020603050405020304" pitchFamily="18" charset="0"/>
+            </a:endParaRPr>
+          </a:p>
+        </p:txBody>
+      </p:sp>
+      <p:sp>
+        <p:nvSpPr>
+          <p:cNvPr id="48" name="矩形 47">
+            <a:extLst>
+              <a:ext uri="{FF2B5EF4-FFF2-40B4-BE49-F238E27FC236}">
+                <a16:creationId xmlns:a16="http://schemas.microsoft.com/office/drawing/2014/main" id="{513D2D0C-54F3-451F-8C41-8EC6E75D4A83}"/>
+              </a:ext>
+            </a:extLst>
+          </p:cNvPr>
+          <p:cNvSpPr/>
+          <p:nvPr/>
+        </p:nvSpPr>
+        <p:spPr>
+          <a:xfrm>
+            <a:off x="4769611" y="3516899"/>
+            <a:ext cx="360000" cy="360000"/>
+          </a:xfrm>
+          <a:prstGeom prst="rect">
+            <a:avLst/>
+          </a:prstGeom>
+          <a:solidFill>
+            <a:srgbClr val="5F86CD"/>
+          </a:solidFill>
+        </p:spPr>
+        <p:style>
+          <a:lnRef idx="2">
+            <a:schemeClr val="accent1">
+              <a:shade val="50000"/>
+            </a:schemeClr>
+          </a:lnRef>
+          <a:fillRef idx="1">
+            <a:schemeClr val="accent1"/>
+          </a:fillRef>
+          <a:effectRef idx="0">
+            <a:schemeClr val="accent1"/>
+          </a:effectRef>
+          <a:fontRef idx="minor">
+            <a:schemeClr val="lt1"/>
+          </a:fontRef>
+        </p:style>
+        <p:txBody>
+          <a:bodyPr rtlCol="0" anchor="ctr"/>
+          <a:lstStyle/>
+          <a:p>
+            <a:pPr algn="ctr"/>
+            <a:endParaRPr lang="zh-CN" altLang="en-US" dirty="0">
+              <a:solidFill>
+                <a:schemeClr val="tx1"/>
+              </a:solidFill>
+              <a:latin typeface="Times New Roman" panose="02020603050405020304" pitchFamily="18" charset="0"/>
+              <a:cs typeface="Times New Roman" panose="02020603050405020304" pitchFamily="18" charset="0"/>
+            </a:endParaRPr>
+          </a:p>
+        </p:txBody>
+      </p:sp>
+      <p:sp>
+        <p:nvSpPr>
+          <p:cNvPr id="49" name="矩形 48">
+            <a:extLst>
+              <a:ext uri="{FF2B5EF4-FFF2-40B4-BE49-F238E27FC236}">
+                <a16:creationId xmlns:a16="http://schemas.microsoft.com/office/drawing/2014/main" id="{F1EC1F76-4D67-48D6-84EE-36B095B0CA81}"/>
+              </a:ext>
+            </a:extLst>
+          </p:cNvPr>
+          <p:cNvSpPr/>
+          <p:nvPr/>
+        </p:nvSpPr>
+        <p:spPr>
+          <a:xfrm>
+            <a:off x="5129611" y="3516899"/>
+            <a:ext cx="360000" cy="360000"/>
+          </a:xfrm>
+          <a:prstGeom prst="rect">
+            <a:avLst/>
+          </a:prstGeom>
+          <a:solidFill>
+            <a:srgbClr val="02FFC4"/>
+          </a:solidFill>
+        </p:spPr>
+        <p:style>
+          <a:lnRef idx="2">
+            <a:schemeClr val="accent1">
+              <a:shade val="50000"/>
+            </a:schemeClr>
+          </a:lnRef>
+          <a:fillRef idx="1">
+            <a:schemeClr val="accent1"/>
+          </a:fillRef>
+          <a:effectRef idx="0">
+            <a:schemeClr val="accent1"/>
+          </a:effectRef>
+          <a:fontRef idx="minor">
+            <a:schemeClr val="lt1"/>
+          </a:fontRef>
+        </p:style>
+        <p:txBody>
+          <a:bodyPr rtlCol="0" anchor="ctr"/>
+          <a:lstStyle/>
+          <a:p>
+            <a:pPr algn="ctr"/>
+            <a:endParaRPr lang="zh-CN" altLang="en-US" dirty="0">
+              <a:solidFill>
+                <a:schemeClr val="tx1"/>
+              </a:solidFill>
+              <a:latin typeface="Times New Roman" panose="02020603050405020304" pitchFamily="18" charset="0"/>
+              <a:cs typeface="Times New Roman" panose="02020603050405020304" pitchFamily="18" charset="0"/>
+            </a:endParaRPr>
+          </a:p>
+        </p:txBody>
+      </p:sp>
+      <p:sp>
+        <p:nvSpPr>
+          <p:cNvPr id="50" name="矩形 49">
+            <a:extLst>
+              <a:ext uri="{FF2B5EF4-FFF2-40B4-BE49-F238E27FC236}">
+                <a16:creationId xmlns:a16="http://schemas.microsoft.com/office/drawing/2014/main" id="{DAC4C60E-6A15-4B3D-A596-650DCD8415A3}"/>
+              </a:ext>
+            </a:extLst>
+          </p:cNvPr>
+          <p:cNvSpPr/>
+          <p:nvPr/>
+        </p:nvSpPr>
+        <p:spPr>
+          <a:xfrm>
+            <a:off x="5489611" y="3516899"/>
+            <a:ext cx="360000" cy="360000"/>
+          </a:xfrm>
+          <a:prstGeom prst="rect">
+            <a:avLst/>
+          </a:prstGeom>
+          <a:solidFill>
+            <a:srgbClr val="02FFC4"/>
+          </a:solidFill>
+        </p:spPr>
+        <p:style>
+          <a:lnRef idx="2">
+            <a:schemeClr val="accent1">
+              <a:shade val="50000"/>
+            </a:schemeClr>
+          </a:lnRef>
+          <a:fillRef idx="1">
+            <a:schemeClr val="accent1"/>
+          </a:fillRef>
+          <a:effectRef idx="0">
+            <a:schemeClr val="accent1"/>
+          </a:effectRef>
+          <a:fontRef idx="minor">
+            <a:schemeClr val="lt1"/>
+          </a:fontRef>
+        </p:style>
+        <p:txBody>
+          <a:bodyPr rtlCol="0" anchor="ctr"/>
+          <a:lstStyle/>
+          <a:p>
+            <a:pPr algn="ctr"/>
+            <a:endParaRPr lang="zh-CN" altLang="en-US" dirty="0">
+              <a:solidFill>
+                <a:schemeClr val="tx1"/>
+              </a:solidFill>
+              <a:latin typeface="Times New Roman" panose="02020603050405020304" pitchFamily="18" charset="0"/>
+              <a:cs typeface="Times New Roman" panose="02020603050405020304" pitchFamily="18" charset="0"/>
+            </a:endParaRPr>
+          </a:p>
+        </p:txBody>
+      </p:sp>
+      <p:sp>
+        <p:nvSpPr>
+          <p:cNvPr id="51" name="矩形 50">
+            <a:extLst>
+              <a:ext uri="{FF2B5EF4-FFF2-40B4-BE49-F238E27FC236}">
+                <a16:creationId xmlns:a16="http://schemas.microsoft.com/office/drawing/2014/main" id="{3B7C7D90-0A2A-40F9-B011-0AAFE53D9547}"/>
+              </a:ext>
+            </a:extLst>
+          </p:cNvPr>
+          <p:cNvSpPr/>
+          <p:nvPr/>
+        </p:nvSpPr>
+        <p:spPr>
+          <a:xfrm>
+            <a:off x="4408592" y="3876899"/>
+            <a:ext cx="360000" cy="360000"/>
+          </a:xfrm>
+          <a:prstGeom prst="rect">
+            <a:avLst/>
+          </a:prstGeom>
+          <a:solidFill>
+            <a:srgbClr val="02FFFF"/>
+          </a:solidFill>
+        </p:spPr>
+        <p:style>
+          <a:lnRef idx="2">
+            <a:schemeClr val="accent1">
+              <a:shade val="50000"/>
+            </a:schemeClr>
+          </a:lnRef>
+          <a:fillRef idx="1">
+            <a:schemeClr val="accent1"/>
+          </a:fillRef>
+          <a:effectRef idx="0">
+            <a:schemeClr val="accent1"/>
+          </a:effectRef>
+          <a:fontRef idx="minor">
+            <a:schemeClr val="lt1"/>
+          </a:fontRef>
+        </p:style>
+        <p:txBody>
+          <a:bodyPr rtlCol="0" anchor="ctr"/>
+          <a:lstStyle/>
+          <a:p>
+            <a:pPr algn="ctr"/>
+            <a:r>
+              <a:rPr lang="en-US" altLang="zh-CN" sz="1200" dirty="0">
+                <a:solidFill>
+                  <a:schemeClr val="tx1"/>
+                </a:solidFill>
+                <a:latin typeface="Times New Roman" panose="02020603050405020304" pitchFamily="18" charset="0"/>
+                <a:cs typeface="Times New Roman" panose="02020603050405020304" pitchFamily="18" charset="0"/>
+              </a:rPr>
+              <a:t>1</a:t>
+            </a:r>
+            <a:endParaRPr lang="zh-CN" altLang="en-US" sz="1200" dirty="0">
+              <a:solidFill>
+                <a:schemeClr val="tx1"/>
+              </a:solidFill>
+              <a:latin typeface="Times New Roman" panose="02020603050405020304" pitchFamily="18" charset="0"/>
+              <a:cs typeface="Times New Roman" panose="02020603050405020304" pitchFamily="18" charset="0"/>
+            </a:endParaRPr>
+          </a:p>
+        </p:txBody>
+      </p:sp>
+      <p:sp>
+        <p:nvSpPr>
+          <p:cNvPr id="52" name="矩形 51">
+            <a:extLst>
+              <a:ext uri="{FF2B5EF4-FFF2-40B4-BE49-F238E27FC236}">
+                <a16:creationId xmlns:a16="http://schemas.microsoft.com/office/drawing/2014/main" id="{67230DD4-8CB9-4942-B428-B3B86B22CB6F}"/>
+              </a:ext>
+            </a:extLst>
+          </p:cNvPr>
+          <p:cNvSpPr/>
+          <p:nvPr/>
+        </p:nvSpPr>
+        <p:spPr>
+          <a:xfrm>
+            <a:off x="4769611" y="3876899"/>
+            <a:ext cx="360000" cy="360000"/>
+          </a:xfrm>
+          <a:prstGeom prst="rect">
+            <a:avLst/>
+          </a:prstGeom>
+          <a:solidFill>
+            <a:srgbClr val="02FFFF"/>
+          </a:solidFill>
+        </p:spPr>
+        <p:style>
+          <a:lnRef idx="2">
+            <a:schemeClr val="accent1">
+              <a:shade val="50000"/>
+            </a:schemeClr>
+          </a:lnRef>
+          <a:fillRef idx="1">
+            <a:schemeClr val="accent1"/>
+          </a:fillRef>
+          <a:effectRef idx="0">
+            <a:schemeClr val="accent1"/>
+          </a:effectRef>
+          <a:fontRef idx="minor">
+            <a:schemeClr val="lt1"/>
+          </a:fontRef>
+        </p:style>
+        <p:txBody>
+          <a:bodyPr rtlCol="0" anchor="ctr"/>
+          <a:lstStyle/>
+          <a:p>
+            <a:pPr algn="ctr"/>
+            <a:r>
+              <a:rPr lang="en-US" altLang="zh-CN" sz="1200" dirty="0">
+                <a:solidFill>
+                  <a:schemeClr val="tx1"/>
+                </a:solidFill>
+                <a:latin typeface="Times New Roman" panose="02020603050405020304" pitchFamily="18" charset="0"/>
+                <a:cs typeface="Times New Roman" panose="02020603050405020304" pitchFamily="18" charset="0"/>
+              </a:rPr>
+              <a:t>1</a:t>
+            </a:r>
+            <a:endParaRPr lang="zh-CN" altLang="en-US" sz="1200" dirty="0">
+              <a:solidFill>
+                <a:schemeClr val="tx1"/>
+              </a:solidFill>
+              <a:latin typeface="Times New Roman" panose="02020603050405020304" pitchFamily="18" charset="0"/>
+              <a:cs typeface="Times New Roman" panose="02020603050405020304" pitchFamily="18" charset="0"/>
+            </a:endParaRPr>
+          </a:p>
+        </p:txBody>
+      </p:sp>
+      <p:sp>
+        <p:nvSpPr>
+          <p:cNvPr id="53" name="矩形 52">
+            <a:extLst>
+              <a:ext uri="{FF2B5EF4-FFF2-40B4-BE49-F238E27FC236}">
+                <a16:creationId xmlns:a16="http://schemas.microsoft.com/office/drawing/2014/main" id="{BA34CEA2-8DFA-4C78-89E5-04E495BE3D3C}"/>
+              </a:ext>
+            </a:extLst>
+          </p:cNvPr>
+          <p:cNvSpPr/>
+          <p:nvPr/>
+        </p:nvSpPr>
+        <p:spPr>
+          <a:xfrm>
+            <a:off x="5129611" y="3876899"/>
+            <a:ext cx="360000" cy="360000"/>
+          </a:xfrm>
+          <a:prstGeom prst="rect">
+            <a:avLst/>
+          </a:prstGeom>
+          <a:solidFill>
+            <a:srgbClr val="A162D0"/>
+          </a:solidFill>
+        </p:spPr>
+        <p:style>
+          <a:lnRef idx="2">
+            <a:schemeClr val="accent1">
+              <a:shade val="50000"/>
+            </a:schemeClr>
+          </a:lnRef>
+          <a:fillRef idx="1">
+            <a:schemeClr val="accent1"/>
+          </a:fillRef>
+          <a:effectRef idx="0">
+            <a:schemeClr val="accent1"/>
+          </a:effectRef>
+          <a:fontRef idx="minor">
+            <a:schemeClr val="lt1"/>
+          </a:fontRef>
+        </p:style>
+        <p:txBody>
+          <a:bodyPr rtlCol="0" anchor="ctr"/>
+          <a:lstStyle/>
+          <a:p>
+            <a:pPr algn="ctr"/>
+            <a:r>
+              <a:rPr lang="en-US" altLang="zh-CN" sz="1200" dirty="0">
+                <a:solidFill>
+                  <a:schemeClr val="tx1"/>
+                </a:solidFill>
+                <a:latin typeface="Times New Roman" panose="02020603050405020304" pitchFamily="18" charset="0"/>
+                <a:cs typeface="Times New Roman" panose="02020603050405020304" pitchFamily="18" charset="0"/>
+              </a:rPr>
+              <a:t>1</a:t>
+            </a:r>
+            <a:endParaRPr lang="zh-CN" altLang="en-US" sz="1200" dirty="0">
+              <a:solidFill>
+                <a:schemeClr val="tx1"/>
+              </a:solidFill>
+              <a:latin typeface="Times New Roman" panose="02020603050405020304" pitchFamily="18" charset="0"/>
+              <a:cs typeface="Times New Roman" panose="02020603050405020304" pitchFamily="18" charset="0"/>
+            </a:endParaRPr>
+          </a:p>
+        </p:txBody>
+      </p:sp>
+      <p:sp>
+        <p:nvSpPr>
+          <p:cNvPr id="54" name="矩形 53">
+            <a:extLst>
+              <a:ext uri="{FF2B5EF4-FFF2-40B4-BE49-F238E27FC236}">
+                <a16:creationId xmlns:a16="http://schemas.microsoft.com/office/drawing/2014/main" id="{B5032240-0142-44F5-AC38-68991D9B0FB5}"/>
+              </a:ext>
+            </a:extLst>
+          </p:cNvPr>
+          <p:cNvSpPr/>
+          <p:nvPr/>
+        </p:nvSpPr>
+        <p:spPr>
+          <a:xfrm>
+            <a:off x="5489611" y="3876899"/>
+            <a:ext cx="360000" cy="360000"/>
+          </a:xfrm>
+          <a:prstGeom prst="rect">
+            <a:avLst/>
+          </a:prstGeom>
+          <a:solidFill>
+            <a:srgbClr val="A162D0"/>
+          </a:solidFill>
+        </p:spPr>
+        <p:style>
+          <a:lnRef idx="2">
+            <a:schemeClr val="accent1">
+              <a:shade val="50000"/>
+            </a:schemeClr>
+          </a:lnRef>
+          <a:fillRef idx="1">
+            <a:schemeClr val="accent1"/>
+          </a:fillRef>
+          <a:effectRef idx="0">
+            <a:schemeClr val="accent1"/>
+          </a:effectRef>
+          <a:fontRef idx="minor">
+            <a:schemeClr val="lt1"/>
+          </a:fontRef>
+        </p:style>
+        <p:txBody>
+          <a:bodyPr rtlCol="0" anchor="ctr"/>
+          <a:lstStyle/>
+          <a:p>
+            <a:pPr algn="ctr"/>
+            <a:r>
+              <a:rPr lang="en-US" altLang="zh-CN" sz="1200" dirty="0">
+                <a:solidFill>
+                  <a:schemeClr val="tx1"/>
+                </a:solidFill>
+                <a:latin typeface="Times New Roman" panose="02020603050405020304" pitchFamily="18" charset="0"/>
+                <a:cs typeface="Times New Roman" panose="02020603050405020304" pitchFamily="18" charset="0"/>
+              </a:rPr>
+              <a:t>1</a:t>
+            </a:r>
+            <a:endParaRPr lang="zh-CN" altLang="en-US" sz="1200" dirty="0">
+              <a:solidFill>
+                <a:schemeClr val="tx1"/>
+              </a:solidFill>
+              <a:latin typeface="Times New Roman" panose="02020603050405020304" pitchFamily="18" charset="0"/>
+              <a:cs typeface="Times New Roman" panose="02020603050405020304" pitchFamily="18" charset="0"/>
+            </a:endParaRPr>
+          </a:p>
+        </p:txBody>
+      </p:sp>
+      <p:sp>
+        <p:nvSpPr>
+          <p:cNvPr id="55" name="矩形 54">
+            <a:extLst>
+              <a:ext uri="{FF2B5EF4-FFF2-40B4-BE49-F238E27FC236}">
+                <a16:creationId xmlns:a16="http://schemas.microsoft.com/office/drawing/2014/main" id="{A6F322F9-22A5-4360-9A1E-8DDB375ACB81}"/>
+              </a:ext>
+            </a:extLst>
+          </p:cNvPr>
+          <p:cNvSpPr/>
+          <p:nvPr/>
+        </p:nvSpPr>
+        <p:spPr>
+          <a:xfrm>
+            <a:off x="4408592" y="4236899"/>
+            <a:ext cx="360000" cy="360000"/>
+          </a:xfrm>
+          <a:prstGeom prst="rect">
+            <a:avLst/>
+          </a:prstGeom>
+          <a:solidFill>
+            <a:srgbClr val="02FFFF"/>
+          </a:solidFill>
+        </p:spPr>
+        <p:style>
+          <a:lnRef idx="2">
+            <a:schemeClr val="accent1">
+              <a:shade val="50000"/>
+            </a:schemeClr>
+          </a:lnRef>
+          <a:fillRef idx="1">
+            <a:schemeClr val="accent1"/>
+          </a:fillRef>
+          <a:effectRef idx="0">
+            <a:schemeClr val="accent1"/>
+          </a:effectRef>
+          <a:fontRef idx="minor">
+            <a:schemeClr val="lt1"/>
+          </a:fontRef>
+        </p:style>
+        <p:txBody>
+          <a:bodyPr rtlCol="0" anchor="ctr"/>
+          <a:lstStyle/>
+          <a:p>
+            <a:pPr algn="ctr"/>
+            <a:r>
+              <a:rPr lang="en-US" altLang="zh-CN" sz="1200" dirty="0">
+                <a:solidFill>
+                  <a:schemeClr val="tx1"/>
+                </a:solidFill>
+                <a:latin typeface="Times New Roman" panose="02020603050405020304" pitchFamily="18" charset="0"/>
+                <a:cs typeface="Times New Roman" panose="02020603050405020304" pitchFamily="18" charset="0"/>
+              </a:rPr>
+              <a:t>1</a:t>
+            </a:r>
+            <a:endParaRPr lang="zh-CN" altLang="en-US" sz="1200" dirty="0">
+              <a:solidFill>
+                <a:schemeClr val="tx1"/>
+              </a:solidFill>
+              <a:latin typeface="Times New Roman" panose="02020603050405020304" pitchFamily="18" charset="0"/>
+              <a:cs typeface="Times New Roman" panose="02020603050405020304" pitchFamily="18" charset="0"/>
+            </a:endParaRPr>
+          </a:p>
+        </p:txBody>
+      </p:sp>
+      <p:sp>
+        <p:nvSpPr>
+          <p:cNvPr id="56" name="矩形 55">
+            <a:extLst>
+              <a:ext uri="{FF2B5EF4-FFF2-40B4-BE49-F238E27FC236}">
+                <a16:creationId xmlns:a16="http://schemas.microsoft.com/office/drawing/2014/main" id="{84CBE9D1-CC30-4D23-B904-7872FCC03044}"/>
+              </a:ext>
+            </a:extLst>
+          </p:cNvPr>
+          <p:cNvSpPr/>
+          <p:nvPr/>
+        </p:nvSpPr>
+        <p:spPr>
+          <a:xfrm>
+            <a:off x="4769611" y="4236899"/>
+            <a:ext cx="360000" cy="360000"/>
+          </a:xfrm>
+          <a:prstGeom prst="rect">
+            <a:avLst/>
+          </a:prstGeom>
+          <a:solidFill>
+            <a:srgbClr val="02FFFF"/>
+          </a:solidFill>
+        </p:spPr>
+        <p:style>
+          <a:lnRef idx="2">
+            <a:schemeClr val="accent1">
+              <a:shade val="50000"/>
+            </a:schemeClr>
+          </a:lnRef>
+          <a:fillRef idx="1">
+            <a:schemeClr val="accent1"/>
+          </a:fillRef>
+          <a:effectRef idx="0">
+            <a:schemeClr val="accent1"/>
+          </a:effectRef>
+          <a:fontRef idx="minor">
+            <a:schemeClr val="lt1"/>
+          </a:fontRef>
+        </p:style>
+        <p:txBody>
+          <a:bodyPr rtlCol="0" anchor="ctr"/>
+          <a:lstStyle/>
+          <a:p>
+            <a:pPr algn="ctr"/>
+            <a:r>
+              <a:rPr lang="en-US" altLang="zh-CN" sz="1200" dirty="0">
+                <a:solidFill>
+                  <a:schemeClr val="tx1"/>
+                </a:solidFill>
+                <a:latin typeface="Times New Roman" panose="02020603050405020304" pitchFamily="18" charset="0"/>
+                <a:cs typeface="Times New Roman" panose="02020603050405020304" pitchFamily="18" charset="0"/>
+              </a:rPr>
+              <a:t>1</a:t>
+            </a:r>
+            <a:endParaRPr lang="zh-CN" altLang="en-US" sz="1200" dirty="0">
+              <a:solidFill>
+                <a:schemeClr val="tx1"/>
+              </a:solidFill>
+              <a:latin typeface="Times New Roman" panose="02020603050405020304" pitchFamily="18" charset="0"/>
+              <a:cs typeface="Times New Roman" panose="02020603050405020304" pitchFamily="18" charset="0"/>
+            </a:endParaRPr>
+          </a:p>
+        </p:txBody>
+      </p:sp>
+      <p:sp>
+        <p:nvSpPr>
+          <p:cNvPr id="57" name="矩形 56">
+            <a:extLst>
+              <a:ext uri="{FF2B5EF4-FFF2-40B4-BE49-F238E27FC236}">
+                <a16:creationId xmlns:a16="http://schemas.microsoft.com/office/drawing/2014/main" id="{A6925CA8-3D00-4946-8B8C-B911EEAF4752}"/>
+              </a:ext>
+            </a:extLst>
+          </p:cNvPr>
+          <p:cNvSpPr/>
+          <p:nvPr/>
+        </p:nvSpPr>
+        <p:spPr>
+          <a:xfrm>
+            <a:off x="5129611" y="4236899"/>
+            <a:ext cx="360000" cy="360000"/>
+          </a:xfrm>
+          <a:prstGeom prst="rect">
+            <a:avLst/>
+          </a:prstGeom>
+          <a:solidFill>
+            <a:srgbClr val="A162D0"/>
+          </a:solidFill>
+        </p:spPr>
+        <p:style>
+          <a:lnRef idx="2">
+            <a:schemeClr val="accent1">
+              <a:shade val="50000"/>
+            </a:schemeClr>
+          </a:lnRef>
+          <a:fillRef idx="1">
+            <a:schemeClr val="accent1"/>
+          </a:fillRef>
+          <a:effectRef idx="0">
+            <a:schemeClr val="accent1"/>
+          </a:effectRef>
+          <a:fontRef idx="minor">
+            <a:schemeClr val="lt1"/>
+          </a:fontRef>
+        </p:style>
+        <p:txBody>
+          <a:bodyPr rtlCol="0" anchor="ctr"/>
+          <a:lstStyle/>
+          <a:p>
+            <a:pPr algn="ctr"/>
+            <a:r>
+              <a:rPr lang="en-US" altLang="zh-CN" sz="1200" dirty="0">
+                <a:solidFill>
+                  <a:schemeClr val="tx1"/>
+                </a:solidFill>
+                <a:latin typeface="Times New Roman" panose="02020603050405020304" pitchFamily="18" charset="0"/>
+                <a:cs typeface="Times New Roman" panose="02020603050405020304" pitchFamily="18" charset="0"/>
+              </a:rPr>
+              <a:t>1</a:t>
+            </a:r>
+            <a:endParaRPr lang="zh-CN" altLang="en-US" sz="1200" dirty="0">
+              <a:solidFill>
+                <a:schemeClr val="tx1"/>
+              </a:solidFill>
+              <a:latin typeface="Times New Roman" panose="02020603050405020304" pitchFamily="18" charset="0"/>
+              <a:cs typeface="Times New Roman" panose="02020603050405020304" pitchFamily="18" charset="0"/>
+            </a:endParaRPr>
+          </a:p>
+        </p:txBody>
+      </p:sp>
+      <p:sp>
+        <p:nvSpPr>
+          <p:cNvPr id="58" name="矩形 57">
+            <a:extLst>
+              <a:ext uri="{FF2B5EF4-FFF2-40B4-BE49-F238E27FC236}">
+                <a16:creationId xmlns:a16="http://schemas.microsoft.com/office/drawing/2014/main" id="{7297289A-AD1E-40BB-947A-26D76CFEA2AA}"/>
+              </a:ext>
+            </a:extLst>
+          </p:cNvPr>
+          <p:cNvSpPr/>
+          <p:nvPr/>
+        </p:nvSpPr>
+        <p:spPr>
+          <a:xfrm>
+            <a:off x="5489611" y="4236899"/>
+            <a:ext cx="360000" cy="360000"/>
+          </a:xfrm>
+          <a:prstGeom prst="rect">
+            <a:avLst/>
+          </a:prstGeom>
+          <a:solidFill>
+            <a:srgbClr val="A162D0"/>
+          </a:solidFill>
+        </p:spPr>
+        <p:style>
+          <a:lnRef idx="2">
+            <a:schemeClr val="accent1">
+              <a:shade val="50000"/>
+            </a:schemeClr>
+          </a:lnRef>
+          <a:fillRef idx="1">
+            <a:schemeClr val="accent1"/>
+          </a:fillRef>
+          <a:effectRef idx="0">
+            <a:schemeClr val="accent1"/>
+          </a:effectRef>
+          <a:fontRef idx="minor">
+            <a:schemeClr val="lt1"/>
+          </a:fontRef>
+        </p:style>
+        <p:txBody>
+          <a:bodyPr rtlCol="0" anchor="ctr"/>
+          <a:lstStyle/>
+          <a:p>
+            <a:pPr algn="ctr"/>
+            <a:r>
+              <a:rPr lang="en-US" altLang="zh-CN" sz="1200" dirty="0">
+                <a:solidFill>
+                  <a:schemeClr val="tx1"/>
+                </a:solidFill>
+                <a:latin typeface="Times New Roman" panose="02020603050405020304" pitchFamily="18" charset="0"/>
+                <a:cs typeface="Times New Roman" panose="02020603050405020304" pitchFamily="18" charset="0"/>
+              </a:rPr>
+              <a:t>1</a:t>
+            </a:r>
+            <a:endParaRPr lang="zh-CN" altLang="en-US" sz="1200" dirty="0">
+              <a:solidFill>
+                <a:schemeClr val="tx1"/>
+              </a:solidFill>
+              <a:latin typeface="Times New Roman" panose="02020603050405020304" pitchFamily="18" charset="0"/>
+              <a:cs typeface="Times New Roman" panose="02020603050405020304" pitchFamily="18" charset="0"/>
+            </a:endParaRPr>
+          </a:p>
+        </p:txBody>
+      </p:sp>
+      <p:sp>
+        <p:nvSpPr>
+          <p:cNvPr id="59" name="箭头: 上弧形 58">
+            <a:extLst>
+              <a:ext uri="{FF2B5EF4-FFF2-40B4-BE49-F238E27FC236}">
+                <a16:creationId xmlns:a16="http://schemas.microsoft.com/office/drawing/2014/main" id="{CDA3FD6D-917E-4E39-8D95-386880D9F28B}"/>
+              </a:ext>
+            </a:extLst>
+          </p:cNvPr>
+          <p:cNvSpPr/>
+          <p:nvPr/>
+        </p:nvSpPr>
+        <p:spPr>
+          <a:xfrm flipH="1" flipV="1">
+            <a:off x="5533804" y="4659719"/>
+            <a:ext cx="1677660" cy="297180"/>
+          </a:xfrm>
+          <a:prstGeom prst="curvedDownArrow">
+            <a:avLst/>
+          </a:prstGeom>
+          <a:solidFill>
+            <a:srgbClr val="FFFF00"/>
+          </a:solidFill>
+          <a:ln>
+            <a:solidFill>
+              <a:schemeClr val="tx1"/>
+            </a:solidFill>
+          </a:ln>
+        </p:spPr>
+        <p:style>
+          <a:lnRef idx="2">
+            <a:schemeClr val="accent1">
+              <a:shade val="50000"/>
+            </a:schemeClr>
+          </a:lnRef>
+          <a:fillRef idx="1">
+            <a:schemeClr val="accent1"/>
+          </a:fillRef>
+          <a:effectRef idx="0">
+            <a:schemeClr val="accent1"/>
+          </a:effectRef>
+          <a:fontRef idx="minor">
+            <a:schemeClr val="lt1"/>
+          </a:fontRef>
+        </p:style>
+        <p:txBody>
+          <a:bodyPr rtlCol="0" anchor="ctr"/>
+          <a:lstStyle/>
+          <a:p>
+            <a:pPr algn="ctr"/>
+            <a:endParaRPr lang="zh-CN" altLang="en-US">
+              <a:solidFill>
+                <a:schemeClr val="tx1"/>
+              </a:solidFill>
+            </a:endParaRPr>
+          </a:p>
+        </p:txBody>
+      </p:sp>
+      <p:sp>
+        <p:nvSpPr>
+          <p:cNvPr id="65" name="矩形 64">
+            <a:extLst>
+              <a:ext uri="{FF2B5EF4-FFF2-40B4-BE49-F238E27FC236}">
+                <a16:creationId xmlns:a16="http://schemas.microsoft.com/office/drawing/2014/main" id="{A8481341-3C6F-4371-91A2-0BD541FA0A90}"/>
+              </a:ext>
+            </a:extLst>
+          </p:cNvPr>
+          <p:cNvSpPr/>
+          <p:nvPr/>
+        </p:nvSpPr>
+        <p:spPr>
+          <a:xfrm>
+            <a:off x="2094260" y="1001035"/>
+            <a:ext cx="360000" cy="360000"/>
+          </a:xfrm>
+          <a:prstGeom prst="rect">
+            <a:avLst/>
+          </a:prstGeom>
+          <a:solidFill>
+            <a:srgbClr val="5F86CD"/>
+          </a:solidFill>
+        </p:spPr>
+        <p:style>
+          <a:lnRef idx="2">
+            <a:schemeClr val="accent1">
+              <a:shade val="50000"/>
+            </a:schemeClr>
+          </a:lnRef>
+          <a:fillRef idx="1">
+            <a:schemeClr val="accent1"/>
+          </a:fillRef>
+          <a:effectRef idx="0">
+            <a:schemeClr val="accent1"/>
+          </a:effectRef>
+          <a:fontRef idx="minor">
+            <a:schemeClr val="lt1"/>
+          </a:fontRef>
+        </p:style>
+        <p:txBody>
+          <a:bodyPr rtlCol="0" anchor="ctr"/>
+          <a:lstStyle/>
+          <a:p>
+            <a:pPr algn="ctr"/>
+            <a:r>
+              <a:rPr lang="en-US" altLang="zh-CN" dirty="0">
+                <a:solidFill>
+                  <a:schemeClr val="tx1"/>
+                </a:solidFill>
+                <a:latin typeface="Times New Roman" panose="02020603050405020304" pitchFamily="18" charset="0"/>
+                <a:cs typeface="Times New Roman" panose="02020603050405020304" pitchFamily="18" charset="0"/>
+              </a:rPr>
+              <a:t>0</a:t>
+            </a:r>
+            <a:endParaRPr lang="zh-CN" altLang="en-US" dirty="0">
+              <a:solidFill>
+                <a:schemeClr val="tx1"/>
+              </a:solidFill>
+              <a:latin typeface="Times New Roman" panose="02020603050405020304" pitchFamily="18" charset="0"/>
+              <a:cs typeface="Times New Roman" panose="02020603050405020304" pitchFamily="18" charset="0"/>
+            </a:endParaRPr>
+          </a:p>
+        </p:txBody>
+      </p:sp>
+      <p:sp>
+        <p:nvSpPr>
+          <p:cNvPr id="66" name="矩形 65">
+            <a:extLst>
+              <a:ext uri="{FF2B5EF4-FFF2-40B4-BE49-F238E27FC236}">
+                <a16:creationId xmlns:a16="http://schemas.microsoft.com/office/drawing/2014/main" id="{2A038563-DB68-4E6E-A764-D1437A580585}"/>
+              </a:ext>
+            </a:extLst>
+          </p:cNvPr>
+          <p:cNvSpPr/>
+          <p:nvPr/>
+        </p:nvSpPr>
+        <p:spPr>
+          <a:xfrm>
+            <a:off x="2455279" y="1001035"/>
+            <a:ext cx="360000" cy="360000"/>
+          </a:xfrm>
+          <a:prstGeom prst="rect">
+            <a:avLst/>
+          </a:prstGeom>
+          <a:solidFill>
+            <a:srgbClr val="5F86CD"/>
+          </a:solidFill>
+        </p:spPr>
+        <p:style>
+          <a:lnRef idx="2">
+            <a:schemeClr val="accent1">
+              <a:shade val="50000"/>
+            </a:schemeClr>
+          </a:lnRef>
+          <a:fillRef idx="1">
+            <a:schemeClr val="accent1"/>
+          </a:fillRef>
+          <a:effectRef idx="0">
+            <a:schemeClr val="accent1"/>
+          </a:effectRef>
+          <a:fontRef idx="minor">
+            <a:schemeClr val="lt1"/>
+          </a:fontRef>
+        </p:style>
+        <p:txBody>
+          <a:bodyPr rtlCol="0" anchor="ctr"/>
+          <a:lstStyle/>
+          <a:p>
+            <a:pPr algn="ctr"/>
+            <a:r>
+              <a:rPr lang="en-US" altLang="zh-CN" dirty="0">
+                <a:solidFill>
+                  <a:schemeClr val="tx1"/>
+                </a:solidFill>
+                <a:latin typeface="Times New Roman" panose="02020603050405020304" pitchFamily="18" charset="0"/>
+                <a:cs typeface="Times New Roman" panose="02020603050405020304" pitchFamily="18" charset="0"/>
+              </a:rPr>
+              <a:t>7</a:t>
+            </a:r>
+            <a:endParaRPr lang="zh-CN" altLang="en-US" dirty="0">
+              <a:solidFill>
+                <a:schemeClr val="tx1"/>
+              </a:solidFill>
+              <a:latin typeface="Times New Roman" panose="02020603050405020304" pitchFamily="18" charset="0"/>
+              <a:cs typeface="Times New Roman" panose="02020603050405020304" pitchFamily="18" charset="0"/>
+            </a:endParaRPr>
+          </a:p>
+        </p:txBody>
+      </p:sp>
+      <p:sp>
+        <p:nvSpPr>
+          <p:cNvPr id="67" name="矩形 66">
+            <a:extLst>
+              <a:ext uri="{FF2B5EF4-FFF2-40B4-BE49-F238E27FC236}">
+                <a16:creationId xmlns:a16="http://schemas.microsoft.com/office/drawing/2014/main" id="{AD145E3B-89E6-4FF8-B7FF-179C480D33E7}"/>
+              </a:ext>
+            </a:extLst>
+          </p:cNvPr>
+          <p:cNvSpPr/>
+          <p:nvPr/>
+        </p:nvSpPr>
+        <p:spPr>
+          <a:xfrm>
+            <a:off x="2815279" y="1001035"/>
+            <a:ext cx="360000" cy="360000"/>
+          </a:xfrm>
+          <a:prstGeom prst="rect">
+            <a:avLst/>
+          </a:prstGeom>
+          <a:solidFill>
+            <a:srgbClr val="02FFC4"/>
+          </a:solidFill>
+        </p:spPr>
+        <p:style>
+          <a:lnRef idx="2">
+            <a:schemeClr val="accent1">
+              <a:shade val="50000"/>
+            </a:schemeClr>
+          </a:lnRef>
+          <a:fillRef idx="1">
+            <a:schemeClr val="accent1"/>
+          </a:fillRef>
+          <a:effectRef idx="0">
+            <a:schemeClr val="accent1"/>
+          </a:effectRef>
+          <a:fontRef idx="minor">
+            <a:schemeClr val="lt1"/>
+          </a:fontRef>
+        </p:style>
+        <p:txBody>
+          <a:bodyPr rtlCol="0" anchor="ctr"/>
+          <a:lstStyle/>
+          <a:p>
+            <a:pPr algn="ctr"/>
+            <a:r>
+              <a:rPr lang="en-US" altLang="zh-CN" dirty="0">
+                <a:solidFill>
+                  <a:schemeClr val="tx1"/>
+                </a:solidFill>
+                <a:latin typeface="Times New Roman" panose="02020603050405020304" pitchFamily="18" charset="0"/>
+                <a:cs typeface="Times New Roman" panose="02020603050405020304" pitchFamily="18" charset="0"/>
+              </a:rPr>
+              <a:t>0</a:t>
+            </a:r>
+            <a:endParaRPr lang="zh-CN" altLang="en-US" dirty="0">
+              <a:solidFill>
+                <a:schemeClr val="tx1"/>
+              </a:solidFill>
+              <a:latin typeface="Times New Roman" panose="02020603050405020304" pitchFamily="18" charset="0"/>
+              <a:cs typeface="Times New Roman" panose="02020603050405020304" pitchFamily="18" charset="0"/>
+            </a:endParaRPr>
+          </a:p>
+        </p:txBody>
+      </p:sp>
+      <p:sp>
+        <p:nvSpPr>
+          <p:cNvPr id="68" name="矩形 67">
+            <a:extLst>
+              <a:ext uri="{FF2B5EF4-FFF2-40B4-BE49-F238E27FC236}">
+                <a16:creationId xmlns:a16="http://schemas.microsoft.com/office/drawing/2014/main" id="{85D1DC20-55B8-422B-B9E0-3314093517D3}"/>
+              </a:ext>
+            </a:extLst>
+          </p:cNvPr>
+          <p:cNvSpPr/>
+          <p:nvPr/>
+        </p:nvSpPr>
+        <p:spPr>
+          <a:xfrm>
+            <a:off x="3175279" y="1001035"/>
+            <a:ext cx="360000" cy="360000"/>
+          </a:xfrm>
+          <a:prstGeom prst="rect">
+            <a:avLst/>
+          </a:prstGeom>
+          <a:solidFill>
+            <a:srgbClr val="02FFC4"/>
+          </a:solidFill>
+        </p:spPr>
+        <p:style>
+          <a:lnRef idx="2">
+            <a:schemeClr val="accent1">
+              <a:shade val="50000"/>
+            </a:schemeClr>
+          </a:lnRef>
+          <a:fillRef idx="1">
+            <a:schemeClr val="accent1"/>
+          </a:fillRef>
+          <a:effectRef idx="0">
+            <a:schemeClr val="accent1"/>
+          </a:effectRef>
+          <a:fontRef idx="minor">
+            <a:schemeClr val="lt1"/>
+          </a:fontRef>
+        </p:style>
+        <p:txBody>
+          <a:bodyPr rtlCol="0" anchor="ctr"/>
+          <a:lstStyle/>
+          <a:p>
+            <a:pPr algn="ctr"/>
+            <a:r>
+              <a:rPr lang="en-US" altLang="zh-CN" dirty="0">
+                <a:solidFill>
+                  <a:schemeClr val="tx1"/>
+                </a:solidFill>
+                <a:latin typeface="Times New Roman" panose="02020603050405020304" pitchFamily="18" charset="0"/>
+                <a:cs typeface="Times New Roman" panose="02020603050405020304" pitchFamily="18" charset="0"/>
+              </a:rPr>
+              <a:t>0</a:t>
+            </a:r>
+            <a:endParaRPr lang="zh-CN" altLang="en-US" dirty="0">
+              <a:solidFill>
+                <a:schemeClr val="tx1"/>
+              </a:solidFill>
+              <a:latin typeface="Times New Roman" panose="02020603050405020304" pitchFamily="18" charset="0"/>
+              <a:cs typeface="Times New Roman" panose="02020603050405020304" pitchFamily="18" charset="0"/>
+            </a:endParaRPr>
+          </a:p>
+        </p:txBody>
+      </p:sp>
+      <p:sp>
+        <p:nvSpPr>
+          <p:cNvPr id="69" name="矩形 68">
+            <a:extLst>
+              <a:ext uri="{FF2B5EF4-FFF2-40B4-BE49-F238E27FC236}">
+                <a16:creationId xmlns:a16="http://schemas.microsoft.com/office/drawing/2014/main" id="{0A6C996D-25C8-4F34-A03C-67CC4AC0AF46}"/>
+              </a:ext>
+            </a:extLst>
+          </p:cNvPr>
+          <p:cNvSpPr/>
+          <p:nvPr/>
+        </p:nvSpPr>
+        <p:spPr>
+          <a:xfrm>
+            <a:off x="2094260" y="1361035"/>
+            <a:ext cx="360000" cy="360000"/>
+          </a:xfrm>
+          <a:prstGeom prst="rect">
+            <a:avLst/>
+          </a:prstGeom>
+          <a:solidFill>
+            <a:srgbClr val="5F86CD"/>
+          </a:solidFill>
+        </p:spPr>
+        <p:style>
+          <a:lnRef idx="2">
+            <a:schemeClr val="accent1">
+              <a:shade val="50000"/>
+            </a:schemeClr>
+          </a:lnRef>
+          <a:fillRef idx="1">
+            <a:schemeClr val="accent1"/>
+          </a:fillRef>
+          <a:effectRef idx="0">
+            <a:schemeClr val="accent1"/>
+          </a:effectRef>
+          <a:fontRef idx="minor">
+            <a:schemeClr val="lt1"/>
+          </a:fontRef>
+        </p:style>
+        <p:txBody>
+          <a:bodyPr rtlCol="0" anchor="ctr"/>
+          <a:lstStyle/>
+          <a:p>
+            <a:pPr algn="ctr"/>
+            <a:r>
+              <a:rPr lang="en-US" altLang="zh-CN" dirty="0">
+                <a:solidFill>
+                  <a:schemeClr val="tx1"/>
+                </a:solidFill>
+                <a:latin typeface="Times New Roman" panose="02020603050405020304" pitchFamily="18" charset="0"/>
+                <a:cs typeface="Times New Roman" panose="02020603050405020304" pitchFamily="18" charset="0"/>
+              </a:rPr>
+              <a:t>0</a:t>
+            </a:r>
+            <a:endParaRPr lang="zh-CN" altLang="en-US" dirty="0">
+              <a:solidFill>
+                <a:schemeClr val="tx1"/>
+              </a:solidFill>
+              <a:latin typeface="Times New Roman" panose="02020603050405020304" pitchFamily="18" charset="0"/>
+              <a:cs typeface="Times New Roman" panose="02020603050405020304" pitchFamily="18" charset="0"/>
+            </a:endParaRPr>
+          </a:p>
+        </p:txBody>
+      </p:sp>
+      <p:sp>
+        <p:nvSpPr>
+          <p:cNvPr id="70" name="矩形 69">
+            <a:extLst>
+              <a:ext uri="{FF2B5EF4-FFF2-40B4-BE49-F238E27FC236}">
+                <a16:creationId xmlns:a16="http://schemas.microsoft.com/office/drawing/2014/main" id="{5BBE6424-067D-4539-98A8-E7DA3808B350}"/>
+              </a:ext>
+            </a:extLst>
+          </p:cNvPr>
+          <p:cNvSpPr/>
+          <p:nvPr/>
+        </p:nvSpPr>
+        <p:spPr>
+          <a:xfrm>
+            <a:off x="2455279" y="1361035"/>
+            <a:ext cx="360000" cy="360000"/>
+          </a:xfrm>
+          <a:prstGeom prst="rect">
+            <a:avLst/>
+          </a:prstGeom>
+          <a:solidFill>
+            <a:srgbClr val="5F86CD"/>
+          </a:solidFill>
+        </p:spPr>
+        <p:style>
+          <a:lnRef idx="2">
+            <a:schemeClr val="accent1">
+              <a:shade val="50000"/>
+            </a:schemeClr>
+          </a:lnRef>
+          <a:fillRef idx="1">
+            <a:schemeClr val="accent1"/>
+          </a:fillRef>
+          <a:effectRef idx="0">
+            <a:schemeClr val="accent1"/>
+          </a:effectRef>
+          <a:fontRef idx="minor">
+            <a:schemeClr val="lt1"/>
+          </a:fontRef>
+        </p:style>
+        <p:txBody>
+          <a:bodyPr rtlCol="0" anchor="ctr"/>
+          <a:lstStyle/>
+          <a:p>
+            <a:pPr algn="ctr"/>
+            <a:r>
+              <a:rPr lang="en-US" altLang="zh-CN" dirty="0">
+                <a:solidFill>
+                  <a:schemeClr val="tx1"/>
+                </a:solidFill>
+                <a:latin typeface="Times New Roman" panose="02020603050405020304" pitchFamily="18" charset="0"/>
+                <a:cs typeface="Times New Roman" panose="02020603050405020304" pitchFamily="18" charset="0"/>
+              </a:rPr>
+              <a:t>0</a:t>
+            </a:r>
+            <a:endParaRPr lang="zh-CN" altLang="en-US" dirty="0">
+              <a:solidFill>
+                <a:schemeClr val="tx1"/>
+              </a:solidFill>
+              <a:latin typeface="Times New Roman" panose="02020603050405020304" pitchFamily="18" charset="0"/>
+              <a:cs typeface="Times New Roman" panose="02020603050405020304" pitchFamily="18" charset="0"/>
+            </a:endParaRPr>
+          </a:p>
+        </p:txBody>
+      </p:sp>
+      <p:sp>
+        <p:nvSpPr>
+          <p:cNvPr id="71" name="矩形 70">
+            <a:extLst>
+              <a:ext uri="{FF2B5EF4-FFF2-40B4-BE49-F238E27FC236}">
+                <a16:creationId xmlns:a16="http://schemas.microsoft.com/office/drawing/2014/main" id="{85E3C7D0-E0A2-47AD-9217-596FFBBFCAAC}"/>
+              </a:ext>
+            </a:extLst>
+          </p:cNvPr>
+          <p:cNvSpPr/>
+          <p:nvPr/>
+        </p:nvSpPr>
+        <p:spPr>
+          <a:xfrm>
+            <a:off x="2815279" y="1361035"/>
+            <a:ext cx="360000" cy="360000"/>
+          </a:xfrm>
+          <a:prstGeom prst="rect">
+            <a:avLst/>
+          </a:prstGeom>
+          <a:solidFill>
+            <a:srgbClr val="02FFC4"/>
+          </a:solidFill>
+        </p:spPr>
+        <p:style>
+          <a:lnRef idx="2">
+            <a:schemeClr val="accent1">
+              <a:shade val="50000"/>
+            </a:schemeClr>
+          </a:lnRef>
+          <a:fillRef idx="1">
+            <a:schemeClr val="accent1"/>
+          </a:fillRef>
+          <a:effectRef idx="0">
+            <a:schemeClr val="accent1"/>
+          </a:effectRef>
+          <a:fontRef idx="minor">
+            <a:schemeClr val="lt1"/>
+          </a:fontRef>
+        </p:style>
+        <p:txBody>
+          <a:bodyPr rtlCol="0" anchor="ctr"/>
+          <a:lstStyle/>
+          <a:p>
+            <a:pPr algn="ctr"/>
+            <a:r>
+              <a:rPr lang="en-US" altLang="zh-CN" dirty="0">
+                <a:solidFill>
+                  <a:schemeClr val="tx1"/>
+                </a:solidFill>
+                <a:latin typeface="Times New Roman" panose="02020603050405020304" pitchFamily="18" charset="0"/>
+                <a:cs typeface="Times New Roman" panose="02020603050405020304" pitchFamily="18" charset="0"/>
+              </a:rPr>
+              <a:t>9</a:t>
+            </a:r>
+            <a:endParaRPr lang="zh-CN" altLang="en-US" dirty="0">
+              <a:solidFill>
+                <a:schemeClr val="tx1"/>
+              </a:solidFill>
+              <a:latin typeface="Times New Roman" panose="02020603050405020304" pitchFamily="18" charset="0"/>
+              <a:cs typeface="Times New Roman" panose="02020603050405020304" pitchFamily="18" charset="0"/>
+            </a:endParaRPr>
+          </a:p>
+        </p:txBody>
+      </p:sp>
+      <p:sp>
+        <p:nvSpPr>
+          <p:cNvPr id="72" name="矩形 71">
+            <a:extLst>
+              <a:ext uri="{FF2B5EF4-FFF2-40B4-BE49-F238E27FC236}">
+                <a16:creationId xmlns:a16="http://schemas.microsoft.com/office/drawing/2014/main" id="{6A9505BE-B8D3-457B-BDB8-ED7C64DFD4D0}"/>
+              </a:ext>
+            </a:extLst>
+          </p:cNvPr>
+          <p:cNvSpPr/>
+          <p:nvPr/>
+        </p:nvSpPr>
+        <p:spPr>
+          <a:xfrm>
+            <a:off x="3175279" y="1361035"/>
+            <a:ext cx="360000" cy="360000"/>
+          </a:xfrm>
+          <a:prstGeom prst="rect">
+            <a:avLst/>
+          </a:prstGeom>
+          <a:solidFill>
+            <a:srgbClr val="02FFC4"/>
+          </a:solidFill>
+        </p:spPr>
+        <p:style>
+          <a:lnRef idx="2">
+            <a:schemeClr val="accent1">
+              <a:shade val="50000"/>
+            </a:schemeClr>
+          </a:lnRef>
+          <a:fillRef idx="1">
+            <a:schemeClr val="accent1"/>
+          </a:fillRef>
+          <a:effectRef idx="0">
+            <a:schemeClr val="accent1"/>
+          </a:effectRef>
+          <a:fontRef idx="minor">
+            <a:schemeClr val="lt1"/>
+          </a:fontRef>
+        </p:style>
+        <p:txBody>
+          <a:bodyPr rtlCol="0" anchor="ctr"/>
+          <a:lstStyle/>
+          <a:p>
+            <a:pPr algn="ctr"/>
+            <a:r>
+              <a:rPr lang="en-US" altLang="zh-CN" dirty="0">
+                <a:solidFill>
+                  <a:schemeClr val="tx1"/>
+                </a:solidFill>
+                <a:latin typeface="Times New Roman" panose="02020603050405020304" pitchFamily="18" charset="0"/>
+                <a:cs typeface="Times New Roman" panose="02020603050405020304" pitchFamily="18" charset="0"/>
+              </a:rPr>
+              <a:t>0</a:t>
+            </a:r>
+            <a:endParaRPr lang="zh-CN" altLang="en-US" dirty="0">
+              <a:solidFill>
+                <a:schemeClr val="tx1"/>
+              </a:solidFill>
+              <a:latin typeface="Times New Roman" panose="02020603050405020304" pitchFamily="18" charset="0"/>
+              <a:cs typeface="Times New Roman" panose="02020603050405020304" pitchFamily="18" charset="0"/>
+            </a:endParaRPr>
+          </a:p>
+        </p:txBody>
+      </p:sp>
+      <p:sp>
+        <p:nvSpPr>
+          <p:cNvPr id="73" name="矩形 72">
+            <a:extLst>
+              <a:ext uri="{FF2B5EF4-FFF2-40B4-BE49-F238E27FC236}">
+                <a16:creationId xmlns:a16="http://schemas.microsoft.com/office/drawing/2014/main" id="{3A213D09-2B74-402D-B08C-703F97BAAA47}"/>
+              </a:ext>
+            </a:extLst>
+          </p:cNvPr>
+          <p:cNvSpPr/>
+          <p:nvPr/>
+        </p:nvSpPr>
+        <p:spPr>
+          <a:xfrm>
+            <a:off x="2094260" y="1721035"/>
+            <a:ext cx="360000" cy="360000"/>
+          </a:xfrm>
+          <a:prstGeom prst="rect">
+            <a:avLst/>
+          </a:prstGeom>
+          <a:solidFill>
+            <a:srgbClr val="02FFFF"/>
+          </a:solidFill>
+        </p:spPr>
+        <p:style>
+          <a:lnRef idx="2">
+            <a:schemeClr val="accent1">
+              <a:shade val="50000"/>
+            </a:schemeClr>
+          </a:lnRef>
+          <a:fillRef idx="1">
+            <a:schemeClr val="accent1"/>
+          </a:fillRef>
+          <a:effectRef idx="0">
+            <a:schemeClr val="accent1"/>
+          </a:effectRef>
+          <a:fontRef idx="minor">
+            <a:schemeClr val="lt1"/>
+          </a:fontRef>
+        </p:style>
+        <p:txBody>
+          <a:bodyPr rtlCol="0" anchor="ctr"/>
+          <a:lstStyle/>
+          <a:p>
+            <a:pPr algn="ctr"/>
+            <a:r>
+              <a:rPr lang="en-US" altLang="zh-CN" dirty="0">
+                <a:solidFill>
+                  <a:schemeClr val="tx1"/>
+                </a:solidFill>
+                <a:latin typeface="Times New Roman" panose="02020603050405020304" pitchFamily="18" charset="0"/>
+                <a:cs typeface="Times New Roman" panose="02020603050405020304" pitchFamily="18" charset="0"/>
+              </a:rPr>
+              <a:t>0</a:t>
+            </a:r>
+            <a:endParaRPr lang="zh-CN" altLang="en-US" dirty="0">
+              <a:solidFill>
+                <a:schemeClr val="tx1"/>
+              </a:solidFill>
+              <a:latin typeface="Times New Roman" panose="02020603050405020304" pitchFamily="18" charset="0"/>
+              <a:cs typeface="Times New Roman" panose="02020603050405020304" pitchFamily="18" charset="0"/>
+            </a:endParaRPr>
+          </a:p>
+        </p:txBody>
+      </p:sp>
+      <p:sp>
+        <p:nvSpPr>
+          <p:cNvPr id="74" name="矩形 73">
+            <a:extLst>
+              <a:ext uri="{FF2B5EF4-FFF2-40B4-BE49-F238E27FC236}">
+                <a16:creationId xmlns:a16="http://schemas.microsoft.com/office/drawing/2014/main" id="{CFE4DDED-361A-41D8-A6C7-374507DEC561}"/>
+              </a:ext>
+            </a:extLst>
+          </p:cNvPr>
+          <p:cNvSpPr/>
+          <p:nvPr/>
+        </p:nvSpPr>
+        <p:spPr>
+          <a:xfrm>
+            <a:off x="2455279" y="1721035"/>
+            <a:ext cx="360000" cy="360000"/>
+          </a:xfrm>
+          <a:prstGeom prst="rect">
+            <a:avLst/>
+          </a:prstGeom>
+          <a:solidFill>
+            <a:srgbClr val="02FFFF"/>
+          </a:solidFill>
+        </p:spPr>
+        <p:style>
+          <a:lnRef idx="2">
+            <a:schemeClr val="accent1">
+              <a:shade val="50000"/>
+            </a:schemeClr>
+          </a:lnRef>
+          <a:fillRef idx="1">
+            <a:schemeClr val="accent1"/>
+          </a:fillRef>
+          <a:effectRef idx="0">
+            <a:schemeClr val="accent1"/>
+          </a:effectRef>
+          <a:fontRef idx="minor">
+            <a:schemeClr val="lt1"/>
+          </a:fontRef>
+        </p:style>
+        <p:txBody>
+          <a:bodyPr rtlCol="0" anchor="ctr"/>
+          <a:lstStyle/>
+          <a:p>
+            <a:pPr algn="ctr"/>
+            <a:r>
+              <a:rPr lang="en-US" altLang="zh-CN" dirty="0">
+                <a:solidFill>
+                  <a:schemeClr val="tx1"/>
+                </a:solidFill>
+                <a:latin typeface="Times New Roman" panose="02020603050405020304" pitchFamily="18" charset="0"/>
+                <a:cs typeface="Times New Roman" panose="02020603050405020304" pitchFamily="18" charset="0"/>
+              </a:rPr>
+              <a:t>0</a:t>
+            </a:r>
+            <a:endParaRPr lang="zh-CN" altLang="en-US" dirty="0">
+              <a:solidFill>
+                <a:schemeClr val="tx1"/>
+              </a:solidFill>
+              <a:latin typeface="Times New Roman" panose="02020603050405020304" pitchFamily="18" charset="0"/>
+              <a:cs typeface="Times New Roman" panose="02020603050405020304" pitchFamily="18" charset="0"/>
+            </a:endParaRPr>
+          </a:p>
+        </p:txBody>
+      </p:sp>
+      <p:sp>
+        <p:nvSpPr>
+          <p:cNvPr id="75" name="矩形 74">
+            <a:extLst>
+              <a:ext uri="{FF2B5EF4-FFF2-40B4-BE49-F238E27FC236}">
+                <a16:creationId xmlns:a16="http://schemas.microsoft.com/office/drawing/2014/main" id="{7C5A22A4-51CB-490D-87B6-FFA001F5BE6C}"/>
+              </a:ext>
+            </a:extLst>
+          </p:cNvPr>
+          <p:cNvSpPr/>
+          <p:nvPr/>
+        </p:nvSpPr>
+        <p:spPr>
+          <a:xfrm>
+            <a:off x="2815279" y="1721035"/>
+            <a:ext cx="360000" cy="360000"/>
+          </a:xfrm>
+          <a:prstGeom prst="rect">
+            <a:avLst/>
+          </a:prstGeom>
+          <a:solidFill>
+            <a:srgbClr val="A162D0"/>
+          </a:solidFill>
+        </p:spPr>
+        <p:style>
+          <a:lnRef idx="2">
+            <a:schemeClr val="accent1">
+              <a:shade val="50000"/>
+            </a:schemeClr>
+          </a:lnRef>
+          <a:fillRef idx="1">
+            <a:schemeClr val="accent1"/>
+          </a:fillRef>
+          <a:effectRef idx="0">
+            <a:schemeClr val="accent1"/>
+          </a:effectRef>
+          <a:fontRef idx="minor">
+            <a:schemeClr val="lt1"/>
+          </a:fontRef>
+        </p:style>
+        <p:txBody>
+          <a:bodyPr rtlCol="0" anchor="ctr"/>
+          <a:lstStyle/>
+          <a:p>
+            <a:pPr algn="ctr"/>
+            <a:r>
+              <a:rPr lang="en-US" altLang="zh-CN" dirty="0">
+                <a:solidFill>
+                  <a:schemeClr val="tx1"/>
+                </a:solidFill>
+                <a:latin typeface="Times New Roman" panose="02020603050405020304" pitchFamily="18" charset="0"/>
+                <a:cs typeface="Times New Roman" panose="02020603050405020304" pitchFamily="18" charset="0"/>
+              </a:rPr>
+              <a:t>0</a:t>
+            </a:r>
+            <a:endParaRPr lang="zh-CN" altLang="en-US" dirty="0">
+              <a:solidFill>
+                <a:schemeClr val="tx1"/>
+              </a:solidFill>
+              <a:latin typeface="Times New Roman" panose="02020603050405020304" pitchFamily="18" charset="0"/>
+              <a:cs typeface="Times New Roman" panose="02020603050405020304" pitchFamily="18" charset="0"/>
+            </a:endParaRPr>
+          </a:p>
+        </p:txBody>
+      </p:sp>
+      <p:sp>
+        <p:nvSpPr>
+          <p:cNvPr id="76" name="矩形 75">
+            <a:extLst>
+              <a:ext uri="{FF2B5EF4-FFF2-40B4-BE49-F238E27FC236}">
+                <a16:creationId xmlns:a16="http://schemas.microsoft.com/office/drawing/2014/main" id="{E295C35E-41FC-4BE5-B5E9-36E346427BA0}"/>
+              </a:ext>
+            </a:extLst>
+          </p:cNvPr>
+          <p:cNvSpPr/>
+          <p:nvPr/>
+        </p:nvSpPr>
+        <p:spPr>
+          <a:xfrm>
+            <a:off x="3175279" y="1721035"/>
+            <a:ext cx="360000" cy="360000"/>
+          </a:xfrm>
+          <a:prstGeom prst="rect">
+            <a:avLst/>
+          </a:prstGeom>
+          <a:solidFill>
+            <a:srgbClr val="A162D0"/>
+          </a:solidFill>
+        </p:spPr>
+        <p:style>
+          <a:lnRef idx="2">
+            <a:schemeClr val="accent1">
+              <a:shade val="50000"/>
+            </a:schemeClr>
+          </a:lnRef>
+          <a:fillRef idx="1">
+            <a:schemeClr val="accent1"/>
+          </a:fillRef>
+          <a:effectRef idx="0">
+            <a:schemeClr val="accent1"/>
+          </a:effectRef>
+          <a:fontRef idx="minor">
+            <a:schemeClr val="lt1"/>
+          </a:fontRef>
+        </p:style>
+        <p:txBody>
+          <a:bodyPr rtlCol="0" anchor="ctr"/>
+          <a:lstStyle/>
+          <a:p>
+            <a:pPr algn="ctr"/>
+            <a:r>
+              <a:rPr lang="en-US" altLang="zh-CN" dirty="0">
+                <a:solidFill>
+                  <a:schemeClr val="tx1"/>
+                </a:solidFill>
+                <a:latin typeface="Times New Roman" panose="02020603050405020304" pitchFamily="18" charset="0"/>
+                <a:cs typeface="Times New Roman" panose="02020603050405020304" pitchFamily="18" charset="0"/>
+              </a:rPr>
+              <a:t>0</a:t>
+            </a:r>
+            <a:endParaRPr lang="zh-CN" altLang="en-US" dirty="0">
+              <a:solidFill>
+                <a:schemeClr val="tx1"/>
+              </a:solidFill>
+              <a:latin typeface="Times New Roman" panose="02020603050405020304" pitchFamily="18" charset="0"/>
+              <a:cs typeface="Times New Roman" panose="02020603050405020304" pitchFamily="18" charset="0"/>
+            </a:endParaRPr>
+          </a:p>
+        </p:txBody>
+      </p:sp>
+      <p:sp>
+        <p:nvSpPr>
+          <p:cNvPr id="77" name="矩形 76">
+            <a:extLst>
+              <a:ext uri="{FF2B5EF4-FFF2-40B4-BE49-F238E27FC236}">
+                <a16:creationId xmlns:a16="http://schemas.microsoft.com/office/drawing/2014/main" id="{09A4812E-63D3-4F3F-852D-81676CA47362}"/>
+              </a:ext>
+            </a:extLst>
+          </p:cNvPr>
+          <p:cNvSpPr/>
+          <p:nvPr/>
+        </p:nvSpPr>
+        <p:spPr>
+          <a:xfrm>
+            <a:off x="2094260" y="2081035"/>
+            <a:ext cx="360000" cy="360000"/>
+          </a:xfrm>
+          <a:prstGeom prst="rect">
+            <a:avLst/>
+          </a:prstGeom>
+          <a:solidFill>
+            <a:srgbClr val="02FFFF"/>
+          </a:solidFill>
+        </p:spPr>
+        <p:style>
+          <a:lnRef idx="2">
+            <a:schemeClr val="accent1">
+              <a:shade val="50000"/>
+            </a:schemeClr>
+          </a:lnRef>
+          <a:fillRef idx="1">
+            <a:schemeClr val="accent1"/>
+          </a:fillRef>
+          <a:effectRef idx="0">
+            <a:schemeClr val="accent1"/>
+          </a:effectRef>
+          <a:fontRef idx="minor">
+            <a:schemeClr val="lt1"/>
+          </a:fontRef>
+        </p:style>
+        <p:txBody>
+          <a:bodyPr rtlCol="0" anchor="ctr"/>
+          <a:lstStyle/>
+          <a:p>
+            <a:pPr algn="ctr"/>
+            <a:r>
+              <a:rPr lang="en-US" altLang="zh-CN" dirty="0">
+                <a:solidFill>
+                  <a:schemeClr val="tx1"/>
+                </a:solidFill>
+                <a:latin typeface="Times New Roman" panose="02020603050405020304" pitchFamily="18" charset="0"/>
+                <a:cs typeface="Times New Roman" panose="02020603050405020304" pitchFamily="18" charset="0"/>
+              </a:rPr>
+              <a:t>8</a:t>
+            </a:r>
+            <a:endParaRPr lang="zh-CN" altLang="en-US" dirty="0">
+              <a:solidFill>
+                <a:schemeClr val="tx1"/>
+              </a:solidFill>
+              <a:latin typeface="Times New Roman" panose="02020603050405020304" pitchFamily="18" charset="0"/>
+              <a:cs typeface="Times New Roman" panose="02020603050405020304" pitchFamily="18" charset="0"/>
+            </a:endParaRPr>
+          </a:p>
+        </p:txBody>
+      </p:sp>
+      <p:sp>
+        <p:nvSpPr>
+          <p:cNvPr id="78" name="矩形 77">
+            <a:extLst>
+              <a:ext uri="{FF2B5EF4-FFF2-40B4-BE49-F238E27FC236}">
+                <a16:creationId xmlns:a16="http://schemas.microsoft.com/office/drawing/2014/main" id="{644095F6-7972-4D6C-9045-E547AAF9706E}"/>
+              </a:ext>
+            </a:extLst>
+          </p:cNvPr>
+          <p:cNvSpPr/>
+          <p:nvPr/>
+        </p:nvSpPr>
+        <p:spPr>
+          <a:xfrm>
+            <a:off x="2455279" y="2081035"/>
+            <a:ext cx="360000" cy="360000"/>
+          </a:xfrm>
+          <a:prstGeom prst="rect">
+            <a:avLst/>
+          </a:prstGeom>
+          <a:solidFill>
+            <a:srgbClr val="02FFFF"/>
+          </a:solidFill>
+        </p:spPr>
+        <p:style>
+          <a:lnRef idx="2">
+            <a:schemeClr val="accent1">
+              <a:shade val="50000"/>
+            </a:schemeClr>
+          </a:lnRef>
+          <a:fillRef idx="1">
+            <a:schemeClr val="accent1"/>
+          </a:fillRef>
+          <a:effectRef idx="0">
+            <a:schemeClr val="accent1"/>
+          </a:effectRef>
+          <a:fontRef idx="minor">
+            <a:schemeClr val="lt1"/>
+          </a:fontRef>
+        </p:style>
+        <p:txBody>
+          <a:bodyPr rtlCol="0" anchor="ctr"/>
+          <a:lstStyle/>
+          <a:p>
+            <a:pPr algn="ctr"/>
+            <a:r>
+              <a:rPr lang="en-US" altLang="zh-CN" dirty="0">
+                <a:solidFill>
+                  <a:schemeClr val="tx1"/>
+                </a:solidFill>
+                <a:latin typeface="Times New Roman" panose="02020603050405020304" pitchFamily="18" charset="0"/>
+                <a:cs typeface="Times New Roman" panose="02020603050405020304" pitchFamily="18" charset="0"/>
+              </a:rPr>
+              <a:t>0</a:t>
+            </a:r>
+            <a:endParaRPr lang="zh-CN" altLang="en-US" dirty="0">
+              <a:solidFill>
+                <a:schemeClr val="tx1"/>
+              </a:solidFill>
+              <a:latin typeface="Times New Roman" panose="02020603050405020304" pitchFamily="18" charset="0"/>
+              <a:cs typeface="Times New Roman" panose="02020603050405020304" pitchFamily="18" charset="0"/>
+            </a:endParaRPr>
+          </a:p>
+        </p:txBody>
+      </p:sp>
+      <p:sp>
+        <p:nvSpPr>
+          <p:cNvPr id="79" name="矩形 78">
+            <a:extLst>
+              <a:ext uri="{FF2B5EF4-FFF2-40B4-BE49-F238E27FC236}">
+                <a16:creationId xmlns:a16="http://schemas.microsoft.com/office/drawing/2014/main" id="{8F682651-1645-4F1C-8774-0C1206B8B771}"/>
+              </a:ext>
+            </a:extLst>
+          </p:cNvPr>
+          <p:cNvSpPr/>
+          <p:nvPr/>
+        </p:nvSpPr>
+        <p:spPr>
+          <a:xfrm>
+            <a:off x="2815279" y="2081035"/>
+            <a:ext cx="360000" cy="360000"/>
+          </a:xfrm>
+          <a:prstGeom prst="rect">
+            <a:avLst/>
+          </a:prstGeom>
+          <a:solidFill>
+            <a:srgbClr val="A162D0"/>
+          </a:solidFill>
+        </p:spPr>
+        <p:style>
+          <a:lnRef idx="2">
+            <a:schemeClr val="accent1">
+              <a:shade val="50000"/>
+            </a:schemeClr>
+          </a:lnRef>
+          <a:fillRef idx="1">
+            <a:schemeClr val="accent1"/>
+          </a:fillRef>
+          <a:effectRef idx="0">
+            <a:schemeClr val="accent1"/>
+          </a:effectRef>
+          <a:fontRef idx="minor">
+            <a:schemeClr val="lt1"/>
+          </a:fontRef>
+        </p:style>
+        <p:txBody>
+          <a:bodyPr rtlCol="0" anchor="ctr"/>
+          <a:lstStyle/>
+          <a:p>
+            <a:pPr algn="ctr"/>
+            <a:r>
+              <a:rPr lang="en-US" altLang="zh-CN" dirty="0">
+                <a:solidFill>
+                  <a:schemeClr val="tx1"/>
+                </a:solidFill>
+                <a:latin typeface="Times New Roman" panose="02020603050405020304" pitchFamily="18" charset="0"/>
+                <a:cs typeface="Times New Roman" panose="02020603050405020304" pitchFamily="18" charset="0"/>
+              </a:rPr>
+              <a:t>6</a:t>
+            </a:r>
+            <a:endParaRPr lang="zh-CN" altLang="en-US" dirty="0">
+              <a:solidFill>
+                <a:schemeClr val="tx1"/>
+              </a:solidFill>
+              <a:latin typeface="Times New Roman" panose="02020603050405020304" pitchFamily="18" charset="0"/>
+              <a:cs typeface="Times New Roman" panose="02020603050405020304" pitchFamily="18" charset="0"/>
+            </a:endParaRPr>
+          </a:p>
+        </p:txBody>
+      </p:sp>
+      <p:sp>
+        <p:nvSpPr>
+          <p:cNvPr id="80" name="矩形 79">
+            <a:extLst>
+              <a:ext uri="{FF2B5EF4-FFF2-40B4-BE49-F238E27FC236}">
+                <a16:creationId xmlns:a16="http://schemas.microsoft.com/office/drawing/2014/main" id="{BE444EF8-B69D-404F-9302-36B1B6C92545}"/>
+              </a:ext>
+            </a:extLst>
+          </p:cNvPr>
+          <p:cNvSpPr/>
+          <p:nvPr/>
+        </p:nvSpPr>
+        <p:spPr>
+          <a:xfrm>
+            <a:off x="3175279" y="2081035"/>
+            <a:ext cx="360000" cy="360000"/>
+          </a:xfrm>
+          <a:prstGeom prst="rect">
+            <a:avLst/>
+          </a:prstGeom>
+          <a:solidFill>
+            <a:srgbClr val="A162D0"/>
+          </a:solidFill>
+        </p:spPr>
+        <p:style>
+          <a:lnRef idx="2">
+            <a:schemeClr val="accent1">
+              <a:shade val="50000"/>
+            </a:schemeClr>
+          </a:lnRef>
+          <a:fillRef idx="1">
+            <a:schemeClr val="accent1"/>
+          </a:fillRef>
+          <a:effectRef idx="0">
+            <a:schemeClr val="accent1"/>
+          </a:effectRef>
+          <a:fontRef idx="minor">
+            <a:schemeClr val="lt1"/>
+          </a:fontRef>
+        </p:style>
+        <p:txBody>
+          <a:bodyPr rtlCol="0" anchor="ctr"/>
+          <a:lstStyle/>
+          <a:p>
+            <a:pPr algn="ctr"/>
+            <a:r>
+              <a:rPr lang="en-US" altLang="zh-CN" dirty="0">
+                <a:solidFill>
+                  <a:schemeClr val="tx1"/>
+                </a:solidFill>
+                <a:latin typeface="Times New Roman" panose="02020603050405020304" pitchFamily="18" charset="0"/>
+                <a:cs typeface="Times New Roman" panose="02020603050405020304" pitchFamily="18" charset="0"/>
+              </a:rPr>
+              <a:t>0</a:t>
+            </a:r>
+            <a:endParaRPr lang="zh-CN" altLang="en-US" dirty="0">
+              <a:solidFill>
+                <a:schemeClr val="tx1"/>
+              </a:solidFill>
+              <a:latin typeface="Times New Roman" panose="02020603050405020304" pitchFamily="18" charset="0"/>
+              <a:cs typeface="Times New Roman" panose="02020603050405020304" pitchFamily="18" charset="0"/>
+            </a:endParaRPr>
+          </a:p>
+        </p:txBody>
+      </p:sp>
+      <p:sp>
+        <p:nvSpPr>
+          <p:cNvPr id="81" name="矩形 80">
+            <a:extLst>
+              <a:ext uri="{FF2B5EF4-FFF2-40B4-BE49-F238E27FC236}">
+                <a16:creationId xmlns:a16="http://schemas.microsoft.com/office/drawing/2014/main" id="{A1B40976-029D-4DC5-B139-4BF66EBC59F7}"/>
+              </a:ext>
+            </a:extLst>
+          </p:cNvPr>
+          <p:cNvSpPr/>
+          <p:nvPr/>
+        </p:nvSpPr>
+        <p:spPr>
+          <a:xfrm>
+            <a:off x="6945452" y="3444419"/>
+            <a:ext cx="540000" cy="540000"/>
+          </a:xfrm>
+          <a:prstGeom prst="rect">
+            <a:avLst/>
+          </a:prstGeom>
+          <a:solidFill>
+            <a:srgbClr val="5F86CD"/>
+          </a:solidFill>
+        </p:spPr>
+        <p:style>
+          <a:lnRef idx="2">
+            <a:schemeClr val="accent1">
+              <a:shade val="50000"/>
+            </a:schemeClr>
+          </a:lnRef>
+          <a:fillRef idx="1">
+            <a:schemeClr val="accent1"/>
+          </a:fillRef>
+          <a:effectRef idx="0">
+            <a:schemeClr val="accent1"/>
+          </a:effectRef>
+          <a:fontRef idx="minor">
+            <a:schemeClr val="lt1"/>
+          </a:fontRef>
+        </p:style>
+        <p:txBody>
+          <a:bodyPr rtlCol="0" anchor="ctr"/>
+          <a:lstStyle/>
+          <a:p>
+            <a:pPr algn="ctr"/>
+            <a:r>
+              <a:rPr lang="en-US" altLang="zh-CN" sz="1600" dirty="0">
+                <a:solidFill>
+                  <a:schemeClr val="tx1"/>
+                </a:solidFill>
+                <a:latin typeface="Times New Roman" panose="02020603050405020304" pitchFamily="18" charset="0"/>
+                <a:cs typeface="Times New Roman" panose="02020603050405020304" pitchFamily="18" charset="0"/>
+              </a:rPr>
+              <a:t>3</a:t>
+            </a:r>
+            <a:endParaRPr lang="zh-CN" altLang="en-US" sz="1600" dirty="0">
+              <a:solidFill>
+                <a:schemeClr val="tx1"/>
+              </a:solidFill>
+              <a:latin typeface="Times New Roman" panose="02020603050405020304" pitchFamily="18" charset="0"/>
+              <a:cs typeface="Times New Roman" panose="02020603050405020304" pitchFamily="18" charset="0"/>
+            </a:endParaRPr>
+          </a:p>
+        </p:txBody>
+      </p:sp>
+      <p:sp>
+        <p:nvSpPr>
+          <p:cNvPr id="82" name="矩形 81">
+            <a:extLst>
+              <a:ext uri="{FF2B5EF4-FFF2-40B4-BE49-F238E27FC236}">
+                <a16:creationId xmlns:a16="http://schemas.microsoft.com/office/drawing/2014/main" id="{B063ED1E-307F-4F13-BFF0-2964ED09DDEF}"/>
+              </a:ext>
+            </a:extLst>
+          </p:cNvPr>
+          <p:cNvSpPr/>
+          <p:nvPr/>
+        </p:nvSpPr>
+        <p:spPr>
+          <a:xfrm>
+            <a:off x="7485452" y="3444419"/>
+            <a:ext cx="540000" cy="540000"/>
+          </a:xfrm>
+          <a:prstGeom prst="rect">
+            <a:avLst/>
+          </a:prstGeom>
+          <a:solidFill>
+            <a:srgbClr val="02FFC4"/>
+          </a:solidFill>
+        </p:spPr>
+        <p:style>
+          <a:lnRef idx="2">
+            <a:schemeClr val="accent1">
+              <a:shade val="50000"/>
+            </a:schemeClr>
+          </a:lnRef>
+          <a:fillRef idx="1">
+            <a:schemeClr val="accent1"/>
+          </a:fillRef>
+          <a:effectRef idx="0">
+            <a:schemeClr val="accent1"/>
+          </a:effectRef>
+          <a:fontRef idx="minor">
+            <a:schemeClr val="lt1"/>
+          </a:fontRef>
+        </p:style>
+        <p:txBody>
+          <a:bodyPr rtlCol="0" anchor="ctr"/>
+          <a:lstStyle/>
+          <a:p>
+            <a:pPr algn="ctr"/>
+            <a:r>
+              <a:rPr lang="en-US" altLang="zh-CN" dirty="0">
+                <a:solidFill>
+                  <a:schemeClr val="tx1"/>
+                </a:solidFill>
+                <a:latin typeface="Times New Roman" panose="02020603050405020304" pitchFamily="18" charset="0"/>
+                <a:cs typeface="Times New Roman" panose="02020603050405020304" pitchFamily="18" charset="0"/>
+              </a:rPr>
+              <a:t>5</a:t>
+            </a:r>
+            <a:endParaRPr lang="zh-CN" altLang="en-US" dirty="0">
+              <a:solidFill>
+                <a:schemeClr val="tx1"/>
+              </a:solidFill>
+              <a:latin typeface="Times New Roman" panose="02020603050405020304" pitchFamily="18" charset="0"/>
+              <a:cs typeface="Times New Roman" panose="02020603050405020304" pitchFamily="18" charset="0"/>
+            </a:endParaRPr>
+          </a:p>
+        </p:txBody>
+      </p:sp>
+      <p:sp>
+        <p:nvSpPr>
+          <p:cNvPr id="83" name="矩形 82">
+            <a:extLst>
+              <a:ext uri="{FF2B5EF4-FFF2-40B4-BE49-F238E27FC236}">
+                <a16:creationId xmlns:a16="http://schemas.microsoft.com/office/drawing/2014/main" id="{9AAD008C-0257-48A3-9B38-6BADA87587CF}"/>
+              </a:ext>
+            </a:extLst>
+          </p:cNvPr>
+          <p:cNvSpPr/>
+          <p:nvPr/>
+        </p:nvSpPr>
+        <p:spPr>
+          <a:xfrm>
+            <a:off x="6945452" y="3984486"/>
+            <a:ext cx="540000" cy="540000"/>
+          </a:xfrm>
+          <a:prstGeom prst="rect">
+            <a:avLst/>
+          </a:prstGeom>
+          <a:solidFill>
+            <a:srgbClr val="02FFFF"/>
+          </a:solidFill>
+        </p:spPr>
+        <p:style>
+          <a:lnRef idx="2">
+            <a:schemeClr val="accent1">
+              <a:shade val="50000"/>
+            </a:schemeClr>
+          </a:lnRef>
+          <a:fillRef idx="1">
+            <a:schemeClr val="accent1"/>
+          </a:fillRef>
+          <a:effectRef idx="0">
+            <a:schemeClr val="accent1"/>
+          </a:effectRef>
+          <a:fontRef idx="minor">
+            <a:schemeClr val="lt1"/>
+          </a:fontRef>
+        </p:style>
+        <p:txBody>
+          <a:bodyPr rtlCol="0" anchor="ctr"/>
+          <a:lstStyle/>
+          <a:p>
+            <a:pPr algn="ctr"/>
+            <a:r>
+              <a:rPr lang="en-US" altLang="zh-CN" sz="1600" dirty="0">
+                <a:solidFill>
+                  <a:schemeClr val="tx1"/>
+                </a:solidFill>
+                <a:latin typeface="Times New Roman" panose="02020603050405020304" pitchFamily="18" charset="0"/>
+                <a:cs typeface="Times New Roman" panose="02020603050405020304" pitchFamily="18" charset="0"/>
+              </a:rPr>
+              <a:t>4</a:t>
+            </a:r>
+            <a:endParaRPr lang="zh-CN" altLang="en-US" sz="1600" dirty="0">
+              <a:solidFill>
+                <a:schemeClr val="tx1"/>
+              </a:solidFill>
+              <a:latin typeface="Times New Roman" panose="02020603050405020304" pitchFamily="18" charset="0"/>
+              <a:cs typeface="Times New Roman" panose="02020603050405020304" pitchFamily="18" charset="0"/>
+            </a:endParaRPr>
+          </a:p>
+        </p:txBody>
+      </p:sp>
+      <p:sp>
+        <p:nvSpPr>
+          <p:cNvPr id="84" name="矩形 83">
+            <a:extLst>
+              <a:ext uri="{FF2B5EF4-FFF2-40B4-BE49-F238E27FC236}">
+                <a16:creationId xmlns:a16="http://schemas.microsoft.com/office/drawing/2014/main" id="{1CC626FB-30A6-45A9-A8BF-77CE783D65E3}"/>
+              </a:ext>
+            </a:extLst>
+          </p:cNvPr>
+          <p:cNvSpPr/>
+          <p:nvPr/>
+        </p:nvSpPr>
+        <p:spPr>
+          <a:xfrm>
+            <a:off x="7485452" y="3984486"/>
+            <a:ext cx="540000" cy="540000"/>
+          </a:xfrm>
+          <a:prstGeom prst="rect">
+            <a:avLst/>
+          </a:prstGeom>
+          <a:solidFill>
+            <a:srgbClr val="A162D0"/>
+          </a:solidFill>
+        </p:spPr>
+        <p:style>
+          <a:lnRef idx="2">
+            <a:schemeClr val="accent1">
+              <a:shade val="50000"/>
+            </a:schemeClr>
+          </a:lnRef>
+          <a:fillRef idx="1">
+            <a:schemeClr val="accent1"/>
+          </a:fillRef>
+          <a:effectRef idx="0">
+            <a:schemeClr val="accent1"/>
+          </a:effectRef>
+          <a:fontRef idx="minor">
+            <a:schemeClr val="lt1"/>
+          </a:fontRef>
+        </p:style>
+        <p:txBody>
+          <a:bodyPr rtlCol="0" anchor="ctr"/>
+          <a:lstStyle/>
+          <a:p>
+            <a:pPr algn="ctr"/>
+            <a:r>
+              <a:rPr lang="en-US" altLang="zh-CN" dirty="0">
+                <a:solidFill>
+                  <a:schemeClr val="tx1"/>
+                </a:solidFill>
+                <a:latin typeface="Times New Roman" panose="02020603050405020304" pitchFamily="18" charset="0"/>
+                <a:cs typeface="Times New Roman" panose="02020603050405020304" pitchFamily="18" charset="0"/>
+              </a:rPr>
+              <a:t>4</a:t>
+            </a:r>
+            <a:endParaRPr lang="zh-CN" altLang="en-US" dirty="0">
+              <a:solidFill>
+                <a:schemeClr val="tx1"/>
+              </a:solidFill>
+              <a:latin typeface="Times New Roman" panose="02020603050405020304" pitchFamily="18" charset="0"/>
+              <a:cs typeface="Times New Roman" panose="02020603050405020304" pitchFamily="18" charset="0"/>
+            </a:endParaRPr>
+          </a:p>
+        </p:txBody>
+      </p:sp>
+      <p:sp>
+        <p:nvSpPr>
+          <p:cNvPr id="2" name="文本框 1">
+            <a:extLst>
+              <a:ext uri="{FF2B5EF4-FFF2-40B4-BE49-F238E27FC236}">
+                <a16:creationId xmlns:a16="http://schemas.microsoft.com/office/drawing/2014/main" id="{82256A01-6795-43DA-BE9E-2A6088D34A1F}"/>
+              </a:ext>
+            </a:extLst>
+          </p:cNvPr>
+          <p:cNvSpPr txBox="1"/>
+          <p:nvPr/>
+        </p:nvSpPr>
+        <p:spPr>
+          <a:xfrm>
+            <a:off x="4349897" y="3198400"/>
+            <a:ext cx="463588" cy="276999"/>
+          </a:xfrm>
+          <a:prstGeom prst="rect">
+            <a:avLst/>
+          </a:prstGeom>
+          <a:noFill/>
+        </p:spPr>
+        <p:txBody>
+          <a:bodyPr wrap="none" rtlCol="0">
+            <a:spAutoFit/>
+          </a:bodyPr>
+          <a:lstStyle/>
+          <a:p>
+            <a:r>
+              <a:rPr lang="en-US" altLang="zh-CN" sz="1200" dirty="0">
+                <a:latin typeface="Times New Roman" panose="02020603050405020304" pitchFamily="18" charset="0"/>
+                <a:cs typeface="Times New Roman" panose="02020603050405020304" pitchFamily="18" charset="0"/>
+              </a:rPr>
+              <a:t>0.75</a:t>
+            </a:r>
+            <a:endParaRPr lang="zh-CN" altLang="en-US" sz="1200" dirty="0">
+              <a:latin typeface="Times New Roman" panose="02020603050405020304" pitchFamily="18" charset="0"/>
+              <a:cs typeface="Times New Roman" panose="02020603050405020304" pitchFamily="18" charset="0"/>
+            </a:endParaRPr>
+          </a:p>
+        </p:txBody>
+      </p:sp>
+      <p:sp>
+        <p:nvSpPr>
+          <p:cNvPr id="60" name="文本框 59">
+            <a:extLst>
+              <a:ext uri="{FF2B5EF4-FFF2-40B4-BE49-F238E27FC236}">
+                <a16:creationId xmlns:a16="http://schemas.microsoft.com/office/drawing/2014/main" id="{581EF83C-DDD8-4AE0-9E46-C26213BCB188}"/>
+              </a:ext>
+            </a:extLst>
+          </p:cNvPr>
+          <p:cNvSpPr txBox="1"/>
+          <p:nvPr/>
+        </p:nvSpPr>
+        <p:spPr>
+          <a:xfrm>
+            <a:off x="4717817" y="3198400"/>
+            <a:ext cx="463588" cy="276999"/>
+          </a:xfrm>
+          <a:prstGeom prst="rect">
+            <a:avLst/>
+          </a:prstGeom>
+          <a:noFill/>
+        </p:spPr>
+        <p:txBody>
+          <a:bodyPr wrap="none" rtlCol="0">
+            <a:spAutoFit/>
+          </a:bodyPr>
+          <a:lstStyle/>
+          <a:p>
+            <a:r>
+              <a:rPr lang="en-US" altLang="zh-CN" sz="1200" dirty="0">
+                <a:latin typeface="Times New Roman" panose="02020603050405020304" pitchFamily="18" charset="0"/>
+                <a:cs typeface="Times New Roman" panose="02020603050405020304" pitchFamily="18" charset="0"/>
+              </a:rPr>
+              <a:t>0.75</a:t>
+            </a:r>
+            <a:endParaRPr lang="zh-CN" altLang="en-US" sz="1200" dirty="0">
+              <a:latin typeface="Times New Roman" panose="02020603050405020304" pitchFamily="18" charset="0"/>
+              <a:cs typeface="Times New Roman" panose="02020603050405020304" pitchFamily="18" charset="0"/>
+            </a:endParaRPr>
+          </a:p>
+        </p:txBody>
+      </p:sp>
+      <p:sp>
+        <p:nvSpPr>
+          <p:cNvPr id="61" name="文本框 60">
+            <a:extLst>
+              <a:ext uri="{FF2B5EF4-FFF2-40B4-BE49-F238E27FC236}">
+                <a16:creationId xmlns:a16="http://schemas.microsoft.com/office/drawing/2014/main" id="{89084EA6-7FAE-4DE1-9116-B87629B9C576}"/>
+              </a:ext>
+            </a:extLst>
+          </p:cNvPr>
+          <p:cNvSpPr txBox="1"/>
+          <p:nvPr/>
+        </p:nvSpPr>
+        <p:spPr>
+          <a:xfrm>
+            <a:off x="4717817" y="3558399"/>
+            <a:ext cx="463588" cy="276999"/>
+          </a:xfrm>
+          <a:prstGeom prst="rect">
+            <a:avLst/>
+          </a:prstGeom>
+          <a:noFill/>
+        </p:spPr>
+        <p:txBody>
+          <a:bodyPr wrap="none" rtlCol="0">
+            <a:spAutoFit/>
+          </a:bodyPr>
+          <a:lstStyle/>
+          <a:p>
+            <a:r>
+              <a:rPr lang="en-US" altLang="zh-CN" sz="1200" dirty="0">
+                <a:latin typeface="Times New Roman" panose="02020603050405020304" pitchFamily="18" charset="0"/>
+                <a:cs typeface="Times New Roman" panose="02020603050405020304" pitchFamily="18" charset="0"/>
+              </a:rPr>
+              <a:t>0.75</a:t>
+            </a:r>
+            <a:endParaRPr lang="zh-CN" altLang="en-US" sz="1200" dirty="0">
+              <a:latin typeface="Times New Roman" panose="02020603050405020304" pitchFamily="18" charset="0"/>
+              <a:cs typeface="Times New Roman" panose="02020603050405020304" pitchFamily="18" charset="0"/>
+            </a:endParaRPr>
+          </a:p>
+        </p:txBody>
+      </p:sp>
+      <p:sp>
+        <p:nvSpPr>
+          <p:cNvPr id="62" name="文本框 61">
+            <a:extLst>
+              <a:ext uri="{FF2B5EF4-FFF2-40B4-BE49-F238E27FC236}">
+                <a16:creationId xmlns:a16="http://schemas.microsoft.com/office/drawing/2014/main" id="{6AF6604B-6D46-4595-9352-06DCC351A14B}"/>
+              </a:ext>
+            </a:extLst>
+          </p:cNvPr>
+          <p:cNvSpPr txBox="1"/>
+          <p:nvPr/>
+        </p:nvSpPr>
+        <p:spPr>
+          <a:xfrm>
+            <a:off x="4367876" y="3558399"/>
+            <a:ext cx="463588" cy="276999"/>
+          </a:xfrm>
+          <a:prstGeom prst="rect">
+            <a:avLst/>
+          </a:prstGeom>
+          <a:noFill/>
+        </p:spPr>
+        <p:txBody>
+          <a:bodyPr wrap="none" rtlCol="0">
+            <a:spAutoFit/>
+          </a:bodyPr>
+          <a:lstStyle/>
+          <a:p>
+            <a:r>
+              <a:rPr lang="en-US" altLang="zh-CN" sz="1200" dirty="0">
+                <a:latin typeface="Times New Roman" panose="02020603050405020304" pitchFamily="18" charset="0"/>
+                <a:cs typeface="Times New Roman" panose="02020603050405020304" pitchFamily="18" charset="0"/>
+              </a:rPr>
+              <a:t>0.75</a:t>
+            </a:r>
+            <a:endParaRPr lang="zh-CN" altLang="en-US" sz="1200" dirty="0">
+              <a:latin typeface="Times New Roman" panose="02020603050405020304" pitchFamily="18" charset="0"/>
+              <a:cs typeface="Times New Roman" panose="02020603050405020304" pitchFamily="18" charset="0"/>
+            </a:endParaRPr>
+          </a:p>
+        </p:txBody>
+      </p:sp>
+      <p:sp>
+        <p:nvSpPr>
+          <p:cNvPr id="63" name="文本框 62">
+            <a:extLst>
+              <a:ext uri="{FF2B5EF4-FFF2-40B4-BE49-F238E27FC236}">
+                <a16:creationId xmlns:a16="http://schemas.microsoft.com/office/drawing/2014/main" id="{EEA54FA6-C594-48E9-A01E-5CD0AB96D175}"/>
+              </a:ext>
+            </a:extLst>
+          </p:cNvPr>
+          <p:cNvSpPr txBox="1"/>
+          <p:nvPr/>
+        </p:nvSpPr>
+        <p:spPr>
+          <a:xfrm>
+            <a:off x="5079834" y="3208490"/>
+            <a:ext cx="453970" cy="276999"/>
+          </a:xfrm>
+          <a:prstGeom prst="rect">
+            <a:avLst/>
+          </a:prstGeom>
+          <a:noFill/>
+        </p:spPr>
+        <p:txBody>
+          <a:bodyPr wrap="none" rtlCol="0">
+            <a:spAutoFit/>
+          </a:bodyPr>
+          <a:lstStyle/>
+          <a:p>
+            <a:r>
+              <a:rPr lang="en-US" altLang="zh-CN" sz="1200" dirty="0">
+                <a:latin typeface="Times New Roman" panose="02020603050405020304" pitchFamily="18" charset="0"/>
+                <a:cs typeface="Times New Roman" panose="02020603050405020304" pitchFamily="18" charset="0"/>
+              </a:rPr>
+              <a:t>1.25</a:t>
+            </a:r>
+            <a:endParaRPr lang="zh-CN" altLang="en-US" sz="1200" dirty="0">
+              <a:latin typeface="Times New Roman" panose="02020603050405020304" pitchFamily="18" charset="0"/>
+              <a:cs typeface="Times New Roman" panose="02020603050405020304" pitchFamily="18" charset="0"/>
+            </a:endParaRPr>
+          </a:p>
+        </p:txBody>
+      </p:sp>
+      <p:sp>
+        <p:nvSpPr>
+          <p:cNvPr id="85" name="文本框 84">
+            <a:extLst>
+              <a:ext uri="{FF2B5EF4-FFF2-40B4-BE49-F238E27FC236}">
+                <a16:creationId xmlns:a16="http://schemas.microsoft.com/office/drawing/2014/main" id="{60339689-957D-4F87-BC55-7829645DDEEC}"/>
+              </a:ext>
+            </a:extLst>
+          </p:cNvPr>
+          <p:cNvSpPr txBox="1"/>
+          <p:nvPr/>
+        </p:nvSpPr>
+        <p:spPr>
+          <a:xfrm>
+            <a:off x="5430617" y="3200552"/>
+            <a:ext cx="453970" cy="276999"/>
+          </a:xfrm>
+          <a:prstGeom prst="rect">
+            <a:avLst/>
+          </a:prstGeom>
+          <a:noFill/>
+        </p:spPr>
+        <p:txBody>
+          <a:bodyPr wrap="none" rtlCol="0">
+            <a:spAutoFit/>
+          </a:bodyPr>
+          <a:lstStyle/>
+          <a:p>
+            <a:r>
+              <a:rPr lang="en-US" altLang="zh-CN" sz="1200" dirty="0">
+                <a:latin typeface="Times New Roman" panose="02020603050405020304" pitchFamily="18" charset="0"/>
+                <a:cs typeface="Times New Roman" panose="02020603050405020304" pitchFamily="18" charset="0"/>
+              </a:rPr>
+              <a:t>1.25</a:t>
+            </a:r>
+            <a:endParaRPr lang="zh-CN" altLang="en-US" sz="1200" dirty="0">
+              <a:latin typeface="Times New Roman" panose="02020603050405020304" pitchFamily="18" charset="0"/>
+              <a:cs typeface="Times New Roman" panose="02020603050405020304" pitchFamily="18" charset="0"/>
+            </a:endParaRPr>
+          </a:p>
+        </p:txBody>
+      </p:sp>
+      <p:sp>
+        <p:nvSpPr>
+          <p:cNvPr id="86" name="文本框 85">
+            <a:extLst>
+              <a:ext uri="{FF2B5EF4-FFF2-40B4-BE49-F238E27FC236}">
+                <a16:creationId xmlns:a16="http://schemas.microsoft.com/office/drawing/2014/main" id="{2BF7098E-C881-4CAD-95C7-50C974CA43C8}"/>
+              </a:ext>
+            </a:extLst>
+          </p:cNvPr>
+          <p:cNvSpPr txBox="1"/>
+          <p:nvPr/>
+        </p:nvSpPr>
+        <p:spPr>
+          <a:xfrm>
+            <a:off x="5089527" y="3558399"/>
+            <a:ext cx="453970" cy="276999"/>
+          </a:xfrm>
+          <a:prstGeom prst="rect">
+            <a:avLst/>
+          </a:prstGeom>
+          <a:noFill/>
+        </p:spPr>
+        <p:txBody>
+          <a:bodyPr wrap="none" rtlCol="0">
+            <a:spAutoFit/>
+          </a:bodyPr>
+          <a:lstStyle/>
+          <a:p>
+            <a:r>
+              <a:rPr lang="en-US" altLang="zh-CN" sz="1200" dirty="0">
+                <a:latin typeface="Times New Roman" panose="02020603050405020304" pitchFamily="18" charset="0"/>
+                <a:cs typeface="Times New Roman" panose="02020603050405020304" pitchFamily="18" charset="0"/>
+              </a:rPr>
+              <a:t>1.25</a:t>
+            </a:r>
+            <a:endParaRPr lang="zh-CN" altLang="en-US" sz="1200" dirty="0">
+              <a:latin typeface="Times New Roman" panose="02020603050405020304" pitchFamily="18" charset="0"/>
+              <a:cs typeface="Times New Roman" panose="02020603050405020304" pitchFamily="18" charset="0"/>
+            </a:endParaRPr>
+          </a:p>
+        </p:txBody>
+      </p:sp>
+      <p:sp>
+        <p:nvSpPr>
+          <p:cNvPr id="87" name="文本框 86">
+            <a:extLst>
+              <a:ext uri="{FF2B5EF4-FFF2-40B4-BE49-F238E27FC236}">
+                <a16:creationId xmlns:a16="http://schemas.microsoft.com/office/drawing/2014/main" id="{D13D5B45-6D38-4BD3-9723-188735E3E8EC}"/>
+              </a:ext>
+            </a:extLst>
+          </p:cNvPr>
+          <p:cNvSpPr txBox="1"/>
+          <p:nvPr/>
+        </p:nvSpPr>
+        <p:spPr>
+          <a:xfrm>
+            <a:off x="5438359" y="3558399"/>
+            <a:ext cx="453970" cy="276999"/>
+          </a:xfrm>
+          <a:prstGeom prst="rect">
+            <a:avLst/>
+          </a:prstGeom>
+          <a:noFill/>
+        </p:spPr>
+        <p:txBody>
+          <a:bodyPr wrap="none" rtlCol="0">
+            <a:spAutoFit/>
+          </a:bodyPr>
+          <a:lstStyle/>
+          <a:p>
+            <a:r>
+              <a:rPr lang="en-US" altLang="zh-CN" sz="1200" dirty="0">
+                <a:latin typeface="Times New Roman" panose="02020603050405020304" pitchFamily="18" charset="0"/>
+                <a:cs typeface="Times New Roman" panose="02020603050405020304" pitchFamily="18" charset="0"/>
+              </a:rPr>
+              <a:t>1.25</a:t>
+            </a:r>
+            <a:endParaRPr lang="zh-CN" altLang="en-US" sz="1200" dirty="0">
+              <a:latin typeface="Times New Roman" panose="02020603050405020304" pitchFamily="18" charset="0"/>
+              <a:cs typeface="Times New Roman" panose="02020603050405020304" pitchFamily="18" charset="0"/>
+            </a:endParaRPr>
+          </a:p>
+        </p:txBody>
+      </p:sp>
+      <p:sp>
+        <p:nvSpPr>
+          <p:cNvPr id="88" name="文本框 87">
+            <a:extLst>
+              <a:ext uri="{FF2B5EF4-FFF2-40B4-BE49-F238E27FC236}">
+                <a16:creationId xmlns:a16="http://schemas.microsoft.com/office/drawing/2014/main" id="{CF30D570-7F7B-43A2-9C50-FDC2761CA268}"/>
+              </a:ext>
+            </a:extLst>
+          </p:cNvPr>
+          <p:cNvSpPr txBox="1"/>
+          <p:nvPr/>
+        </p:nvSpPr>
+        <p:spPr>
+          <a:xfrm>
+            <a:off x="5892329" y="5019719"/>
+            <a:ext cx="1322547" cy="430887"/>
+          </a:xfrm>
+          <a:prstGeom prst="rect">
+            <a:avLst/>
+          </a:prstGeom>
+          <a:noFill/>
+        </p:spPr>
+        <p:txBody>
+          <a:bodyPr wrap="square" rtlCol="0">
+            <a:spAutoFit/>
+          </a:bodyPr>
+          <a:lstStyle/>
+          <a:p>
+            <a:r>
+              <a:rPr lang="en-US" altLang="zh-CN" sz="1100" dirty="0">
+                <a:latin typeface="Arial" panose="020B0604020202020204" pitchFamily="34" charset="0"/>
+                <a:cs typeface="Arial" panose="020B0604020202020204" pitchFamily="34" charset="0"/>
+              </a:rPr>
+              <a:t>Average pooling Backward</a:t>
+            </a:r>
+            <a:endParaRPr lang="zh-CN" altLang="en-US" sz="1100" dirty="0">
+              <a:latin typeface="Arial" panose="020B0604020202020204" pitchFamily="34" charset="0"/>
+              <a:cs typeface="Arial" panose="020B0604020202020204" pitchFamily="34" charset="0"/>
+            </a:endParaRPr>
+          </a:p>
+        </p:txBody>
+      </p:sp>
+    </p:spTree>
+    <p:extLst>
+      <p:ext uri="{BB962C8B-B14F-4D97-AF65-F5344CB8AC3E}">
+        <p14:creationId xmlns:p14="http://schemas.microsoft.com/office/powerpoint/2010/main" val="1818058605"/>
       </p:ext>
     </p:extLst>
   </p:cSld>

--- a/material/draw.pptx
+++ b/material/draw.pptx
@@ -8,6 +8,9 @@
     <p:sldId id="256" r:id="rId2"/>
     <p:sldId id="257" r:id="rId3"/>
     <p:sldId id="258" r:id="rId4"/>
+    <p:sldId id="259" r:id="rId5"/>
+    <p:sldId id="260" r:id="rId6"/>
+    <p:sldId id="261" r:id="rId7"/>
   </p:sldIdLst>
   <p:sldSz cx="12192000" cy="6858000"/>
   <p:notesSz cx="6858000" cy="9144000"/>
@@ -261,7 +264,7 @@
           <a:p>
             <a:fld id="{2F9CE705-09FF-4707-95CD-526466700775}" type="datetimeFigureOut">
               <a:rPr lang="zh-CN" altLang="en-US" smtClean="0"/>
-              <a:t>2021/5/10</a:t>
+              <a:t>2021/5/12</a:t>
             </a:fld>
             <a:endParaRPr lang="zh-CN" altLang="en-US"/>
           </a:p>
@@ -459,7 +462,7 @@
           <a:p>
             <a:fld id="{2F9CE705-09FF-4707-95CD-526466700775}" type="datetimeFigureOut">
               <a:rPr lang="zh-CN" altLang="en-US" smtClean="0"/>
-              <a:t>2021/5/10</a:t>
+              <a:t>2021/5/12</a:t>
             </a:fld>
             <a:endParaRPr lang="zh-CN" altLang="en-US"/>
           </a:p>
@@ -667,7 +670,7 @@
           <a:p>
             <a:fld id="{2F9CE705-09FF-4707-95CD-526466700775}" type="datetimeFigureOut">
               <a:rPr lang="zh-CN" altLang="en-US" smtClean="0"/>
-              <a:t>2021/5/10</a:t>
+              <a:t>2021/5/12</a:t>
             </a:fld>
             <a:endParaRPr lang="zh-CN" altLang="en-US"/>
           </a:p>
@@ -865,7 +868,7 @@
           <a:p>
             <a:fld id="{2F9CE705-09FF-4707-95CD-526466700775}" type="datetimeFigureOut">
               <a:rPr lang="zh-CN" altLang="en-US" smtClean="0"/>
-              <a:t>2021/5/10</a:t>
+              <a:t>2021/5/12</a:t>
             </a:fld>
             <a:endParaRPr lang="zh-CN" altLang="en-US"/>
           </a:p>
@@ -1140,7 +1143,7 @@
           <a:p>
             <a:fld id="{2F9CE705-09FF-4707-95CD-526466700775}" type="datetimeFigureOut">
               <a:rPr lang="zh-CN" altLang="en-US" smtClean="0"/>
-              <a:t>2021/5/10</a:t>
+              <a:t>2021/5/12</a:t>
             </a:fld>
             <a:endParaRPr lang="zh-CN" altLang="en-US"/>
           </a:p>
@@ -1405,7 +1408,7 @@
           <a:p>
             <a:fld id="{2F9CE705-09FF-4707-95CD-526466700775}" type="datetimeFigureOut">
               <a:rPr lang="zh-CN" altLang="en-US" smtClean="0"/>
-              <a:t>2021/5/10</a:t>
+              <a:t>2021/5/12</a:t>
             </a:fld>
             <a:endParaRPr lang="zh-CN" altLang="en-US"/>
           </a:p>
@@ -1817,7 +1820,7 @@
           <a:p>
             <a:fld id="{2F9CE705-09FF-4707-95CD-526466700775}" type="datetimeFigureOut">
               <a:rPr lang="zh-CN" altLang="en-US" smtClean="0"/>
-              <a:t>2021/5/10</a:t>
+              <a:t>2021/5/12</a:t>
             </a:fld>
             <a:endParaRPr lang="zh-CN" altLang="en-US"/>
           </a:p>
@@ -1958,7 +1961,7 @@
           <a:p>
             <a:fld id="{2F9CE705-09FF-4707-95CD-526466700775}" type="datetimeFigureOut">
               <a:rPr lang="zh-CN" altLang="en-US" smtClean="0"/>
-              <a:t>2021/5/10</a:t>
+              <a:t>2021/5/12</a:t>
             </a:fld>
             <a:endParaRPr lang="zh-CN" altLang="en-US"/>
           </a:p>
@@ -2071,7 +2074,7 @@
           <a:p>
             <a:fld id="{2F9CE705-09FF-4707-95CD-526466700775}" type="datetimeFigureOut">
               <a:rPr lang="zh-CN" altLang="en-US" smtClean="0"/>
-              <a:t>2021/5/10</a:t>
+              <a:t>2021/5/12</a:t>
             </a:fld>
             <a:endParaRPr lang="zh-CN" altLang="en-US"/>
           </a:p>
@@ -2382,7 +2385,7 @@
           <a:p>
             <a:fld id="{2F9CE705-09FF-4707-95CD-526466700775}" type="datetimeFigureOut">
               <a:rPr lang="zh-CN" altLang="en-US" smtClean="0"/>
-              <a:t>2021/5/10</a:t>
+              <a:t>2021/5/12</a:t>
             </a:fld>
             <a:endParaRPr lang="zh-CN" altLang="en-US"/>
           </a:p>
@@ -2670,7 +2673,7 @@
           <a:p>
             <a:fld id="{2F9CE705-09FF-4707-95CD-526466700775}" type="datetimeFigureOut">
               <a:rPr lang="zh-CN" altLang="en-US" smtClean="0"/>
-              <a:t>2021/5/10</a:t>
+              <a:t>2021/5/12</a:t>
             </a:fld>
             <a:endParaRPr lang="zh-CN" altLang="en-US"/>
           </a:p>
@@ -2911,7 +2914,7 @@
           <a:p>
             <a:fld id="{2F9CE705-09FF-4707-95CD-526466700775}" type="datetimeFigureOut">
               <a:rPr lang="zh-CN" altLang="en-US" smtClean="0"/>
-              <a:t>2021/5/10</a:t>
+              <a:t>2021/5/12</a:t>
             </a:fld>
             <a:endParaRPr lang="zh-CN" altLang="en-US"/>
           </a:p>
@@ -11641,6 +11644,2177 @@
 </p:sld>
 </file>
 
+<file path=ppt/slides/slide4.xml><?xml version="1.0" encoding="utf-8"?>
+<p:sld xmlns:a="http://schemas.openxmlformats.org/drawingml/2006/main" xmlns:r="http://schemas.openxmlformats.org/officeDocument/2006/relationships" xmlns:p="http://schemas.openxmlformats.org/presentationml/2006/main">
+  <p:cSld>
+    <p:spTree>
+      <p:nvGrpSpPr>
+        <p:cNvPr id="1" name=""/>
+        <p:cNvGrpSpPr/>
+        <p:nvPr/>
+      </p:nvGrpSpPr>
+      <p:grpSpPr>
+        <a:xfrm>
+          <a:off x="0" y="0"/>
+          <a:ext cx="0" cy="0"/>
+          <a:chOff x="0" y="0"/>
+          <a:chExt cx="0" cy="0"/>
+        </a:xfrm>
+      </p:grpSpPr>
+      <p:pic>
+        <p:nvPicPr>
+          <p:cNvPr id="15" name="图片 14" descr="图表, 折线图&#10;&#10;描述已自动生成">
+            <a:extLst>
+              <a:ext uri="{FF2B5EF4-FFF2-40B4-BE49-F238E27FC236}">
+                <a16:creationId xmlns:a16="http://schemas.microsoft.com/office/drawing/2014/main" id="{A7675994-C11F-458E-8CDD-1BAD557CB066}"/>
+              </a:ext>
+            </a:extLst>
+          </p:cNvPr>
+          <p:cNvPicPr>
+            <a:picLocks noChangeAspect="1"/>
+          </p:cNvPicPr>
+          <p:nvPr/>
+        </p:nvPicPr>
+        <p:blipFill>
+          <a:blip r:embed="rId2">
+            <a:extLst>
+              <a:ext uri="{28A0092B-C50C-407E-A947-70E740481C1C}">
+                <a14:useLocalDpi xmlns:a14="http://schemas.microsoft.com/office/drawing/2010/main" val="0"/>
+              </a:ext>
+            </a:extLst>
+          </a:blip>
+          <a:stretch>
+            <a:fillRect/>
+          </a:stretch>
+        </p:blipFill>
+        <p:spPr>
+          <a:xfrm>
+            <a:off x="2793714" y="1396824"/>
+            <a:ext cx="6604572" cy="4064352"/>
+          </a:xfrm>
+          <a:prstGeom prst="rect">
+            <a:avLst/>
+          </a:prstGeom>
+        </p:spPr>
+      </p:pic>
+      <p:sp>
+        <p:nvSpPr>
+          <p:cNvPr id="6" name="椭圆 5">
+            <a:extLst>
+              <a:ext uri="{FF2B5EF4-FFF2-40B4-BE49-F238E27FC236}">
+                <a16:creationId xmlns:a16="http://schemas.microsoft.com/office/drawing/2014/main" id="{60EFA881-17B8-4D80-857E-0274AF5AED5C}"/>
+              </a:ext>
+            </a:extLst>
+          </p:cNvPr>
+          <p:cNvSpPr/>
+          <p:nvPr/>
+        </p:nvSpPr>
+        <p:spPr>
+          <a:xfrm>
+            <a:off x="4204921" y="4482904"/>
+            <a:ext cx="108000" cy="108000"/>
+          </a:xfrm>
+          <a:prstGeom prst="ellipse">
+            <a:avLst/>
+          </a:prstGeom>
+        </p:spPr>
+        <p:style>
+          <a:lnRef idx="2">
+            <a:schemeClr val="accent1">
+              <a:shade val="50000"/>
+            </a:schemeClr>
+          </a:lnRef>
+          <a:fillRef idx="1">
+            <a:schemeClr val="accent1"/>
+          </a:fillRef>
+          <a:effectRef idx="0">
+            <a:schemeClr val="accent1"/>
+          </a:effectRef>
+          <a:fontRef idx="minor">
+            <a:schemeClr val="lt1"/>
+          </a:fontRef>
+        </p:style>
+        <p:txBody>
+          <a:bodyPr rtlCol="0" anchor="ctr"/>
+          <a:lstStyle/>
+          <a:p>
+            <a:pPr algn="ctr"/>
+            <a:endParaRPr lang="zh-CN" altLang="en-US"/>
+          </a:p>
+        </p:txBody>
+      </p:sp>
+      <p:sp>
+        <p:nvSpPr>
+          <p:cNvPr id="7" name="椭圆 6">
+            <a:extLst>
+              <a:ext uri="{FF2B5EF4-FFF2-40B4-BE49-F238E27FC236}">
+                <a16:creationId xmlns:a16="http://schemas.microsoft.com/office/drawing/2014/main" id="{782D8478-88B3-4217-8811-8F34CD5A8BF8}"/>
+              </a:ext>
+            </a:extLst>
+          </p:cNvPr>
+          <p:cNvSpPr/>
+          <p:nvPr/>
+        </p:nvSpPr>
+        <p:spPr>
+          <a:xfrm>
+            <a:off x="4543058" y="4358858"/>
+            <a:ext cx="108000" cy="108000"/>
+          </a:xfrm>
+          <a:prstGeom prst="ellipse">
+            <a:avLst/>
+          </a:prstGeom>
+        </p:spPr>
+        <p:style>
+          <a:lnRef idx="2">
+            <a:schemeClr val="accent1">
+              <a:shade val="50000"/>
+            </a:schemeClr>
+          </a:lnRef>
+          <a:fillRef idx="1">
+            <a:schemeClr val="accent1"/>
+          </a:fillRef>
+          <a:effectRef idx="0">
+            <a:schemeClr val="accent1"/>
+          </a:effectRef>
+          <a:fontRef idx="minor">
+            <a:schemeClr val="lt1"/>
+          </a:fontRef>
+        </p:style>
+        <p:txBody>
+          <a:bodyPr rtlCol="0" anchor="ctr"/>
+          <a:lstStyle/>
+          <a:p>
+            <a:pPr algn="ctr"/>
+            <a:endParaRPr lang="zh-CN" altLang="en-US"/>
+          </a:p>
+        </p:txBody>
+      </p:sp>
+      <p:sp>
+        <p:nvSpPr>
+          <p:cNvPr id="8" name="椭圆 7">
+            <a:extLst>
+              <a:ext uri="{FF2B5EF4-FFF2-40B4-BE49-F238E27FC236}">
+                <a16:creationId xmlns:a16="http://schemas.microsoft.com/office/drawing/2014/main" id="{9EAEBEA8-411C-4903-B00D-7CCB8818DCBF}"/>
+              </a:ext>
+            </a:extLst>
+          </p:cNvPr>
+          <p:cNvSpPr/>
+          <p:nvPr/>
+        </p:nvSpPr>
+        <p:spPr>
+          <a:xfrm>
+            <a:off x="4905008" y="4250858"/>
+            <a:ext cx="108000" cy="108000"/>
+          </a:xfrm>
+          <a:prstGeom prst="ellipse">
+            <a:avLst/>
+          </a:prstGeom>
+        </p:spPr>
+        <p:style>
+          <a:lnRef idx="2">
+            <a:schemeClr val="accent1">
+              <a:shade val="50000"/>
+            </a:schemeClr>
+          </a:lnRef>
+          <a:fillRef idx="1">
+            <a:schemeClr val="accent1"/>
+          </a:fillRef>
+          <a:effectRef idx="0">
+            <a:schemeClr val="accent1"/>
+          </a:effectRef>
+          <a:fontRef idx="minor">
+            <a:schemeClr val="lt1"/>
+          </a:fontRef>
+        </p:style>
+        <p:txBody>
+          <a:bodyPr rtlCol="0" anchor="ctr"/>
+          <a:lstStyle/>
+          <a:p>
+            <a:pPr algn="ctr"/>
+            <a:endParaRPr lang="zh-CN" altLang="en-US"/>
+          </a:p>
+        </p:txBody>
+      </p:sp>
+      <p:sp>
+        <p:nvSpPr>
+          <p:cNvPr id="9" name="椭圆 8">
+            <a:extLst>
+              <a:ext uri="{FF2B5EF4-FFF2-40B4-BE49-F238E27FC236}">
+                <a16:creationId xmlns:a16="http://schemas.microsoft.com/office/drawing/2014/main" id="{17372F9C-4B7C-4B7D-A99F-6571996C5C04}"/>
+              </a:ext>
+            </a:extLst>
+          </p:cNvPr>
+          <p:cNvSpPr/>
+          <p:nvPr/>
+        </p:nvSpPr>
+        <p:spPr>
+          <a:xfrm>
+            <a:off x="4905008" y="3922246"/>
+            <a:ext cx="108000" cy="108000"/>
+          </a:xfrm>
+          <a:prstGeom prst="ellipse">
+            <a:avLst/>
+          </a:prstGeom>
+        </p:spPr>
+        <p:style>
+          <a:lnRef idx="2">
+            <a:schemeClr val="accent1">
+              <a:shade val="50000"/>
+            </a:schemeClr>
+          </a:lnRef>
+          <a:fillRef idx="1">
+            <a:schemeClr val="accent1"/>
+          </a:fillRef>
+          <a:effectRef idx="0">
+            <a:schemeClr val="accent1"/>
+          </a:effectRef>
+          <a:fontRef idx="minor">
+            <a:schemeClr val="lt1"/>
+          </a:fontRef>
+        </p:style>
+        <p:txBody>
+          <a:bodyPr rtlCol="0" anchor="ctr"/>
+          <a:lstStyle/>
+          <a:p>
+            <a:pPr algn="ctr"/>
+            <a:endParaRPr lang="zh-CN" altLang="en-US"/>
+          </a:p>
+        </p:txBody>
+      </p:sp>
+      <p:sp>
+        <p:nvSpPr>
+          <p:cNvPr id="10" name="椭圆 9">
+            <a:extLst>
+              <a:ext uri="{FF2B5EF4-FFF2-40B4-BE49-F238E27FC236}">
+                <a16:creationId xmlns:a16="http://schemas.microsoft.com/office/drawing/2014/main" id="{72F1B67C-4167-4443-93D2-BA34D6479F62}"/>
+              </a:ext>
+            </a:extLst>
+          </p:cNvPr>
+          <p:cNvSpPr/>
+          <p:nvPr/>
+        </p:nvSpPr>
+        <p:spPr>
+          <a:xfrm>
+            <a:off x="5290771" y="3712696"/>
+            <a:ext cx="108000" cy="108000"/>
+          </a:xfrm>
+          <a:prstGeom prst="ellipse">
+            <a:avLst/>
+          </a:prstGeom>
+        </p:spPr>
+        <p:style>
+          <a:lnRef idx="2">
+            <a:schemeClr val="accent1">
+              <a:shade val="50000"/>
+            </a:schemeClr>
+          </a:lnRef>
+          <a:fillRef idx="1">
+            <a:schemeClr val="accent1"/>
+          </a:fillRef>
+          <a:effectRef idx="0">
+            <a:schemeClr val="accent1"/>
+          </a:effectRef>
+          <a:fontRef idx="minor">
+            <a:schemeClr val="lt1"/>
+          </a:fontRef>
+        </p:style>
+        <p:txBody>
+          <a:bodyPr rtlCol="0" anchor="ctr"/>
+          <a:lstStyle/>
+          <a:p>
+            <a:pPr algn="ctr"/>
+            <a:endParaRPr lang="zh-CN" altLang="en-US"/>
+          </a:p>
+        </p:txBody>
+      </p:sp>
+      <p:sp>
+        <p:nvSpPr>
+          <p:cNvPr id="11" name="椭圆 10">
+            <a:extLst>
+              <a:ext uri="{FF2B5EF4-FFF2-40B4-BE49-F238E27FC236}">
+                <a16:creationId xmlns:a16="http://schemas.microsoft.com/office/drawing/2014/main" id="{6BFB54E2-C7AD-4237-B1DC-D08A448C5948}"/>
+              </a:ext>
+            </a:extLst>
+          </p:cNvPr>
+          <p:cNvSpPr/>
+          <p:nvPr/>
+        </p:nvSpPr>
+        <p:spPr>
+          <a:xfrm>
+            <a:off x="5643196" y="3328471"/>
+            <a:ext cx="108000" cy="108000"/>
+          </a:xfrm>
+          <a:prstGeom prst="ellipse">
+            <a:avLst/>
+          </a:prstGeom>
+        </p:spPr>
+        <p:style>
+          <a:lnRef idx="2">
+            <a:schemeClr val="accent1">
+              <a:shade val="50000"/>
+            </a:schemeClr>
+          </a:lnRef>
+          <a:fillRef idx="1">
+            <a:schemeClr val="accent1"/>
+          </a:fillRef>
+          <a:effectRef idx="0">
+            <a:schemeClr val="accent1"/>
+          </a:effectRef>
+          <a:fontRef idx="minor">
+            <a:schemeClr val="lt1"/>
+          </a:fontRef>
+        </p:style>
+        <p:txBody>
+          <a:bodyPr rtlCol="0" anchor="ctr"/>
+          <a:lstStyle/>
+          <a:p>
+            <a:pPr algn="ctr"/>
+            <a:endParaRPr lang="zh-CN" altLang="en-US"/>
+          </a:p>
+        </p:txBody>
+      </p:sp>
+      <p:sp>
+        <p:nvSpPr>
+          <p:cNvPr id="12" name="椭圆 11">
+            <a:extLst>
+              <a:ext uri="{FF2B5EF4-FFF2-40B4-BE49-F238E27FC236}">
+                <a16:creationId xmlns:a16="http://schemas.microsoft.com/office/drawing/2014/main" id="{D5AB8949-80E4-4A73-85F1-89B5F28909D9}"/>
+              </a:ext>
+            </a:extLst>
+          </p:cNvPr>
+          <p:cNvSpPr/>
+          <p:nvPr/>
+        </p:nvSpPr>
+        <p:spPr>
+          <a:xfrm>
+            <a:off x="5643196" y="2575996"/>
+            <a:ext cx="108000" cy="108000"/>
+          </a:xfrm>
+          <a:prstGeom prst="ellipse">
+            <a:avLst/>
+          </a:prstGeom>
+        </p:spPr>
+        <p:style>
+          <a:lnRef idx="2">
+            <a:schemeClr val="accent1">
+              <a:shade val="50000"/>
+            </a:schemeClr>
+          </a:lnRef>
+          <a:fillRef idx="1">
+            <a:schemeClr val="accent1"/>
+          </a:fillRef>
+          <a:effectRef idx="0">
+            <a:schemeClr val="accent1"/>
+          </a:effectRef>
+          <a:fontRef idx="minor">
+            <a:schemeClr val="lt1"/>
+          </a:fontRef>
+        </p:style>
+        <p:txBody>
+          <a:bodyPr rtlCol="0" anchor="ctr"/>
+          <a:lstStyle/>
+          <a:p>
+            <a:pPr algn="ctr"/>
+            <a:endParaRPr lang="zh-CN" altLang="en-US"/>
+          </a:p>
+        </p:txBody>
+      </p:sp>
+      <p:sp>
+        <p:nvSpPr>
+          <p:cNvPr id="13" name="椭圆 12">
+            <a:extLst>
+              <a:ext uri="{FF2B5EF4-FFF2-40B4-BE49-F238E27FC236}">
+                <a16:creationId xmlns:a16="http://schemas.microsoft.com/office/drawing/2014/main" id="{615C039F-0FEC-4734-AE52-A911EA9B86DD}"/>
+              </a:ext>
+            </a:extLst>
+          </p:cNvPr>
+          <p:cNvSpPr/>
+          <p:nvPr/>
+        </p:nvSpPr>
+        <p:spPr>
+          <a:xfrm>
+            <a:off x="6357571" y="2004496"/>
+            <a:ext cx="108000" cy="108000"/>
+          </a:xfrm>
+          <a:prstGeom prst="ellipse">
+            <a:avLst/>
+          </a:prstGeom>
+        </p:spPr>
+        <p:style>
+          <a:lnRef idx="2">
+            <a:schemeClr val="accent1">
+              <a:shade val="50000"/>
+            </a:schemeClr>
+          </a:lnRef>
+          <a:fillRef idx="1">
+            <a:schemeClr val="accent1"/>
+          </a:fillRef>
+          <a:effectRef idx="0">
+            <a:schemeClr val="accent1"/>
+          </a:effectRef>
+          <a:fontRef idx="minor">
+            <a:schemeClr val="lt1"/>
+          </a:fontRef>
+        </p:style>
+        <p:txBody>
+          <a:bodyPr rtlCol="0" anchor="ctr"/>
+          <a:lstStyle/>
+          <a:p>
+            <a:pPr algn="ctr"/>
+            <a:endParaRPr lang="zh-CN" altLang="en-US"/>
+          </a:p>
+        </p:txBody>
+      </p:sp>
+    </p:spTree>
+    <p:extLst>
+      <p:ext uri="{BB962C8B-B14F-4D97-AF65-F5344CB8AC3E}">
+        <p14:creationId xmlns:p14="http://schemas.microsoft.com/office/powerpoint/2010/main" val="3604470832"/>
+      </p:ext>
+    </p:extLst>
+  </p:cSld>
+  <p:clrMapOvr>
+    <a:masterClrMapping/>
+  </p:clrMapOvr>
+</p:sld>
+</file>
+
+<file path=ppt/slides/slide5.xml><?xml version="1.0" encoding="utf-8"?>
+<p:sld xmlns:a="http://schemas.openxmlformats.org/drawingml/2006/main" xmlns:r="http://schemas.openxmlformats.org/officeDocument/2006/relationships" xmlns:p="http://schemas.openxmlformats.org/presentationml/2006/main">
+  <p:cSld>
+    <p:spTree>
+      <p:nvGrpSpPr>
+        <p:cNvPr id="1" name=""/>
+        <p:cNvGrpSpPr/>
+        <p:nvPr/>
+      </p:nvGrpSpPr>
+      <p:grpSpPr>
+        <a:xfrm>
+          <a:off x="0" y="0"/>
+          <a:ext cx="0" cy="0"/>
+          <a:chOff x="0" y="0"/>
+          <a:chExt cx="0" cy="0"/>
+        </a:xfrm>
+      </p:grpSpPr>
+      <p:pic>
+        <p:nvPicPr>
+          <p:cNvPr id="8" name="图片 7" descr="一些人在骑自行车&#10;&#10;描述已自动生成">
+            <a:extLst>
+              <a:ext uri="{FF2B5EF4-FFF2-40B4-BE49-F238E27FC236}">
+                <a16:creationId xmlns:a16="http://schemas.microsoft.com/office/drawing/2014/main" id="{08DB6664-010B-4672-BE01-DCBA3F6C12DF}"/>
+              </a:ext>
+            </a:extLst>
+          </p:cNvPr>
+          <p:cNvPicPr>
+            <a:picLocks noChangeAspect="1"/>
+          </p:cNvPicPr>
+          <p:nvPr/>
+        </p:nvPicPr>
+        <p:blipFill>
+          <a:blip r:embed="rId2">
+            <a:extLst>
+              <a:ext uri="{28A0092B-C50C-407E-A947-70E740481C1C}">
+                <a14:useLocalDpi xmlns:a14="http://schemas.microsoft.com/office/drawing/2010/main" val="0"/>
+              </a:ext>
+            </a:extLst>
+          </a:blip>
+          <a:stretch>
+            <a:fillRect/>
+          </a:stretch>
+        </p:blipFill>
+        <p:spPr>
+          <a:xfrm>
+            <a:off x="1213485" y="794531"/>
+            <a:ext cx="3181350" cy="4762500"/>
+          </a:xfrm>
+          <a:prstGeom prst="rect">
+            <a:avLst/>
+          </a:prstGeom>
+        </p:spPr>
+      </p:pic>
+      <p:sp>
+        <p:nvSpPr>
+          <p:cNvPr id="4" name="矩形 3">
+            <a:extLst>
+              <a:ext uri="{FF2B5EF4-FFF2-40B4-BE49-F238E27FC236}">
+                <a16:creationId xmlns:a16="http://schemas.microsoft.com/office/drawing/2014/main" id="{391EF16B-D53A-46B8-A597-4489B6FE9120}"/>
+              </a:ext>
+            </a:extLst>
+          </p:cNvPr>
+          <p:cNvSpPr/>
+          <p:nvPr/>
+        </p:nvSpPr>
+        <p:spPr>
+          <a:xfrm>
+            <a:off x="2166424" y="874876"/>
+            <a:ext cx="998807" cy="982952"/>
+          </a:xfrm>
+          <a:prstGeom prst="rect">
+            <a:avLst/>
+          </a:prstGeom>
+          <a:noFill/>
+          <a:ln w="28575">
+            <a:solidFill>
+              <a:srgbClr val="02FFFF"/>
+            </a:solidFill>
+          </a:ln>
+        </p:spPr>
+        <p:style>
+          <a:lnRef idx="2">
+            <a:schemeClr val="accent1">
+              <a:shade val="50000"/>
+            </a:schemeClr>
+          </a:lnRef>
+          <a:fillRef idx="1">
+            <a:schemeClr val="accent1"/>
+          </a:fillRef>
+          <a:effectRef idx="0">
+            <a:schemeClr val="accent1"/>
+          </a:effectRef>
+          <a:fontRef idx="minor">
+            <a:schemeClr val="lt1"/>
+          </a:fontRef>
+        </p:style>
+        <p:txBody>
+          <a:bodyPr rtlCol="0" anchor="ctr"/>
+          <a:lstStyle/>
+          <a:p>
+            <a:pPr algn="ctr"/>
+            <a:endParaRPr lang="zh-CN" altLang="en-US" dirty="0">
+              <a:noFill/>
+            </a:endParaRPr>
+          </a:p>
+        </p:txBody>
+      </p:sp>
+      <p:sp>
+        <p:nvSpPr>
+          <p:cNvPr id="5" name="文本框 4">
+            <a:extLst>
+              <a:ext uri="{FF2B5EF4-FFF2-40B4-BE49-F238E27FC236}">
+                <a16:creationId xmlns:a16="http://schemas.microsoft.com/office/drawing/2014/main" id="{64119245-4469-410D-91A1-A64D6D5ABE2F}"/>
+              </a:ext>
+            </a:extLst>
+          </p:cNvPr>
+          <p:cNvSpPr txBox="1"/>
+          <p:nvPr/>
+        </p:nvSpPr>
+        <p:spPr>
+          <a:xfrm>
+            <a:off x="1828800" y="385027"/>
+            <a:ext cx="947695" cy="369332"/>
+          </a:xfrm>
+          <a:prstGeom prst="rect">
+            <a:avLst/>
+          </a:prstGeom>
+          <a:noFill/>
+        </p:spPr>
+        <p:txBody>
+          <a:bodyPr wrap="none" rtlCol="0">
+            <a:spAutoFit/>
+          </a:bodyPr>
+          <a:lstStyle/>
+          <a:p>
+            <a:r>
+              <a:rPr lang="en-US" altLang="zh-CN" b="1" dirty="0"/>
+              <a:t>(x1, y1)</a:t>
+            </a:r>
+            <a:endParaRPr lang="zh-CN" altLang="en-US" b="1" dirty="0"/>
+          </a:p>
+        </p:txBody>
+      </p:sp>
+      <p:sp>
+        <p:nvSpPr>
+          <p:cNvPr id="9" name="文本框 8">
+            <a:extLst>
+              <a:ext uri="{FF2B5EF4-FFF2-40B4-BE49-F238E27FC236}">
+                <a16:creationId xmlns:a16="http://schemas.microsoft.com/office/drawing/2014/main" id="{0A440B27-D5B0-4B4F-8A7E-69495CF89C25}"/>
+              </a:ext>
+            </a:extLst>
+          </p:cNvPr>
+          <p:cNvSpPr txBox="1"/>
+          <p:nvPr/>
+        </p:nvSpPr>
+        <p:spPr>
+          <a:xfrm>
+            <a:off x="3008141" y="1973294"/>
+            <a:ext cx="947695" cy="369332"/>
+          </a:xfrm>
+          <a:prstGeom prst="rect">
+            <a:avLst/>
+          </a:prstGeom>
+          <a:noFill/>
+        </p:spPr>
+        <p:txBody>
+          <a:bodyPr wrap="none" rtlCol="0">
+            <a:spAutoFit/>
+          </a:bodyPr>
+          <a:lstStyle/>
+          <a:p>
+            <a:r>
+              <a:rPr lang="en-US" altLang="zh-CN" b="1" dirty="0">
+                <a:solidFill>
+                  <a:schemeClr val="bg1"/>
+                </a:solidFill>
+              </a:rPr>
+              <a:t>(x2, y2)</a:t>
+            </a:r>
+            <a:endParaRPr lang="zh-CN" altLang="en-US" b="1" dirty="0">
+              <a:solidFill>
+                <a:schemeClr val="bg1"/>
+              </a:solidFill>
+            </a:endParaRPr>
+          </a:p>
+        </p:txBody>
+      </p:sp>
+      <p:pic>
+        <p:nvPicPr>
+          <p:cNvPr id="10" name="图片 9" descr="一些人在骑自行车&#10;&#10;描述已自动生成">
+            <a:extLst>
+              <a:ext uri="{FF2B5EF4-FFF2-40B4-BE49-F238E27FC236}">
+                <a16:creationId xmlns:a16="http://schemas.microsoft.com/office/drawing/2014/main" id="{A685D494-14D0-4B0F-BBB9-ED4E9818E547}"/>
+              </a:ext>
+            </a:extLst>
+          </p:cNvPr>
+          <p:cNvPicPr>
+            <a:picLocks noChangeAspect="1"/>
+          </p:cNvPicPr>
+          <p:nvPr/>
+        </p:nvPicPr>
+        <p:blipFill>
+          <a:blip r:embed="rId2">
+            <a:extLst>
+              <a:ext uri="{28A0092B-C50C-407E-A947-70E740481C1C}">
+                <a14:useLocalDpi xmlns:a14="http://schemas.microsoft.com/office/drawing/2010/main" val="0"/>
+              </a:ext>
+            </a:extLst>
+          </a:blip>
+          <a:stretch>
+            <a:fillRect/>
+          </a:stretch>
+        </p:blipFill>
+        <p:spPr>
+          <a:xfrm>
+            <a:off x="5178229" y="794531"/>
+            <a:ext cx="3181350" cy="4762500"/>
+          </a:xfrm>
+          <a:prstGeom prst="rect">
+            <a:avLst/>
+          </a:prstGeom>
+        </p:spPr>
+      </p:pic>
+      <p:sp>
+        <p:nvSpPr>
+          <p:cNvPr id="11" name="矩形 10">
+            <a:extLst>
+              <a:ext uri="{FF2B5EF4-FFF2-40B4-BE49-F238E27FC236}">
+                <a16:creationId xmlns:a16="http://schemas.microsoft.com/office/drawing/2014/main" id="{0B45B683-A189-4118-B9AF-4450F0CC1FE4}"/>
+              </a:ext>
+            </a:extLst>
+          </p:cNvPr>
+          <p:cNvSpPr/>
+          <p:nvPr/>
+        </p:nvSpPr>
+        <p:spPr>
+          <a:xfrm>
+            <a:off x="6131168" y="874876"/>
+            <a:ext cx="998807" cy="982952"/>
+          </a:xfrm>
+          <a:prstGeom prst="rect">
+            <a:avLst/>
+          </a:prstGeom>
+          <a:noFill/>
+          <a:ln w="28575">
+            <a:solidFill>
+              <a:srgbClr val="02FFFF"/>
+            </a:solidFill>
+          </a:ln>
+        </p:spPr>
+        <p:style>
+          <a:lnRef idx="2">
+            <a:schemeClr val="accent1">
+              <a:shade val="50000"/>
+            </a:schemeClr>
+          </a:lnRef>
+          <a:fillRef idx="1">
+            <a:schemeClr val="accent1"/>
+          </a:fillRef>
+          <a:effectRef idx="0">
+            <a:schemeClr val="accent1"/>
+          </a:effectRef>
+          <a:fontRef idx="minor">
+            <a:schemeClr val="lt1"/>
+          </a:fontRef>
+        </p:style>
+        <p:txBody>
+          <a:bodyPr rtlCol="0" anchor="ctr"/>
+          <a:lstStyle/>
+          <a:p>
+            <a:pPr algn="ctr"/>
+            <a:endParaRPr lang="zh-CN" altLang="en-US" dirty="0">
+              <a:noFill/>
+            </a:endParaRPr>
+          </a:p>
+        </p:txBody>
+      </p:sp>
+      <p:sp>
+        <p:nvSpPr>
+          <p:cNvPr id="12" name="文本框 11">
+            <a:extLst>
+              <a:ext uri="{FF2B5EF4-FFF2-40B4-BE49-F238E27FC236}">
+                <a16:creationId xmlns:a16="http://schemas.microsoft.com/office/drawing/2014/main" id="{A709F2CD-1E80-4E8E-89B5-387F408D37D2}"/>
+              </a:ext>
+            </a:extLst>
+          </p:cNvPr>
+          <p:cNvSpPr txBox="1"/>
+          <p:nvPr/>
+        </p:nvSpPr>
+        <p:spPr>
+          <a:xfrm>
+            <a:off x="6450874" y="465372"/>
+            <a:ext cx="359394" cy="369332"/>
+          </a:xfrm>
+          <a:prstGeom prst="rect">
+            <a:avLst/>
+          </a:prstGeom>
+          <a:noFill/>
+        </p:spPr>
+        <p:txBody>
+          <a:bodyPr wrap="none" rtlCol="0">
+            <a:spAutoFit/>
+          </a:bodyPr>
+          <a:lstStyle/>
+          <a:p>
+            <a:r>
+              <a:rPr lang="en-US" altLang="zh-CN" b="1" dirty="0"/>
+              <a:t>w</a:t>
+            </a:r>
+            <a:endParaRPr lang="zh-CN" altLang="en-US" b="1" dirty="0"/>
+          </a:p>
+        </p:txBody>
+      </p:sp>
+      <p:sp>
+        <p:nvSpPr>
+          <p:cNvPr id="13" name="文本框 12">
+            <a:extLst>
+              <a:ext uri="{FF2B5EF4-FFF2-40B4-BE49-F238E27FC236}">
+                <a16:creationId xmlns:a16="http://schemas.microsoft.com/office/drawing/2014/main" id="{59961D3A-1AB7-462C-AD85-4264955B89A8}"/>
+              </a:ext>
+            </a:extLst>
+          </p:cNvPr>
+          <p:cNvSpPr txBox="1"/>
+          <p:nvPr/>
+        </p:nvSpPr>
+        <p:spPr>
+          <a:xfrm>
+            <a:off x="7129975" y="1181686"/>
+            <a:ext cx="319318" cy="369332"/>
+          </a:xfrm>
+          <a:prstGeom prst="rect">
+            <a:avLst/>
+          </a:prstGeom>
+          <a:noFill/>
+        </p:spPr>
+        <p:txBody>
+          <a:bodyPr wrap="none" rtlCol="0">
+            <a:spAutoFit/>
+          </a:bodyPr>
+          <a:lstStyle/>
+          <a:p>
+            <a:r>
+              <a:rPr lang="en-US" altLang="zh-CN" b="1" dirty="0">
+                <a:solidFill>
+                  <a:schemeClr val="bg1"/>
+                </a:solidFill>
+              </a:rPr>
+              <a:t>h</a:t>
+            </a:r>
+            <a:endParaRPr lang="zh-CN" altLang="en-US" b="1" dirty="0">
+              <a:solidFill>
+                <a:schemeClr val="bg1"/>
+              </a:solidFill>
+            </a:endParaRPr>
+          </a:p>
+        </p:txBody>
+      </p:sp>
+      <p:sp>
+        <p:nvSpPr>
+          <p:cNvPr id="14" name="椭圆 13">
+            <a:extLst>
+              <a:ext uri="{FF2B5EF4-FFF2-40B4-BE49-F238E27FC236}">
+                <a16:creationId xmlns:a16="http://schemas.microsoft.com/office/drawing/2014/main" id="{98C2973E-59A4-4726-9E0A-CBEB614B0E9B}"/>
+              </a:ext>
+            </a:extLst>
+          </p:cNvPr>
+          <p:cNvSpPr/>
+          <p:nvPr/>
+        </p:nvSpPr>
+        <p:spPr>
+          <a:xfrm>
+            <a:off x="6576572" y="1366352"/>
+            <a:ext cx="108000" cy="108000"/>
+          </a:xfrm>
+          <a:prstGeom prst="ellipse">
+            <a:avLst/>
+          </a:prstGeom>
+          <a:solidFill>
+            <a:srgbClr val="02FFFF"/>
+          </a:solidFill>
+          <a:ln>
+            <a:noFill/>
+          </a:ln>
+        </p:spPr>
+        <p:style>
+          <a:lnRef idx="2">
+            <a:schemeClr val="accent1">
+              <a:shade val="50000"/>
+            </a:schemeClr>
+          </a:lnRef>
+          <a:fillRef idx="1">
+            <a:schemeClr val="accent1"/>
+          </a:fillRef>
+          <a:effectRef idx="0">
+            <a:schemeClr val="accent1"/>
+          </a:effectRef>
+          <a:fontRef idx="minor">
+            <a:schemeClr val="lt1"/>
+          </a:fontRef>
+        </p:style>
+        <p:txBody>
+          <a:bodyPr rtlCol="0" anchor="ctr"/>
+          <a:lstStyle/>
+          <a:p>
+            <a:pPr algn="ctr"/>
+            <a:endParaRPr lang="zh-CN" altLang="en-US"/>
+          </a:p>
+        </p:txBody>
+      </p:sp>
+      <p:sp>
+        <p:nvSpPr>
+          <p:cNvPr id="15" name="文本框 14">
+            <a:extLst>
+              <a:ext uri="{FF2B5EF4-FFF2-40B4-BE49-F238E27FC236}">
+                <a16:creationId xmlns:a16="http://schemas.microsoft.com/office/drawing/2014/main" id="{CF11CFED-C83C-41A4-A94E-ECBEBB4B4799}"/>
+              </a:ext>
+            </a:extLst>
+          </p:cNvPr>
+          <p:cNvSpPr txBox="1"/>
+          <p:nvPr/>
+        </p:nvSpPr>
+        <p:spPr>
+          <a:xfrm>
+            <a:off x="6284964" y="935948"/>
+            <a:ext cx="691215" cy="369332"/>
+          </a:xfrm>
+          <a:prstGeom prst="rect">
+            <a:avLst/>
+          </a:prstGeom>
+          <a:noFill/>
+        </p:spPr>
+        <p:txBody>
+          <a:bodyPr wrap="none" rtlCol="0">
+            <a:spAutoFit/>
+          </a:bodyPr>
+          <a:lstStyle/>
+          <a:p>
+            <a:r>
+              <a:rPr lang="en-US" altLang="zh-CN" b="1" dirty="0">
+                <a:solidFill>
+                  <a:schemeClr val="bg1"/>
+                </a:solidFill>
+              </a:rPr>
+              <a:t>(x, y)</a:t>
+            </a:r>
+            <a:endParaRPr lang="zh-CN" altLang="en-US" b="1" dirty="0">
+              <a:solidFill>
+                <a:schemeClr val="bg1"/>
+              </a:solidFill>
+            </a:endParaRPr>
+          </a:p>
+        </p:txBody>
+      </p:sp>
+    </p:spTree>
+    <p:extLst>
+      <p:ext uri="{BB962C8B-B14F-4D97-AF65-F5344CB8AC3E}">
+        <p14:creationId xmlns:p14="http://schemas.microsoft.com/office/powerpoint/2010/main" val="4242392892"/>
+      </p:ext>
+    </p:extLst>
+  </p:cSld>
+  <p:clrMapOvr>
+    <a:masterClrMapping/>
+  </p:clrMapOvr>
+</p:sld>
+</file>
+
+<file path=ppt/slides/slide6.xml><?xml version="1.0" encoding="utf-8"?>
+<p:sld xmlns:a="http://schemas.openxmlformats.org/drawingml/2006/main" xmlns:r="http://schemas.openxmlformats.org/officeDocument/2006/relationships" xmlns:p="http://schemas.openxmlformats.org/presentationml/2006/main">
+  <p:cSld>
+    <p:spTree>
+      <p:nvGrpSpPr>
+        <p:cNvPr id="1" name=""/>
+        <p:cNvGrpSpPr/>
+        <p:nvPr/>
+      </p:nvGrpSpPr>
+      <p:grpSpPr>
+        <a:xfrm>
+          <a:off x="0" y="0"/>
+          <a:ext cx="0" cy="0"/>
+          <a:chOff x="0" y="0"/>
+          <a:chExt cx="0" cy="0"/>
+        </a:xfrm>
+      </p:grpSpPr>
+      <p:sp>
+        <p:nvSpPr>
+          <p:cNvPr id="5" name="矩形 4">
+            <a:extLst>
+              <a:ext uri="{FF2B5EF4-FFF2-40B4-BE49-F238E27FC236}">
+                <a16:creationId xmlns:a16="http://schemas.microsoft.com/office/drawing/2014/main" id="{07AD928C-21D9-4EAF-AA5D-FF3E0943AB82}"/>
+              </a:ext>
+            </a:extLst>
+          </p:cNvPr>
+          <p:cNvSpPr/>
+          <p:nvPr/>
+        </p:nvSpPr>
+        <p:spPr>
+          <a:xfrm>
+            <a:off x="1471386" y="3679031"/>
+            <a:ext cx="1401354" cy="199911"/>
+          </a:xfrm>
+          <a:prstGeom prst="rect">
+            <a:avLst/>
+          </a:prstGeom>
+          <a:scene3d>
+            <a:camera prst="obliqueTopRight"/>
+            <a:lightRig rig="brightRoom" dir="t"/>
+          </a:scene3d>
+          <a:sp3d extrusionH="2540000" contourW="12700" prstMaterial="matte"/>
+        </p:spPr>
+        <p:style>
+          <a:lnRef idx="2">
+            <a:schemeClr val="accent1">
+              <a:shade val="50000"/>
+            </a:schemeClr>
+          </a:lnRef>
+          <a:fillRef idx="1">
+            <a:schemeClr val="accent1"/>
+          </a:fillRef>
+          <a:effectRef idx="0">
+            <a:schemeClr val="accent1"/>
+          </a:effectRef>
+          <a:fontRef idx="minor">
+            <a:schemeClr val="lt1"/>
+          </a:fontRef>
+        </p:style>
+        <p:txBody>
+          <a:bodyPr rtlCol="0" anchor="ctr"/>
+          <a:lstStyle/>
+          <a:p>
+            <a:pPr algn="ctr"/>
+            <a:endParaRPr lang="zh-CN" altLang="en-US"/>
+          </a:p>
+        </p:txBody>
+      </p:sp>
+      <p:cxnSp>
+        <p:nvCxnSpPr>
+          <p:cNvPr id="11" name="直接箭头连接符 10">
+            <a:extLst>
+              <a:ext uri="{FF2B5EF4-FFF2-40B4-BE49-F238E27FC236}">
+                <a16:creationId xmlns:a16="http://schemas.microsoft.com/office/drawing/2014/main" id="{6EE634DD-1616-4B00-9A0D-6A5137CD57AD}"/>
+              </a:ext>
+            </a:extLst>
+          </p:cNvPr>
+          <p:cNvCxnSpPr/>
+          <p:nvPr/>
+        </p:nvCxnSpPr>
+        <p:spPr>
+          <a:xfrm>
+            <a:off x="2191476" y="3241504"/>
+            <a:ext cx="0" cy="304800"/>
+          </a:xfrm>
+          <a:prstGeom prst="straightConnector1">
+            <a:avLst/>
+          </a:prstGeom>
+          <a:ln>
+            <a:solidFill>
+              <a:schemeClr val="tx1"/>
+            </a:solidFill>
+            <a:tailEnd type="triangle"/>
+          </a:ln>
+        </p:spPr>
+        <p:style>
+          <a:lnRef idx="1">
+            <a:schemeClr val="accent1"/>
+          </a:lnRef>
+          <a:fillRef idx="0">
+            <a:schemeClr val="accent1"/>
+          </a:fillRef>
+          <a:effectRef idx="0">
+            <a:schemeClr val="accent1"/>
+          </a:effectRef>
+          <a:fontRef idx="minor">
+            <a:schemeClr val="tx1"/>
+          </a:fontRef>
+        </p:style>
+      </p:cxnSp>
+      <p:sp>
+        <p:nvSpPr>
+          <p:cNvPr id="6" name="矩形 5">
+            <a:extLst>
+              <a:ext uri="{FF2B5EF4-FFF2-40B4-BE49-F238E27FC236}">
+                <a16:creationId xmlns:a16="http://schemas.microsoft.com/office/drawing/2014/main" id="{C1903EAF-D12B-4F9E-9D65-C735974D325F}"/>
+              </a:ext>
+            </a:extLst>
+          </p:cNvPr>
+          <p:cNvSpPr/>
+          <p:nvPr/>
+        </p:nvSpPr>
+        <p:spPr>
+          <a:xfrm>
+            <a:off x="1660344" y="3175566"/>
+            <a:ext cx="1062264" cy="199912"/>
+          </a:xfrm>
+          <a:prstGeom prst="rect">
+            <a:avLst/>
+          </a:prstGeom>
+          <a:scene3d>
+            <a:camera prst="obliqueTopRight"/>
+            <a:lightRig rig="brightRoom" dir="t"/>
+          </a:scene3d>
+          <a:sp3d extrusionH="1905000" contourW="12700" prstMaterial="matte"/>
+        </p:spPr>
+        <p:style>
+          <a:lnRef idx="2">
+            <a:schemeClr val="accent1">
+              <a:shade val="50000"/>
+            </a:schemeClr>
+          </a:lnRef>
+          <a:fillRef idx="1">
+            <a:schemeClr val="accent1"/>
+          </a:fillRef>
+          <a:effectRef idx="0">
+            <a:schemeClr val="accent1"/>
+          </a:effectRef>
+          <a:fontRef idx="minor">
+            <a:schemeClr val="lt1"/>
+          </a:fontRef>
+        </p:style>
+        <p:txBody>
+          <a:bodyPr rtlCol="0" anchor="ctr"/>
+          <a:lstStyle/>
+          <a:p>
+            <a:pPr algn="ctr"/>
+            <a:endParaRPr lang="zh-CN" altLang="en-US"/>
+          </a:p>
+        </p:txBody>
+      </p:sp>
+      <p:cxnSp>
+        <p:nvCxnSpPr>
+          <p:cNvPr id="10" name="直接箭头连接符 9">
+            <a:extLst>
+              <a:ext uri="{FF2B5EF4-FFF2-40B4-BE49-F238E27FC236}">
+                <a16:creationId xmlns:a16="http://schemas.microsoft.com/office/drawing/2014/main" id="{79B3A2EC-BC21-456D-993E-7EE8A9F9EA9E}"/>
+              </a:ext>
+            </a:extLst>
+          </p:cNvPr>
+          <p:cNvCxnSpPr/>
+          <p:nvPr/>
+        </p:nvCxnSpPr>
+        <p:spPr>
+          <a:xfrm>
+            <a:off x="2191476" y="2733504"/>
+            <a:ext cx="0" cy="304800"/>
+          </a:xfrm>
+          <a:prstGeom prst="straightConnector1">
+            <a:avLst/>
+          </a:prstGeom>
+          <a:ln>
+            <a:solidFill>
+              <a:schemeClr val="tx1"/>
+            </a:solidFill>
+            <a:tailEnd type="triangle"/>
+          </a:ln>
+        </p:spPr>
+        <p:style>
+          <a:lnRef idx="1">
+            <a:schemeClr val="accent1"/>
+          </a:lnRef>
+          <a:fillRef idx="0">
+            <a:schemeClr val="accent1"/>
+          </a:fillRef>
+          <a:effectRef idx="0">
+            <a:schemeClr val="accent1"/>
+          </a:effectRef>
+          <a:fontRef idx="minor">
+            <a:schemeClr val="tx1"/>
+          </a:fontRef>
+        </p:style>
+      </p:cxnSp>
+      <p:sp>
+        <p:nvSpPr>
+          <p:cNvPr id="7" name="矩形 6">
+            <a:extLst>
+              <a:ext uri="{FF2B5EF4-FFF2-40B4-BE49-F238E27FC236}">
+                <a16:creationId xmlns:a16="http://schemas.microsoft.com/office/drawing/2014/main" id="{09176EE2-B36D-41BF-B753-45ACCCB55121}"/>
+              </a:ext>
+            </a:extLst>
+          </p:cNvPr>
+          <p:cNvSpPr/>
+          <p:nvPr/>
+        </p:nvSpPr>
+        <p:spPr>
+          <a:xfrm>
+            <a:off x="1835241" y="2633548"/>
+            <a:ext cx="673644" cy="199912"/>
+          </a:xfrm>
+          <a:prstGeom prst="rect">
+            <a:avLst/>
+          </a:prstGeom>
+          <a:scene3d>
+            <a:camera prst="obliqueTopRight"/>
+            <a:lightRig rig="brightRoom" dir="t"/>
+          </a:scene3d>
+          <a:sp3d extrusionH="1270000" contourW="12700" prstMaterial="matte"/>
+        </p:spPr>
+        <p:style>
+          <a:lnRef idx="2">
+            <a:schemeClr val="accent1">
+              <a:shade val="50000"/>
+            </a:schemeClr>
+          </a:lnRef>
+          <a:fillRef idx="1">
+            <a:schemeClr val="accent1"/>
+          </a:fillRef>
+          <a:effectRef idx="0">
+            <a:schemeClr val="accent1"/>
+          </a:effectRef>
+          <a:fontRef idx="minor">
+            <a:schemeClr val="lt1"/>
+          </a:fontRef>
+        </p:style>
+        <p:txBody>
+          <a:bodyPr rtlCol="0" anchor="ctr"/>
+          <a:lstStyle/>
+          <a:p>
+            <a:pPr algn="ctr"/>
+            <a:endParaRPr lang="zh-CN" altLang="en-US"/>
+          </a:p>
+        </p:txBody>
+      </p:sp>
+      <p:cxnSp>
+        <p:nvCxnSpPr>
+          <p:cNvPr id="9" name="直接箭头连接符 8">
+            <a:extLst>
+              <a:ext uri="{FF2B5EF4-FFF2-40B4-BE49-F238E27FC236}">
+                <a16:creationId xmlns:a16="http://schemas.microsoft.com/office/drawing/2014/main" id="{0B6F1275-2831-4A19-A220-E4F346227060}"/>
+              </a:ext>
+            </a:extLst>
+          </p:cNvPr>
+          <p:cNvCxnSpPr/>
+          <p:nvPr/>
+        </p:nvCxnSpPr>
+        <p:spPr>
+          <a:xfrm>
+            <a:off x="2191476" y="2264227"/>
+            <a:ext cx="0" cy="304800"/>
+          </a:xfrm>
+          <a:prstGeom prst="straightConnector1">
+            <a:avLst/>
+          </a:prstGeom>
+          <a:ln>
+            <a:solidFill>
+              <a:schemeClr val="tx1"/>
+            </a:solidFill>
+            <a:tailEnd type="triangle"/>
+          </a:ln>
+        </p:spPr>
+        <p:style>
+          <a:lnRef idx="1">
+            <a:schemeClr val="accent1"/>
+          </a:lnRef>
+          <a:fillRef idx="0">
+            <a:schemeClr val="accent1"/>
+          </a:fillRef>
+          <a:effectRef idx="0">
+            <a:schemeClr val="accent1"/>
+          </a:effectRef>
+          <a:fontRef idx="minor">
+            <a:schemeClr val="tx1"/>
+          </a:fontRef>
+        </p:style>
+      </p:cxnSp>
+      <p:sp>
+        <p:nvSpPr>
+          <p:cNvPr id="4" name="矩形 3">
+            <a:extLst>
+              <a:ext uri="{FF2B5EF4-FFF2-40B4-BE49-F238E27FC236}">
+                <a16:creationId xmlns:a16="http://schemas.microsoft.com/office/drawing/2014/main" id="{4D367F46-2A09-4CD5-9843-76262BD4E2F8}"/>
+              </a:ext>
+            </a:extLst>
+          </p:cNvPr>
+          <p:cNvSpPr/>
+          <p:nvPr/>
+        </p:nvSpPr>
+        <p:spPr>
+          <a:xfrm>
+            <a:off x="1930219" y="2217057"/>
+            <a:ext cx="522514" cy="148770"/>
+          </a:xfrm>
+          <a:prstGeom prst="rect">
+            <a:avLst/>
+          </a:prstGeom>
+          <a:scene3d>
+            <a:camera prst="obliqueTopRight"/>
+            <a:lightRig rig="brightRoom" dir="t"/>
+          </a:scene3d>
+          <a:sp3d extrusionH="762000" contourW="12700" prstMaterial="matte"/>
+        </p:spPr>
+        <p:style>
+          <a:lnRef idx="2">
+            <a:schemeClr val="accent1">
+              <a:shade val="50000"/>
+            </a:schemeClr>
+          </a:lnRef>
+          <a:fillRef idx="1">
+            <a:schemeClr val="accent1"/>
+          </a:fillRef>
+          <a:effectRef idx="0">
+            <a:schemeClr val="accent1"/>
+          </a:effectRef>
+          <a:fontRef idx="minor">
+            <a:schemeClr val="lt1"/>
+          </a:fontRef>
+        </p:style>
+        <p:txBody>
+          <a:bodyPr rtlCol="0" anchor="ctr"/>
+          <a:lstStyle/>
+          <a:p>
+            <a:pPr algn="ctr"/>
+            <a:endParaRPr lang="zh-CN" altLang="en-US"/>
+          </a:p>
+        </p:txBody>
+      </p:sp>
+      <p:sp>
+        <p:nvSpPr>
+          <p:cNvPr id="17" name="矩形 16">
+            <a:extLst>
+              <a:ext uri="{FF2B5EF4-FFF2-40B4-BE49-F238E27FC236}">
+                <a16:creationId xmlns:a16="http://schemas.microsoft.com/office/drawing/2014/main" id="{6DFE9EC9-01AB-4B70-BED5-52CF9BA6230B}"/>
+              </a:ext>
+            </a:extLst>
+          </p:cNvPr>
+          <p:cNvSpPr/>
+          <p:nvPr/>
+        </p:nvSpPr>
+        <p:spPr>
+          <a:xfrm>
+            <a:off x="4221617" y="3446348"/>
+            <a:ext cx="1062264" cy="199912"/>
+          </a:xfrm>
+          <a:prstGeom prst="rect">
+            <a:avLst/>
+          </a:prstGeom>
+          <a:scene3d>
+            <a:camera prst="obliqueTopRight"/>
+            <a:lightRig rig="brightRoom" dir="t"/>
+          </a:scene3d>
+          <a:sp3d extrusionH="1905000" contourW="12700" prstMaterial="matte"/>
+        </p:spPr>
+        <p:style>
+          <a:lnRef idx="2">
+            <a:schemeClr val="accent1">
+              <a:shade val="50000"/>
+            </a:schemeClr>
+          </a:lnRef>
+          <a:fillRef idx="1">
+            <a:schemeClr val="accent1"/>
+          </a:fillRef>
+          <a:effectRef idx="0">
+            <a:schemeClr val="accent1"/>
+          </a:effectRef>
+          <a:fontRef idx="minor">
+            <a:schemeClr val="lt1"/>
+          </a:fontRef>
+        </p:style>
+        <p:txBody>
+          <a:bodyPr rtlCol="0" anchor="ctr"/>
+          <a:lstStyle/>
+          <a:p>
+            <a:pPr algn="ctr"/>
+            <a:endParaRPr lang="zh-CN" altLang="en-US"/>
+          </a:p>
+        </p:txBody>
+      </p:sp>
+      <p:cxnSp>
+        <p:nvCxnSpPr>
+          <p:cNvPr id="18" name="直接箭头连接符 17">
+            <a:extLst>
+              <a:ext uri="{FF2B5EF4-FFF2-40B4-BE49-F238E27FC236}">
+                <a16:creationId xmlns:a16="http://schemas.microsoft.com/office/drawing/2014/main" id="{B31A0236-9CC2-47BB-B669-1D68ADE46AD5}"/>
+              </a:ext>
+            </a:extLst>
+          </p:cNvPr>
+          <p:cNvCxnSpPr/>
+          <p:nvPr/>
+        </p:nvCxnSpPr>
+        <p:spPr>
+          <a:xfrm>
+            <a:off x="4752749" y="3004286"/>
+            <a:ext cx="0" cy="304800"/>
+          </a:xfrm>
+          <a:prstGeom prst="straightConnector1">
+            <a:avLst/>
+          </a:prstGeom>
+          <a:ln>
+            <a:solidFill>
+              <a:schemeClr val="tx1"/>
+            </a:solidFill>
+            <a:tailEnd type="triangle"/>
+          </a:ln>
+        </p:spPr>
+        <p:style>
+          <a:lnRef idx="1">
+            <a:schemeClr val="accent1"/>
+          </a:lnRef>
+          <a:fillRef idx="0">
+            <a:schemeClr val="accent1"/>
+          </a:fillRef>
+          <a:effectRef idx="0">
+            <a:schemeClr val="accent1"/>
+          </a:effectRef>
+          <a:fontRef idx="minor">
+            <a:schemeClr val="tx1"/>
+          </a:fontRef>
+        </p:style>
+      </p:cxnSp>
+      <p:sp>
+        <p:nvSpPr>
+          <p:cNvPr id="19" name="矩形 18">
+            <a:extLst>
+              <a:ext uri="{FF2B5EF4-FFF2-40B4-BE49-F238E27FC236}">
+                <a16:creationId xmlns:a16="http://schemas.microsoft.com/office/drawing/2014/main" id="{3E87ADD3-0DD8-4E59-B1D4-42405EF6A776}"/>
+              </a:ext>
+            </a:extLst>
+          </p:cNvPr>
+          <p:cNvSpPr/>
+          <p:nvPr/>
+        </p:nvSpPr>
+        <p:spPr>
+          <a:xfrm>
+            <a:off x="4396514" y="2904330"/>
+            <a:ext cx="673644" cy="199912"/>
+          </a:xfrm>
+          <a:prstGeom prst="rect">
+            <a:avLst/>
+          </a:prstGeom>
+          <a:scene3d>
+            <a:camera prst="obliqueTopRight"/>
+            <a:lightRig rig="brightRoom" dir="t"/>
+          </a:scene3d>
+          <a:sp3d extrusionH="1270000" contourW="12700" prstMaterial="matte"/>
+        </p:spPr>
+        <p:style>
+          <a:lnRef idx="2">
+            <a:schemeClr val="accent1">
+              <a:shade val="50000"/>
+            </a:schemeClr>
+          </a:lnRef>
+          <a:fillRef idx="1">
+            <a:schemeClr val="accent1"/>
+          </a:fillRef>
+          <a:effectRef idx="0">
+            <a:schemeClr val="accent1"/>
+          </a:effectRef>
+          <a:fontRef idx="minor">
+            <a:schemeClr val="lt1"/>
+          </a:fontRef>
+        </p:style>
+        <p:txBody>
+          <a:bodyPr rtlCol="0" anchor="ctr"/>
+          <a:lstStyle/>
+          <a:p>
+            <a:pPr algn="ctr"/>
+            <a:endParaRPr lang="zh-CN" altLang="en-US"/>
+          </a:p>
+        </p:txBody>
+      </p:sp>
+      <p:cxnSp>
+        <p:nvCxnSpPr>
+          <p:cNvPr id="20" name="直接箭头连接符 19">
+            <a:extLst>
+              <a:ext uri="{FF2B5EF4-FFF2-40B4-BE49-F238E27FC236}">
+                <a16:creationId xmlns:a16="http://schemas.microsoft.com/office/drawing/2014/main" id="{8B8AE754-E9F2-4C35-977D-5FA3ADA9D41F}"/>
+              </a:ext>
+            </a:extLst>
+          </p:cNvPr>
+          <p:cNvCxnSpPr/>
+          <p:nvPr/>
+        </p:nvCxnSpPr>
+        <p:spPr>
+          <a:xfrm>
+            <a:off x="4752749" y="2535009"/>
+            <a:ext cx="0" cy="304800"/>
+          </a:xfrm>
+          <a:prstGeom prst="straightConnector1">
+            <a:avLst/>
+          </a:prstGeom>
+          <a:ln>
+            <a:solidFill>
+              <a:schemeClr val="tx1"/>
+            </a:solidFill>
+            <a:tailEnd type="triangle"/>
+          </a:ln>
+        </p:spPr>
+        <p:style>
+          <a:lnRef idx="1">
+            <a:schemeClr val="accent1"/>
+          </a:lnRef>
+          <a:fillRef idx="0">
+            <a:schemeClr val="accent1"/>
+          </a:fillRef>
+          <a:effectRef idx="0">
+            <a:schemeClr val="accent1"/>
+          </a:effectRef>
+          <a:fontRef idx="minor">
+            <a:schemeClr val="tx1"/>
+          </a:fontRef>
+        </p:style>
+      </p:cxnSp>
+      <p:sp>
+        <p:nvSpPr>
+          <p:cNvPr id="21" name="矩形 20">
+            <a:extLst>
+              <a:ext uri="{FF2B5EF4-FFF2-40B4-BE49-F238E27FC236}">
+                <a16:creationId xmlns:a16="http://schemas.microsoft.com/office/drawing/2014/main" id="{28F28F60-5457-4746-A7B6-852E7253B046}"/>
+              </a:ext>
+            </a:extLst>
+          </p:cNvPr>
+          <p:cNvSpPr/>
+          <p:nvPr/>
+        </p:nvSpPr>
+        <p:spPr>
+          <a:xfrm>
+            <a:off x="4491492" y="2487839"/>
+            <a:ext cx="522514" cy="148770"/>
+          </a:xfrm>
+          <a:prstGeom prst="rect">
+            <a:avLst/>
+          </a:prstGeom>
+          <a:scene3d>
+            <a:camera prst="obliqueTopRight"/>
+            <a:lightRig rig="brightRoom" dir="t"/>
+          </a:scene3d>
+          <a:sp3d extrusionH="762000" contourW="12700" prstMaterial="matte"/>
+        </p:spPr>
+        <p:style>
+          <a:lnRef idx="2">
+            <a:schemeClr val="accent1">
+              <a:shade val="50000"/>
+            </a:schemeClr>
+          </a:lnRef>
+          <a:fillRef idx="1">
+            <a:schemeClr val="accent1"/>
+          </a:fillRef>
+          <a:effectRef idx="0">
+            <a:schemeClr val="accent1"/>
+          </a:effectRef>
+          <a:fontRef idx="minor">
+            <a:schemeClr val="lt1"/>
+          </a:fontRef>
+        </p:style>
+        <p:txBody>
+          <a:bodyPr rtlCol="0" anchor="ctr"/>
+          <a:lstStyle/>
+          <a:p>
+            <a:pPr algn="ctr"/>
+            <a:endParaRPr lang="zh-CN" altLang="en-US"/>
+          </a:p>
+        </p:txBody>
+      </p:sp>
+      <p:sp>
+        <p:nvSpPr>
+          <p:cNvPr id="22" name="矩形 21">
+            <a:extLst>
+              <a:ext uri="{FF2B5EF4-FFF2-40B4-BE49-F238E27FC236}">
+                <a16:creationId xmlns:a16="http://schemas.microsoft.com/office/drawing/2014/main" id="{56627CE7-4E65-4F10-AD32-2FCA886B8550}"/>
+              </a:ext>
+            </a:extLst>
+          </p:cNvPr>
+          <p:cNvSpPr/>
+          <p:nvPr/>
+        </p:nvSpPr>
+        <p:spPr>
+          <a:xfrm>
+            <a:off x="6530251" y="3446348"/>
+            <a:ext cx="1062264" cy="199912"/>
+          </a:xfrm>
+          <a:prstGeom prst="rect">
+            <a:avLst/>
+          </a:prstGeom>
+          <a:scene3d>
+            <a:camera prst="obliqueTopRight"/>
+            <a:lightRig rig="brightRoom" dir="t"/>
+          </a:scene3d>
+          <a:sp3d extrusionH="1905000" contourW="12700" prstMaterial="matte"/>
+        </p:spPr>
+        <p:style>
+          <a:lnRef idx="2">
+            <a:schemeClr val="accent1">
+              <a:shade val="50000"/>
+            </a:schemeClr>
+          </a:lnRef>
+          <a:fillRef idx="1">
+            <a:schemeClr val="accent1"/>
+          </a:fillRef>
+          <a:effectRef idx="0">
+            <a:schemeClr val="accent1"/>
+          </a:effectRef>
+          <a:fontRef idx="minor">
+            <a:schemeClr val="lt1"/>
+          </a:fontRef>
+        </p:style>
+        <p:txBody>
+          <a:bodyPr rtlCol="0" anchor="ctr"/>
+          <a:lstStyle/>
+          <a:p>
+            <a:pPr algn="ctr"/>
+            <a:endParaRPr lang="zh-CN" altLang="en-US"/>
+          </a:p>
+        </p:txBody>
+      </p:sp>
+      <p:sp>
+        <p:nvSpPr>
+          <p:cNvPr id="24" name="矩形 23">
+            <a:extLst>
+              <a:ext uri="{FF2B5EF4-FFF2-40B4-BE49-F238E27FC236}">
+                <a16:creationId xmlns:a16="http://schemas.microsoft.com/office/drawing/2014/main" id="{31B0D6D2-83D8-4D28-BB8D-673F35C8DA15}"/>
+              </a:ext>
+            </a:extLst>
+          </p:cNvPr>
+          <p:cNvSpPr/>
+          <p:nvPr/>
+        </p:nvSpPr>
+        <p:spPr>
+          <a:xfrm>
+            <a:off x="6705148" y="2904330"/>
+            <a:ext cx="673644" cy="199912"/>
+          </a:xfrm>
+          <a:prstGeom prst="rect">
+            <a:avLst/>
+          </a:prstGeom>
+          <a:scene3d>
+            <a:camera prst="obliqueTopRight"/>
+            <a:lightRig rig="brightRoom" dir="t"/>
+          </a:scene3d>
+          <a:sp3d extrusionH="1270000" contourW="12700" prstMaterial="matte"/>
+        </p:spPr>
+        <p:style>
+          <a:lnRef idx="2">
+            <a:schemeClr val="accent1">
+              <a:shade val="50000"/>
+            </a:schemeClr>
+          </a:lnRef>
+          <a:fillRef idx="1">
+            <a:schemeClr val="accent1"/>
+          </a:fillRef>
+          <a:effectRef idx="0">
+            <a:schemeClr val="accent1"/>
+          </a:effectRef>
+          <a:fontRef idx="minor">
+            <a:schemeClr val="lt1"/>
+          </a:fontRef>
+        </p:style>
+        <p:txBody>
+          <a:bodyPr rtlCol="0" anchor="ctr"/>
+          <a:lstStyle/>
+          <a:p>
+            <a:pPr algn="ctr"/>
+            <a:endParaRPr lang="zh-CN" altLang="en-US"/>
+          </a:p>
+        </p:txBody>
+      </p:sp>
+      <p:sp>
+        <p:nvSpPr>
+          <p:cNvPr id="26" name="矩形 25">
+            <a:extLst>
+              <a:ext uri="{FF2B5EF4-FFF2-40B4-BE49-F238E27FC236}">
+                <a16:creationId xmlns:a16="http://schemas.microsoft.com/office/drawing/2014/main" id="{C69F7BF1-185A-4A0A-8161-A04337F9C870}"/>
+              </a:ext>
+            </a:extLst>
+          </p:cNvPr>
+          <p:cNvSpPr/>
+          <p:nvPr/>
+        </p:nvSpPr>
+        <p:spPr>
+          <a:xfrm>
+            <a:off x="6800126" y="2487839"/>
+            <a:ext cx="522514" cy="148770"/>
+          </a:xfrm>
+          <a:prstGeom prst="rect">
+            <a:avLst/>
+          </a:prstGeom>
+          <a:scene3d>
+            <a:camera prst="obliqueTopRight"/>
+            <a:lightRig rig="brightRoom" dir="t"/>
+          </a:scene3d>
+          <a:sp3d extrusionH="762000" contourW="12700" prstMaterial="matte"/>
+        </p:spPr>
+        <p:style>
+          <a:lnRef idx="2">
+            <a:schemeClr val="accent1">
+              <a:shade val="50000"/>
+            </a:schemeClr>
+          </a:lnRef>
+          <a:fillRef idx="1">
+            <a:schemeClr val="accent1"/>
+          </a:fillRef>
+          <a:effectRef idx="0">
+            <a:schemeClr val="accent1"/>
+          </a:effectRef>
+          <a:fontRef idx="minor">
+            <a:schemeClr val="lt1"/>
+          </a:fontRef>
+        </p:style>
+        <p:txBody>
+          <a:bodyPr rtlCol="0" anchor="ctr"/>
+          <a:lstStyle/>
+          <a:p>
+            <a:pPr algn="ctr"/>
+            <a:endParaRPr lang="zh-CN" altLang="en-US"/>
+          </a:p>
+        </p:txBody>
+      </p:sp>
+      <p:cxnSp>
+        <p:nvCxnSpPr>
+          <p:cNvPr id="28" name="连接符: 肘形 27">
+            <a:extLst>
+              <a:ext uri="{FF2B5EF4-FFF2-40B4-BE49-F238E27FC236}">
+                <a16:creationId xmlns:a16="http://schemas.microsoft.com/office/drawing/2014/main" id="{5A84EF69-D348-4434-9D25-571C600932D0}"/>
+              </a:ext>
+            </a:extLst>
+          </p:cNvPr>
+          <p:cNvCxnSpPr>
+            <a:stCxn id="4" idx="3"/>
+            <a:endCxn id="21" idx="1"/>
+          </p:cNvCxnSpPr>
+          <p:nvPr/>
+        </p:nvCxnSpPr>
+        <p:spPr>
+          <a:xfrm>
+            <a:off x="2452733" y="2291442"/>
+            <a:ext cx="2038759" cy="270782"/>
+          </a:xfrm>
+          <a:prstGeom prst="bentConnector3">
+            <a:avLst/>
+          </a:prstGeom>
+          <a:ln>
+            <a:tailEnd type="triangle"/>
+          </a:ln>
+        </p:spPr>
+        <p:style>
+          <a:lnRef idx="1">
+            <a:schemeClr val="accent1"/>
+          </a:lnRef>
+          <a:fillRef idx="0">
+            <a:schemeClr val="accent1"/>
+          </a:fillRef>
+          <a:effectRef idx="0">
+            <a:schemeClr val="accent1"/>
+          </a:effectRef>
+          <a:fontRef idx="minor">
+            <a:schemeClr val="tx1"/>
+          </a:fontRef>
+        </p:style>
+      </p:cxnSp>
+      <p:cxnSp>
+        <p:nvCxnSpPr>
+          <p:cNvPr id="30" name="连接符: 肘形 29">
+            <a:extLst>
+              <a:ext uri="{FF2B5EF4-FFF2-40B4-BE49-F238E27FC236}">
+                <a16:creationId xmlns:a16="http://schemas.microsoft.com/office/drawing/2014/main" id="{28A03E99-7990-4788-9FD9-AA0B0E2AACF8}"/>
+              </a:ext>
+            </a:extLst>
+          </p:cNvPr>
+          <p:cNvCxnSpPr>
+            <a:cxnSpLocks/>
+            <a:stCxn id="7" idx="3"/>
+            <a:endCxn id="19" idx="1"/>
+          </p:cNvCxnSpPr>
+          <p:nvPr/>
+        </p:nvCxnSpPr>
+        <p:spPr>
+          <a:xfrm>
+            <a:off x="2508885" y="2733504"/>
+            <a:ext cx="1887629" cy="270782"/>
+          </a:xfrm>
+          <a:prstGeom prst="bentConnector3">
+            <a:avLst/>
+          </a:prstGeom>
+          <a:ln>
+            <a:tailEnd type="triangle"/>
+          </a:ln>
+        </p:spPr>
+        <p:style>
+          <a:lnRef idx="1">
+            <a:schemeClr val="accent1"/>
+          </a:lnRef>
+          <a:fillRef idx="0">
+            <a:schemeClr val="accent1"/>
+          </a:fillRef>
+          <a:effectRef idx="0">
+            <a:schemeClr val="accent1"/>
+          </a:effectRef>
+          <a:fontRef idx="minor">
+            <a:schemeClr val="tx1"/>
+          </a:fontRef>
+        </p:style>
+      </p:cxnSp>
+      <p:cxnSp>
+        <p:nvCxnSpPr>
+          <p:cNvPr id="33" name="连接符: 肘形 32">
+            <a:extLst>
+              <a:ext uri="{FF2B5EF4-FFF2-40B4-BE49-F238E27FC236}">
+                <a16:creationId xmlns:a16="http://schemas.microsoft.com/office/drawing/2014/main" id="{34C2EFB8-91C4-4805-83F0-0DC15DFF9151}"/>
+              </a:ext>
+            </a:extLst>
+          </p:cNvPr>
+          <p:cNvCxnSpPr>
+            <a:cxnSpLocks/>
+            <a:stCxn id="6" idx="3"/>
+            <a:endCxn id="17" idx="1"/>
+          </p:cNvCxnSpPr>
+          <p:nvPr/>
+        </p:nvCxnSpPr>
+        <p:spPr>
+          <a:xfrm>
+            <a:off x="2722608" y="3275522"/>
+            <a:ext cx="1499009" cy="270782"/>
+          </a:xfrm>
+          <a:prstGeom prst="bentConnector3">
+            <a:avLst/>
+          </a:prstGeom>
+          <a:ln>
+            <a:tailEnd type="triangle"/>
+          </a:ln>
+        </p:spPr>
+        <p:style>
+          <a:lnRef idx="1">
+            <a:schemeClr val="accent1"/>
+          </a:lnRef>
+          <a:fillRef idx="0">
+            <a:schemeClr val="accent1"/>
+          </a:fillRef>
+          <a:effectRef idx="0">
+            <a:schemeClr val="accent1"/>
+          </a:effectRef>
+          <a:fontRef idx="minor">
+            <a:schemeClr val="tx1"/>
+          </a:fontRef>
+        </p:style>
+      </p:cxnSp>
+      <p:cxnSp>
+        <p:nvCxnSpPr>
+          <p:cNvPr id="37" name="直接箭头连接符 36">
+            <a:extLst>
+              <a:ext uri="{FF2B5EF4-FFF2-40B4-BE49-F238E27FC236}">
+                <a16:creationId xmlns:a16="http://schemas.microsoft.com/office/drawing/2014/main" id="{754C7905-2DC0-41B6-AF20-844AD0E9AB85}"/>
+              </a:ext>
+            </a:extLst>
+          </p:cNvPr>
+          <p:cNvCxnSpPr>
+            <a:stCxn id="21" idx="3"/>
+            <a:endCxn id="26" idx="1"/>
+          </p:cNvCxnSpPr>
+          <p:nvPr/>
+        </p:nvCxnSpPr>
+        <p:spPr>
+          <a:xfrm>
+            <a:off x="5014006" y="2562224"/>
+            <a:ext cx="1786120" cy="0"/>
+          </a:xfrm>
+          <a:prstGeom prst="straightConnector1">
+            <a:avLst/>
+          </a:prstGeom>
+          <a:ln>
+            <a:tailEnd type="triangle"/>
+          </a:ln>
+        </p:spPr>
+        <p:style>
+          <a:lnRef idx="1">
+            <a:schemeClr val="accent1"/>
+          </a:lnRef>
+          <a:fillRef idx="0">
+            <a:schemeClr val="accent1"/>
+          </a:fillRef>
+          <a:effectRef idx="0">
+            <a:schemeClr val="accent1"/>
+          </a:effectRef>
+          <a:fontRef idx="minor">
+            <a:schemeClr val="tx1"/>
+          </a:fontRef>
+        </p:style>
+      </p:cxnSp>
+      <p:cxnSp>
+        <p:nvCxnSpPr>
+          <p:cNvPr id="39" name="直接箭头连接符 38">
+            <a:extLst>
+              <a:ext uri="{FF2B5EF4-FFF2-40B4-BE49-F238E27FC236}">
+                <a16:creationId xmlns:a16="http://schemas.microsoft.com/office/drawing/2014/main" id="{1826EBA4-E157-46A5-AC94-A73C17CEA03D}"/>
+              </a:ext>
+            </a:extLst>
+          </p:cNvPr>
+          <p:cNvCxnSpPr>
+            <a:stCxn id="19" idx="3"/>
+            <a:endCxn id="24" idx="1"/>
+          </p:cNvCxnSpPr>
+          <p:nvPr/>
+        </p:nvCxnSpPr>
+        <p:spPr>
+          <a:xfrm>
+            <a:off x="5070158" y="3004286"/>
+            <a:ext cx="1634990" cy="0"/>
+          </a:xfrm>
+          <a:prstGeom prst="straightConnector1">
+            <a:avLst/>
+          </a:prstGeom>
+          <a:ln>
+            <a:tailEnd type="triangle"/>
+          </a:ln>
+        </p:spPr>
+        <p:style>
+          <a:lnRef idx="1">
+            <a:schemeClr val="accent1"/>
+          </a:lnRef>
+          <a:fillRef idx="0">
+            <a:schemeClr val="accent1"/>
+          </a:fillRef>
+          <a:effectRef idx="0">
+            <a:schemeClr val="accent1"/>
+          </a:effectRef>
+          <a:fontRef idx="minor">
+            <a:schemeClr val="tx1"/>
+          </a:fontRef>
+        </p:style>
+      </p:cxnSp>
+      <p:cxnSp>
+        <p:nvCxnSpPr>
+          <p:cNvPr id="41" name="直接箭头连接符 40">
+            <a:extLst>
+              <a:ext uri="{FF2B5EF4-FFF2-40B4-BE49-F238E27FC236}">
+                <a16:creationId xmlns:a16="http://schemas.microsoft.com/office/drawing/2014/main" id="{97AA3ACC-8221-4AE0-826A-3D863AFEFD91}"/>
+              </a:ext>
+            </a:extLst>
+          </p:cNvPr>
+          <p:cNvCxnSpPr>
+            <a:stCxn id="17" idx="3"/>
+            <a:endCxn id="22" idx="1"/>
+          </p:cNvCxnSpPr>
+          <p:nvPr/>
+        </p:nvCxnSpPr>
+        <p:spPr>
+          <a:xfrm>
+            <a:off x="5283881" y="3546304"/>
+            <a:ext cx="1246370" cy="0"/>
+          </a:xfrm>
+          <a:prstGeom prst="straightConnector1">
+            <a:avLst/>
+          </a:prstGeom>
+          <a:ln>
+            <a:tailEnd type="triangle"/>
+          </a:ln>
+        </p:spPr>
+        <p:style>
+          <a:lnRef idx="1">
+            <a:schemeClr val="accent1"/>
+          </a:lnRef>
+          <a:fillRef idx="0">
+            <a:schemeClr val="accent1"/>
+          </a:fillRef>
+          <a:effectRef idx="0">
+            <a:schemeClr val="accent1"/>
+          </a:effectRef>
+          <a:fontRef idx="minor">
+            <a:schemeClr val="tx1"/>
+          </a:fontRef>
+        </p:style>
+      </p:cxnSp>
+      <p:sp>
+        <p:nvSpPr>
+          <p:cNvPr id="42" name="矩形: 圆角 41">
+            <a:extLst>
+              <a:ext uri="{FF2B5EF4-FFF2-40B4-BE49-F238E27FC236}">
+                <a16:creationId xmlns:a16="http://schemas.microsoft.com/office/drawing/2014/main" id="{B719B028-B4CC-4BD1-85CF-961BC28EAFC8}"/>
+              </a:ext>
+            </a:extLst>
+          </p:cNvPr>
+          <p:cNvSpPr/>
+          <p:nvPr/>
+        </p:nvSpPr>
+        <p:spPr>
+          <a:xfrm>
+            <a:off x="1215413" y="1716880"/>
+            <a:ext cx="2379573" cy="2374900"/>
+          </a:xfrm>
+          <a:prstGeom prst="roundRect">
+            <a:avLst/>
+          </a:prstGeom>
+          <a:noFill/>
+          <a:ln w="19050">
+            <a:solidFill>
+              <a:schemeClr val="tx1"/>
+            </a:solidFill>
+            <a:prstDash val="dash"/>
+          </a:ln>
+        </p:spPr>
+        <p:style>
+          <a:lnRef idx="2">
+            <a:schemeClr val="accent1">
+              <a:shade val="50000"/>
+            </a:schemeClr>
+          </a:lnRef>
+          <a:fillRef idx="1">
+            <a:schemeClr val="accent1"/>
+          </a:fillRef>
+          <a:effectRef idx="0">
+            <a:schemeClr val="accent1"/>
+          </a:effectRef>
+          <a:fontRef idx="minor">
+            <a:schemeClr val="lt1"/>
+          </a:fontRef>
+        </p:style>
+        <p:txBody>
+          <a:bodyPr rtlCol="0" anchor="ctr"/>
+          <a:lstStyle/>
+          <a:p>
+            <a:pPr algn="ctr"/>
+            <a:endParaRPr lang="zh-CN" altLang="en-US"/>
+          </a:p>
+        </p:txBody>
+      </p:sp>
+      <p:sp>
+        <p:nvSpPr>
+          <p:cNvPr id="43" name="矩形: 圆角 42">
+            <a:extLst>
+              <a:ext uri="{FF2B5EF4-FFF2-40B4-BE49-F238E27FC236}">
+                <a16:creationId xmlns:a16="http://schemas.microsoft.com/office/drawing/2014/main" id="{EC659388-3C60-49B0-BC9B-963992789D9A}"/>
+              </a:ext>
+            </a:extLst>
+          </p:cNvPr>
+          <p:cNvSpPr/>
+          <p:nvPr/>
+        </p:nvSpPr>
+        <p:spPr>
+          <a:xfrm>
+            <a:off x="3912394" y="1732584"/>
+            <a:ext cx="1944214" cy="2374900"/>
+          </a:xfrm>
+          <a:prstGeom prst="roundRect">
+            <a:avLst/>
+          </a:prstGeom>
+          <a:noFill/>
+          <a:ln w="19050">
+            <a:solidFill>
+              <a:schemeClr val="tx1"/>
+            </a:solidFill>
+            <a:prstDash val="dash"/>
+          </a:ln>
+        </p:spPr>
+        <p:style>
+          <a:lnRef idx="2">
+            <a:schemeClr val="accent1">
+              <a:shade val="50000"/>
+            </a:schemeClr>
+          </a:lnRef>
+          <a:fillRef idx="1">
+            <a:schemeClr val="accent1"/>
+          </a:fillRef>
+          <a:effectRef idx="0">
+            <a:schemeClr val="accent1"/>
+          </a:effectRef>
+          <a:fontRef idx="minor">
+            <a:schemeClr val="lt1"/>
+          </a:fontRef>
+        </p:style>
+        <p:txBody>
+          <a:bodyPr rtlCol="0" anchor="ctr"/>
+          <a:lstStyle/>
+          <a:p>
+            <a:pPr algn="ctr"/>
+            <a:endParaRPr lang="zh-CN" altLang="en-US"/>
+          </a:p>
+        </p:txBody>
+      </p:sp>
+      <p:sp>
+        <p:nvSpPr>
+          <p:cNvPr id="44" name="矩形: 圆角 43">
+            <a:extLst>
+              <a:ext uri="{FF2B5EF4-FFF2-40B4-BE49-F238E27FC236}">
+                <a16:creationId xmlns:a16="http://schemas.microsoft.com/office/drawing/2014/main" id="{DCF49464-F763-4115-8457-49374231CC24}"/>
+              </a:ext>
+            </a:extLst>
+          </p:cNvPr>
+          <p:cNvSpPr/>
+          <p:nvPr/>
+        </p:nvSpPr>
+        <p:spPr>
+          <a:xfrm>
+            <a:off x="6212843" y="1732584"/>
+            <a:ext cx="1944214" cy="2374900"/>
+          </a:xfrm>
+          <a:prstGeom prst="roundRect">
+            <a:avLst/>
+          </a:prstGeom>
+          <a:noFill/>
+          <a:ln w="19050">
+            <a:solidFill>
+              <a:schemeClr val="tx1"/>
+            </a:solidFill>
+            <a:prstDash val="dash"/>
+          </a:ln>
+        </p:spPr>
+        <p:style>
+          <a:lnRef idx="2">
+            <a:schemeClr val="accent1">
+              <a:shade val="50000"/>
+            </a:schemeClr>
+          </a:lnRef>
+          <a:fillRef idx="1">
+            <a:schemeClr val="accent1"/>
+          </a:fillRef>
+          <a:effectRef idx="0">
+            <a:schemeClr val="accent1"/>
+          </a:effectRef>
+          <a:fontRef idx="minor">
+            <a:schemeClr val="lt1"/>
+          </a:fontRef>
+        </p:style>
+        <p:txBody>
+          <a:bodyPr rtlCol="0" anchor="ctr"/>
+          <a:lstStyle/>
+          <a:p>
+            <a:pPr algn="ctr"/>
+            <a:endParaRPr lang="zh-CN" altLang="en-US"/>
+          </a:p>
+        </p:txBody>
+      </p:sp>
+      <p:sp>
+        <p:nvSpPr>
+          <p:cNvPr id="45" name="文本框 44">
+            <a:extLst>
+              <a:ext uri="{FF2B5EF4-FFF2-40B4-BE49-F238E27FC236}">
+                <a16:creationId xmlns:a16="http://schemas.microsoft.com/office/drawing/2014/main" id="{EC831476-8D4E-48BC-B1BC-300FC68258C8}"/>
+              </a:ext>
+            </a:extLst>
+          </p:cNvPr>
+          <p:cNvSpPr txBox="1"/>
+          <p:nvPr/>
+        </p:nvSpPr>
+        <p:spPr>
+          <a:xfrm>
+            <a:off x="1734736" y="1360930"/>
+            <a:ext cx="1157689" cy="369332"/>
+          </a:xfrm>
+          <a:prstGeom prst="rect">
+            <a:avLst/>
+          </a:prstGeom>
+          <a:noFill/>
+        </p:spPr>
+        <p:txBody>
+          <a:bodyPr wrap="none" rtlCol="0">
+            <a:spAutoFit/>
+          </a:bodyPr>
+          <a:lstStyle/>
+          <a:p>
+            <a:r>
+              <a:rPr lang="en-US" altLang="zh-CN" dirty="0"/>
+              <a:t>backbone</a:t>
+            </a:r>
+            <a:endParaRPr lang="zh-CN" altLang="en-US" dirty="0"/>
+          </a:p>
+        </p:txBody>
+      </p:sp>
+      <p:sp>
+        <p:nvSpPr>
+          <p:cNvPr id="46" name="文本框 45">
+            <a:extLst>
+              <a:ext uri="{FF2B5EF4-FFF2-40B4-BE49-F238E27FC236}">
+                <a16:creationId xmlns:a16="http://schemas.microsoft.com/office/drawing/2014/main" id="{9B3C5E84-E648-4BC5-BC28-E04131B779C8}"/>
+              </a:ext>
+            </a:extLst>
+          </p:cNvPr>
+          <p:cNvSpPr txBox="1"/>
+          <p:nvPr/>
+        </p:nvSpPr>
+        <p:spPr>
+          <a:xfrm>
+            <a:off x="4538527" y="1360930"/>
+            <a:ext cx="643125" cy="369332"/>
+          </a:xfrm>
+          <a:prstGeom prst="rect">
+            <a:avLst/>
+          </a:prstGeom>
+          <a:noFill/>
+        </p:spPr>
+        <p:txBody>
+          <a:bodyPr wrap="none" rtlCol="0">
+            <a:spAutoFit/>
+          </a:bodyPr>
+          <a:lstStyle/>
+          <a:p>
+            <a:r>
+              <a:rPr lang="en-US" altLang="zh-CN" dirty="0"/>
+              <a:t>neck</a:t>
+            </a:r>
+            <a:endParaRPr lang="zh-CN" altLang="en-US" dirty="0"/>
+          </a:p>
+        </p:txBody>
+      </p:sp>
+      <p:sp>
+        <p:nvSpPr>
+          <p:cNvPr id="47" name="文本框 46">
+            <a:extLst>
+              <a:ext uri="{FF2B5EF4-FFF2-40B4-BE49-F238E27FC236}">
+                <a16:creationId xmlns:a16="http://schemas.microsoft.com/office/drawing/2014/main" id="{0D90B8A4-3450-4ABA-81AB-FC65EC477566}"/>
+              </a:ext>
+            </a:extLst>
+          </p:cNvPr>
+          <p:cNvSpPr txBox="1"/>
+          <p:nvPr/>
+        </p:nvSpPr>
+        <p:spPr>
+          <a:xfrm>
+            <a:off x="6845754" y="1360930"/>
+            <a:ext cx="678391" cy="369332"/>
+          </a:xfrm>
+          <a:prstGeom prst="rect">
+            <a:avLst/>
+          </a:prstGeom>
+          <a:noFill/>
+        </p:spPr>
+        <p:txBody>
+          <a:bodyPr wrap="none" rtlCol="0">
+            <a:spAutoFit/>
+          </a:bodyPr>
+          <a:lstStyle/>
+          <a:p>
+            <a:r>
+              <a:rPr lang="en-US" altLang="zh-CN" dirty="0"/>
+              <a:t>head</a:t>
+            </a:r>
+            <a:endParaRPr lang="zh-CN" altLang="en-US" dirty="0"/>
+          </a:p>
+        </p:txBody>
+      </p:sp>
+    </p:spTree>
+    <p:extLst>
+      <p:ext uri="{BB962C8B-B14F-4D97-AF65-F5344CB8AC3E}">
+        <p14:creationId xmlns:p14="http://schemas.microsoft.com/office/powerpoint/2010/main" val="858271921"/>
+      </p:ext>
+    </p:extLst>
+  </p:cSld>
+  <p:clrMapOvr>
+    <a:masterClrMapping/>
+  </p:clrMapOvr>
+</p:sld>
+</file>
+
 <file path=ppt/theme/theme1.xml><?xml version="1.0" encoding="utf-8"?>
 <a:theme xmlns:a="http://schemas.openxmlformats.org/drawingml/2006/main" name="Office 主题​​">
   <a:themeElements>

--- a/material/draw.pptx
+++ b/material/draw.pptx
@@ -11,6 +11,7 @@
     <p:sldId id="259" r:id="rId5"/>
     <p:sldId id="260" r:id="rId6"/>
     <p:sldId id="261" r:id="rId7"/>
+    <p:sldId id="262" r:id="rId8"/>
   </p:sldIdLst>
   <p:sldSz cx="12192000" cy="6858000"/>
   <p:notesSz cx="6858000" cy="9144000"/>
@@ -13815,6 +13816,3524 @@
 </p:sld>
 </file>
 
+<file path=ppt/slides/slide7.xml><?xml version="1.0" encoding="utf-8"?>
+<p:sld xmlns:a="http://schemas.openxmlformats.org/drawingml/2006/main" xmlns:r="http://schemas.openxmlformats.org/officeDocument/2006/relationships" xmlns:p="http://schemas.openxmlformats.org/presentationml/2006/main">
+  <p:cSld>
+    <p:spTree>
+      <p:nvGrpSpPr>
+        <p:cNvPr id="1" name=""/>
+        <p:cNvGrpSpPr/>
+        <p:nvPr/>
+      </p:nvGrpSpPr>
+      <p:grpSpPr>
+        <a:xfrm>
+          <a:off x="0" y="0"/>
+          <a:ext cx="0" cy="0"/>
+          <a:chOff x="0" y="0"/>
+          <a:chExt cx="0" cy="0"/>
+        </a:xfrm>
+      </p:grpSpPr>
+      <p:sp>
+        <p:nvSpPr>
+          <p:cNvPr id="4" name="矩形 3">
+            <a:extLst>
+              <a:ext uri="{FF2B5EF4-FFF2-40B4-BE49-F238E27FC236}">
+                <a16:creationId xmlns:a16="http://schemas.microsoft.com/office/drawing/2014/main" id="{90564621-41E4-4603-97C9-747971C01F52}"/>
+              </a:ext>
+            </a:extLst>
+          </p:cNvPr>
+          <p:cNvSpPr/>
+          <p:nvPr/>
+        </p:nvSpPr>
+        <p:spPr>
+          <a:xfrm>
+            <a:off x="356957" y="831166"/>
+            <a:ext cx="1392701" cy="1219199"/>
+          </a:xfrm>
+          <a:prstGeom prst="rect">
+            <a:avLst/>
+          </a:prstGeom>
+          <a:solidFill>
+            <a:srgbClr val="4CFF59"/>
+          </a:solidFill>
+        </p:spPr>
+        <p:style>
+          <a:lnRef idx="2">
+            <a:schemeClr val="accent1">
+              <a:shade val="50000"/>
+            </a:schemeClr>
+          </a:lnRef>
+          <a:fillRef idx="1">
+            <a:schemeClr val="accent1"/>
+          </a:fillRef>
+          <a:effectRef idx="0">
+            <a:schemeClr val="accent1"/>
+          </a:effectRef>
+          <a:fontRef idx="minor">
+            <a:schemeClr val="lt1"/>
+          </a:fontRef>
+        </p:style>
+        <p:txBody>
+          <a:bodyPr rtlCol="0" anchor="ctr"/>
+          <a:lstStyle/>
+          <a:p>
+            <a:pPr algn="ctr"/>
+            <a:endParaRPr lang="zh-CN" altLang="en-US">
+              <a:solidFill>
+                <a:srgbClr val="4CFF59"/>
+              </a:solidFill>
+            </a:endParaRPr>
+          </a:p>
+        </p:txBody>
+      </p:sp>
+      <p:sp>
+        <p:nvSpPr>
+          <p:cNvPr id="5" name="矩形 4">
+            <a:extLst>
+              <a:ext uri="{FF2B5EF4-FFF2-40B4-BE49-F238E27FC236}">
+                <a16:creationId xmlns:a16="http://schemas.microsoft.com/office/drawing/2014/main" id="{8373055A-BCFA-4963-B819-A1DFE7A3DD0E}"/>
+              </a:ext>
+            </a:extLst>
+          </p:cNvPr>
+          <p:cNvSpPr/>
+          <p:nvPr/>
+        </p:nvSpPr>
+        <p:spPr>
+          <a:xfrm>
+            <a:off x="4311158" y="1073833"/>
+            <a:ext cx="1055077" cy="976532"/>
+          </a:xfrm>
+          <a:prstGeom prst="rect">
+            <a:avLst/>
+          </a:prstGeom>
+          <a:solidFill>
+            <a:srgbClr val="4CFF59"/>
+          </a:solidFill>
+        </p:spPr>
+        <p:style>
+          <a:lnRef idx="2">
+            <a:schemeClr val="accent1">
+              <a:shade val="50000"/>
+            </a:schemeClr>
+          </a:lnRef>
+          <a:fillRef idx="1">
+            <a:schemeClr val="accent1"/>
+          </a:fillRef>
+          <a:effectRef idx="0">
+            <a:schemeClr val="accent1"/>
+          </a:effectRef>
+          <a:fontRef idx="minor">
+            <a:schemeClr val="lt1"/>
+          </a:fontRef>
+        </p:style>
+        <p:txBody>
+          <a:bodyPr rtlCol="0" anchor="ctr"/>
+          <a:lstStyle/>
+          <a:p>
+            <a:pPr algn="ctr"/>
+            <a:endParaRPr lang="zh-CN" altLang="en-US"/>
+          </a:p>
+        </p:txBody>
+      </p:sp>
+      <p:sp>
+        <p:nvSpPr>
+          <p:cNvPr id="6" name="矩形 5">
+            <a:extLst>
+              <a:ext uri="{FF2B5EF4-FFF2-40B4-BE49-F238E27FC236}">
+                <a16:creationId xmlns:a16="http://schemas.microsoft.com/office/drawing/2014/main" id="{91B6903D-420C-47A3-ACF4-1DF9E64EFA15}"/>
+              </a:ext>
+            </a:extLst>
+          </p:cNvPr>
+          <p:cNvSpPr/>
+          <p:nvPr/>
+        </p:nvSpPr>
+        <p:spPr>
+          <a:xfrm>
+            <a:off x="6035040" y="1393875"/>
+            <a:ext cx="745588" cy="656490"/>
+          </a:xfrm>
+          <a:prstGeom prst="rect">
+            <a:avLst/>
+          </a:prstGeom>
+          <a:solidFill>
+            <a:srgbClr val="4CFF59"/>
+          </a:solidFill>
+        </p:spPr>
+        <p:style>
+          <a:lnRef idx="2">
+            <a:schemeClr val="accent1">
+              <a:shade val="50000"/>
+            </a:schemeClr>
+          </a:lnRef>
+          <a:fillRef idx="1">
+            <a:schemeClr val="accent1"/>
+          </a:fillRef>
+          <a:effectRef idx="0">
+            <a:schemeClr val="accent1"/>
+          </a:effectRef>
+          <a:fontRef idx="minor">
+            <a:schemeClr val="lt1"/>
+          </a:fontRef>
+        </p:style>
+        <p:txBody>
+          <a:bodyPr rtlCol="0" anchor="ctr"/>
+          <a:lstStyle/>
+          <a:p>
+            <a:pPr algn="ctr"/>
+            <a:endParaRPr lang="zh-CN" altLang="en-US"/>
+          </a:p>
+        </p:txBody>
+      </p:sp>
+      <p:sp>
+        <p:nvSpPr>
+          <p:cNvPr id="7" name="矩形 6">
+            <a:extLst>
+              <a:ext uri="{FF2B5EF4-FFF2-40B4-BE49-F238E27FC236}">
+                <a16:creationId xmlns:a16="http://schemas.microsoft.com/office/drawing/2014/main" id="{B559B41E-1152-4BA0-8CFD-1B76CAC75CDE}"/>
+              </a:ext>
+            </a:extLst>
+          </p:cNvPr>
+          <p:cNvSpPr/>
+          <p:nvPr/>
+        </p:nvSpPr>
+        <p:spPr>
+          <a:xfrm>
+            <a:off x="7449433" y="1526346"/>
+            <a:ext cx="625422" cy="524019"/>
+          </a:xfrm>
+          <a:prstGeom prst="rect">
+            <a:avLst/>
+          </a:prstGeom>
+          <a:solidFill>
+            <a:srgbClr val="4CFF59"/>
+          </a:solidFill>
+        </p:spPr>
+        <p:style>
+          <a:lnRef idx="2">
+            <a:schemeClr val="accent1">
+              <a:shade val="50000"/>
+            </a:schemeClr>
+          </a:lnRef>
+          <a:fillRef idx="1">
+            <a:schemeClr val="accent1"/>
+          </a:fillRef>
+          <a:effectRef idx="0">
+            <a:schemeClr val="accent1"/>
+          </a:effectRef>
+          <a:fontRef idx="minor">
+            <a:schemeClr val="lt1"/>
+          </a:fontRef>
+        </p:style>
+        <p:txBody>
+          <a:bodyPr rtlCol="0" anchor="ctr"/>
+          <a:lstStyle/>
+          <a:p>
+            <a:pPr algn="ctr"/>
+            <a:endParaRPr lang="zh-CN" altLang="en-US"/>
+          </a:p>
+        </p:txBody>
+      </p:sp>
+      <p:sp>
+        <p:nvSpPr>
+          <p:cNvPr id="8" name="矩形 7">
+            <a:extLst>
+              <a:ext uri="{FF2B5EF4-FFF2-40B4-BE49-F238E27FC236}">
+                <a16:creationId xmlns:a16="http://schemas.microsoft.com/office/drawing/2014/main" id="{B33A79BF-1A1B-40B6-969A-EAAA651C9B8B}"/>
+              </a:ext>
+            </a:extLst>
+          </p:cNvPr>
+          <p:cNvSpPr/>
+          <p:nvPr/>
+        </p:nvSpPr>
+        <p:spPr>
+          <a:xfrm>
+            <a:off x="2418463" y="923487"/>
+            <a:ext cx="1223890" cy="1126878"/>
+          </a:xfrm>
+          <a:prstGeom prst="rect">
+            <a:avLst/>
+          </a:prstGeom>
+          <a:solidFill>
+            <a:srgbClr val="4CFF59"/>
+          </a:solidFill>
+        </p:spPr>
+        <p:style>
+          <a:lnRef idx="2">
+            <a:schemeClr val="accent1">
+              <a:shade val="50000"/>
+            </a:schemeClr>
+          </a:lnRef>
+          <a:fillRef idx="1">
+            <a:schemeClr val="accent1"/>
+          </a:fillRef>
+          <a:effectRef idx="0">
+            <a:schemeClr val="accent1"/>
+          </a:effectRef>
+          <a:fontRef idx="minor">
+            <a:schemeClr val="lt1"/>
+          </a:fontRef>
+        </p:style>
+        <p:txBody>
+          <a:bodyPr rtlCol="0" anchor="ctr"/>
+          <a:lstStyle/>
+          <a:p>
+            <a:pPr algn="ctr"/>
+            <a:endParaRPr lang="zh-CN" altLang="en-US"/>
+          </a:p>
+        </p:txBody>
+      </p:sp>
+      <p:sp>
+        <p:nvSpPr>
+          <p:cNvPr id="9" name="矩形: 圆角 8">
+            <a:extLst>
+              <a:ext uri="{FF2B5EF4-FFF2-40B4-BE49-F238E27FC236}">
+                <a16:creationId xmlns:a16="http://schemas.microsoft.com/office/drawing/2014/main" id="{A3AE3365-2F33-4DA4-921E-28378FF20DE2}"/>
+              </a:ext>
+            </a:extLst>
+          </p:cNvPr>
+          <p:cNvSpPr/>
+          <p:nvPr/>
+        </p:nvSpPr>
+        <p:spPr>
+          <a:xfrm>
+            <a:off x="154745" y="618978"/>
+            <a:ext cx="9383150" cy="1744394"/>
+          </a:xfrm>
+          <a:prstGeom prst="roundRect">
+            <a:avLst/>
+          </a:prstGeom>
+          <a:noFill/>
+          <a:ln>
+            <a:solidFill>
+              <a:schemeClr val="tx1"/>
+            </a:solidFill>
+            <a:prstDash val="dash"/>
+          </a:ln>
+        </p:spPr>
+        <p:style>
+          <a:lnRef idx="2">
+            <a:schemeClr val="accent1">
+              <a:shade val="50000"/>
+            </a:schemeClr>
+          </a:lnRef>
+          <a:fillRef idx="1">
+            <a:schemeClr val="accent1"/>
+          </a:fillRef>
+          <a:effectRef idx="0">
+            <a:schemeClr val="accent1"/>
+          </a:effectRef>
+          <a:fontRef idx="minor">
+            <a:schemeClr val="lt1"/>
+          </a:fontRef>
+        </p:style>
+        <p:txBody>
+          <a:bodyPr rtlCol="0" anchor="ctr"/>
+          <a:lstStyle/>
+          <a:p>
+            <a:pPr algn="ctr"/>
+            <a:endParaRPr lang="zh-CN" altLang="en-US"/>
+          </a:p>
+        </p:txBody>
+      </p:sp>
+      <p:sp>
+        <p:nvSpPr>
+          <p:cNvPr id="10" name="文本框 9">
+            <a:extLst>
+              <a:ext uri="{FF2B5EF4-FFF2-40B4-BE49-F238E27FC236}">
+                <a16:creationId xmlns:a16="http://schemas.microsoft.com/office/drawing/2014/main" id="{DE4779EB-898D-4A0A-9939-71C264C525D1}"/>
+              </a:ext>
+            </a:extLst>
+          </p:cNvPr>
+          <p:cNvSpPr txBox="1"/>
+          <p:nvPr/>
+        </p:nvSpPr>
+        <p:spPr>
+          <a:xfrm>
+            <a:off x="6035040" y="738821"/>
+            <a:ext cx="1274708" cy="369332"/>
+          </a:xfrm>
+          <a:prstGeom prst="rect">
+            <a:avLst/>
+          </a:prstGeom>
+          <a:noFill/>
+        </p:spPr>
+        <p:txBody>
+          <a:bodyPr wrap="none" rtlCol="0">
+            <a:spAutoFit/>
+          </a:bodyPr>
+          <a:lstStyle/>
+          <a:p>
+            <a:r>
+              <a:rPr lang="en-US" altLang="zh-CN" b="1" dirty="0"/>
+              <a:t>Backbone </a:t>
+            </a:r>
+            <a:endParaRPr lang="zh-CN" altLang="en-US" b="1" dirty="0"/>
+          </a:p>
+        </p:txBody>
+      </p:sp>
+      <p:sp>
+        <p:nvSpPr>
+          <p:cNvPr id="11" name="矩形 10">
+            <a:extLst>
+              <a:ext uri="{FF2B5EF4-FFF2-40B4-BE49-F238E27FC236}">
+                <a16:creationId xmlns:a16="http://schemas.microsoft.com/office/drawing/2014/main" id="{05582345-A7CE-49E0-A309-237AC97FB8BD}"/>
+              </a:ext>
+            </a:extLst>
+          </p:cNvPr>
+          <p:cNvSpPr/>
+          <p:nvPr/>
+        </p:nvSpPr>
+        <p:spPr>
+          <a:xfrm>
+            <a:off x="5176750" y="3761937"/>
+            <a:ext cx="450165" cy="375137"/>
+          </a:xfrm>
+          <a:prstGeom prst="rect">
+            <a:avLst/>
+          </a:prstGeom>
+          <a:solidFill>
+            <a:srgbClr val="A162D0"/>
+          </a:solidFill>
+        </p:spPr>
+        <p:style>
+          <a:lnRef idx="2">
+            <a:schemeClr val="accent1">
+              <a:shade val="50000"/>
+            </a:schemeClr>
+          </a:lnRef>
+          <a:fillRef idx="1">
+            <a:schemeClr val="accent1"/>
+          </a:fillRef>
+          <a:effectRef idx="0">
+            <a:schemeClr val="accent1"/>
+          </a:effectRef>
+          <a:fontRef idx="minor">
+            <a:schemeClr val="lt1"/>
+          </a:fontRef>
+        </p:style>
+        <p:txBody>
+          <a:bodyPr rtlCol="0" anchor="ctr"/>
+          <a:lstStyle/>
+          <a:p>
+            <a:pPr algn="ctr"/>
+            <a:endParaRPr lang="zh-CN" altLang="en-US"/>
+          </a:p>
+        </p:txBody>
+      </p:sp>
+      <p:sp>
+        <p:nvSpPr>
+          <p:cNvPr id="12" name="矩形 11">
+            <a:extLst>
+              <a:ext uri="{FF2B5EF4-FFF2-40B4-BE49-F238E27FC236}">
+                <a16:creationId xmlns:a16="http://schemas.microsoft.com/office/drawing/2014/main" id="{E79BD5D0-8457-4108-83CA-505E6C2EE251}"/>
+              </a:ext>
+            </a:extLst>
+          </p:cNvPr>
+          <p:cNvSpPr/>
+          <p:nvPr/>
+        </p:nvSpPr>
+        <p:spPr>
+          <a:xfrm>
+            <a:off x="8820443" y="1675228"/>
+            <a:ext cx="450165" cy="375137"/>
+          </a:xfrm>
+          <a:prstGeom prst="rect">
+            <a:avLst/>
+          </a:prstGeom>
+          <a:solidFill>
+            <a:srgbClr val="4CFF59"/>
+          </a:solidFill>
+        </p:spPr>
+        <p:style>
+          <a:lnRef idx="2">
+            <a:schemeClr val="accent1">
+              <a:shade val="50000"/>
+            </a:schemeClr>
+          </a:lnRef>
+          <a:fillRef idx="1">
+            <a:schemeClr val="accent1"/>
+          </a:fillRef>
+          <a:effectRef idx="0">
+            <a:schemeClr val="accent1"/>
+          </a:effectRef>
+          <a:fontRef idx="minor">
+            <a:schemeClr val="lt1"/>
+          </a:fontRef>
+        </p:style>
+        <p:txBody>
+          <a:bodyPr rtlCol="0" anchor="ctr"/>
+          <a:lstStyle/>
+          <a:p>
+            <a:pPr algn="ctr"/>
+            <a:endParaRPr lang="zh-CN" altLang="en-US"/>
+          </a:p>
+        </p:txBody>
+      </p:sp>
+      <p:sp>
+        <p:nvSpPr>
+          <p:cNvPr id="13" name="矩形 12">
+            <a:extLst>
+              <a:ext uri="{FF2B5EF4-FFF2-40B4-BE49-F238E27FC236}">
+                <a16:creationId xmlns:a16="http://schemas.microsoft.com/office/drawing/2014/main" id="{C163CE2D-B1D7-419E-B83C-244FD219F2A2}"/>
+              </a:ext>
+            </a:extLst>
+          </p:cNvPr>
+          <p:cNvSpPr/>
+          <p:nvPr/>
+        </p:nvSpPr>
+        <p:spPr>
+          <a:xfrm>
+            <a:off x="983139" y="6909972"/>
+            <a:ext cx="745588" cy="656490"/>
+          </a:xfrm>
+          <a:prstGeom prst="rect">
+            <a:avLst/>
+          </a:prstGeom>
+          <a:solidFill>
+            <a:srgbClr val="5F86CD"/>
+          </a:solidFill>
+        </p:spPr>
+        <p:style>
+          <a:lnRef idx="2">
+            <a:schemeClr val="accent1">
+              <a:shade val="50000"/>
+            </a:schemeClr>
+          </a:lnRef>
+          <a:fillRef idx="1">
+            <a:schemeClr val="accent1"/>
+          </a:fillRef>
+          <a:effectRef idx="0">
+            <a:schemeClr val="accent1"/>
+          </a:effectRef>
+          <a:fontRef idx="minor">
+            <a:schemeClr val="lt1"/>
+          </a:fontRef>
+        </p:style>
+        <p:txBody>
+          <a:bodyPr rtlCol="0" anchor="ctr"/>
+          <a:lstStyle/>
+          <a:p>
+            <a:pPr algn="ctr"/>
+            <a:endParaRPr lang="zh-CN" altLang="en-US"/>
+          </a:p>
+        </p:txBody>
+      </p:sp>
+      <p:sp>
+        <p:nvSpPr>
+          <p:cNvPr id="14" name="矩形 13">
+            <a:extLst>
+              <a:ext uri="{FF2B5EF4-FFF2-40B4-BE49-F238E27FC236}">
+                <a16:creationId xmlns:a16="http://schemas.microsoft.com/office/drawing/2014/main" id="{28566379-86B0-4C97-8574-401DB62C8E9C}"/>
+              </a:ext>
+            </a:extLst>
+          </p:cNvPr>
+          <p:cNvSpPr/>
+          <p:nvPr/>
+        </p:nvSpPr>
+        <p:spPr>
+          <a:xfrm>
+            <a:off x="2404986" y="4930057"/>
+            <a:ext cx="625422" cy="524019"/>
+          </a:xfrm>
+          <a:prstGeom prst="rect">
+            <a:avLst/>
+          </a:prstGeom>
+          <a:solidFill>
+            <a:srgbClr val="02FFC4"/>
+          </a:solidFill>
+        </p:spPr>
+        <p:style>
+          <a:lnRef idx="2">
+            <a:schemeClr val="accent1">
+              <a:shade val="50000"/>
+            </a:schemeClr>
+          </a:lnRef>
+          <a:fillRef idx="1">
+            <a:schemeClr val="accent1"/>
+          </a:fillRef>
+          <a:effectRef idx="0">
+            <a:schemeClr val="accent1"/>
+          </a:effectRef>
+          <a:fontRef idx="minor">
+            <a:schemeClr val="lt1"/>
+          </a:fontRef>
+        </p:style>
+        <p:txBody>
+          <a:bodyPr rtlCol="0" anchor="ctr"/>
+          <a:lstStyle/>
+          <a:p>
+            <a:pPr algn="ctr"/>
+            <a:endParaRPr lang="zh-CN" altLang="en-US"/>
+          </a:p>
+        </p:txBody>
+      </p:sp>
+      <p:cxnSp>
+        <p:nvCxnSpPr>
+          <p:cNvPr id="16" name="连接符: 肘形 15">
+            <a:extLst>
+              <a:ext uri="{FF2B5EF4-FFF2-40B4-BE49-F238E27FC236}">
+                <a16:creationId xmlns:a16="http://schemas.microsoft.com/office/drawing/2014/main" id="{C60A27BA-C805-4E8D-8E3B-7C1F3B268270}"/>
+              </a:ext>
+            </a:extLst>
+          </p:cNvPr>
+          <p:cNvCxnSpPr>
+            <a:stCxn id="12" idx="2"/>
+            <a:endCxn id="11" idx="0"/>
+          </p:cNvCxnSpPr>
+          <p:nvPr/>
+        </p:nvCxnSpPr>
+        <p:spPr>
+          <a:xfrm rot="5400000">
+            <a:off x="6367894" y="1084305"/>
+            <a:ext cx="1711572" cy="3643693"/>
+          </a:xfrm>
+          <a:prstGeom prst="bentConnector3">
+            <a:avLst>
+              <a:gd name="adj1" fmla="val 76288"/>
+            </a:avLst>
+          </a:prstGeom>
+          <a:ln w="12700">
+            <a:solidFill>
+              <a:schemeClr val="tx1"/>
+            </a:solidFill>
+            <a:tailEnd type="triangle"/>
+          </a:ln>
+        </p:spPr>
+        <p:style>
+          <a:lnRef idx="1">
+            <a:schemeClr val="accent1"/>
+          </a:lnRef>
+          <a:fillRef idx="0">
+            <a:schemeClr val="accent1"/>
+          </a:fillRef>
+          <a:effectRef idx="0">
+            <a:schemeClr val="accent1"/>
+          </a:effectRef>
+          <a:fontRef idx="minor">
+            <a:schemeClr val="tx1"/>
+          </a:fontRef>
+        </p:style>
+      </p:cxnSp>
+      <p:cxnSp>
+        <p:nvCxnSpPr>
+          <p:cNvPr id="20" name="连接符: 肘形 19">
+            <a:extLst>
+              <a:ext uri="{FF2B5EF4-FFF2-40B4-BE49-F238E27FC236}">
+                <a16:creationId xmlns:a16="http://schemas.microsoft.com/office/drawing/2014/main" id="{E052D9E9-86BA-43B5-B60F-A44AF3DD2139}"/>
+              </a:ext>
+            </a:extLst>
+          </p:cNvPr>
+          <p:cNvCxnSpPr>
+            <a:cxnSpLocks/>
+            <a:stCxn id="7" idx="2"/>
+            <a:endCxn id="14" idx="0"/>
+          </p:cNvCxnSpPr>
+          <p:nvPr/>
+        </p:nvCxnSpPr>
+        <p:spPr>
+          <a:xfrm rot="5400000">
+            <a:off x="3800075" y="967988"/>
+            <a:ext cx="2879692" cy="5044447"/>
+          </a:xfrm>
+          <a:prstGeom prst="bentConnector3">
+            <a:avLst>
+              <a:gd name="adj1" fmla="val 34879"/>
+            </a:avLst>
+          </a:prstGeom>
+          <a:ln w="12700">
+            <a:solidFill>
+              <a:schemeClr val="tx1"/>
+            </a:solidFill>
+            <a:tailEnd type="triangle"/>
+          </a:ln>
+        </p:spPr>
+        <p:style>
+          <a:lnRef idx="1">
+            <a:schemeClr val="accent1"/>
+          </a:lnRef>
+          <a:fillRef idx="0">
+            <a:schemeClr val="accent1"/>
+          </a:fillRef>
+          <a:effectRef idx="0">
+            <a:schemeClr val="accent1"/>
+          </a:effectRef>
+          <a:fontRef idx="minor">
+            <a:schemeClr val="tx1"/>
+          </a:fontRef>
+        </p:style>
+      </p:cxnSp>
+      <p:cxnSp>
+        <p:nvCxnSpPr>
+          <p:cNvPr id="22" name="连接符: 肘形 21">
+            <a:extLst>
+              <a:ext uri="{FF2B5EF4-FFF2-40B4-BE49-F238E27FC236}">
+                <a16:creationId xmlns:a16="http://schemas.microsoft.com/office/drawing/2014/main" id="{E7F7BCC6-5015-47D0-8495-83A3426C5DAF}"/>
+              </a:ext>
+            </a:extLst>
+          </p:cNvPr>
+          <p:cNvCxnSpPr>
+            <a:stCxn id="6" idx="2"/>
+            <a:endCxn id="13" idx="0"/>
+          </p:cNvCxnSpPr>
+          <p:nvPr/>
+        </p:nvCxnSpPr>
+        <p:spPr>
+          <a:xfrm rot="5400000">
+            <a:off x="1452081" y="1954218"/>
+            <a:ext cx="4859607" cy="5051901"/>
+          </a:xfrm>
+          <a:prstGeom prst="bentConnector3">
+            <a:avLst>
+              <a:gd name="adj1" fmla="val 13543"/>
+            </a:avLst>
+          </a:prstGeom>
+          <a:ln w="12700">
+            <a:solidFill>
+              <a:schemeClr val="tx1"/>
+            </a:solidFill>
+            <a:tailEnd type="triangle"/>
+          </a:ln>
+        </p:spPr>
+        <p:style>
+          <a:lnRef idx="1">
+            <a:schemeClr val="accent1"/>
+          </a:lnRef>
+          <a:fillRef idx="0">
+            <a:schemeClr val="accent1"/>
+          </a:fillRef>
+          <a:effectRef idx="0">
+            <a:schemeClr val="accent1"/>
+          </a:effectRef>
+          <a:fontRef idx="minor">
+            <a:schemeClr val="tx1"/>
+          </a:fontRef>
+        </p:style>
+      </p:cxnSp>
+      <p:cxnSp>
+        <p:nvCxnSpPr>
+          <p:cNvPr id="30" name="直接箭头连接符 29">
+            <a:extLst>
+              <a:ext uri="{FF2B5EF4-FFF2-40B4-BE49-F238E27FC236}">
+                <a16:creationId xmlns:a16="http://schemas.microsoft.com/office/drawing/2014/main" id="{A189985E-4F36-4A55-8C00-5A9FECC85E22}"/>
+              </a:ext>
+            </a:extLst>
+          </p:cNvPr>
+          <p:cNvCxnSpPr>
+            <a:cxnSpLocks/>
+          </p:cNvCxnSpPr>
+          <p:nvPr/>
+        </p:nvCxnSpPr>
+        <p:spPr>
+          <a:xfrm flipV="1">
+            <a:off x="1788049" y="1808281"/>
+            <a:ext cx="515240" cy="1"/>
+          </a:xfrm>
+          <a:prstGeom prst="straightConnector1">
+            <a:avLst/>
+          </a:prstGeom>
+          <a:ln w="19050">
+            <a:solidFill>
+              <a:schemeClr val="tx1"/>
+            </a:solidFill>
+            <a:tailEnd type="triangle"/>
+          </a:ln>
+        </p:spPr>
+        <p:style>
+          <a:lnRef idx="1">
+            <a:schemeClr val="accent1"/>
+          </a:lnRef>
+          <a:fillRef idx="0">
+            <a:schemeClr val="accent1"/>
+          </a:fillRef>
+          <a:effectRef idx="0">
+            <a:schemeClr val="accent1"/>
+          </a:effectRef>
+          <a:fontRef idx="minor">
+            <a:schemeClr val="tx1"/>
+          </a:fontRef>
+        </p:style>
+      </p:cxnSp>
+      <p:cxnSp>
+        <p:nvCxnSpPr>
+          <p:cNvPr id="31" name="直接箭头连接符 30">
+            <a:extLst>
+              <a:ext uri="{FF2B5EF4-FFF2-40B4-BE49-F238E27FC236}">
+                <a16:creationId xmlns:a16="http://schemas.microsoft.com/office/drawing/2014/main" id="{06D5DBA5-966F-44C8-B8A3-6C39E1D61CD2}"/>
+              </a:ext>
+            </a:extLst>
+          </p:cNvPr>
+          <p:cNvCxnSpPr>
+            <a:cxnSpLocks/>
+          </p:cNvCxnSpPr>
+          <p:nvPr/>
+        </p:nvCxnSpPr>
+        <p:spPr>
+          <a:xfrm flipV="1">
+            <a:off x="3721177" y="1788353"/>
+            <a:ext cx="515240" cy="1"/>
+          </a:xfrm>
+          <a:prstGeom prst="straightConnector1">
+            <a:avLst/>
+          </a:prstGeom>
+          <a:ln w="19050">
+            <a:solidFill>
+              <a:schemeClr val="tx1"/>
+            </a:solidFill>
+            <a:tailEnd type="triangle"/>
+          </a:ln>
+        </p:spPr>
+        <p:style>
+          <a:lnRef idx="1">
+            <a:schemeClr val="accent1"/>
+          </a:lnRef>
+          <a:fillRef idx="0">
+            <a:schemeClr val="accent1"/>
+          </a:fillRef>
+          <a:effectRef idx="0">
+            <a:schemeClr val="accent1"/>
+          </a:effectRef>
+          <a:fontRef idx="minor">
+            <a:schemeClr val="tx1"/>
+          </a:fontRef>
+        </p:style>
+      </p:cxnSp>
+      <p:cxnSp>
+        <p:nvCxnSpPr>
+          <p:cNvPr id="32" name="直接箭头连接符 31">
+            <a:extLst>
+              <a:ext uri="{FF2B5EF4-FFF2-40B4-BE49-F238E27FC236}">
+                <a16:creationId xmlns:a16="http://schemas.microsoft.com/office/drawing/2014/main" id="{04195A08-3C63-42A2-AB3A-9397404BE2ED}"/>
+              </a:ext>
+            </a:extLst>
+          </p:cNvPr>
+          <p:cNvCxnSpPr>
+            <a:cxnSpLocks/>
+          </p:cNvCxnSpPr>
+          <p:nvPr/>
+        </p:nvCxnSpPr>
+        <p:spPr>
+          <a:xfrm flipV="1">
+            <a:off x="5457085" y="1805934"/>
+            <a:ext cx="515240" cy="1"/>
+          </a:xfrm>
+          <a:prstGeom prst="straightConnector1">
+            <a:avLst/>
+          </a:prstGeom>
+          <a:ln w="19050">
+            <a:solidFill>
+              <a:schemeClr val="tx1"/>
+            </a:solidFill>
+            <a:tailEnd type="triangle"/>
+          </a:ln>
+        </p:spPr>
+        <p:style>
+          <a:lnRef idx="1">
+            <a:schemeClr val="accent1"/>
+          </a:lnRef>
+          <a:fillRef idx="0">
+            <a:schemeClr val="accent1"/>
+          </a:fillRef>
+          <a:effectRef idx="0">
+            <a:schemeClr val="accent1"/>
+          </a:effectRef>
+          <a:fontRef idx="minor">
+            <a:schemeClr val="tx1"/>
+          </a:fontRef>
+        </p:style>
+      </p:cxnSp>
+      <p:cxnSp>
+        <p:nvCxnSpPr>
+          <p:cNvPr id="33" name="直接箭头连接符 32">
+            <a:extLst>
+              <a:ext uri="{FF2B5EF4-FFF2-40B4-BE49-F238E27FC236}">
+                <a16:creationId xmlns:a16="http://schemas.microsoft.com/office/drawing/2014/main" id="{13D71044-2228-4003-8F7F-9CC69E0F0F0F}"/>
+              </a:ext>
+            </a:extLst>
+          </p:cNvPr>
+          <p:cNvCxnSpPr>
+            <a:cxnSpLocks/>
+          </p:cNvCxnSpPr>
+          <p:nvPr/>
+        </p:nvCxnSpPr>
+        <p:spPr>
+          <a:xfrm flipV="1">
+            <a:off x="6843343" y="1849602"/>
+            <a:ext cx="515240" cy="1"/>
+          </a:xfrm>
+          <a:prstGeom prst="straightConnector1">
+            <a:avLst/>
+          </a:prstGeom>
+          <a:ln w="19050">
+            <a:solidFill>
+              <a:schemeClr val="tx1"/>
+            </a:solidFill>
+            <a:tailEnd type="triangle"/>
+          </a:ln>
+        </p:spPr>
+        <p:style>
+          <a:lnRef idx="1">
+            <a:schemeClr val="accent1"/>
+          </a:lnRef>
+          <a:fillRef idx="0">
+            <a:schemeClr val="accent1"/>
+          </a:fillRef>
+          <a:effectRef idx="0">
+            <a:schemeClr val="accent1"/>
+          </a:effectRef>
+          <a:fontRef idx="minor">
+            <a:schemeClr val="tx1"/>
+          </a:fontRef>
+        </p:style>
+      </p:cxnSp>
+      <p:cxnSp>
+        <p:nvCxnSpPr>
+          <p:cNvPr id="34" name="直接箭头连接符 33">
+            <a:extLst>
+              <a:ext uri="{FF2B5EF4-FFF2-40B4-BE49-F238E27FC236}">
+                <a16:creationId xmlns:a16="http://schemas.microsoft.com/office/drawing/2014/main" id="{2D1AF13D-B6DF-416B-833F-A51A7FDBE3D7}"/>
+              </a:ext>
+            </a:extLst>
+          </p:cNvPr>
+          <p:cNvCxnSpPr>
+            <a:cxnSpLocks/>
+          </p:cNvCxnSpPr>
+          <p:nvPr/>
+        </p:nvCxnSpPr>
+        <p:spPr>
+          <a:xfrm flipV="1">
+            <a:off x="8190029" y="1885357"/>
+            <a:ext cx="515240" cy="1"/>
+          </a:xfrm>
+          <a:prstGeom prst="straightConnector1">
+            <a:avLst/>
+          </a:prstGeom>
+          <a:ln w="19050">
+            <a:solidFill>
+              <a:schemeClr val="tx1"/>
+            </a:solidFill>
+            <a:tailEnd type="triangle"/>
+          </a:ln>
+        </p:spPr>
+        <p:style>
+          <a:lnRef idx="1">
+            <a:schemeClr val="accent1"/>
+          </a:lnRef>
+          <a:fillRef idx="0">
+            <a:schemeClr val="accent1"/>
+          </a:fillRef>
+          <a:effectRef idx="0">
+            <a:schemeClr val="accent1"/>
+          </a:effectRef>
+          <a:fontRef idx="minor">
+            <a:schemeClr val="tx1"/>
+          </a:fontRef>
+        </p:style>
+      </p:cxnSp>
+      <p:sp>
+        <p:nvSpPr>
+          <p:cNvPr id="36" name="文本框 35">
+            <a:extLst>
+              <a:ext uri="{FF2B5EF4-FFF2-40B4-BE49-F238E27FC236}">
+                <a16:creationId xmlns:a16="http://schemas.microsoft.com/office/drawing/2014/main" id="{58699106-C68C-4BEC-BC51-1E0B43193BB4}"/>
+              </a:ext>
+            </a:extLst>
+          </p:cNvPr>
+          <p:cNvSpPr txBox="1"/>
+          <p:nvPr/>
+        </p:nvSpPr>
+        <p:spPr>
+          <a:xfrm>
+            <a:off x="4414265" y="3811005"/>
+            <a:ext cx="779381" cy="276999"/>
+          </a:xfrm>
+          <a:prstGeom prst="rect">
+            <a:avLst/>
+          </a:prstGeom>
+          <a:noFill/>
+        </p:spPr>
+        <p:txBody>
+          <a:bodyPr wrap="none" rtlCol="0">
+            <a:spAutoFit/>
+          </a:bodyPr>
+          <a:lstStyle/>
+          <a:p>
+            <a:r>
+              <a:rPr lang="en-US" altLang="zh-CN" sz="1200" b="1" dirty="0">
+                <a:cs typeface="Arial" panose="020B0604020202020204" pitchFamily="34" charset="0"/>
+              </a:rPr>
+              <a:t>7x7x512</a:t>
+            </a:r>
+            <a:endParaRPr lang="zh-CN" altLang="en-US" sz="1200" b="1" dirty="0">
+              <a:cs typeface="Arial" panose="020B0604020202020204" pitchFamily="34" charset="0"/>
+            </a:endParaRPr>
+          </a:p>
+        </p:txBody>
+      </p:sp>
+      <p:cxnSp>
+        <p:nvCxnSpPr>
+          <p:cNvPr id="38" name="直接箭头连接符 37">
+            <a:extLst>
+              <a:ext uri="{FF2B5EF4-FFF2-40B4-BE49-F238E27FC236}">
+                <a16:creationId xmlns:a16="http://schemas.microsoft.com/office/drawing/2014/main" id="{EB23ED96-77F3-4191-ACFC-46A61F920BD8}"/>
+              </a:ext>
+            </a:extLst>
+          </p:cNvPr>
+          <p:cNvCxnSpPr>
+            <a:cxnSpLocks/>
+            <a:stCxn id="11" idx="3"/>
+            <a:endCxn id="39" idx="1"/>
+          </p:cNvCxnSpPr>
+          <p:nvPr/>
+        </p:nvCxnSpPr>
+        <p:spPr>
+          <a:xfrm>
+            <a:off x="5626915" y="3949506"/>
+            <a:ext cx="1032205" cy="63"/>
+          </a:xfrm>
+          <a:prstGeom prst="straightConnector1">
+            <a:avLst/>
+          </a:prstGeom>
+          <a:ln w="12700">
+            <a:solidFill>
+              <a:schemeClr val="tx1"/>
+            </a:solidFill>
+            <a:tailEnd type="triangle"/>
+          </a:ln>
+        </p:spPr>
+        <p:style>
+          <a:lnRef idx="1">
+            <a:schemeClr val="accent1"/>
+          </a:lnRef>
+          <a:fillRef idx="0">
+            <a:schemeClr val="accent1"/>
+          </a:fillRef>
+          <a:effectRef idx="0">
+            <a:schemeClr val="accent1"/>
+          </a:effectRef>
+          <a:fontRef idx="minor">
+            <a:schemeClr val="tx1"/>
+          </a:fontRef>
+        </p:style>
+      </p:cxnSp>
+      <p:sp>
+        <p:nvSpPr>
+          <p:cNvPr id="39" name="矩形 38">
+            <a:extLst>
+              <a:ext uri="{FF2B5EF4-FFF2-40B4-BE49-F238E27FC236}">
+                <a16:creationId xmlns:a16="http://schemas.microsoft.com/office/drawing/2014/main" id="{6E1BDC65-A673-4BAE-A780-4A678EF3CC7B}"/>
+              </a:ext>
+            </a:extLst>
+          </p:cNvPr>
+          <p:cNvSpPr/>
+          <p:nvPr/>
+        </p:nvSpPr>
+        <p:spPr>
+          <a:xfrm>
+            <a:off x="6659120" y="3762000"/>
+            <a:ext cx="450165" cy="375137"/>
+          </a:xfrm>
+          <a:prstGeom prst="rect">
+            <a:avLst/>
+          </a:prstGeom>
+          <a:solidFill>
+            <a:srgbClr val="A162D0"/>
+          </a:solidFill>
+        </p:spPr>
+        <p:style>
+          <a:lnRef idx="2">
+            <a:schemeClr val="accent1">
+              <a:shade val="50000"/>
+            </a:schemeClr>
+          </a:lnRef>
+          <a:fillRef idx="1">
+            <a:schemeClr val="accent1"/>
+          </a:fillRef>
+          <a:effectRef idx="0">
+            <a:schemeClr val="accent1"/>
+          </a:effectRef>
+          <a:fontRef idx="minor">
+            <a:schemeClr val="lt1"/>
+          </a:fontRef>
+        </p:style>
+        <p:txBody>
+          <a:bodyPr rtlCol="0" anchor="ctr"/>
+          <a:lstStyle/>
+          <a:p>
+            <a:pPr algn="ctr"/>
+            <a:endParaRPr lang="zh-CN" altLang="en-US"/>
+          </a:p>
+        </p:txBody>
+      </p:sp>
+      <p:sp>
+        <p:nvSpPr>
+          <p:cNvPr id="41" name="文本框 40">
+            <a:extLst>
+              <a:ext uri="{FF2B5EF4-FFF2-40B4-BE49-F238E27FC236}">
+                <a16:creationId xmlns:a16="http://schemas.microsoft.com/office/drawing/2014/main" id="{DC773B9B-8DFF-4A7F-8CC6-4DE327DC2857}"/>
+              </a:ext>
+            </a:extLst>
+          </p:cNvPr>
+          <p:cNvSpPr txBox="1"/>
+          <p:nvPr/>
+        </p:nvSpPr>
+        <p:spPr>
+          <a:xfrm>
+            <a:off x="5665657" y="3640869"/>
+            <a:ext cx="910827" cy="307777"/>
+          </a:xfrm>
+          <a:prstGeom prst="rect">
+            <a:avLst/>
+          </a:prstGeom>
+          <a:noFill/>
+        </p:spPr>
+        <p:txBody>
+          <a:bodyPr wrap="none" rtlCol="0">
+            <a:spAutoFit/>
+          </a:bodyPr>
+          <a:lstStyle/>
+          <a:p>
+            <a:r>
+              <a:rPr lang="en-US" altLang="zh-CN" sz="1400" b="1" dirty="0"/>
+              <a:t>3x3 conv</a:t>
+            </a:r>
+            <a:endParaRPr lang="zh-CN" altLang="en-US" sz="1400" b="1" dirty="0"/>
+          </a:p>
+        </p:txBody>
+      </p:sp>
+      <p:sp>
+        <p:nvSpPr>
+          <p:cNvPr id="42" name="文本框 41">
+            <a:extLst>
+              <a:ext uri="{FF2B5EF4-FFF2-40B4-BE49-F238E27FC236}">
+                <a16:creationId xmlns:a16="http://schemas.microsoft.com/office/drawing/2014/main" id="{41642B99-A013-4838-B4A5-0684AA9559AA}"/>
+              </a:ext>
+            </a:extLst>
+          </p:cNvPr>
+          <p:cNvSpPr txBox="1"/>
+          <p:nvPr/>
+        </p:nvSpPr>
+        <p:spPr>
+          <a:xfrm>
+            <a:off x="3855744" y="2430732"/>
+            <a:ext cx="910827" cy="307777"/>
+          </a:xfrm>
+          <a:prstGeom prst="rect">
+            <a:avLst/>
+          </a:prstGeom>
+          <a:noFill/>
+        </p:spPr>
+        <p:txBody>
+          <a:bodyPr wrap="none" rtlCol="0">
+            <a:spAutoFit/>
+          </a:bodyPr>
+          <a:lstStyle/>
+          <a:p>
+            <a:r>
+              <a:rPr lang="en-US" altLang="zh-CN" sz="1400" b="1" dirty="0"/>
+              <a:t>1x1 conv</a:t>
+            </a:r>
+            <a:endParaRPr lang="zh-CN" altLang="en-US" sz="1400" b="1" dirty="0"/>
+          </a:p>
+        </p:txBody>
+      </p:sp>
+      <p:sp>
+        <p:nvSpPr>
+          <p:cNvPr id="43" name="文本框 42">
+            <a:extLst>
+              <a:ext uri="{FF2B5EF4-FFF2-40B4-BE49-F238E27FC236}">
+                <a16:creationId xmlns:a16="http://schemas.microsoft.com/office/drawing/2014/main" id="{57021402-7C91-4EC9-B46E-C3AAFC476F2B}"/>
+              </a:ext>
+            </a:extLst>
+          </p:cNvPr>
+          <p:cNvSpPr txBox="1"/>
+          <p:nvPr/>
+        </p:nvSpPr>
+        <p:spPr>
+          <a:xfrm>
+            <a:off x="4952848" y="2752262"/>
+            <a:ext cx="910827" cy="307777"/>
+          </a:xfrm>
+          <a:prstGeom prst="rect">
+            <a:avLst/>
+          </a:prstGeom>
+          <a:noFill/>
+        </p:spPr>
+        <p:txBody>
+          <a:bodyPr wrap="none" rtlCol="0">
+            <a:spAutoFit/>
+          </a:bodyPr>
+          <a:lstStyle/>
+          <a:p>
+            <a:r>
+              <a:rPr lang="en-US" altLang="zh-CN" sz="1400" b="1" dirty="0"/>
+              <a:t>1x1 conv</a:t>
+            </a:r>
+            <a:endParaRPr lang="zh-CN" altLang="en-US" sz="1400" b="1" dirty="0"/>
+          </a:p>
+        </p:txBody>
+      </p:sp>
+      <p:sp>
+        <p:nvSpPr>
+          <p:cNvPr id="44" name="文本框 43">
+            <a:extLst>
+              <a:ext uri="{FF2B5EF4-FFF2-40B4-BE49-F238E27FC236}">
+                <a16:creationId xmlns:a16="http://schemas.microsoft.com/office/drawing/2014/main" id="{343DDA5E-5B94-4A70-A674-940CE55CFDFE}"/>
+              </a:ext>
+            </a:extLst>
+          </p:cNvPr>
+          <p:cNvSpPr txBox="1"/>
+          <p:nvPr/>
+        </p:nvSpPr>
+        <p:spPr>
+          <a:xfrm>
+            <a:off x="5095433" y="4114228"/>
+            <a:ext cx="910827" cy="307777"/>
+          </a:xfrm>
+          <a:prstGeom prst="rect">
+            <a:avLst/>
+          </a:prstGeom>
+          <a:noFill/>
+        </p:spPr>
+        <p:txBody>
+          <a:bodyPr wrap="none" rtlCol="0">
+            <a:spAutoFit/>
+          </a:bodyPr>
+          <a:lstStyle/>
+          <a:p>
+            <a:r>
+              <a:rPr lang="en-US" altLang="zh-CN" sz="1400" b="1" dirty="0"/>
+              <a:t>1x1 conv</a:t>
+            </a:r>
+            <a:endParaRPr lang="zh-CN" altLang="en-US" sz="1400" b="1" dirty="0"/>
+          </a:p>
+        </p:txBody>
+      </p:sp>
+      <p:sp>
+        <p:nvSpPr>
+          <p:cNvPr id="45" name="文本框 44">
+            <a:extLst>
+              <a:ext uri="{FF2B5EF4-FFF2-40B4-BE49-F238E27FC236}">
+                <a16:creationId xmlns:a16="http://schemas.microsoft.com/office/drawing/2014/main" id="{9679D254-2559-460E-A08D-C5D6CED89BE7}"/>
+              </a:ext>
+            </a:extLst>
+          </p:cNvPr>
+          <p:cNvSpPr txBox="1"/>
+          <p:nvPr/>
+        </p:nvSpPr>
+        <p:spPr>
+          <a:xfrm>
+            <a:off x="6494511" y="3480691"/>
+            <a:ext cx="848309" cy="276999"/>
+          </a:xfrm>
+          <a:prstGeom prst="rect">
+            <a:avLst/>
+          </a:prstGeom>
+          <a:noFill/>
+        </p:spPr>
+        <p:txBody>
+          <a:bodyPr wrap="none" rtlCol="0">
+            <a:spAutoFit/>
+          </a:bodyPr>
+          <a:lstStyle/>
+          <a:p>
+            <a:r>
+              <a:rPr lang="en-US" altLang="zh-CN" sz="1200" b="1" dirty="0">
+                <a:cs typeface="Arial" panose="020B0604020202020204" pitchFamily="34" charset="0"/>
+              </a:rPr>
+              <a:t>7x7x1024</a:t>
+            </a:r>
+            <a:endParaRPr lang="zh-CN" altLang="en-US" sz="1200" b="1" dirty="0">
+              <a:cs typeface="Arial" panose="020B0604020202020204" pitchFamily="34" charset="0"/>
+            </a:endParaRPr>
+          </a:p>
+        </p:txBody>
+      </p:sp>
+      <p:cxnSp>
+        <p:nvCxnSpPr>
+          <p:cNvPr id="46" name="直接箭头连接符 45">
+            <a:extLst>
+              <a:ext uri="{FF2B5EF4-FFF2-40B4-BE49-F238E27FC236}">
+                <a16:creationId xmlns:a16="http://schemas.microsoft.com/office/drawing/2014/main" id="{E7A15DB9-15A4-42BE-892B-16EFCAF5FF36}"/>
+              </a:ext>
+            </a:extLst>
+          </p:cNvPr>
+          <p:cNvCxnSpPr>
+            <a:cxnSpLocks/>
+          </p:cNvCxnSpPr>
+          <p:nvPr/>
+        </p:nvCxnSpPr>
+        <p:spPr>
+          <a:xfrm>
+            <a:off x="7128802" y="3959312"/>
+            <a:ext cx="1032205" cy="63"/>
+          </a:xfrm>
+          <a:prstGeom prst="straightConnector1">
+            <a:avLst/>
+          </a:prstGeom>
+          <a:ln w="12700">
+            <a:solidFill>
+              <a:schemeClr val="tx1"/>
+            </a:solidFill>
+            <a:tailEnd type="triangle"/>
+          </a:ln>
+        </p:spPr>
+        <p:style>
+          <a:lnRef idx="1">
+            <a:schemeClr val="accent1"/>
+          </a:lnRef>
+          <a:fillRef idx="0">
+            <a:schemeClr val="accent1"/>
+          </a:fillRef>
+          <a:effectRef idx="0">
+            <a:schemeClr val="accent1"/>
+          </a:effectRef>
+          <a:fontRef idx="minor">
+            <a:schemeClr val="tx1"/>
+          </a:fontRef>
+        </p:style>
+      </p:cxnSp>
+      <p:sp>
+        <p:nvSpPr>
+          <p:cNvPr id="47" name="文本框 46">
+            <a:extLst>
+              <a:ext uri="{FF2B5EF4-FFF2-40B4-BE49-F238E27FC236}">
+                <a16:creationId xmlns:a16="http://schemas.microsoft.com/office/drawing/2014/main" id="{E9756D36-39AB-424E-8B1D-F7BE5D482A7F}"/>
+              </a:ext>
+            </a:extLst>
+          </p:cNvPr>
+          <p:cNvSpPr txBox="1"/>
+          <p:nvPr/>
+        </p:nvSpPr>
+        <p:spPr>
+          <a:xfrm>
+            <a:off x="7150070" y="3650500"/>
+            <a:ext cx="910827" cy="307777"/>
+          </a:xfrm>
+          <a:prstGeom prst="rect">
+            <a:avLst/>
+          </a:prstGeom>
+          <a:noFill/>
+        </p:spPr>
+        <p:txBody>
+          <a:bodyPr wrap="none" rtlCol="0">
+            <a:spAutoFit/>
+          </a:bodyPr>
+          <a:lstStyle/>
+          <a:p>
+            <a:r>
+              <a:rPr lang="en-US" altLang="zh-CN" sz="1400" b="1" dirty="0"/>
+              <a:t>1x1 conv</a:t>
+            </a:r>
+            <a:endParaRPr lang="zh-CN" altLang="en-US" sz="1400" b="1" dirty="0"/>
+          </a:p>
+        </p:txBody>
+      </p:sp>
+      <p:sp>
+        <p:nvSpPr>
+          <p:cNvPr id="49" name="矩形 48">
+            <a:extLst>
+              <a:ext uri="{FF2B5EF4-FFF2-40B4-BE49-F238E27FC236}">
+                <a16:creationId xmlns:a16="http://schemas.microsoft.com/office/drawing/2014/main" id="{9297353E-EF52-4DE7-B652-52F4F14C419B}"/>
+              </a:ext>
+            </a:extLst>
+          </p:cNvPr>
+          <p:cNvSpPr/>
+          <p:nvPr/>
+        </p:nvSpPr>
+        <p:spPr>
+          <a:xfrm>
+            <a:off x="8172205" y="3761937"/>
+            <a:ext cx="450165" cy="375137"/>
+          </a:xfrm>
+          <a:prstGeom prst="rect">
+            <a:avLst/>
+          </a:prstGeom>
+          <a:solidFill>
+            <a:srgbClr val="A162D0"/>
+          </a:solidFill>
+        </p:spPr>
+        <p:style>
+          <a:lnRef idx="2">
+            <a:schemeClr val="accent1">
+              <a:shade val="50000"/>
+            </a:schemeClr>
+          </a:lnRef>
+          <a:fillRef idx="1">
+            <a:schemeClr val="accent1"/>
+          </a:fillRef>
+          <a:effectRef idx="0">
+            <a:schemeClr val="accent1"/>
+          </a:effectRef>
+          <a:fontRef idx="minor">
+            <a:schemeClr val="lt1"/>
+          </a:fontRef>
+        </p:style>
+        <p:txBody>
+          <a:bodyPr rtlCol="0" anchor="ctr"/>
+          <a:lstStyle/>
+          <a:p>
+            <a:pPr algn="ctr"/>
+            <a:endParaRPr lang="zh-CN" altLang="en-US"/>
+          </a:p>
+        </p:txBody>
+      </p:sp>
+      <p:sp>
+        <p:nvSpPr>
+          <p:cNvPr id="50" name="文本框 49">
+            <a:extLst>
+              <a:ext uri="{FF2B5EF4-FFF2-40B4-BE49-F238E27FC236}">
+                <a16:creationId xmlns:a16="http://schemas.microsoft.com/office/drawing/2014/main" id="{708148E2-3B2E-402A-BF26-48A9A4C5F590}"/>
+              </a:ext>
+            </a:extLst>
+          </p:cNvPr>
+          <p:cNvSpPr txBox="1"/>
+          <p:nvPr/>
+        </p:nvSpPr>
+        <p:spPr>
+          <a:xfrm>
+            <a:off x="8007596" y="3480628"/>
+            <a:ext cx="763351" cy="276999"/>
+          </a:xfrm>
+          <a:prstGeom prst="rect">
+            <a:avLst/>
+          </a:prstGeom>
+          <a:noFill/>
+        </p:spPr>
+        <p:txBody>
+          <a:bodyPr wrap="none" rtlCol="0">
+            <a:spAutoFit/>
+          </a:bodyPr>
+          <a:lstStyle/>
+          <a:p>
+            <a:r>
+              <a:rPr lang="en-US" altLang="zh-CN" sz="1200" b="1" dirty="0">
+                <a:cs typeface="Arial" panose="020B0604020202020204" pitchFamily="34" charset="0"/>
+              </a:rPr>
+              <a:t>7x7x255</a:t>
+            </a:r>
+            <a:endParaRPr lang="zh-CN" altLang="en-US" sz="1200" b="1" dirty="0">
+              <a:cs typeface="Arial" panose="020B0604020202020204" pitchFamily="34" charset="0"/>
+            </a:endParaRPr>
+          </a:p>
+        </p:txBody>
+      </p:sp>
+      <p:sp>
+        <p:nvSpPr>
+          <p:cNvPr id="53" name="矩形 52">
+            <a:extLst>
+              <a:ext uri="{FF2B5EF4-FFF2-40B4-BE49-F238E27FC236}">
+                <a16:creationId xmlns:a16="http://schemas.microsoft.com/office/drawing/2014/main" id="{9E1FEB8A-E35E-4958-97BE-77F1F868D041}"/>
+              </a:ext>
+            </a:extLst>
+          </p:cNvPr>
+          <p:cNvSpPr/>
+          <p:nvPr/>
+        </p:nvSpPr>
+        <p:spPr>
+          <a:xfrm>
+            <a:off x="5031641" y="5340132"/>
+            <a:ext cx="625422" cy="524019"/>
+          </a:xfrm>
+          <a:prstGeom prst="rect">
+            <a:avLst/>
+          </a:prstGeom>
+          <a:solidFill>
+            <a:srgbClr val="02FFC4"/>
+          </a:solidFill>
+        </p:spPr>
+        <p:style>
+          <a:lnRef idx="2">
+            <a:schemeClr val="accent1">
+              <a:shade val="50000"/>
+            </a:schemeClr>
+          </a:lnRef>
+          <a:fillRef idx="1">
+            <a:schemeClr val="accent1"/>
+          </a:fillRef>
+          <a:effectRef idx="0">
+            <a:schemeClr val="accent1"/>
+          </a:effectRef>
+          <a:fontRef idx="minor">
+            <a:schemeClr val="lt1"/>
+          </a:fontRef>
+        </p:style>
+        <p:txBody>
+          <a:bodyPr rtlCol="0" anchor="ctr"/>
+          <a:lstStyle/>
+          <a:p>
+            <a:pPr algn="ctr"/>
+            <a:endParaRPr lang="zh-CN" altLang="en-US"/>
+          </a:p>
+        </p:txBody>
+      </p:sp>
+      <p:cxnSp>
+        <p:nvCxnSpPr>
+          <p:cNvPr id="58" name="连接符: 肘形 57">
+            <a:extLst>
+              <a:ext uri="{FF2B5EF4-FFF2-40B4-BE49-F238E27FC236}">
+                <a16:creationId xmlns:a16="http://schemas.microsoft.com/office/drawing/2014/main" id="{139884C5-467C-4DDA-A4DA-D99F642D24B4}"/>
+              </a:ext>
+            </a:extLst>
+          </p:cNvPr>
+          <p:cNvCxnSpPr>
+            <a:cxnSpLocks/>
+            <a:stCxn id="39" idx="2"/>
+          </p:cNvCxnSpPr>
+          <p:nvPr/>
+        </p:nvCxnSpPr>
+        <p:spPr>
+          <a:xfrm rot="5400000">
+            <a:off x="5124356" y="2846954"/>
+            <a:ext cx="469664" cy="3050031"/>
+          </a:xfrm>
+          <a:prstGeom prst="bentConnector3">
+            <a:avLst/>
+          </a:prstGeom>
+          <a:ln w="12700">
+            <a:solidFill>
+              <a:schemeClr val="tx1"/>
+            </a:solidFill>
+            <a:tailEnd type="triangle"/>
+          </a:ln>
+        </p:spPr>
+        <p:style>
+          <a:lnRef idx="1">
+            <a:schemeClr val="accent1"/>
+          </a:lnRef>
+          <a:fillRef idx="0">
+            <a:schemeClr val="accent1"/>
+          </a:fillRef>
+          <a:effectRef idx="0">
+            <a:schemeClr val="accent1"/>
+          </a:effectRef>
+          <a:fontRef idx="minor">
+            <a:schemeClr val="tx1"/>
+          </a:fontRef>
+        </p:style>
+      </p:cxnSp>
+      <p:cxnSp>
+        <p:nvCxnSpPr>
+          <p:cNvPr id="63" name="连接符: 肘形 62">
+            <a:extLst>
+              <a:ext uri="{FF2B5EF4-FFF2-40B4-BE49-F238E27FC236}">
+                <a16:creationId xmlns:a16="http://schemas.microsoft.com/office/drawing/2014/main" id="{4D3A56ED-09C3-4D09-9204-FA465A14284E}"/>
+              </a:ext>
+            </a:extLst>
+          </p:cNvPr>
+          <p:cNvCxnSpPr>
+            <a:stCxn id="14" idx="2"/>
+            <a:endCxn id="53" idx="1"/>
+          </p:cNvCxnSpPr>
+          <p:nvPr/>
+        </p:nvCxnSpPr>
+        <p:spPr>
+          <a:xfrm rot="16200000" flipH="1">
+            <a:off x="3800636" y="4371137"/>
+            <a:ext cx="148066" cy="2313944"/>
+          </a:xfrm>
+          <a:prstGeom prst="bentConnector2">
+            <a:avLst/>
+          </a:prstGeom>
+          <a:ln w="12700">
+            <a:solidFill>
+              <a:schemeClr val="tx1"/>
+            </a:solidFill>
+            <a:tailEnd type="triangle"/>
+          </a:ln>
+        </p:spPr>
+        <p:style>
+          <a:lnRef idx="1">
+            <a:schemeClr val="accent1"/>
+          </a:lnRef>
+          <a:fillRef idx="0">
+            <a:schemeClr val="accent1"/>
+          </a:fillRef>
+          <a:effectRef idx="0">
+            <a:schemeClr val="accent1"/>
+          </a:effectRef>
+          <a:fontRef idx="minor">
+            <a:schemeClr val="tx1"/>
+          </a:fontRef>
+        </p:style>
+      </p:cxnSp>
+      <p:sp>
+        <p:nvSpPr>
+          <p:cNvPr id="67" name="文本框 66">
+            <a:extLst>
+              <a:ext uri="{FF2B5EF4-FFF2-40B4-BE49-F238E27FC236}">
+                <a16:creationId xmlns:a16="http://schemas.microsoft.com/office/drawing/2014/main" id="{19D578B0-4C21-411F-802B-03B9B639B8E4}"/>
+              </a:ext>
+            </a:extLst>
+          </p:cNvPr>
+          <p:cNvSpPr txBox="1"/>
+          <p:nvPr/>
+        </p:nvSpPr>
+        <p:spPr>
+          <a:xfrm>
+            <a:off x="3153787" y="5604546"/>
+            <a:ext cx="1176925" cy="307777"/>
+          </a:xfrm>
+          <a:prstGeom prst="rect">
+            <a:avLst/>
+          </a:prstGeom>
+          <a:noFill/>
+        </p:spPr>
+        <p:txBody>
+          <a:bodyPr wrap="none" rtlCol="0">
+            <a:spAutoFit/>
+          </a:bodyPr>
+          <a:lstStyle/>
+          <a:p>
+            <a:r>
+              <a:rPr lang="en-US" altLang="zh-CN" sz="1400" b="1" dirty="0"/>
+              <a:t>concatenate</a:t>
+            </a:r>
+            <a:endParaRPr lang="zh-CN" altLang="en-US" sz="1400" b="1" dirty="0"/>
+          </a:p>
+        </p:txBody>
+      </p:sp>
+      <p:sp>
+        <p:nvSpPr>
+          <p:cNvPr id="68" name="矩形 67">
+            <a:extLst>
+              <a:ext uri="{FF2B5EF4-FFF2-40B4-BE49-F238E27FC236}">
+                <a16:creationId xmlns:a16="http://schemas.microsoft.com/office/drawing/2014/main" id="{C31574AD-DF2C-4956-BD70-6C6B4A84E24F}"/>
+              </a:ext>
+            </a:extLst>
+          </p:cNvPr>
+          <p:cNvSpPr/>
+          <p:nvPr/>
+        </p:nvSpPr>
+        <p:spPr>
+          <a:xfrm>
+            <a:off x="6605954" y="5333814"/>
+            <a:ext cx="625422" cy="524019"/>
+          </a:xfrm>
+          <a:prstGeom prst="rect">
+            <a:avLst/>
+          </a:prstGeom>
+          <a:solidFill>
+            <a:srgbClr val="02FFC4"/>
+          </a:solidFill>
+        </p:spPr>
+        <p:style>
+          <a:lnRef idx="2">
+            <a:schemeClr val="accent1">
+              <a:shade val="50000"/>
+            </a:schemeClr>
+          </a:lnRef>
+          <a:fillRef idx="1">
+            <a:schemeClr val="accent1"/>
+          </a:fillRef>
+          <a:effectRef idx="0">
+            <a:schemeClr val="accent1"/>
+          </a:effectRef>
+          <a:fontRef idx="minor">
+            <a:schemeClr val="lt1"/>
+          </a:fontRef>
+        </p:style>
+        <p:txBody>
+          <a:bodyPr rtlCol="0" anchor="ctr"/>
+          <a:lstStyle/>
+          <a:p>
+            <a:pPr algn="ctr"/>
+            <a:endParaRPr lang="zh-CN" altLang="en-US"/>
+          </a:p>
+        </p:txBody>
+      </p:sp>
+      <p:sp>
+        <p:nvSpPr>
+          <p:cNvPr id="69" name="矩形 68">
+            <a:extLst>
+              <a:ext uri="{FF2B5EF4-FFF2-40B4-BE49-F238E27FC236}">
+                <a16:creationId xmlns:a16="http://schemas.microsoft.com/office/drawing/2014/main" id="{19D03F8E-633F-4567-B6F7-DD8B59769F59}"/>
+              </a:ext>
+            </a:extLst>
+          </p:cNvPr>
+          <p:cNvSpPr/>
+          <p:nvPr/>
+        </p:nvSpPr>
+        <p:spPr>
+          <a:xfrm>
+            <a:off x="8079847" y="5342536"/>
+            <a:ext cx="625422" cy="524019"/>
+          </a:xfrm>
+          <a:prstGeom prst="rect">
+            <a:avLst/>
+          </a:prstGeom>
+          <a:solidFill>
+            <a:srgbClr val="02FFC4"/>
+          </a:solidFill>
+        </p:spPr>
+        <p:style>
+          <a:lnRef idx="2">
+            <a:schemeClr val="accent1">
+              <a:shade val="50000"/>
+            </a:schemeClr>
+          </a:lnRef>
+          <a:fillRef idx="1">
+            <a:schemeClr val="accent1"/>
+          </a:fillRef>
+          <a:effectRef idx="0">
+            <a:schemeClr val="accent1"/>
+          </a:effectRef>
+          <a:fontRef idx="minor">
+            <a:schemeClr val="lt1"/>
+          </a:fontRef>
+        </p:style>
+        <p:txBody>
+          <a:bodyPr rtlCol="0" anchor="ctr"/>
+          <a:lstStyle/>
+          <a:p>
+            <a:pPr algn="ctr"/>
+            <a:endParaRPr lang="zh-CN" altLang="en-US"/>
+          </a:p>
+        </p:txBody>
+      </p:sp>
+      <p:cxnSp>
+        <p:nvCxnSpPr>
+          <p:cNvPr id="71" name="直接箭头连接符 70">
+            <a:extLst>
+              <a:ext uri="{FF2B5EF4-FFF2-40B4-BE49-F238E27FC236}">
+                <a16:creationId xmlns:a16="http://schemas.microsoft.com/office/drawing/2014/main" id="{9BE112BB-FBB1-4C46-8459-2CB3A1ADBCF8}"/>
+              </a:ext>
+            </a:extLst>
+          </p:cNvPr>
+          <p:cNvCxnSpPr>
+            <a:stCxn id="53" idx="3"/>
+            <a:endCxn id="68" idx="1"/>
+          </p:cNvCxnSpPr>
+          <p:nvPr/>
+        </p:nvCxnSpPr>
+        <p:spPr>
+          <a:xfrm flipV="1">
+            <a:off x="5657063" y="5595824"/>
+            <a:ext cx="948891" cy="6318"/>
+          </a:xfrm>
+          <a:prstGeom prst="straightConnector1">
+            <a:avLst/>
+          </a:prstGeom>
+          <a:ln w="12700">
+            <a:solidFill>
+              <a:schemeClr val="tx1"/>
+            </a:solidFill>
+            <a:tailEnd type="triangle"/>
+          </a:ln>
+        </p:spPr>
+        <p:style>
+          <a:lnRef idx="1">
+            <a:schemeClr val="accent1"/>
+          </a:lnRef>
+          <a:fillRef idx="0">
+            <a:schemeClr val="accent1"/>
+          </a:fillRef>
+          <a:effectRef idx="0">
+            <a:schemeClr val="accent1"/>
+          </a:effectRef>
+          <a:fontRef idx="minor">
+            <a:schemeClr val="tx1"/>
+          </a:fontRef>
+        </p:style>
+      </p:cxnSp>
+      <p:sp>
+        <p:nvSpPr>
+          <p:cNvPr id="74" name="矩形 73">
+            <a:extLst>
+              <a:ext uri="{FF2B5EF4-FFF2-40B4-BE49-F238E27FC236}">
+                <a16:creationId xmlns:a16="http://schemas.microsoft.com/office/drawing/2014/main" id="{264F2CE6-1C02-4076-B396-6204A6E8E8AF}"/>
+              </a:ext>
+            </a:extLst>
+          </p:cNvPr>
+          <p:cNvSpPr/>
+          <p:nvPr/>
+        </p:nvSpPr>
+        <p:spPr>
+          <a:xfrm>
+            <a:off x="5027535" y="4606801"/>
+            <a:ext cx="625422" cy="524019"/>
+          </a:xfrm>
+          <a:prstGeom prst="rect">
+            <a:avLst/>
+          </a:prstGeom>
+          <a:solidFill>
+            <a:srgbClr val="02FFC4"/>
+          </a:solidFill>
+        </p:spPr>
+        <p:style>
+          <a:lnRef idx="2">
+            <a:schemeClr val="accent1">
+              <a:shade val="50000"/>
+            </a:schemeClr>
+          </a:lnRef>
+          <a:fillRef idx="1">
+            <a:schemeClr val="accent1"/>
+          </a:fillRef>
+          <a:effectRef idx="0">
+            <a:schemeClr val="accent1"/>
+          </a:effectRef>
+          <a:fontRef idx="minor">
+            <a:schemeClr val="lt1"/>
+          </a:fontRef>
+        </p:style>
+        <p:txBody>
+          <a:bodyPr rtlCol="0" anchor="ctr"/>
+          <a:lstStyle/>
+          <a:p>
+            <a:pPr algn="ctr"/>
+            <a:endParaRPr lang="zh-CN" altLang="en-US"/>
+          </a:p>
+        </p:txBody>
+      </p:sp>
+      <p:sp>
+        <p:nvSpPr>
+          <p:cNvPr id="77" name="文本框 76">
+            <a:extLst>
+              <a:ext uri="{FF2B5EF4-FFF2-40B4-BE49-F238E27FC236}">
+                <a16:creationId xmlns:a16="http://schemas.microsoft.com/office/drawing/2014/main" id="{DAC0DBA0-16F2-4576-B7A1-03B795B02195}"/>
+              </a:ext>
+            </a:extLst>
+          </p:cNvPr>
+          <p:cNvSpPr txBox="1"/>
+          <p:nvPr/>
+        </p:nvSpPr>
+        <p:spPr>
+          <a:xfrm>
+            <a:off x="3035028" y="4316546"/>
+            <a:ext cx="763351" cy="276999"/>
+          </a:xfrm>
+          <a:prstGeom prst="rect">
+            <a:avLst/>
+          </a:prstGeom>
+          <a:noFill/>
+        </p:spPr>
+        <p:txBody>
+          <a:bodyPr wrap="none" rtlCol="0">
+            <a:spAutoFit/>
+          </a:bodyPr>
+          <a:lstStyle/>
+          <a:p>
+            <a:r>
+              <a:rPr lang="en-US" altLang="zh-CN" sz="1200" b="1" dirty="0">
+                <a:cs typeface="Arial" panose="020B0604020202020204" pitchFamily="34" charset="0"/>
+              </a:rPr>
+              <a:t>7x7x256</a:t>
+            </a:r>
+            <a:endParaRPr lang="zh-CN" altLang="en-US" sz="1200" b="1" dirty="0">
+              <a:cs typeface="Arial" panose="020B0604020202020204" pitchFamily="34" charset="0"/>
+            </a:endParaRPr>
+          </a:p>
+        </p:txBody>
+      </p:sp>
+      <p:cxnSp>
+        <p:nvCxnSpPr>
+          <p:cNvPr id="79" name="直接箭头连接符 78">
+            <a:extLst>
+              <a:ext uri="{FF2B5EF4-FFF2-40B4-BE49-F238E27FC236}">
+                <a16:creationId xmlns:a16="http://schemas.microsoft.com/office/drawing/2014/main" id="{8AB4577B-7C43-4C91-BFB8-C028D39E6493}"/>
+              </a:ext>
+            </a:extLst>
+          </p:cNvPr>
+          <p:cNvCxnSpPr>
+            <a:cxnSpLocks/>
+          </p:cNvCxnSpPr>
+          <p:nvPr/>
+        </p:nvCxnSpPr>
+        <p:spPr>
+          <a:xfrm>
+            <a:off x="4118311" y="4868811"/>
+            <a:ext cx="880652" cy="0"/>
+          </a:xfrm>
+          <a:prstGeom prst="straightConnector1">
+            <a:avLst/>
+          </a:prstGeom>
+          <a:ln w="12700">
+            <a:solidFill>
+              <a:schemeClr val="tx1"/>
+            </a:solidFill>
+            <a:tailEnd type="triangle"/>
+          </a:ln>
+        </p:spPr>
+        <p:style>
+          <a:lnRef idx="1">
+            <a:schemeClr val="accent1"/>
+          </a:lnRef>
+          <a:fillRef idx="0">
+            <a:schemeClr val="accent1"/>
+          </a:fillRef>
+          <a:effectRef idx="0">
+            <a:schemeClr val="accent1"/>
+          </a:effectRef>
+          <a:fontRef idx="minor">
+            <a:schemeClr val="tx1"/>
+          </a:fontRef>
+        </p:style>
+      </p:cxnSp>
+      <p:sp>
+        <p:nvSpPr>
+          <p:cNvPr id="81" name="文本框 80">
+            <a:extLst>
+              <a:ext uri="{FF2B5EF4-FFF2-40B4-BE49-F238E27FC236}">
+                <a16:creationId xmlns:a16="http://schemas.microsoft.com/office/drawing/2014/main" id="{04814415-C9C5-4CB1-B5A9-B3AF73B103AC}"/>
+              </a:ext>
+            </a:extLst>
+          </p:cNvPr>
+          <p:cNvSpPr txBox="1"/>
+          <p:nvPr/>
+        </p:nvSpPr>
+        <p:spPr>
+          <a:xfrm>
+            <a:off x="4077510" y="4545556"/>
+            <a:ext cx="974947" cy="307777"/>
+          </a:xfrm>
+          <a:prstGeom prst="rect">
+            <a:avLst/>
+          </a:prstGeom>
+          <a:noFill/>
+        </p:spPr>
+        <p:txBody>
+          <a:bodyPr wrap="none" rtlCol="0">
+            <a:spAutoFit/>
+          </a:bodyPr>
+          <a:lstStyle/>
+          <a:p>
+            <a:r>
+              <a:rPr lang="en-US" altLang="zh-CN" sz="1400" b="1" dirty="0" err="1"/>
+              <a:t>upsample</a:t>
+            </a:r>
+            <a:endParaRPr lang="zh-CN" altLang="en-US" sz="1400" b="1" dirty="0"/>
+          </a:p>
+        </p:txBody>
+      </p:sp>
+      <p:cxnSp>
+        <p:nvCxnSpPr>
+          <p:cNvPr id="84" name="直接箭头连接符 83">
+            <a:extLst>
+              <a:ext uri="{FF2B5EF4-FFF2-40B4-BE49-F238E27FC236}">
+                <a16:creationId xmlns:a16="http://schemas.microsoft.com/office/drawing/2014/main" id="{87C9B86E-B6D3-4874-B30F-666375D58A72}"/>
+              </a:ext>
+            </a:extLst>
+          </p:cNvPr>
+          <p:cNvCxnSpPr>
+            <a:cxnSpLocks/>
+            <a:stCxn id="74" idx="2"/>
+            <a:endCxn id="53" idx="0"/>
+          </p:cNvCxnSpPr>
+          <p:nvPr/>
+        </p:nvCxnSpPr>
+        <p:spPr>
+          <a:xfrm>
+            <a:off x="5340246" y="5130820"/>
+            <a:ext cx="4106" cy="209312"/>
+          </a:xfrm>
+          <a:prstGeom prst="straightConnector1">
+            <a:avLst/>
+          </a:prstGeom>
+          <a:ln w="12700">
+            <a:solidFill>
+              <a:schemeClr val="tx1"/>
+            </a:solidFill>
+            <a:tailEnd type="triangle"/>
+          </a:ln>
+        </p:spPr>
+        <p:style>
+          <a:lnRef idx="1">
+            <a:schemeClr val="accent1"/>
+          </a:lnRef>
+          <a:fillRef idx="0">
+            <a:schemeClr val="accent1"/>
+          </a:fillRef>
+          <a:effectRef idx="0">
+            <a:schemeClr val="accent1"/>
+          </a:effectRef>
+          <a:fontRef idx="minor">
+            <a:schemeClr val="tx1"/>
+          </a:fontRef>
+        </p:style>
+      </p:cxnSp>
+      <p:sp>
+        <p:nvSpPr>
+          <p:cNvPr id="92" name="文本框 91">
+            <a:extLst>
+              <a:ext uri="{FF2B5EF4-FFF2-40B4-BE49-F238E27FC236}">
+                <a16:creationId xmlns:a16="http://schemas.microsoft.com/office/drawing/2014/main" id="{C6EFB97F-AFF4-415A-BC97-8760C57F4005}"/>
+              </a:ext>
+            </a:extLst>
+          </p:cNvPr>
+          <p:cNvSpPr txBox="1"/>
+          <p:nvPr/>
+        </p:nvSpPr>
+        <p:spPr>
+          <a:xfrm>
+            <a:off x="1634811" y="4699444"/>
+            <a:ext cx="933269" cy="276999"/>
+          </a:xfrm>
+          <a:prstGeom prst="rect">
+            <a:avLst/>
+          </a:prstGeom>
+          <a:noFill/>
+        </p:spPr>
+        <p:txBody>
+          <a:bodyPr wrap="none" rtlCol="0">
+            <a:spAutoFit/>
+          </a:bodyPr>
+          <a:lstStyle/>
+          <a:p>
+            <a:r>
+              <a:rPr lang="en-US" altLang="zh-CN" sz="1200" b="1" dirty="0">
+                <a:cs typeface="Arial" panose="020B0604020202020204" pitchFamily="34" charset="0"/>
+              </a:rPr>
+              <a:t>14x14x512</a:t>
+            </a:r>
+            <a:endParaRPr lang="zh-CN" altLang="en-US" sz="1200" b="1" dirty="0">
+              <a:cs typeface="Arial" panose="020B0604020202020204" pitchFamily="34" charset="0"/>
+            </a:endParaRPr>
+          </a:p>
+        </p:txBody>
+      </p:sp>
+      <p:sp>
+        <p:nvSpPr>
+          <p:cNvPr id="93" name="文本框 92">
+            <a:extLst>
+              <a:ext uri="{FF2B5EF4-FFF2-40B4-BE49-F238E27FC236}">
+                <a16:creationId xmlns:a16="http://schemas.microsoft.com/office/drawing/2014/main" id="{D1A256DC-76E5-4024-BA87-723D1F984899}"/>
+              </a:ext>
+            </a:extLst>
+          </p:cNvPr>
+          <p:cNvSpPr txBox="1"/>
+          <p:nvPr/>
+        </p:nvSpPr>
+        <p:spPr>
+          <a:xfrm>
+            <a:off x="5614311" y="4484120"/>
+            <a:ext cx="933269" cy="276999"/>
+          </a:xfrm>
+          <a:prstGeom prst="rect">
+            <a:avLst/>
+          </a:prstGeom>
+          <a:noFill/>
+        </p:spPr>
+        <p:txBody>
+          <a:bodyPr wrap="none" rtlCol="0">
+            <a:spAutoFit/>
+          </a:bodyPr>
+          <a:lstStyle/>
+          <a:p>
+            <a:r>
+              <a:rPr lang="en-US" altLang="zh-CN" sz="1200" b="1" dirty="0">
+                <a:cs typeface="Arial" panose="020B0604020202020204" pitchFamily="34" charset="0"/>
+              </a:rPr>
+              <a:t>14x14x256</a:t>
+            </a:r>
+            <a:endParaRPr lang="zh-CN" altLang="en-US" sz="1200" b="1" dirty="0">
+              <a:cs typeface="Arial" panose="020B0604020202020204" pitchFamily="34" charset="0"/>
+            </a:endParaRPr>
+          </a:p>
+        </p:txBody>
+      </p:sp>
+      <p:sp>
+        <p:nvSpPr>
+          <p:cNvPr id="94" name="文本框 93">
+            <a:extLst>
+              <a:ext uri="{FF2B5EF4-FFF2-40B4-BE49-F238E27FC236}">
+                <a16:creationId xmlns:a16="http://schemas.microsoft.com/office/drawing/2014/main" id="{15951D13-6838-4E2F-AD76-85CA23D6963B}"/>
+              </a:ext>
+            </a:extLst>
+          </p:cNvPr>
+          <p:cNvSpPr txBox="1"/>
+          <p:nvPr/>
+        </p:nvSpPr>
+        <p:spPr>
+          <a:xfrm>
+            <a:off x="4179294" y="5091279"/>
+            <a:ext cx="933269" cy="276999"/>
+          </a:xfrm>
+          <a:prstGeom prst="rect">
+            <a:avLst/>
+          </a:prstGeom>
+          <a:noFill/>
+        </p:spPr>
+        <p:txBody>
+          <a:bodyPr wrap="none" rtlCol="0">
+            <a:spAutoFit/>
+          </a:bodyPr>
+          <a:lstStyle/>
+          <a:p>
+            <a:r>
+              <a:rPr lang="en-US" altLang="zh-CN" sz="1200" b="1" dirty="0">
+                <a:cs typeface="Arial" panose="020B0604020202020204" pitchFamily="34" charset="0"/>
+              </a:rPr>
+              <a:t>14x14x768</a:t>
+            </a:r>
+            <a:endParaRPr lang="zh-CN" altLang="en-US" sz="1200" b="1" dirty="0">
+              <a:cs typeface="Arial" panose="020B0604020202020204" pitchFamily="34" charset="0"/>
+            </a:endParaRPr>
+          </a:p>
+        </p:txBody>
+      </p:sp>
+      <p:sp>
+        <p:nvSpPr>
+          <p:cNvPr id="95" name="文本框 94">
+            <a:extLst>
+              <a:ext uri="{FF2B5EF4-FFF2-40B4-BE49-F238E27FC236}">
+                <a16:creationId xmlns:a16="http://schemas.microsoft.com/office/drawing/2014/main" id="{1CF5170A-200D-47AA-A57A-AD9B81BF9311}"/>
+              </a:ext>
+            </a:extLst>
+          </p:cNvPr>
+          <p:cNvSpPr txBox="1"/>
+          <p:nvPr/>
+        </p:nvSpPr>
+        <p:spPr>
+          <a:xfrm>
+            <a:off x="5652957" y="5241173"/>
+            <a:ext cx="910827" cy="307777"/>
+          </a:xfrm>
+          <a:prstGeom prst="rect">
+            <a:avLst/>
+          </a:prstGeom>
+          <a:noFill/>
+        </p:spPr>
+        <p:txBody>
+          <a:bodyPr wrap="none" rtlCol="0">
+            <a:spAutoFit/>
+          </a:bodyPr>
+          <a:lstStyle/>
+          <a:p>
+            <a:r>
+              <a:rPr lang="en-US" altLang="zh-CN" sz="1400" b="1" dirty="0"/>
+              <a:t>3x3 conv</a:t>
+            </a:r>
+            <a:endParaRPr lang="zh-CN" altLang="en-US" sz="1400" b="1" dirty="0"/>
+          </a:p>
+        </p:txBody>
+      </p:sp>
+      <p:sp>
+        <p:nvSpPr>
+          <p:cNvPr id="96" name="文本框 95">
+            <a:extLst>
+              <a:ext uri="{FF2B5EF4-FFF2-40B4-BE49-F238E27FC236}">
+                <a16:creationId xmlns:a16="http://schemas.microsoft.com/office/drawing/2014/main" id="{C74AB52A-5D84-4C57-B477-F7032ED0A702}"/>
+              </a:ext>
+            </a:extLst>
+          </p:cNvPr>
+          <p:cNvSpPr txBox="1"/>
+          <p:nvPr/>
+        </p:nvSpPr>
+        <p:spPr>
+          <a:xfrm>
+            <a:off x="7218676" y="5240430"/>
+            <a:ext cx="910827" cy="307777"/>
+          </a:xfrm>
+          <a:prstGeom prst="rect">
+            <a:avLst/>
+          </a:prstGeom>
+          <a:noFill/>
+        </p:spPr>
+        <p:txBody>
+          <a:bodyPr wrap="none" rtlCol="0">
+            <a:spAutoFit/>
+          </a:bodyPr>
+          <a:lstStyle/>
+          <a:p>
+            <a:r>
+              <a:rPr lang="en-US" altLang="zh-CN" sz="1400" b="1" dirty="0"/>
+              <a:t>1x1 conv</a:t>
+            </a:r>
+            <a:endParaRPr lang="zh-CN" altLang="en-US" sz="1400" b="1" dirty="0"/>
+          </a:p>
+        </p:txBody>
+      </p:sp>
+      <p:cxnSp>
+        <p:nvCxnSpPr>
+          <p:cNvPr id="97" name="直接箭头连接符 96">
+            <a:extLst>
+              <a:ext uri="{FF2B5EF4-FFF2-40B4-BE49-F238E27FC236}">
+                <a16:creationId xmlns:a16="http://schemas.microsoft.com/office/drawing/2014/main" id="{C2E013E2-4DF9-4C01-B5CA-91755A43ED53}"/>
+              </a:ext>
+            </a:extLst>
+          </p:cNvPr>
+          <p:cNvCxnSpPr>
+            <a:cxnSpLocks/>
+            <a:endCxn id="69" idx="1"/>
+          </p:cNvCxnSpPr>
+          <p:nvPr/>
+        </p:nvCxnSpPr>
+        <p:spPr>
+          <a:xfrm flipV="1">
+            <a:off x="7221525" y="5604546"/>
+            <a:ext cx="858322" cy="2750"/>
+          </a:xfrm>
+          <a:prstGeom prst="straightConnector1">
+            <a:avLst/>
+          </a:prstGeom>
+          <a:ln w="12700">
+            <a:solidFill>
+              <a:schemeClr val="tx1"/>
+            </a:solidFill>
+            <a:tailEnd type="triangle"/>
+          </a:ln>
+        </p:spPr>
+        <p:style>
+          <a:lnRef idx="1">
+            <a:schemeClr val="accent1"/>
+          </a:lnRef>
+          <a:fillRef idx="0">
+            <a:schemeClr val="accent1"/>
+          </a:fillRef>
+          <a:effectRef idx="0">
+            <a:schemeClr val="accent1"/>
+          </a:effectRef>
+          <a:fontRef idx="minor">
+            <a:schemeClr val="tx1"/>
+          </a:fontRef>
+        </p:style>
+      </p:cxnSp>
+      <p:sp>
+        <p:nvSpPr>
+          <p:cNvPr id="99" name="文本框 98">
+            <a:extLst>
+              <a:ext uri="{FF2B5EF4-FFF2-40B4-BE49-F238E27FC236}">
+                <a16:creationId xmlns:a16="http://schemas.microsoft.com/office/drawing/2014/main" id="{A41ED895-D513-452C-8A9E-36791512F01F}"/>
+              </a:ext>
+            </a:extLst>
+          </p:cNvPr>
+          <p:cNvSpPr txBox="1"/>
+          <p:nvPr/>
+        </p:nvSpPr>
+        <p:spPr>
+          <a:xfrm>
+            <a:off x="6440245" y="5054056"/>
+            <a:ext cx="1018227" cy="276999"/>
+          </a:xfrm>
+          <a:prstGeom prst="rect">
+            <a:avLst/>
+          </a:prstGeom>
+          <a:noFill/>
+        </p:spPr>
+        <p:txBody>
+          <a:bodyPr wrap="none" rtlCol="0">
+            <a:spAutoFit/>
+          </a:bodyPr>
+          <a:lstStyle/>
+          <a:p>
+            <a:r>
+              <a:rPr lang="en-US" altLang="zh-CN" sz="1200" b="1" dirty="0">
+                <a:cs typeface="Arial" panose="020B0604020202020204" pitchFamily="34" charset="0"/>
+              </a:rPr>
+              <a:t>14x14x1024</a:t>
+            </a:r>
+            <a:endParaRPr lang="zh-CN" altLang="en-US" sz="1200" b="1" dirty="0">
+              <a:cs typeface="Arial" panose="020B0604020202020204" pitchFamily="34" charset="0"/>
+            </a:endParaRPr>
+          </a:p>
+        </p:txBody>
+      </p:sp>
+      <p:sp>
+        <p:nvSpPr>
+          <p:cNvPr id="100" name="文本框 99">
+            <a:extLst>
+              <a:ext uri="{FF2B5EF4-FFF2-40B4-BE49-F238E27FC236}">
+                <a16:creationId xmlns:a16="http://schemas.microsoft.com/office/drawing/2014/main" id="{A55C9ACD-4033-4423-B0AD-1FB503B848A3}"/>
+              </a:ext>
+            </a:extLst>
+          </p:cNvPr>
+          <p:cNvSpPr txBox="1"/>
+          <p:nvPr/>
+        </p:nvSpPr>
+        <p:spPr>
+          <a:xfrm>
+            <a:off x="7981014" y="5042993"/>
+            <a:ext cx="933269" cy="276999"/>
+          </a:xfrm>
+          <a:prstGeom prst="rect">
+            <a:avLst/>
+          </a:prstGeom>
+          <a:noFill/>
+        </p:spPr>
+        <p:txBody>
+          <a:bodyPr wrap="none" rtlCol="0">
+            <a:spAutoFit/>
+          </a:bodyPr>
+          <a:lstStyle/>
+          <a:p>
+            <a:r>
+              <a:rPr lang="en-US" altLang="zh-CN" sz="1200" b="1" dirty="0">
+                <a:cs typeface="Arial" panose="020B0604020202020204" pitchFamily="34" charset="0"/>
+              </a:rPr>
+              <a:t>14x14x255</a:t>
+            </a:r>
+            <a:endParaRPr lang="zh-CN" altLang="en-US" sz="1200" b="1" dirty="0">
+              <a:cs typeface="Arial" panose="020B0604020202020204" pitchFamily="34" charset="0"/>
+            </a:endParaRPr>
+          </a:p>
+        </p:txBody>
+      </p:sp>
+      <p:sp>
+        <p:nvSpPr>
+          <p:cNvPr id="103" name="矩形 102">
+            <a:extLst>
+              <a:ext uri="{FF2B5EF4-FFF2-40B4-BE49-F238E27FC236}">
+                <a16:creationId xmlns:a16="http://schemas.microsoft.com/office/drawing/2014/main" id="{02A1979E-6694-47BB-AF0D-E65CE763066F}"/>
+              </a:ext>
+            </a:extLst>
+          </p:cNvPr>
+          <p:cNvSpPr/>
+          <p:nvPr/>
+        </p:nvSpPr>
+        <p:spPr>
+          <a:xfrm>
+            <a:off x="4195994" y="7982468"/>
+            <a:ext cx="745588" cy="656490"/>
+          </a:xfrm>
+          <a:prstGeom prst="rect">
+            <a:avLst/>
+          </a:prstGeom>
+          <a:solidFill>
+            <a:srgbClr val="5F86CD"/>
+          </a:solidFill>
+        </p:spPr>
+        <p:style>
+          <a:lnRef idx="2">
+            <a:schemeClr val="accent1">
+              <a:shade val="50000"/>
+            </a:schemeClr>
+          </a:lnRef>
+          <a:fillRef idx="1">
+            <a:schemeClr val="accent1"/>
+          </a:fillRef>
+          <a:effectRef idx="0">
+            <a:schemeClr val="accent1"/>
+          </a:effectRef>
+          <a:fontRef idx="minor">
+            <a:schemeClr val="lt1"/>
+          </a:fontRef>
+        </p:style>
+        <p:txBody>
+          <a:bodyPr rtlCol="0" anchor="ctr"/>
+          <a:lstStyle/>
+          <a:p>
+            <a:pPr algn="ctr"/>
+            <a:endParaRPr lang="zh-CN" altLang="en-US"/>
+          </a:p>
+        </p:txBody>
+      </p:sp>
+      <p:cxnSp>
+        <p:nvCxnSpPr>
+          <p:cNvPr id="108" name="连接符: 肘形 107">
+            <a:extLst>
+              <a:ext uri="{FF2B5EF4-FFF2-40B4-BE49-F238E27FC236}">
+                <a16:creationId xmlns:a16="http://schemas.microsoft.com/office/drawing/2014/main" id="{ACB8D2B0-3D58-40D1-965C-971DFDECA419}"/>
+              </a:ext>
+            </a:extLst>
+          </p:cNvPr>
+          <p:cNvCxnSpPr>
+            <a:cxnSpLocks/>
+            <a:stCxn id="68" idx="2"/>
+          </p:cNvCxnSpPr>
+          <p:nvPr/>
+        </p:nvCxnSpPr>
+        <p:spPr>
+          <a:xfrm rot="5400000">
+            <a:off x="4466818" y="4331890"/>
+            <a:ext cx="925905" cy="3977791"/>
+          </a:xfrm>
+          <a:prstGeom prst="bentConnector3">
+            <a:avLst>
+              <a:gd name="adj1" fmla="val 50000"/>
+            </a:avLst>
+          </a:prstGeom>
+          <a:ln w="12700">
+            <a:solidFill>
+              <a:schemeClr val="tx1"/>
+            </a:solidFill>
+            <a:tailEnd type="triangle"/>
+          </a:ln>
+        </p:spPr>
+        <p:style>
+          <a:lnRef idx="1">
+            <a:schemeClr val="accent1"/>
+          </a:lnRef>
+          <a:fillRef idx="0">
+            <a:schemeClr val="accent1"/>
+          </a:fillRef>
+          <a:effectRef idx="0">
+            <a:schemeClr val="accent1"/>
+          </a:effectRef>
+          <a:fontRef idx="minor">
+            <a:schemeClr val="tx1"/>
+          </a:fontRef>
+        </p:style>
+      </p:cxnSp>
+      <p:sp>
+        <p:nvSpPr>
+          <p:cNvPr id="112" name="文本框 111">
+            <a:extLst>
+              <a:ext uri="{FF2B5EF4-FFF2-40B4-BE49-F238E27FC236}">
+                <a16:creationId xmlns:a16="http://schemas.microsoft.com/office/drawing/2014/main" id="{19D0F4AC-936A-4109-94DE-6E3F66ECDB03}"/>
+              </a:ext>
+            </a:extLst>
+          </p:cNvPr>
+          <p:cNvSpPr txBox="1"/>
+          <p:nvPr/>
+        </p:nvSpPr>
+        <p:spPr>
+          <a:xfrm>
+            <a:off x="5035025" y="6002554"/>
+            <a:ext cx="910827" cy="307777"/>
+          </a:xfrm>
+          <a:prstGeom prst="rect">
+            <a:avLst/>
+          </a:prstGeom>
+          <a:noFill/>
+        </p:spPr>
+        <p:txBody>
+          <a:bodyPr wrap="none" rtlCol="0">
+            <a:spAutoFit/>
+          </a:bodyPr>
+          <a:lstStyle/>
+          <a:p>
+            <a:r>
+              <a:rPr lang="en-US" altLang="zh-CN" sz="1400" b="1" dirty="0"/>
+              <a:t>1x1 conv</a:t>
+            </a:r>
+            <a:endParaRPr lang="zh-CN" altLang="en-US" sz="1400" b="1" dirty="0"/>
+          </a:p>
+        </p:txBody>
+      </p:sp>
+      <p:sp>
+        <p:nvSpPr>
+          <p:cNvPr id="113" name="文本框 112">
+            <a:extLst>
+              <a:ext uri="{FF2B5EF4-FFF2-40B4-BE49-F238E27FC236}">
+                <a16:creationId xmlns:a16="http://schemas.microsoft.com/office/drawing/2014/main" id="{6E04235F-E5B9-4B0C-93F6-AECA5010BC33}"/>
+              </a:ext>
+            </a:extLst>
+          </p:cNvPr>
+          <p:cNvSpPr txBox="1"/>
+          <p:nvPr/>
+        </p:nvSpPr>
+        <p:spPr>
+          <a:xfrm>
+            <a:off x="1864191" y="6506738"/>
+            <a:ext cx="933269" cy="276999"/>
+          </a:xfrm>
+          <a:prstGeom prst="rect">
+            <a:avLst/>
+          </a:prstGeom>
+          <a:noFill/>
+        </p:spPr>
+        <p:txBody>
+          <a:bodyPr wrap="none" rtlCol="0">
+            <a:spAutoFit/>
+          </a:bodyPr>
+          <a:lstStyle/>
+          <a:p>
+            <a:r>
+              <a:rPr lang="en-US" altLang="zh-CN" sz="1200" b="1" dirty="0">
+                <a:cs typeface="Arial" panose="020B0604020202020204" pitchFamily="34" charset="0"/>
+              </a:rPr>
+              <a:t>14x14x256</a:t>
+            </a:r>
+            <a:endParaRPr lang="zh-CN" altLang="en-US" sz="1200" b="1" dirty="0">
+              <a:cs typeface="Arial" panose="020B0604020202020204" pitchFamily="34" charset="0"/>
+            </a:endParaRPr>
+          </a:p>
+        </p:txBody>
+      </p:sp>
+      <p:sp>
+        <p:nvSpPr>
+          <p:cNvPr id="114" name="文本框 113">
+            <a:extLst>
+              <a:ext uri="{FF2B5EF4-FFF2-40B4-BE49-F238E27FC236}">
+                <a16:creationId xmlns:a16="http://schemas.microsoft.com/office/drawing/2014/main" id="{A9BE0E12-A94E-4249-8EE1-D7729EE4BE4F}"/>
+              </a:ext>
+            </a:extLst>
+          </p:cNvPr>
+          <p:cNvSpPr txBox="1"/>
+          <p:nvPr/>
+        </p:nvSpPr>
+        <p:spPr>
+          <a:xfrm>
+            <a:off x="3457559" y="7728663"/>
+            <a:ext cx="933269" cy="276999"/>
+          </a:xfrm>
+          <a:prstGeom prst="rect">
+            <a:avLst/>
+          </a:prstGeom>
+          <a:noFill/>
+        </p:spPr>
+        <p:txBody>
+          <a:bodyPr wrap="none" rtlCol="0">
+            <a:spAutoFit/>
+          </a:bodyPr>
+          <a:lstStyle/>
+          <a:p>
+            <a:r>
+              <a:rPr lang="en-US" altLang="zh-CN" sz="1200" b="1" dirty="0">
+                <a:cs typeface="Arial" panose="020B0604020202020204" pitchFamily="34" charset="0"/>
+              </a:rPr>
+              <a:t>28x28x768</a:t>
+            </a:r>
+            <a:endParaRPr lang="zh-CN" altLang="en-US" sz="1200" b="1" dirty="0">
+              <a:cs typeface="Arial" panose="020B0604020202020204" pitchFamily="34" charset="0"/>
+            </a:endParaRPr>
+          </a:p>
+        </p:txBody>
+      </p:sp>
+      <p:sp>
+        <p:nvSpPr>
+          <p:cNvPr id="115" name="矩形 114">
+            <a:extLst>
+              <a:ext uri="{FF2B5EF4-FFF2-40B4-BE49-F238E27FC236}">
+                <a16:creationId xmlns:a16="http://schemas.microsoft.com/office/drawing/2014/main" id="{95BE4324-437A-4744-89FF-4E12FADD8806}"/>
+              </a:ext>
+            </a:extLst>
+          </p:cNvPr>
+          <p:cNvSpPr/>
+          <p:nvPr/>
+        </p:nvSpPr>
+        <p:spPr>
+          <a:xfrm>
+            <a:off x="4194207" y="6728296"/>
+            <a:ext cx="745588" cy="656490"/>
+          </a:xfrm>
+          <a:prstGeom prst="rect">
+            <a:avLst/>
+          </a:prstGeom>
+          <a:solidFill>
+            <a:srgbClr val="5F86CD"/>
+          </a:solidFill>
+        </p:spPr>
+        <p:style>
+          <a:lnRef idx="2">
+            <a:schemeClr val="accent1">
+              <a:shade val="50000"/>
+            </a:schemeClr>
+          </a:lnRef>
+          <a:fillRef idx="1">
+            <a:schemeClr val="accent1"/>
+          </a:fillRef>
+          <a:effectRef idx="0">
+            <a:schemeClr val="accent1"/>
+          </a:effectRef>
+          <a:fontRef idx="minor">
+            <a:schemeClr val="lt1"/>
+          </a:fontRef>
+        </p:style>
+        <p:txBody>
+          <a:bodyPr rtlCol="0" anchor="ctr"/>
+          <a:lstStyle/>
+          <a:p>
+            <a:pPr algn="ctr"/>
+            <a:endParaRPr lang="zh-CN" altLang="en-US"/>
+          </a:p>
+        </p:txBody>
+      </p:sp>
+      <p:sp>
+        <p:nvSpPr>
+          <p:cNvPr id="116" name="矩形 115">
+            <a:extLst>
+              <a:ext uri="{FF2B5EF4-FFF2-40B4-BE49-F238E27FC236}">
+                <a16:creationId xmlns:a16="http://schemas.microsoft.com/office/drawing/2014/main" id="{008FFA5C-9D8B-49BD-86AA-37BAE5905287}"/>
+              </a:ext>
+            </a:extLst>
+          </p:cNvPr>
+          <p:cNvSpPr/>
+          <p:nvPr/>
+        </p:nvSpPr>
+        <p:spPr>
+          <a:xfrm>
+            <a:off x="2628199" y="6783737"/>
+            <a:ext cx="625422" cy="524019"/>
+          </a:xfrm>
+          <a:prstGeom prst="rect">
+            <a:avLst/>
+          </a:prstGeom>
+          <a:solidFill>
+            <a:srgbClr val="5F86CD"/>
+          </a:solidFill>
+        </p:spPr>
+        <p:style>
+          <a:lnRef idx="2">
+            <a:schemeClr val="accent1">
+              <a:shade val="50000"/>
+            </a:schemeClr>
+          </a:lnRef>
+          <a:fillRef idx="1">
+            <a:schemeClr val="accent1"/>
+          </a:fillRef>
+          <a:effectRef idx="0">
+            <a:schemeClr val="accent1"/>
+          </a:effectRef>
+          <a:fontRef idx="minor">
+            <a:schemeClr val="lt1"/>
+          </a:fontRef>
+        </p:style>
+        <p:txBody>
+          <a:bodyPr rtlCol="0" anchor="ctr"/>
+          <a:lstStyle/>
+          <a:p>
+            <a:pPr algn="ctr"/>
+            <a:endParaRPr lang="zh-CN" altLang="en-US"/>
+          </a:p>
+        </p:txBody>
+      </p:sp>
+      <p:sp>
+        <p:nvSpPr>
+          <p:cNvPr id="117" name="矩形 116">
+            <a:extLst>
+              <a:ext uri="{FF2B5EF4-FFF2-40B4-BE49-F238E27FC236}">
+                <a16:creationId xmlns:a16="http://schemas.microsoft.com/office/drawing/2014/main" id="{88E9C7DE-E779-4357-B9BB-AD40CBFFE580}"/>
+              </a:ext>
+            </a:extLst>
+          </p:cNvPr>
+          <p:cNvSpPr/>
+          <p:nvPr/>
+        </p:nvSpPr>
+        <p:spPr>
+          <a:xfrm>
+            <a:off x="3611486" y="4674985"/>
+            <a:ext cx="450165" cy="375137"/>
+          </a:xfrm>
+          <a:prstGeom prst="rect">
+            <a:avLst/>
+          </a:prstGeom>
+          <a:solidFill>
+            <a:srgbClr val="02FFC4"/>
+          </a:solidFill>
+        </p:spPr>
+        <p:style>
+          <a:lnRef idx="2">
+            <a:schemeClr val="accent1">
+              <a:shade val="50000"/>
+            </a:schemeClr>
+          </a:lnRef>
+          <a:fillRef idx="1">
+            <a:schemeClr val="accent1"/>
+          </a:fillRef>
+          <a:effectRef idx="0">
+            <a:schemeClr val="accent1"/>
+          </a:effectRef>
+          <a:fontRef idx="minor">
+            <a:schemeClr val="lt1"/>
+          </a:fontRef>
+        </p:style>
+        <p:txBody>
+          <a:bodyPr rtlCol="0" anchor="ctr"/>
+          <a:lstStyle/>
+          <a:p>
+            <a:pPr algn="ctr"/>
+            <a:endParaRPr lang="zh-CN" altLang="en-US"/>
+          </a:p>
+        </p:txBody>
+      </p:sp>
+      <p:cxnSp>
+        <p:nvCxnSpPr>
+          <p:cNvPr id="118" name="直接箭头连接符 117">
+            <a:extLst>
+              <a:ext uri="{FF2B5EF4-FFF2-40B4-BE49-F238E27FC236}">
+                <a16:creationId xmlns:a16="http://schemas.microsoft.com/office/drawing/2014/main" id="{02975C6B-DB54-4682-9411-1AECF8DCD439}"/>
+              </a:ext>
+            </a:extLst>
+          </p:cNvPr>
+          <p:cNvCxnSpPr>
+            <a:cxnSpLocks/>
+          </p:cNvCxnSpPr>
+          <p:nvPr/>
+        </p:nvCxnSpPr>
+        <p:spPr>
+          <a:xfrm>
+            <a:off x="3277242" y="7048715"/>
+            <a:ext cx="880652" cy="0"/>
+          </a:xfrm>
+          <a:prstGeom prst="straightConnector1">
+            <a:avLst/>
+          </a:prstGeom>
+          <a:ln w="12700">
+            <a:solidFill>
+              <a:schemeClr val="tx1"/>
+            </a:solidFill>
+            <a:tailEnd type="triangle"/>
+          </a:ln>
+        </p:spPr>
+        <p:style>
+          <a:lnRef idx="1">
+            <a:schemeClr val="accent1"/>
+          </a:lnRef>
+          <a:fillRef idx="0">
+            <a:schemeClr val="accent1"/>
+          </a:fillRef>
+          <a:effectRef idx="0">
+            <a:schemeClr val="accent1"/>
+          </a:effectRef>
+          <a:fontRef idx="minor">
+            <a:schemeClr val="tx1"/>
+          </a:fontRef>
+        </p:style>
+      </p:cxnSp>
+      <p:sp>
+        <p:nvSpPr>
+          <p:cNvPr id="119" name="文本框 118">
+            <a:extLst>
+              <a:ext uri="{FF2B5EF4-FFF2-40B4-BE49-F238E27FC236}">
+                <a16:creationId xmlns:a16="http://schemas.microsoft.com/office/drawing/2014/main" id="{A18265CF-3416-4144-A4B2-4D1B3D85D83D}"/>
+              </a:ext>
+            </a:extLst>
+          </p:cNvPr>
+          <p:cNvSpPr txBox="1"/>
+          <p:nvPr/>
+        </p:nvSpPr>
+        <p:spPr>
+          <a:xfrm>
+            <a:off x="3236441" y="6725460"/>
+            <a:ext cx="974947" cy="307777"/>
+          </a:xfrm>
+          <a:prstGeom prst="rect">
+            <a:avLst/>
+          </a:prstGeom>
+          <a:noFill/>
+        </p:spPr>
+        <p:txBody>
+          <a:bodyPr wrap="none" rtlCol="0">
+            <a:spAutoFit/>
+          </a:bodyPr>
+          <a:lstStyle/>
+          <a:p>
+            <a:r>
+              <a:rPr lang="en-US" altLang="zh-CN" sz="1400" b="1" dirty="0" err="1"/>
+              <a:t>upsample</a:t>
+            </a:r>
+            <a:endParaRPr lang="zh-CN" altLang="en-US" sz="1400" b="1" dirty="0"/>
+          </a:p>
+        </p:txBody>
+      </p:sp>
+      <p:sp>
+        <p:nvSpPr>
+          <p:cNvPr id="120" name="文本框 119">
+            <a:extLst>
+              <a:ext uri="{FF2B5EF4-FFF2-40B4-BE49-F238E27FC236}">
+                <a16:creationId xmlns:a16="http://schemas.microsoft.com/office/drawing/2014/main" id="{79A68C09-7282-404F-8CAB-0963994984D1}"/>
+              </a:ext>
+            </a:extLst>
+          </p:cNvPr>
+          <p:cNvSpPr txBox="1"/>
+          <p:nvPr/>
+        </p:nvSpPr>
+        <p:spPr>
+          <a:xfrm>
+            <a:off x="3595016" y="6452377"/>
+            <a:ext cx="933269" cy="276999"/>
+          </a:xfrm>
+          <a:prstGeom prst="rect">
+            <a:avLst/>
+          </a:prstGeom>
+          <a:noFill/>
+        </p:spPr>
+        <p:txBody>
+          <a:bodyPr wrap="none" rtlCol="0">
+            <a:spAutoFit/>
+          </a:bodyPr>
+          <a:lstStyle/>
+          <a:p>
+            <a:r>
+              <a:rPr lang="en-US" altLang="zh-CN" sz="1200" b="1" dirty="0">
+                <a:cs typeface="Arial" panose="020B0604020202020204" pitchFamily="34" charset="0"/>
+              </a:rPr>
+              <a:t>28x28x256</a:t>
+            </a:r>
+            <a:endParaRPr lang="zh-CN" altLang="en-US" sz="1200" b="1" dirty="0">
+              <a:cs typeface="Arial" panose="020B0604020202020204" pitchFamily="34" charset="0"/>
+            </a:endParaRPr>
+          </a:p>
+        </p:txBody>
+      </p:sp>
+      <p:cxnSp>
+        <p:nvCxnSpPr>
+          <p:cNvPr id="122" name="直接箭头连接符 121">
+            <a:extLst>
+              <a:ext uri="{FF2B5EF4-FFF2-40B4-BE49-F238E27FC236}">
+                <a16:creationId xmlns:a16="http://schemas.microsoft.com/office/drawing/2014/main" id="{BAE263F4-7F3E-464C-AEB5-FF12683BE217}"/>
+              </a:ext>
+            </a:extLst>
+          </p:cNvPr>
+          <p:cNvCxnSpPr>
+            <a:stCxn id="115" idx="2"/>
+            <a:endCxn id="103" idx="0"/>
+          </p:cNvCxnSpPr>
+          <p:nvPr/>
+        </p:nvCxnSpPr>
+        <p:spPr>
+          <a:xfrm>
+            <a:off x="4567001" y="7384786"/>
+            <a:ext cx="1787" cy="597682"/>
+          </a:xfrm>
+          <a:prstGeom prst="straightConnector1">
+            <a:avLst/>
+          </a:prstGeom>
+          <a:ln w="12700">
+            <a:solidFill>
+              <a:schemeClr val="tx1"/>
+            </a:solidFill>
+            <a:tailEnd type="triangle"/>
+          </a:ln>
+        </p:spPr>
+        <p:style>
+          <a:lnRef idx="1">
+            <a:schemeClr val="accent1"/>
+          </a:lnRef>
+          <a:fillRef idx="0">
+            <a:schemeClr val="accent1"/>
+          </a:fillRef>
+          <a:effectRef idx="0">
+            <a:schemeClr val="accent1"/>
+          </a:effectRef>
+          <a:fontRef idx="minor">
+            <a:schemeClr val="tx1"/>
+          </a:fontRef>
+        </p:style>
+      </p:cxnSp>
+      <p:cxnSp>
+        <p:nvCxnSpPr>
+          <p:cNvPr id="124" name="连接符: 肘形 123">
+            <a:extLst>
+              <a:ext uri="{FF2B5EF4-FFF2-40B4-BE49-F238E27FC236}">
+                <a16:creationId xmlns:a16="http://schemas.microsoft.com/office/drawing/2014/main" id="{BB86D9DA-8F16-4B3A-B84A-AF025F35FB2F}"/>
+              </a:ext>
+            </a:extLst>
+          </p:cNvPr>
+          <p:cNvCxnSpPr>
+            <a:stCxn id="13" idx="2"/>
+            <a:endCxn id="103" idx="1"/>
+          </p:cNvCxnSpPr>
+          <p:nvPr/>
+        </p:nvCxnSpPr>
+        <p:spPr>
+          <a:xfrm rot="16200000" flipH="1">
+            <a:off x="2403838" y="6518556"/>
+            <a:ext cx="744251" cy="2840061"/>
+          </a:xfrm>
+          <a:prstGeom prst="bentConnector2">
+            <a:avLst/>
+          </a:prstGeom>
+          <a:ln w="12700">
+            <a:solidFill>
+              <a:schemeClr val="tx1"/>
+            </a:solidFill>
+            <a:tailEnd type="triangle"/>
+          </a:ln>
+        </p:spPr>
+        <p:style>
+          <a:lnRef idx="1">
+            <a:schemeClr val="accent1"/>
+          </a:lnRef>
+          <a:fillRef idx="0">
+            <a:schemeClr val="accent1"/>
+          </a:fillRef>
+          <a:effectRef idx="0">
+            <a:schemeClr val="accent1"/>
+          </a:effectRef>
+          <a:fontRef idx="minor">
+            <a:schemeClr val="tx1"/>
+          </a:fontRef>
+        </p:style>
+      </p:cxnSp>
+      <p:sp>
+        <p:nvSpPr>
+          <p:cNvPr id="125" name="文本框 124">
+            <a:extLst>
+              <a:ext uri="{FF2B5EF4-FFF2-40B4-BE49-F238E27FC236}">
+                <a16:creationId xmlns:a16="http://schemas.microsoft.com/office/drawing/2014/main" id="{64672AEC-287D-44C7-B6D6-7AF7796E0B24}"/>
+              </a:ext>
+            </a:extLst>
+          </p:cNvPr>
+          <p:cNvSpPr txBox="1"/>
+          <p:nvPr/>
+        </p:nvSpPr>
+        <p:spPr>
+          <a:xfrm>
+            <a:off x="2187501" y="8286378"/>
+            <a:ext cx="1176925" cy="307777"/>
+          </a:xfrm>
+          <a:prstGeom prst="rect">
+            <a:avLst/>
+          </a:prstGeom>
+          <a:noFill/>
+        </p:spPr>
+        <p:txBody>
+          <a:bodyPr wrap="none" rtlCol="0">
+            <a:spAutoFit/>
+          </a:bodyPr>
+          <a:lstStyle/>
+          <a:p>
+            <a:r>
+              <a:rPr lang="en-US" altLang="zh-CN" sz="1400" b="1" dirty="0"/>
+              <a:t>concatenate</a:t>
+            </a:r>
+            <a:endParaRPr lang="zh-CN" altLang="en-US" sz="1400" b="1" dirty="0"/>
+          </a:p>
+        </p:txBody>
+      </p:sp>
+      <p:sp>
+        <p:nvSpPr>
+          <p:cNvPr id="126" name="矩形 125">
+            <a:extLst>
+              <a:ext uri="{FF2B5EF4-FFF2-40B4-BE49-F238E27FC236}">
+                <a16:creationId xmlns:a16="http://schemas.microsoft.com/office/drawing/2014/main" id="{DC91137A-72CC-4781-BDEF-927B8BCA0CDF}"/>
+              </a:ext>
+            </a:extLst>
+          </p:cNvPr>
+          <p:cNvSpPr/>
+          <p:nvPr/>
+        </p:nvSpPr>
+        <p:spPr>
+          <a:xfrm>
+            <a:off x="6286326" y="7974678"/>
+            <a:ext cx="745588" cy="656490"/>
+          </a:xfrm>
+          <a:prstGeom prst="rect">
+            <a:avLst/>
+          </a:prstGeom>
+          <a:solidFill>
+            <a:srgbClr val="5F86CD"/>
+          </a:solidFill>
+        </p:spPr>
+        <p:style>
+          <a:lnRef idx="2">
+            <a:schemeClr val="accent1">
+              <a:shade val="50000"/>
+            </a:schemeClr>
+          </a:lnRef>
+          <a:fillRef idx="1">
+            <a:schemeClr val="accent1"/>
+          </a:fillRef>
+          <a:effectRef idx="0">
+            <a:schemeClr val="accent1"/>
+          </a:effectRef>
+          <a:fontRef idx="minor">
+            <a:schemeClr val="lt1"/>
+          </a:fontRef>
+        </p:style>
+        <p:txBody>
+          <a:bodyPr rtlCol="0" anchor="ctr"/>
+          <a:lstStyle/>
+          <a:p>
+            <a:pPr algn="ctr"/>
+            <a:endParaRPr lang="zh-CN" altLang="en-US"/>
+          </a:p>
+        </p:txBody>
+      </p:sp>
+      <p:cxnSp>
+        <p:nvCxnSpPr>
+          <p:cNvPr id="127" name="直接箭头连接符 126">
+            <a:extLst>
+              <a:ext uri="{FF2B5EF4-FFF2-40B4-BE49-F238E27FC236}">
+                <a16:creationId xmlns:a16="http://schemas.microsoft.com/office/drawing/2014/main" id="{7027C161-8A4B-4E52-84EB-48BF4B229476}"/>
+              </a:ext>
+            </a:extLst>
+          </p:cNvPr>
+          <p:cNvCxnSpPr>
+            <a:cxnSpLocks/>
+            <a:stCxn id="103" idx="3"/>
+            <a:endCxn id="126" idx="1"/>
+          </p:cNvCxnSpPr>
+          <p:nvPr/>
+        </p:nvCxnSpPr>
+        <p:spPr>
+          <a:xfrm flipV="1">
+            <a:off x="4941582" y="8302923"/>
+            <a:ext cx="1344744" cy="7790"/>
+          </a:xfrm>
+          <a:prstGeom prst="straightConnector1">
+            <a:avLst/>
+          </a:prstGeom>
+          <a:ln w="12700">
+            <a:solidFill>
+              <a:schemeClr val="tx1"/>
+            </a:solidFill>
+            <a:tailEnd type="triangle"/>
+          </a:ln>
+        </p:spPr>
+        <p:style>
+          <a:lnRef idx="1">
+            <a:schemeClr val="accent1"/>
+          </a:lnRef>
+          <a:fillRef idx="0">
+            <a:schemeClr val="accent1"/>
+          </a:fillRef>
+          <a:effectRef idx="0">
+            <a:schemeClr val="accent1"/>
+          </a:effectRef>
+          <a:fontRef idx="minor">
+            <a:schemeClr val="tx1"/>
+          </a:fontRef>
+        </p:style>
+      </p:cxnSp>
+      <p:sp>
+        <p:nvSpPr>
+          <p:cNvPr id="128" name="文本框 127">
+            <a:extLst>
+              <a:ext uri="{FF2B5EF4-FFF2-40B4-BE49-F238E27FC236}">
+                <a16:creationId xmlns:a16="http://schemas.microsoft.com/office/drawing/2014/main" id="{67259B91-690B-44D1-B8FA-B9E7A3826427}"/>
+              </a:ext>
+            </a:extLst>
+          </p:cNvPr>
+          <p:cNvSpPr txBox="1"/>
+          <p:nvPr/>
+        </p:nvSpPr>
+        <p:spPr>
+          <a:xfrm>
+            <a:off x="5095433" y="7944628"/>
+            <a:ext cx="910827" cy="307777"/>
+          </a:xfrm>
+          <a:prstGeom prst="rect">
+            <a:avLst/>
+          </a:prstGeom>
+          <a:noFill/>
+        </p:spPr>
+        <p:txBody>
+          <a:bodyPr wrap="none" rtlCol="0">
+            <a:spAutoFit/>
+          </a:bodyPr>
+          <a:lstStyle/>
+          <a:p>
+            <a:r>
+              <a:rPr lang="en-US" altLang="zh-CN" sz="1400" b="1" dirty="0"/>
+              <a:t>3x3 conv</a:t>
+            </a:r>
+            <a:endParaRPr lang="zh-CN" altLang="en-US" sz="1400" b="1" dirty="0"/>
+          </a:p>
+        </p:txBody>
+      </p:sp>
+      <p:sp>
+        <p:nvSpPr>
+          <p:cNvPr id="129" name="矩形 128">
+            <a:extLst>
+              <a:ext uri="{FF2B5EF4-FFF2-40B4-BE49-F238E27FC236}">
+                <a16:creationId xmlns:a16="http://schemas.microsoft.com/office/drawing/2014/main" id="{1DD3555B-493E-411A-A1FA-D2C9955BB70F}"/>
+              </a:ext>
+            </a:extLst>
+          </p:cNvPr>
+          <p:cNvSpPr/>
+          <p:nvPr/>
+        </p:nvSpPr>
+        <p:spPr>
+          <a:xfrm>
+            <a:off x="8076200" y="7972967"/>
+            <a:ext cx="745588" cy="656490"/>
+          </a:xfrm>
+          <a:prstGeom prst="rect">
+            <a:avLst/>
+          </a:prstGeom>
+          <a:solidFill>
+            <a:srgbClr val="5F86CD"/>
+          </a:solidFill>
+        </p:spPr>
+        <p:style>
+          <a:lnRef idx="2">
+            <a:schemeClr val="accent1">
+              <a:shade val="50000"/>
+            </a:schemeClr>
+          </a:lnRef>
+          <a:fillRef idx="1">
+            <a:schemeClr val="accent1"/>
+          </a:fillRef>
+          <a:effectRef idx="0">
+            <a:schemeClr val="accent1"/>
+          </a:effectRef>
+          <a:fontRef idx="minor">
+            <a:schemeClr val="lt1"/>
+          </a:fontRef>
+        </p:style>
+        <p:txBody>
+          <a:bodyPr rtlCol="0" anchor="ctr"/>
+          <a:lstStyle/>
+          <a:p>
+            <a:pPr algn="ctr"/>
+            <a:endParaRPr lang="zh-CN" altLang="en-US"/>
+          </a:p>
+        </p:txBody>
+      </p:sp>
+      <p:cxnSp>
+        <p:nvCxnSpPr>
+          <p:cNvPr id="132" name="直接箭头连接符 131">
+            <a:extLst>
+              <a:ext uri="{FF2B5EF4-FFF2-40B4-BE49-F238E27FC236}">
+                <a16:creationId xmlns:a16="http://schemas.microsoft.com/office/drawing/2014/main" id="{3E85DABF-9560-4AFB-B6F8-297FD80EC4F0}"/>
+              </a:ext>
+            </a:extLst>
+          </p:cNvPr>
+          <p:cNvCxnSpPr>
+            <a:cxnSpLocks/>
+            <a:stCxn id="126" idx="3"/>
+            <a:endCxn id="129" idx="1"/>
+          </p:cNvCxnSpPr>
+          <p:nvPr/>
+        </p:nvCxnSpPr>
+        <p:spPr>
+          <a:xfrm flipV="1">
+            <a:off x="7031914" y="8301212"/>
+            <a:ext cx="1044286" cy="1711"/>
+          </a:xfrm>
+          <a:prstGeom prst="straightConnector1">
+            <a:avLst/>
+          </a:prstGeom>
+          <a:ln w="12700">
+            <a:solidFill>
+              <a:schemeClr val="tx1"/>
+            </a:solidFill>
+            <a:tailEnd type="triangle"/>
+          </a:ln>
+        </p:spPr>
+        <p:style>
+          <a:lnRef idx="1">
+            <a:schemeClr val="accent1"/>
+          </a:lnRef>
+          <a:fillRef idx="0">
+            <a:schemeClr val="accent1"/>
+          </a:fillRef>
+          <a:effectRef idx="0">
+            <a:schemeClr val="accent1"/>
+          </a:effectRef>
+          <a:fontRef idx="minor">
+            <a:schemeClr val="tx1"/>
+          </a:fontRef>
+        </p:style>
+      </p:cxnSp>
+      <p:sp>
+        <p:nvSpPr>
+          <p:cNvPr id="133" name="文本框 132">
+            <a:extLst>
+              <a:ext uri="{FF2B5EF4-FFF2-40B4-BE49-F238E27FC236}">
+                <a16:creationId xmlns:a16="http://schemas.microsoft.com/office/drawing/2014/main" id="{05B11695-CB81-4946-AD05-4A303217CDA5}"/>
+              </a:ext>
+            </a:extLst>
+          </p:cNvPr>
+          <p:cNvSpPr txBox="1"/>
+          <p:nvPr/>
+        </p:nvSpPr>
+        <p:spPr>
+          <a:xfrm>
+            <a:off x="7175656" y="7956625"/>
+            <a:ext cx="910827" cy="307777"/>
+          </a:xfrm>
+          <a:prstGeom prst="rect">
+            <a:avLst/>
+          </a:prstGeom>
+          <a:noFill/>
+        </p:spPr>
+        <p:txBody>
+          <a:bodyPr wrap="none" rtlCol="0">
+            <a:spAutoFit/>
+          </a:bodyPr>
+          <a:lstStyle/>
+          <a:p>
+            <a:r>
+              <a:rPr lang="en-US" altLang="zh-CN" sz="1400" b="1" dirty="0"/>
+              <a:t>1x1 conv</a:t>
+            </a:r>
+            <a:endParaRPr lang="zh-CN" altLang="en-US" sz="1400" b="1" dirty="0"/>
+          </a:p>
+        </p:txBody>
+      </p:sp>
+      <p:sp>
+        <p:nvSpPr>
+          <p:cNvPr id="136" name="文本框 135">
+            <a:extLst>
+              <a:ext uri="{FF2B5EF4-FFF2-40B4-BE49-F238E27FC236}">
+                <a16:creationId xmlns:a16="http://schemas.microsoft.com/office/drawing/2014/main" id="{364B8E8E-2691-481A-BB74-1C4A41E41C04}"/>
+              </a:ext>
+            </a:extLst>
+          </p:cNvPr>
+          <p:cNvSpPr txBox="1"/>
+          <p:nvPr/>
+        </p:nvSpPr>
+        <p:spPr>
+          <a:xfrm>
+            <a:off x="238703" y="6601926"/>
+            <a:ext cx="933269" cy="276999"/>
+          </a:xfrm>
+          <a:prstGeom prst="rect">
+            <a:avLst/>
+          </a:prstGeom>
+          <a:noFill/>
+        </p:spPr>
+        <p:txBody>
+          <a:bodyPr wrap="none" rtlCol="0">
+            <a:spAutoFit/>
+          </a:bodyPr>
+          <a:lstStyle/>
+          <a:p>
+            <a:r>
+              <a:rPr lang="en-US" altLang="zh-CN" sz="1200" b="1" dirty="0">
+                <a:cs typeface="Arial" panose="020B0604020202020204" pitchFamily="34" charset="0"/>
+              </a:rPr>
+              <a:t>28x28x512</a:t>
+            </a:r>
+            <a:endParaRPr lang="zh-CN" altLang="en-US" sz="1200" b="1" dirty="0">
+              <a:cs typeface="Arial" panose="020B0604020202020204" pitchFamily="34" charset="0"/>
+            </a:endParaRPr>
+          </a:p>
+        </p:txBody>
+      </p:sp>
+      <p:sp>
+        <p:nvSpPr>
+          <p:cNvPr id="137" name="文本框 136">
+            <a:extLst>
+              <a:ext uri="{FF2B5EF4-FFF2-40B4-BE49-F238E27FC236}">
+                <a16:creationId xmlns:a16="http://schemas.microsoft.com/office/drawing/2014/main" id="{002C5F35-9DA5-4CE0-95A4-8FC55FC0EFCA}"/>
+              </a:ext>
+            </a:extLst>
+          </p:cNvPr>
+          <p:cNvSpPr txBox="1"/>
+          <p:nvPr/>
+        </p:nvSpPr>
+        <p:spPr>
+          <a:xfrm>
+            <a:off x="6150006" y="7680384"/>
+            <a:ext cx="1018227" cy="276999"/>
+          </a:xfrm>
+          <a:prstGeom prst="rect">
+            <a:avLst/>
+          </a:prstGeom>
+          <a:noFill/>
+        </p:spPr>
+        <p:txBody>
+          <a:bodyPr wrap="none" rtlCol="0">
+            <a:spAutoFit/>
+          </a:bodyPr>
+          <a:lstStyle/>
+          <a:p>
+            <a:r>
+              <a:rPr lang="en-US" altLang="zh-CN" sz="1200" b="1" dirty="0">
+                <a:cs typeface="Arial" panose="020B0604020202020204" pitchFamily="34" charset="0"/>
+              </a:rPr>
+              <a:t>28x28x1024</a:t>
+            </a:r>
+            <a:endParaRPr lang="zh-CN" altLang="en-US" sz="1200" b="1" dirty="0">
+              <a:cs typeface="Arial" panose="020B0604020202020204" pitchFamily="34" charset="0"/>
+            </a:endParaRPr>
+          </a:p>
+        </p:txBody>
+      </p:sp>
+      <p:sp>
+        <p:nvSpPr>
+          <p:cNvPr id="138" name="文本框 137">
+            <a:extLst>
+              <a:ext uri="{FF2B5EF4-FFF2-40B4-BE49-F238E27FC236}">
+                <a16:creationId xmlns:a16="http://schemas.microsoft.com/office/drawing/2014/main" id="{824D2013-6E5D-44A2-9950-2DDD60795AC0}"/>
+              </a:ext>
+            </a:extLst>
+          </p:cNvPr>
+          <p:cNvSpPr txBox="1"/>
+          <p:nvPr/>
+        </p:nvSpPr>
+        <p:spPr>
+          <a:xfrm>
+            <a:off x="7978351" y="7628380"/>
+            <a:ext cx="933269" cy="276999"/>
+          </a:xfrm>
+          <a:prstGeom prst="rect">
+            <a:avLst/>
+          </a:prstGeom>
+          <a:noFill/>
+        </p:spPr>
+        <p:txBody>
+          <a:bodyPr wrap="none" rtlCol="0">
+            <a:spAutoFit/>
+          </a:bodyPr>
+          <a:lstStyle/>
+          <a:p>
+            <a:r>
+              <a:rPr lang="en-US" altLang="zh-CN" sz="1200" b="1" dirty="0">
+                <a:cs typeface="Arial" panose="020B0604020202020204" pitchFamily="34" charset="0"/>
+              </a:rPr>
+              <a:t>28x28x255</a:t>
+            </a:r>
+            <a:endParaRPr lang="zh-CN" altLang="en-US" sz="1200" b="1" dirty="0">
+              <a:cs typeface="Arial" panose="020B0604020202020204" pitchFamily="34" charset="0"/>
+            </a:endParaRPr>
+          </a:p>
+        </p:txBody>
+      </p:sp>
+      <p:sp>
+        <p:nvSpPr>
+          <p:cNvPr id="139" name="矩形: 圆角 138">
+            <a:extLst>
+              <a:ext uri="{FF2B5EF4-FFF2-40B4-BE49-F238E27FC236}">
+                <a16:creationId xmlns:a16="http://schemas.microsoft.com/office/drawing/2014/main" id="{FAC36C90-EF9D-4F7A-B4A9-AD080023DE9A}"/>
+              </a:ext>
+            </a:extLst>
+          </p:cNvPr>
+          <p:cNvSpPr/>
+          <p:nvPr/>
+        </p:nvSpPr>
+        <p:spPr>
+          <a:xfrm>
+            <a:off x="1634811" y="4480168"/>
+            <a:ext cx="7410716" cy="1541365"/>
+          </a:xfrm>
+          <a:prstGeom prst="roundRect">
+            <a:avLst/>
+          </a:prstGeom>
+          <a:noFill/>
+          <a:ln>
+            <a:solidFill>
+              <a:schemeClr val="tx1"/>
+            </a:solidFill>
+            <a:prstDash val="dash"/>
+          </a:ln>
+        </p:spPr>
+        <p:style>
+          <a:lnRef idx="2">
+            <a:schemeClr val="accent1">
+              <a:shade val="50000"/>
+            </a:schemeClr>
+          </a:lnRef>
+          <a:fillRef idx="1">
+            <a:schemeClr val="accent1"/>
+          </a:fillRef>
+          <a:effectRef idx="0">
+            <a:schemeClr val="accent1"/>
+          </a:effectRef>
+          <a:fontRef idx="minor">
+            <a:schemeClr val="lt1"/>
+          </a:fontRef>
+        </p:style>
+        <p:txBody>
+          <a:bodyPr rtlCol="0" anchor="ctr"/>
+          <a:lstStyle/>
+          <a:p>
+            <a:pPr algn="ctr"/>
+            <a:endParaRPr lang="zh-CN" altLang="en-US"/>
+          </a:p>
+        </p:txBody>
+      </p:sp>
+      <p:sp>
+        <p:nvSpPr>
+          <p:cNvPr id="140" name="矩形: 圆角 139">
+            <a:extLst>
+              <a:ext uri="{FF2B5EF4-FFF2-40B4-BE49-F238E27FC236}">
+                <a16:creationId xmlns:a16="http://schemas.microsoft.com/office/drawing/2014/main" id="{69E886F4-6A10-463D-A595-A41B7A8A265D}"/>
+              </a:ext>
+            </a:extLst>
+          </p:cNvPr>
+          <p:cNvSpPr/>
+          <p:nvPr/>
+        </p:nvSpPr>
+        <p:spPr>
+          <a:xfrm>
+            <a:off x="154745" y="6471423"/>
+            <a:ext cx="8914357" cy="2286878"/>
+          </a:xfrm>
+          <a:prstGeom prst="roundRect">
+            <a:avLst/>
+          </a:prstGeom>
+          <a:noFill/>
+          <a:ln>
+            <a:solidFill>
+              <a:schemeClr val="tx1"/>
+            </a:solidFill>
+            <a:prstDash val="dash"/>
+          </a:ln>
+        </p:spPr>
+        <p:style>
+          <a:lnRef idx="2">
+            <a:schemeClr val="accent1">
+              <a:shade val="50000"/>
+            </a:schemeClr>
+          </a:lnRef>
+          <a:fillRef idx="1">
+            <a:schemeClr val="accent1"/>
+          </a:fillRef>
+          <a:effectRef idx="0">
+            <a:schemeClr val="accent1"/>
+          </a:effectRef>
+          <a:fontRef idx="minor">
+            <a:schemeClr val="lt1"/>
+          </a:fontRef>
+        </p:style>
+        <p:txBody>
+          <a:bodyPr rtlCol="0" anchor="ctr"/>
+          <a:lstStyle/>
+          <a:p>
+            <a:pPr algn="ctr"/>
+            <a:endParaRPr lang="zh-CN" altLang="en-US"/>
+          </a:p>
+        </p:txBody>
+      </p:sp>
+      <p:sp>
+        <p:nvSpPr>
+          <p:cNvPr id="141" name="矩形: 圆角 140">
+            <a:extLst>
+              <a:ext uri="{FF2B5EF4-FFF2-40B4-BE49-F238E27FC236}">
+                <a16:creationId xmlns:a16="http://schemas.microsoft.com/office/drawing/2014/main" id="{B89826E2-8499-467F-8503-C4B694749576}"/>
+              </a:ext>
+            </a:extLst>
+          </p:cNvPr>
+          <p:cNvSpPr/>
+          <p:nvPr/>
+        </p:nvSpPr>
+        <p:spPr>
+          <a:xfrm>
+            <a:off x="4001079" y="3137752"/>
+            <a:ext cx="5044448" cy="1091879"/>
+          </a:xfrm>
+          <a:prstGeom prst="roundRect">
+            <a:avLst/>
+          </a:prstGeom>
+          <a:noFill/>
+          <a:ln>
+            <a:solidFill>
+              <a:schemeClr val="tx1"/>
+            </a:solidFill>
+            <a:prstDash val="dash"/>
+          </a:ln>
+        </p:spPr>
+        <p:style>
+          <a:lnRef idx="2">
+            <a:schemeClr val="accent1">
+              <a:shade val="50000"/>
+            </a:schemeClr>
+          </a:lnRef>
+          <a:fillRef idx="1">
+            <a:schemeClr val="accent1"/>
+          </a:fillRef>
+          <a:effectRef idx="0">
+            <a:schemeClr val="accent1"/>
+          </a:effectRef>
+          <a:fontRef idx="minor">
+            <a:schemeClr val="lt1"/>
+          </a:fontRef>
+        </p:style>
+        <p:txBody>
+          <a:bodyPr rtlCol="0" anchor="ctr"/>
+          <a:lstStyle/>
+          <a:p>
+            <a:pPr algn="ctr"/>
+            <a:endParaRPr lang="zh-CN" altLang="en-US"/>
+          </a:p>
+        </p:txBody>
+      </p:sp>
+      <p:sp>
+        <p:nvSpPr>
+          <p:cNvPr id="142" name="文本框 141">
+            <a:extLst>
+              <a:ext uri="{FF2B5EF4-FFF2-40B4-BE49-F238E27FC236}">
+                <a16:creationId xmlns:a16="http://schemas.microsoft.com/office/drawing/2014/main" id="{B6F0528D-4613-4743-89F7-ECF8F941C23D}"/>
+              </a:ext>
+            </a:extLst>
+          </p:cNvPr>
+          <p:cNvSpPr txBox="1"/>
+          <p:nvPr/>
+        </p:nvSpPr>
+        <p:spPr>
+          <a:xfrm>
+            <a:off x="4114300" y="3267979"/>
+            <a:ext cx="1287532" cy="369332"/>
+          </a:xfrm>
+          <a:prstGeom prst="rect">
+            <a:avLst/>
+          </a:prstGeom>
+          <a:noFill/>
+        </p:spPr>
+        <p:txBody>
+          <a:bodyPr wrap="none" rtlCol="0">
+            <a:spAutoFit/>
+          </a:bodyPr>
+          <a:lstStyle/>
+          <a:p>
+            <a:r>
+              <a:rPr lang="en-US" altLang="zh-CN" b="1" dirty="0"/>
+              <a:t>Head(tiny)</a:t>
+            </a:r>
+            <a:endParaRPr lang="zh-CN" altLang="en-US" b="1" dirty="0"/>
+          </a:p>
+        </p:txBody>
+      </p:sp>
+      <p:sp>
+        <p:nvSpPr>
+          <p:cNvPr id="143" name="文本框 142">
+            <a:extLst>
+              <a:ext uri="{FF2B5EF4-FFF2-40B4-BE49-F238E27FC236}">
+                <a16:creationId xmlns:a16="http://schemas.microsoft.com/office/drawing/2014/main" id="{68230B3A-F181-4FBC-AF1D-C362516E995E}"/>
+              </a:ext>
+            </a:extLst>
+          </p:cNvPr>
+          <p:cNvSpPr txBox="1"/>
+          <p:nvPr/>
+        </p:nvSpPr>
+        <p:spPr>
+          <a:xfrm>
+            <a:off x="7218676" y="4566293"/>
+            <a:ext cx="1620957" cy="369332"/>
+          </a:xfrm>
+          <a:prstGeom prst="rect">
+            <a:avLst/>
+          </a:prstGeom>
+          <a:noFill/>
+        </p:spPr>
+        <p:txBody>
+          <a:bodyPr wrap="none" rtlCol="0">
+            <a:spAutoFit/>
+          </a:bodyPr>
+          <a:lstStyle/>
+          <a:p>
+            <a:r>
+              <a:rPr lang="en-US" altLang="zh-CN" b="1" dirty="0"/>
+              <a:t>Head(middle)</a:t>
+            </a:r>
+            <a:endParaRPr lang="zh-CN" altLang="en-US" b="1" dirty="0"/>
+          </a:p>
+        </p:txBody>
+      </p:sp>
+      <p:sp>
+        <p:nvSpPr>
+          <p:cNvPr id="144" name="文本框 143">
+            <a:extLst>
+              <a:ext uri="{FF2B5EF4-FFF2-40B4-BE49-F238E27FC236}">
+                <a16:creationId xmlns:a16="http://schemas.microsoft.com/office/drawing/2014/main" id="{BE5746A3-4033-4C2F-B6B7-F61FB1221B05}"/>
+              </a:ext>
+            </a:extLst>
+          </p:cNvPr>
+          <p:cNvSpPr txBox="1"/>
+          <p:nvPr/>
+        </p:nvSpPr>
+        <p:spPr>
+          <a:xfrm>
+            <a:off x="7218676" y="6814972"/>
+            <a:ext cx="1420582" cy="369332"/>
+          </a:xfrm>
+          <a:prstGeom prst="rect">
+            <a:avLst/>
+          </a:prstGeom>
+          <a:noFill/>
+        </p:spPr>
+        <p:txBody>
+          <a:bodyPr wrap="none" rtlCol="0">
+            <a:spAutoFit/>
+          </a:bodyPr>
+          <a:lstStyle/>
+          <a:p>
+            <a:r>
+              <a:rPr lang="en-US" altLang="zh-CN" b="1" dirty="0"/>
+              <a:t>Head(large)</a:t>
+            </a:r>
+            <a:endParaRPr lang="zh-CN" altLang="en-US" b="1" dirty="0"/>
+          </a:p>
+        </p:txBody>
+      </p:sp>
+    </p:spTree>
+    <p:extLst>
+      <p:ext uri="{BB962C8B-B14F-4D97-AF65-F5344CB8AC3E}">
+        <p14:creationId xmlns:p14="http://schemas.microsoft.com/office/powerpoint/2010/main" val="2926633425"/>
+      </p:ext>
+    </p:extLst>
+  </p:cSld>
+  <p:clrMapOvr>
+    <a:masterClrMapping/>
+  </p:clrMapOvr>
+</p:sld>
+</file>
+
 <file path=ppt/theme/theme1.xml><?xml version="1.0" encoding="utf-8"?>
 <a:theme xmlns:a="http://schemas.openxmlformats.org/drawingml/2006/main" name="Office 主题​​">
   <a:themeElements>

--- a/material/draw.pptx
+++ b/material/draw.pptx
@@ -12,6 +12,7 @@
     <p:sldId id="260" r:id="rId6"/>
     <p:sldId id="261" r:id="rId7"/>
     <p:sldId id="262" r:id="rId8"/>
+    <p:sldId id="263" r:id="rId9"/>
   </p:sldIdLst>
   <p:sldSz cx="12192000" cy="6858000"/>
   <p:notesSz cx="6858000" cy="9144000"/>
@@ -265,7 +266,7 @@
           <a:p>
             <a:fld id="{2F9CE705-09FF-4707-95CD-526466700775}" type="datetimeFigureOut">
               <a:rPr lang="zh-CN" altLang="en-US" smtClean="0"/>
-              <a:t>2021/5/12</a:t>
+              <a:t>2021/5/13</a:t>
             </a:fld>
             <a:endParaRPr lang="zh-CN" altLang="en-US"/>
           </a:p>
@@ -463,7 +464,7 @@
           <a:p>
             <a:fld id="{2F9CE705-09FF-4707-95CD-526466700775}" type="datetimeFigureOut">
               <a:rPr lang="zh-CN" altLang="en-US" smtClean="0"/>
-              <a:t>2021/5/12</a:t>
+              <a:t>2021/5/13</a:t>
             </a:fld>
             <a:endParaRPr lang="zh-CN" altLang="en-US"/>
           </a:p>
@@ -671,7 +672,7 @@
           <a:p>
             <a:fld id="{2F9CE705-09FF-4707-95CD-526466700775}" type="datetimeFigureOut">
               <a:rPr lang="zh-CN" altLang="en-US" smtClean="0"/>
-              <a:t>2021/5/12</a:t>
+              <a:t>2021/5/13</a:t>
             </a:fld>
             <a:endParaRPr lang="zh-CN" altLang="en-US"/>
           </a:p>
@@ -869,7 +870,7 @@
           <a:p>
             <a:fld id="{2F9CE705-09FF-4707-95CD-526466700775}" type="datetimeFigureOut">
               <a:rPr lang="zh-CN" altLang="en-US" smtClean="0"/>
-              <a:t>2021/5/12</a:t>
+              <a:t>2021/5/13</a:t>
             </a:fld>
             <a:endParaRPr lang="zh-CN" altLang="en-US"/>
           </a:p>
@@ -1144,7 +1145,7 @@
           <a:p>
             <a:fld id="{2F9CE705-09FF-4707-95CD-526466700775}" type="datetimeFigureOut">
               <a:rPr lang="zh-CN" altLang="en-US" smtClean="0"/>
-              <a:t>2021/5/12</a:t>
+              <a:t>2021/5/13</a:t>
             </a:fld>
             <a:endParaRPr lang="zh-CN" altLang="en-US"/>
           </a:p>
@@ -1409,7 +1410,7 @@
           <a:p>
             <a:fld id="{2F9CE705-09FF-4707-95CD-526466700775}" type="datetimeFigureOut">
               <a:rPr lang="zh-CN" altLang="en-US" smtClean="0"/>
-              <a:t>2021/5/12</a:t>
+              <a:t>2021/5/13</a:t>
             </a:fld>
             <a:endParaRPr lang="zh-CN" altLang="en-US"/>
           </a:p>
@@ -1821,7 +1822,7 @@
           <a:p>
             <a:fld id="{2F9CE705-09FF-4707-95CD-526466700775}" type="datetimeFigureOut">
               <a:rPr lang="zh-CN" altLang="en-US" smtClean="0"/>
-              <a:t>2021/5/12</a:t>
+              <a:t>2021/5/13</a:t>
             </a:fld>
             <a:endParaRPr lang="zh-CN" altLang="en-US"/>
           </a:p>
@@ -1962,7 +1963,7 @@
           <a:p>
             <a:fld id="{2F9CE705-09FF-4707-95CD-526466700775}" type="datetimeFigureOut">
               <a:rPr lang="zh-CN" altLang="en-US" smtClean="0"/>
-              <a:t>2021/5/12</a:t>
+              <a:t>2021/5/13</a:t>
             </a:fld>
             <a:endParaRPr lang="zh-CN" altLang="en-US"/>
           </a:p>
@@ -2075,7 +2076,7 @@
           <a:p>
             <a:fld id="{2F9CE705-09FF-4707-95CD-526466700775}" type="datetimeFigureOut">
               <a:rPr lang="zh-CN" altLang="en-US" smtClean="0"/>
-              <a:t>2021/5/12</a:t>
+              <a:t>2021/5/13</a:t>
             </a:fld>
             <a:endParaRPr lang="zh-CN" altLang="en-US"/>
           </a:p>
@@ -2386,7 +2387,7 @@
           <a:p>
             <a:fld id="{2F9CE705-09FF-4707-95CD-526466700775}" type="datetimeFigureOut">
               <a:rPr lang="zh-CN" altLang="en-US" smtClean="0"/>
-              <a:t>2021/5/12</a:t>
+              <a:t>2021/5/13</a:t>
             </a:fld>
             <a:endParaRPr lang="zh-CN" altLang="en-US"/>
           </a:p>
@@ -2674,7 +2675,7 @@
           <a:p>
             <a:fld id="{2F9CE705-09FF-4707-95CD-526466700775}" type="datetimeFigureOut">
               <a:rPr lang="zh-CN" altLang="en-US" smtClean="0"/>
-              <a:t>2021/5/12</a:t>
+              <a:t>2021/5/13</a:t>
             </a:fld>
             <a:endParaRPr lang="zh-CN" altLang="en-US"/>
           </a:p>
@@ -2915,7 +2916,7 @@
           <a:p>
             <a:fld id="{2F9CE705-09FF-4707-95CD-526466700775}" type="datetimeFigureOut">
               <a:rPr lang="zh-CN" altLang="en-US" smtClean="0"/>
-              <a:t>2021/5/12</a:t>
+              <a:t>2021/5/13</a:t>
             </a:fld>
             <a:endParaRPr lang="zh-CN" altLang="en-US"/>
           </a:p>
@@ -17334,6 +17335,132 @@
 </p:sld>
 </file>
 
+<file path=ppt/slides/slide8.xml><?xml version="1.0" encoding="utf-8"?>
+<p:sld xmlns:a="http://schemas.openxmlformats.org/drawingml/2006/main" xmlns:r="http://schemas.openxmlformats.org/officeDocument/2006/relationships" xmlns:p="http://schemas.openxmlformats.org/presentationml/2006/main">
+  <p:cSld>
+    <p:spTree>
+      <p:nvGrpSpPr>
+        <p:cNvPr id="1" name=""/>
+        <p:cNvGrpSpPr/>
+        <p:nvPr/>
+      </p:nvGrpSpPr>
+      <p:grpSpPr>
+        <a:xfrm>
+          <a:off x="0" y="0"/>
+          <a:ext cx="0" cy="0"/>
+          <a:chOff x="0" y="0"/>
+          <a:chExt cx="0" cy="0"/>
+        </a:xfrm>
+      </p:grpSpPr>
+      <p:pic>
+        <p:nvPicPr>
+          <p:cNvPr id="5" name="图片 4">
+            <a:extLst>
+              <a:ext uri="{FF2B5EF4-FFF2-40B4-BE49-F238E27FC236}">
+                <a16:creationId xmlns:a16="http://schemas.microsoft.com/office/drawing/2014/main" id="{FA1B3D28-BD74-4C81-943C-F508E7EE9553}"/>
+              </a:ext>
+            </a:extLst>
+          </p:cNvPr>
+          <p:cNvPicPr>
+            <a:picLocks noChangeAspect="1"/>
+          </p:cNvPicPr>
+          <p:nvPr/>
+        </p:nvPicPr>
+        <p:blipFill>
+          <a:blip r:embed="rId2">
+            <a:extLst>
+              <a:ext uri="{28A0092B-C50C-407E-A947-70E740481C1C}">
+                <a14:useLocalDpi xmlns:a14="http://schemas.microsoft.com/office/drawing/2010/main" val="0"/>
+              </a:ext>
+            </a:extLst>
+          </a:blip>
+          <a:stretch>
+            <a:fillRect/>
+          </a:stretch>
+        </p:blipFill>
+        <p:spPr>
+          <a:xfrm>
+            <a:off x="2347912" y="1300162"/>
+            <a:ext cx="7496175" cy="4257675"/>
+          </a:xfrm>
+          <a:prstGeom prst="rect">
+            <a:avLst/>
+          </a:prstGeom>
+        </p:spPr>
+      </p:pic>
+      <p:sp>
+        <p:nvSpPr>
+          <p:cNvPr id="6" name="文本框 5">
+            <a:extLst>
+              <a:ext uri="{FF2B5EF4-FFF2-40B4-BE49-F238E27FC236}">
+                <a16:creationId xmlns:a16="http://schemas.microsoft.com/office/drawing/2014/main" id="{1113C47B-CA3D-4F96-967E-11421E2C4B2C}"/>
+              </a:ext>
+            </a:extLst>
+          </p:cNvPr>
+          <p:cNvSpPr txBox="1"/>
+          <p:nvPr/>
+        </p:nvSpPr>
+        <p:spPr>
+          <a:xfrm>
+            <a:off x="3852672" y="3310128"/>
+            <a:ext cx="691215" cy="369332"/>
+          </a:xfrm>
+          <a:prstGeom prst="rect">
+            <a:avLst/>
+          </a:prstGeom>
+          <a:noFill/>
+        </p:spPr>
+        <p:txBody>
+          <a:bodyPr wrap="none" rtlCol="0">
+            <a:spAutoFit/>
+          </a:bodyPr>
+          <a:lstStyle/>
+          <a:p>
+            <a:r>
+              <a:rPr lang="en-US" altLang="zh-CN" b="1" dirty="0">
+                <a:solidFill>
+                  <a:srgbClr val="FF0000"/>
+                </a:solidFill>
+              </a:rPr>
+              <a:t>(x,</a:t>
+            </a:r>
+            <a:r>
+              <a:rPr lang="zh-CN" altLang="en-US" b="1" dirty="0">
+                <a:solidFill>
+                  <a:srgbClr val="FF0000"/>
+                </a:solidFill>
+              </a:rPr>
+              <a:t> </a:t>
+            </a:r>
+            <a:r>
+              <a:rPr lang="en-US" altLang="zh-CN" b="1" dirty="0">
+                <a:solidFill>
+                  <a:srgbClr val="FF0000"/>
+                </a:solidFill>
+              </a:rPr>
+              <a:t>y)</a:t>
+            </a:r>
+            <a:endParaRPr lang="zh-CN" altLang="en-US" b="1" dirty="0">
+              <a:solidFill>
+                <a:srgbClr val="FF0000"/>
+              </a:solidFill>
+            </a:endParaRPr>
+          </a:p>
+        </p:txBody>
+      </p:sp>
+    </p:spTree>
+    <p:extLst>
+      <p:ext uri="{BB962C8B-B14F-4D97-AF65-F5344CB8AC3E}">
+        <p14:creationId xmlns:p14="http://schemas.microsoft.com/office/powerpoint/2010/main" val="3763786796"/>
+      </p:ext>
+    </p:extLst>
+  </p:cSld>
+  <p:clrMapOvr>
+    <a:masterClrMapping/>
+  </p:clrMapOvr>
+</p:sld>
+</file>
+
 <file path=ppt/theme/theme1.xml><?xml version="1.0" encoding="utf-8"?>
 <a:theme xmlns:a="http://schemas.openxmlformats.org/drawingml/2006/main" name="Office 主题​​">
   <a:themeElements>

--- a/material/draw.pptx
+++ b/material/draw.pptx
@@ -13,6 +13,7 @@
     <p:sldId id="261" r:id="rId7"/>
     <p:sldId id="262" r:id="rId8"/>
     <p:sldId id="263" r:id="rId9"/>
+    <p:sldId id="264" r:id="rId10"/>
   </p:sldIdLst>
   <p:sldSz cx="12192000" cy="6858000"/>
   <p:notesSz cx="6858000" cy="9144000"/>
@@ -17461,6 +17462,163 @@
 </p:sld>
 </file>
 
+<file path=ppt/slides/slide9.xml><?xml version="1.0" encoding="utf-8"?>
+<p:sld xmlns:a="http://schemas.openxmlformats.org/drawingml/2006/main" xmlns:r="http://schemas.openxmlformats.org/officeDocument/2006/relationships" xmlns:p="http://schemas.openxmlformats.org/presentationml/2006/main">
+  <p:cSld>
+    <p:spTree>
+      <p:nvGrpSpPr>
+        <p:cNvPr id="1" name=""/>
+        <p:cNvGrpSpPr/>
+        <p:nvPr/>
+      </p:nvGrpSpPr>
+      <p:grpSpPr>
+        <a:xfrm>
+          <a:off x="0" y="0"/>
+          <a:ext cx="0" cy="0"/>
+          <a:chOff x="0" y="0"/>
+          <a:chExt cx="0" cy="0"/>
+        </a:xfrm>
+      </p:grpSpPr>
+      <p:pic>
+        <p:nvPicPr>
+          <p:cNvPr id="3" name="图片 2" descr="表格&#10;&#10;描述已自动生成">
+            <a:extLst>
+              <a:ext uri="{FF2B5EF4-FFF2-40B4-BE49-F238E27FC236}">
+                <a16:creationId xmlns:a16="http://schemas.microsoft.com/office/drawing/2014/main" id="{359DAFC4-103D-4059-BA71-0C0C6C79B317}"/>
+              </a:ext>
+            </a:extLst>
+          </p:cNvPr>
+          <p:cNvPicPr>
+            <a:picLocks noChangeAspect="1"/>
+          </p:cNvPicPr>
+          <p:nvPr/>
+        </p:nvPicPr>
+        <p:blipFill>
+          <a:blip r:embed="rId2">
+            <a:extLst>
+              <a:ext uri="{28A0092B-C50C-407E-A947-70E740481C1C}">
+                <a14:useLocalDpi xmlns:a14="http://schemas.microsoft.com/office/drawing/2010/main" val="0"/>
+              </a:ext>
+            </a:extLst>
+          </a:blip>
+          <a:stretch>
+            <a:fillRect/>
+          </a:stretch>
+        </p:blipFill>
+        <p:spPr>
+          <a:xfrm>
+            <a:off x="4643437" y="1385887"/>
+            <a:ext cx="2905125" cy="4086225"/>
+          </a:xfrm>
+          <a:prstGeom prst="rect">
+            <a:avLst/>
+          </a:prstGeom>
+        </p:spPr>
+      </p:pic>
+      <p:sp>
+        <p:nvSpPr>
+          <p:cNvPr id="4" name="矩形: 圆角 3">
+            <a:extLst>
+              <a:ext uri="{FF2B5EF4-FFF2-40B4-BE49-F238E27FC236}">
+                <a16:creationId xmlns:a16="http://schemas.microsoft.com/office/drawing/2014/main" id="{06F5566C-E945-4A29-BE78-E1CB02747866}"/>
+              </a:ext>
+            </a:extLst>
+          </p:cNvPr>
+          <p:cNvSpPr/>
+          <p:nvPr/>
+        </p:nvSpPr>
+        <p:spPr>
+          <a:xfrm>
+            <a:off x="4643437" y="1619250"/>
+            <a:ext cx="2905126" cy="3333750"/>
+          </a:xfrm>
+          <a:prstGeom prst="roundRect">
+            <a:avLst>
+              <a:gd name="adj" fmla="val 6381"/>
+            </a:avLst>
+          </a:prstGeom>
+          <a:noFill/>
+          <a:ln w="19050">
+            <a:solidFill>
+              <a:schemeClr val="tx1"/>
+            </a:solidFill>
+            <a:prstDash val="dash"/>
+          </a:ln>
+        </p:spPr>
+        <p:style>
+          <a:lnRef idx="2">
+            <a:schemeClr val="accent1">
+              <a:shade val="50000"/>
+            </a:schemeClr>
+          </a:lnRef>
+          <a:fillRef idx="1">
+            <a:schemeClr val="accent1"/>
+          </a:fillRef>
+          <a:effectRef idx="0">
+            <a:schemeClr val="accent1"/>
+          </a:effectRef>
+          <a:fontRef idx="minor">
+            <a:schemeClr val="lt1"/>
+          </a:fontRef>
+        </p:style>
+        <p:txBody>
+          <a:bodyPr rtlCol="0" anchor="ctr"/>
+          <a:lstStyle/>
+          <a:p>
+            <a:pPr algn="ctr"/>
+            <a:endParaRPr lang="zh-CN" altLang="en-US"/>
+          </a:p>
+        </p:txBody>
+      </p:sp>
+      <p:sp>
+        <p:nvSpPr>
+          <p:cNvPr id="7" name="文本框 6">
+            <a:extLst>
+              <a:ext uri="{FF2B5EF4-FFF2-40B4-BE49-F238E27FC236}">
+                <a16:creationId xmlns:a16="http://schemas.microsoft.com/office/drawing/2014/main" id="{0083F781-8321-4CF9-B2DB-5721005C547D}"/>
+              </a:ext>
+            </a:extLst>
+          </p:cNvPr>
+          <p:cNvSpPr txBox="1"/>
+          <p:nvPr/>
+        </p:nvSpPr>
+        <p:spPr>
+          <a:xfrm>
+            <a:off x="7548562" y="1600200"/>
+            <a:ext cx="865943" cy="276999"/>
+          </a:xfrm>
+          <a:prstGeom prst="rect">
+            <a:avLst/>
+          </a:prstGeom>
+          <a:noFill/>
+        </p:spPr>
+        <p:txBody>
+          <a:bodyPr wrap="none" rtlCol="0">
+            <a:spAutoFit/>
+          </a:bodyPr>
+          <a:lstStyle/>
+          <a:p>
+            <a:r>
+              <a:rPr lang="en-US" altLang="zh-CN" sz="1200" b="1" dirty="0"/>
+              <a:t>Backbone</a:t>
+            </a:r>
+            <a:endParaRPr lang="zh-CN" altLang="en-US" sz="1200" b="1" dirty="0"/>
+          </a:p>
+        </p:txBody>
+      </p:sp>
+    </p:spTree>
+    <p:extLst>
+      <p:ext uri="{BB962C8B-B14F-4D97-AF65-F5344CB8AC3E}">
+        <p14:creationId xmlns:p14="http://schemas.microsoft.com/office/powerpoint/2010/main" val="1902531029"/>
+      </p:ext>
+    </p:extLst>
+  </p:cSld>
+  <p:clrMapOvr>
+    <a:masterClrMapping/>
+  </p:clrMapOvr>
+</p:sld>
+</file>
+
 <file path=ppt/theme/theme1.xml><?xml version="1.0" encoding="utf-8"?>
 <a:theme xmlns:a="http://schemas.openxmlformats.org/drawingml/2006/main" name="Office 主题​​">
   <a:themeElements>

--- a/material/draw.pptx
+++ b/material/draw.pptx
@@ -17229,8 +17229,8 @@
         </p:nvSpPr>
         <p:spPr>
           <a:xfrm>
-            <a:off x="4114300" y="3267979"/>
-            <a:ext cx="1287532" cy="369332"/>
+            <a:off x="4015631" y="3267337"/>
+            <a:ext cx="1420582" cy="369332"/>
           </a:xfrm>
           <a:prstGeom prst="rect">
             <a:avLst/>
@@ -17245,7 +17245,7 @@
           <a:p>
             <a:r>
               <a:rPr lang="en-US" altLang="zh-CN" b="1" dirty="0"/>
-              <a:t>Head(tiny)</a:t>
+              <a:t>Head(large)</a:t>
             </a:r>
             <a:endParaRPr lang="zh-CN" altLang="en-US" b="1" dirty="0"/>
           </a:p>
@@ -17302,7 +17302,7 @@
         <p:spPr>
           <a:xfrm>
             <a:off x="7218676" y="6814972"/>
-            <a:ext cx="1420582" cy="369332"/>
+            <a:ext cx="1287532" cy="369332"/>
           </a:xfrm>
           <a:prstGeom prst="rect">
             <a:avLst/>
@@ -17317,7 +17317,11 @@
           <a:p>
             <a:r>
               <a:rPr lang="en-US" altLang="zh-CN" b="1" dirty="0"/>
-              <a:t>Head(large)</a:t>
+              <a:t>Head</a:t>
+            </a:r>
+            <a:r>
+              <a:rPr lang="en-US" altLang="zh-CN" b="1"/>
+              <a:t>(tiny)</a:t>
             </a:r>
             <a:endParaRPr lang="zh-CN" altLang="en-US" b="1" dirty="0"/>
           </a:p>

--- a/material/draw.pptx
+++ b/material/draw.pptx
@@ -14,6 +14,7 @@
     <p:sldId id="262" r:id="rId8"/>
     <p:sldId id="263" r:id="rId9"/>
     <p:sldId id="264" r:id="rId10"/>
+    <p:sldId id="265" r:id="rId11"/>
   </p:sldIdLst>
   <p:sldSz cx="12192000" cy="6858000"/>
   <p:notesSz cx="6858000" cy="9144000"/>
@@ -267,7 +268,7 @@
           <a:p>
             <a:fld id="{2F9CE705-09FF-4707-95CD-526466700775}" type="datetimeFigureOut">
               <a:rPr lang="zh-CN" altLang="en-US" smtClean="0"/>
-              <a:t>2021/5/13</a:t>
+              <a:t>2021/5/14</a:t>
             </a:fld>
             <a:endParaRPr lang="zh-CN" altLang="en-US"/>
           </a:p>
@@ -465,7 +466,7 @@
           <a:p>
             <a:fld id="{2F9CE705-09FF-4707-95CD-526466700775}" type="datetimeFigureOut">
               <a:rPr lang="zh-CN" altLang="en-US" smtClean="0"/>
-              <a:t>2021/5/13</a:t>
+              <a:t>2021/5/14</a:t>
             </a:fld>
             <a:endParaRPr lang="zh-CN" altLang="en-US"/>
           </a:p>
@@ -673,7 +674,7 @@
           <a:p>
             <a:fld id="{2F9CE705-09FF-4707-95CD-526466700775}" type="datetimeFigureOut">
               <a:rPr lang="zh-CN" altLang="en-US" smtClean="0"/>
-              <a:t>2021/5/13</a:t>
+              <a:t>2021/5/14</a:t>
             </a:fld>
             <a:endParaRPr lang="zh-CN" altLang="en-US"/>
           </a:p>
@@ -871,7 +872,7 @@
           <a:p>
             <a:fld id="{2F9CE705-09FF-4707-95CD-526466700775}" type="datetimeFigureOut">
               <a:rPr lang="zh-CN" altLang="en-US" smtClean="0"/>
-              <a:t>2021/5/13</a:t>
+              <a:t>2021/5/14</a:t>
             </a:fld>
             <a:endParaRPr lang="zh-CN" altLang="en-US"/>
           </a:p>
@@ -1146,7 +1147,7 @@
           <a:p>
             <a:fld id="{2F9CE705-09FF-4707-95CD-526466700775}" type="datetimeFigureOut">
               <a:rPr lang="zh-CN" altLang="en-US" smtClean="0"/>
-              <a:t>2021/5/13</a:t>
+              <a:t>2021/5/14</a:t>
             </a:fld>
             <a:endParaRPr lang="zh-CN" altLang="en-US"/>
           </a:p>
@@ -1411,7 +1412,7 @@
           <a:p>
             <a:fld id="{2F9CE705-09FF-4707-95CD-526466700775}" type="datetimeFigureOut">
               <a:rPr lang="zh-CN" altLang="en-US" smtClean="0"/>
-              <a:t>2021/5/13</a:t>
+              <a:t>2021/5/14</a:t>
             </a:fld>
             <a:endParaRPr lang="zh-CN" altLang="en-US"/>
           </a:p>
@@ -1823,7 +1824,7 @@
           <a:p>
             <a:fld id="{2F9CE705-09FF-4707-95CD-526466700775}" type="datetimeFigureOut">
               <a:rPr lang="zh-CN" altLang="en-US" smtClean="0"/>
-              <a:t>2021/5/13</a:t>
+              <a:t>2021/5/14</a:t>
             </a:fld>
             <a:endParaRPr lang="zh-CN" altLang="en-US"/>
           </a:p>
@@ -1964,7 +1965,7 @@
           <a:p>
             <a:fld id="{2F9CE705-09FF-4707-95CD-526466700775}" type="datetimeFigureOut">
               <a:rPr lang="zh-CN" altLang="en-US" smtClean="0"/>
-              <a:t>2021/5/13</a:t>
+              <a:t>2021/5/14</a:t>
             </a:fld>
             <a:endParaRPr lang="zh-CN" altLang="en-US"/>
           </a:p>
@@ -2077,7 +2078,7 @@
           <a:p>
             <a:fld id="{2F9CE705-09FF-4707-95CD-526466700775}" type="datetimeFigureOut">
               <a:rPr lang="zh-CN" altLang="en-US" smtClean="0"/>
-              <a:t>2021/5/13</a:t>
+              <a:t>2021/5/14</a:t>
             </a:fld>
             <a:endParaRPr lang="zh-CN" altLang="en-US"/>
           </a:p>
@@ -2388,7 +2389,7 @@
           <a:p>
             <a:fld id="{2F9CE705-09FF-4707-95CD-526466700775}" type="datetimeFigureOut">
               <a:rPr lang="zh-CN" altLang="en-US" smtClean="0"/>
-              <a:t>2021/5/13</a:t>
+              <a:t>2021/5/14</a:t>
             </a:fld>
             <a:endParaRPr lang="zh-CN" altLang="en-US"/>
           </a:p>
@@ -2676,7 +2677,7 @@
           <a:p>
             <a:fld id="{2F9CE705-09FF-4707-95CD-526466700775}" type="datetimeFigureOut">
               <a:rPr lang="zh-CN" altLang="en-US" smtClean="0"/>
-              <a:t>2021/5/13</a:t>
+              <a:t>2021/5/14</a:t>
             </a:fld>
             <a:endParaRPr lang="zh-CN" altLang="en-US"/>
           </a:p>
@@ -2917,7 +2918,7 @@
           <a:p>
             <a:fld id="{2F9CE705-09FF-4707-95CD-526466700775}" type="datetimeFigureOut">
               <a:rPr lang="zh-CN" altLang="en-US" smtClean="0"/>
-              <a:t>2021/5/13</a:t>
+              <a:t>2021/5/14</a:t>
             </a:fld>
             <a:endParaRPr lang="zh-CN" altLang="en-US"/>
           </a:p>
@@ -5731,6 +5732,250 @@
 </p:sld>
 </file>
 
+<file path=ppt/slides/slide10.xml><?xml version="1.0" encoding="utf-8"?>
+<p:sld xmlns:a="http://schemas.openxmlformats.org/drawingml/2006/main" xmlns:r="http://schemas.openxmlformats.org/officeDocument/2006/relationships" xmlns:p="http://schemas.openxmlformats.org/presentationml/2006/main">
+  <p:cSld>
+    <p:spTree>
+      <p:nvGrpSpPr>
+        <p:cNvPr id="1" name=""/>
+        <p:cNvGrpSpPr/>
+        <p:nvPr/>
+      </p:nvGrpSpPr>
+      <p:grpSpPr>
+        <a:xfrm>
+          <a:off x="0" y="0"/>
+          <a:ext cx="0" cy="0"/>
+          <a:chOff x="0" y="0"/>
+          <a:chExt cx="0" cy="0"/>
+        </a:xfrm>
+      </p:grpSpPr>
+      <p:pic>
+        <p:nvPicPr>
+          <p:cNvPr id="5" name="图片 4" descr="图示&#10;&#10;描述已自动生成">
+            <a:extLst>
+              <a:ext uri="{FF2B5EF4-FFF2-40B4-BE49-F238E27FC236}">
+                <a16:creationId xmlns:a16="http://schemas.microsoft.com/office/drawing/2014/main" id="{993B466E-0CBD-4AB1-916C-D5756B7631D0}"/>
+              </a:ext>
+            </a:extLst>
+          </p:cNvPr>
+          <p:cNvPicPr>
+            <a:picLocks noChangeAspect="1"/>
+          </p:cNvPicPr>
+          <p:nvPr/>
+        </p:nvPicPr>
+        <p:blipFill>
+          <a:blip r:embed="rId2">
+            <a:extLst>
+              <a:ext uri="{28A0092B-C50C-407E-A947-70E740481C1C}">
+                <a14:useLocalDpi xmlns:a14="http://schemas.microsoft.com/office/drawing/2010/main" val="0"/>
+              </a:ext>
+            </a:extLst>
+          </a:blip>
+          <a:stretch>
+            <a:fillRect/>
+          </a:stretch>
+        </p:blipFill>
+        <p:spPr>
+          <a:xfrm>
+            <a:off x="1347787" y="2224087"/>
+            <a:ext cx="9496425" cy="2409825"/>
+          </a:xfrm>
+          <a:prstGeom prst="rect">
+            <a:avLst/>
+          </a:prstGeom>
+        </p:spPr>
+      </p:pic>
+      <p:sp>
+        <p:nvSpPr>
+          <p:cNvPr id="6" name="矩形: 圆角 5">
+            <a:extLst>
+              <a:ext uri="{FF2B5EF4-FFF2-40B4-BE49-F238E27FC236}">
+                <a16:creationId xmlns:a16="http://schemas.microsoft.com/office/drawing/2014/main" id="{50182516-3BEB-4896-8B97-D78C19D09CDB}"/>
+              </a:ext>
+            </a:extLst>
+          </p:cNvPr>
+          <p:cNvSpPr/>
+          <p:nvPr/>
+        </p:nvSpPr>
+        <p:spPr>
+          <a:xfrm>
+            <a:off x="1689100" y="2009774"/>
+            <a:ext cx="2641600" cy="2409826"/>
+          </a:xfrm>
+          <a:prstGeom prst="roundRect">
+            <a:avLst/>
+          </a:prstGeom>
+          <a:noFill/>
+          <a:ln w="19050">
+            <a:solidFill>
+              <a:schemeClr val="tx1"/>
+            </a:solidFill>
+            <a:prstDash val="dash"/>
+          </a:ln>
+        </p:spPr>
+        <p:style>
+          <a:lnRef idx="2">
+            <a:schemeClr val="accent1">
+              <a:shade val="50000"/>
+            </a:schemeClr>
+          </a:lnRef>
+          <a:fillRef idx="1">
+            <a:schemeClr val="accent1"/>
+          </a:fillRef>
+          <a:effectRef idx="0">
+            <a:schemeClr val="accent1"/>
+          </a:effectRef>
+          <a:fontRef idx="minor">
+            <a:schemeClr val="lt1"/>
+          </a:fontRef>
+        </p:style>
+        <p:txBody>
+          <a:bodyPr rtlCol="0" anchor="ctr"/>
+          <a:lstStyle/>
+          <a:p>
+            <a:pPr algn="ctr"/>
+            <a:endParaRPr lang="zh-CN" altLang="en-US"/>
+          </a:p>
+        </p:txBody>
+      </p:sp>
+      <p:sp>
+        <p:nvSpPr>
+          <p:cNvPr id="7" name="文本框 6">
+            <a:extLst>
+              <a:ext uri="{FF2B5EF4-FFF2-40B4-BE49-F238E27FC236}">
+                <a16:creationId xmlns:a16="http://schemas.microsoft.com/office/drawing/2014/main" id="{F825B0C3-8CC2-48AF-83DE-4CB7C5765510}"/>
+              </a:ext>
+            </a:extLst>
+          </p:cNvPr>
+          <p:cNvSpPr txBox="1"/>
+          <p:nvPr/>
+        </p:nvSpPr>
+        <p:spPr>
+          <a:xfrm>
+            <a:off x="1799312" y="2039421"/>
+            <a:ext cx="1210588" cy="369332"/>
+          </a:xfrm>
+          <a:prstGeom prst="rect">
+            <a:avLst/>
+          </a:prstGeom>
+          <a:noFill/>
+        </p:spPr>
+        <p:txBody>
+          <a:bodyPr wrap="none" rtlCol="0">
+            <a:spAutoFit/>
+          </a:bodyPr>
+          <a:lstStyle/>
+          <a:p>
+            <a:r>
+              <a:rPr lang="en-US" altLang="zh-CN" b="1" dirty="0"/>
+              <a:t>Backbone</a:t>
+            </a:r>
+            <a:endParaRPr lang="zh-CN" altLang="en-US" b="1" dirty="0"/>
+          </a:p>
+        </p:txBody>
+      </p:sp>
+      <p:sp>
+        <p:nvSpPr>
+          <p:cNvPr id="8" name="矩形: 圆角 7">
+            <a:extLst>
+              <a:ext uri="{FF2B5EF4-FFF2-40B4-BE49-F238E27FC236}">
+                <a16:creationId xmlns:a16="http://schemas.microsoft.com/office/drawing/2014/main" id="{35701671-ED72-4FFC-BBCD-1D99A488A976}"/>
+              </a:ext>
+            </a:extLst>
+          </p:cNvPr>
+          <p:cNvSpPr/>
+          <p:nvPr/>
+        </p:nvSpPr>
+        <p:spPr>
+          <a:xfrm>
+            <a:off x="4672012" y="2009774"/>
+            <a:ext cx="5526087" cy="2409826"/>
+          </a:xfrm>
+          <a:prstGeom prst="roundRect">
+            <a:avLst/>
+          </a:prstGeom>
+          <a:noFill/>
+          <a:ln w="19050">
+            <a:solidFill>
+              <a:schemeClr val="tx1"/>
+            </a:solidFill>
+            <a:prstDash val="dash"/>
+          </a:ln>
+        </p:spPr>
+        <p:style>
+          <a:lnRef idx="2">
+            <a:schemeClr val="accent1">
+              <a:shade val="50000"/>
+            </a:schemeClr>
+          </a:lnRef>
+          <a:fillRef idx="1">
+            <a:schemeClr val="accent1"/>
+          </a:fillRef>
+          <a:effectRef idx="0">
+            <a:schemeClr val="accent1"/>
+          </a:effectRef>
+          <a:fontRef idx="minor">
+            <a:schemeClr val="lt1"/>
+          </a:fontRef>
+        </p:style>
+        <p:txBody>
+          <a:bodyPr rtlCol="0" anchor="ctr"/>
+          <a:lstStyle/>
+          <a:p>
+            <a:pPr algn="ctr"/>
+            <a:endParaRPr lang="zh-CN" altLang="en-US"/>
+          </a:p>
+        </p:txBody>
+      </p:sp>
+      <p:sp>
+        <p:nvSpPr>
+          <p:cNvPr id="9" name="文本框 8">
+            <a:extLst>
+              <a:ext uri="{FF2B5EF4-FFF2-40B4-BE49-F238E27FC236}">
+                <a16:creationId xmlns:a16="http://schemas.microsoft.com/office/drawing/2014/main" id="{912D10B5-FC91-4768-B63A-AE5BDB08651B}"/>
+              </a:ext>
+            </a:extLst>
+          </p:cNvPr>
+          <p:cNvSpPr txBox="1"/>
+          <p:nvPr/>
+        </p:nvSpPr>
+        <p:spPr>
+          <a:xfrm>
+            <a:off x="4885411" y="2039421"/>
+            <a:ext cx="715260" cy="369332"/>
+          </a:xfrm>
+          <a:prstGeom prst="rect">
+            <a:avLst/>
+          </a:prstGeom>
+          <a:noFill/>
+        </p:spPr>
+        <p:txBody>
+          <a:bodyPr wrap="none" rtlCol="0">
+            <a:spAutoFit/>
+          </a:bodyPr>
+          <a:lstStyle/>
+          <a:p>
+            <a:r>
+              <a:rPr lang="en-US" altLang="zh-CN" b="1" dirty="0"/>
+              <a:t>Neck</a:t>
+            </a:r>
+            <a:endParaRPr lang="zh-CN" altLang="en-US" b="1" dirty="0"/>
+          </a:p>
+        </p:txBody>
+      </p:sp>
+    </p:spTree>
+    <p:extLst>
+      <p:ext uri="{BB962C8B-B14F-4D97-AF65-F5344CB8AC3E}">
+        <p14:creationId xmlns:p14="http://schemas.microsoft.com/office/powerpoint/2010/main" val="2012949522"/>
+      </p:ext>
+    </p:extLst>
+  </p:cSld>
+  <p:clrMapOvr>
+    <a:masterClrMapping/>
+  </p:clrMapOvr>
+</p:sld>
+</file>
+
 <file path=ppt/slides/slide2.xml><?xml version="1.0" encoding="utf-8"?>
 <p:sld xmlns:a="http://schemas.openxmlformats.org/drawingml/2006/main" xmlns:r="http://schemas.openxmlformats.org/officeDocument/2006/relationships" xmlns:p="http://schemas.openxmlformats.org/presentationml/2006/main">
   <p:cSld>

--- a/material/draw.pptx
+++ b/material/draw.pptx
@@ -15,6 +15,11 @@
     <p:sldId id="263" r:id="rId9"/>
     <p:sldId id="264" r:id="rId10"/>
     <p:sldId id="265" r:id="rId11"/>
+    <p:sldId id="266" r:id="rId12"/>
+    <p:sldId id="267" r:id="rId13"/>
+    <p:sldId id="268" r:id="rId14"/>
+    <p:sldId id="269" r:id="rId15"/>
+    <p:sldId id="270" r:id="rId16"/>
   </p:sldIdLst>
   <p:sldSz cx="12192000" cy="6858000"/>
   <p:notesSz cx="6858000" cy="9144000"/>
@@ -268,7 +273,7 @@
           <a:p>
             <a:fld id="{2F9CE705-09FF-4707-95CD-526466700775}" type="datetimeFigureOut">
               <a:rPr lang="zh-CN" altLang="en-US" smtClean="0"/>
-              <a:t>2021/5/14</a:t>
+              <a:t>2021/5/15</a:t>
             </a:fld>
             <a:endParaRPr lang="zh-CN" altLang="en-US"/>
           </a:p>
@@ -466,7 +471,7 @@
           <a:p>
             <a:fld id="{2F9CE705-09FF-4707-95CD-526466700775}" type="datetimeFigureOut">
               <a:rPr lang="zh-CN" altLang="en-US" smtClean="0"/>
-              <a:t>2021/5/14</a:t>
+              <a:t>2021/5/15</a:t>
             </a:fld>
             <a:endParaRPr lang="zh-CN" altLang="en-US"/>
           </a:p>
@@ -674,7 +679,7 @@
           <a:p>
             <a:fld id="{2F9CE705-09FF-4707-95CD-526466700775}" type="datetimeFigureOut">
               <a:rPr lang="zh-CN" altLang="en-US" smtClean="0"/>
-              <a:t>2021/5/14</a:t>
+              <a:t>2021/5/15</a:t>
             </a:fld>
             <a:endParaRPr lang="zh-CN" altLang="en-US"/>
           </a:p>
@@ -872,7 +877,7 @@
           <a:p>
             <a:fld id="{2F9CE705-09FF-4707-95CD-526466700775}" type="datetimeFigureOut">
               <a:rPr lang="zh-CN" altLang="en-US" smtClean="0"/>
-              <a:t>2021/5/14</a:t>
+              <a:t>2021/5/15</a:t>
             </a:fld>
             <a:endParaRPr lang="zh-CN" altLang="en-US"/>
           </a:p>
@@ -1147,7 +1152,7 @@
           <a:p>
             <a:fld id="{2F9CE705-09FF-4707-95CD-526466700775}" type="datetimeFigureOut">
               <a:rPr lang="zh-CN" altLang="en-US" smtClean="0"/>
-              <a:t>2021/5/14</a:t>
+              <a:t>2021/5/15</a:t>
             </a:fld>
             <a:endParaRPr lang="zh-CN" altLang="en-US"/>
           </a:p>
@@ -1412,7 +1417,7 @@
           <a:p>
             <a:fld id="{2F9CE705-09FF-4707-95CD-526466700775}" type="datetimeFigureOut">
               <a:rPr lang="zh-CN" altLang="en-US" smtClean="0"/>
-              <a:t>2021/5/14</a:t>
+              <a:t>2021/5/15</a:t>
             </a:fld>
             <a:endParaRPr lang="zh-CN" altLang="en-US"/>
           </a:p>
@@ -1824,7 +1829,7 @@
           <a:p>
             <a:fld id="{2F9CE705-09FF-4707-95CD-526466700775}" type="datetimeFigureOut">
               <a:rPr lang="zh-CN" altLang="en-US" smtClean="0"/>
-              <a:t>2021/5/14</a:t>
+              <a:t>2021/5/15</a:t>
             </a:fld>
             <a:endParaRPr lang="zh-CN" altLang="en-US"/>
           </a:p>
@@ -1965,7 +1970,7 @@
           <a:p>
             <a:fld id="{2F9CE705-09FF-4707-95CD-526466700775}" type="datetimeFigureOut">
               <a:rPr lang="zh-CN" altLang="en-US" smtClean="0"/>
-              <a:t>2021/5/14</a:t>
+              <a:t>2021/5/15</a:t>
             </a:fld>
             <a:endParaRPr lang="zh-CN" altLang="en-US"/>
           </a:p>
@@ -2078,7 +2083,7 @@
           <a:p>
             <a:fld id="{2F9CE705-09FF-4707-95CD-526466700775}" type="datetimeFigureOut">
               <a:rPr lang="zh-CN" altLang="en-US" smtClean="0"/>
-              <a:t>2021/5/14</a:t>
+              <a:t>2021/5/15</a:t>
             </a:fld>
             <a:endParaRPr lang="zh-CN" altLang="en-US"/>
           </a:p>
@@ -2389,7 +2394,7 @@
           <a:p>
             <a:fld id="{2F9CE705-09FF-4707-95CD-526466700775}" type="datetimeFigureOut">
               <a:rPr lang="zh-CN" altLang="en-US" smtClean="0"/>
-              <a:t>2021/5/14</a:t>
+              <a:t>2021/5/15</a:t>
             </a:fld>
             <a:endParaRPr lang="zh-CN" altLang="en-US"/>
           </a:p>
@@ -2677,7 +2682,7 @@
           <a:p>
             <a:fld id="{2F9CE705-09FF-4707-95CD-526466700775}" type="datetimeFigureOut">
               <a:rPr lang="zh-CN" altLang="en-US" smtClean="0"/>
-              <a:t>2021/5/14</a:t>
+              <a:t>2021/5/15</a:t>
             </a:fld>
             <a:endParaRPr lang="zh-CN" altLang="en-US"/>
           </a:p>
@@ -2918,7 +2923,7 @@
           <a:p>
             <a:fld id="{2F9CE705-09FF-4707-95CD-526466700775}" type="datetimeFigureOut">
               <a:rPr lang="zh-CN" altLang="en-US" smtClean="0"/>
-              <a:t>2021/5/14</a:t>
+              <a:t>2021/5/15</a:t>
             </a:fld>
             <a:endParaRPr lang="zh-CN" altLang="en-US"/>
           </a:p>
@@ -5976,6 +5981,4923 @@
 </p:sld>
 </file>
 
+<file path=ppt/slides/slide11.xml><?xml version="1.0" encoding="utf-8"?>
+<p:sld xmlns:a="http://schemas.openxmlformats.org/drawingml/2006/main" xmlns:r="http://schemas.openxmlformats.org/officeDocument/2006/relationships" xmlns:p="http://schemas.openxmlformats.org/presentationml/2006/main">
+  <p:cSld>
+    <p:spTree>
+      <p:nvGrpSpPr>
+        <p:cNvPr id="1" name=""/>
+        <p:cNvGrpSpPr/>
+        <p:nvPr/>
+      </p:nvGrpSpPr>
+      <p:grpSpPr>
+        <a:xfrm>
+          <a:off x="0" y="0"/>
+          <a:ext cx="0" cy="0"/>
+          <a:chOff x="0" y="0"/>
+          <a:chExt cx="0" cy="0"/>
+        </a:xfrm>
+      </p:grpSpPr>
+      <p:grpSp>
+        <p:nvGrpSpPr>
+          <p:cNvPr id="50" name="组合 49">
+            <a:extLst>
+              <a:ext uri="{FF2B5EF4-FFF2-40B4-BE49-F238E27FC236}">
+                <a16:creationId xmlns:a16="http://schemas.microsoft.com/office/drawing/2014/main" id="{69082DA8-2BAB-4D2B-A933-81C751F3EC59}"/>
+              </a:ext>
+            </a:extLst>
+          </p:cNvPr>
+          <p:cNvGrpSpPr/>
+          <p:nvPr/>
+        </p:nvGrpSpPr>
+        <p:grpSpPr>
+          <a:xfrm>
+            <a:off x="4998087" y="1787603"/>
+            <a:ext cx="864000" cy="865680"/>
+            <a:chOff x="3309518" y="3316384"/>
+            <a:chExt cx="864000" cy="865680"/>
+          </a:xfrm>
+          <a:solidFill>
+            <a:srgbClr val="02FFFF"/>
+          </a:solidFill>
+        </p:grpSpPr>
+        <p:sp>
+          <p:nvSpPr>
+            <p:cNvPr id="51" name="矩形 50">
+              <a:extLst>
+                <a:ext uri="{FF2B5EF4-FFF2-40B4-BE49-F238E27FC236}">
+                  <a16:creationId xmlns:a16="http://schemas.microsoft.com/office/drawing/2014/main" id="{5D540549-FA73-4404-B333-A1509086D789}"/>
+                </a:ext>
+              </a:extLst>
+            </p:cNvPr>
+            <p:cNvSpPr/>
+            <p:nvPr/>
+          </p:nvSpPr>
+          <p:spPr>
+            <a:xfrm>
+              <a:off x="3309518" y="3316384"/>
+              <a:ext cx="288000" cy="288000"/>
+            </a:xfrm>
+            <a:prstGeom prst="rect">
+              <a:avLst/>
+            </a:prstGeom>
+            <a:grpFill/>
+          </p:spPr>
+          <p:style>
+            <a:lnRef idx="2">
+              <a:schemeClr val="accent1">
+                <a:shade val="50000"/>
+              </a:schemeClr>
+            </a:lnRef>
+            <a:fillRef idx="1">
+              <a:schemeClr val="accent1"/>
+            </a:fillRef>
+            <a:effectRef idx="0">
+              <a:schemeClr val="accent1"/>
+            </a:effectRef>
+            <a:fontRef idx="minor">
+              <a:schemeClr val="lt1"/>
+            </a:fontRef>
+          </p:style>
+          <p:txBody>
+            <a:bodyPr rtlCol="0" anchor="ctr"/>
+            <a:lstStyle/>
+            <a:p>
+              <a:pPr algn="ctr"/>
+              <a:endParaRPr lang="zh-CN" altLang="en-US"/>
+            </a:p>
+          </p:txBody>
+        </p:sp>
+        <p:sp>
+          <p:nvSpPr>
+            <p:cNvPr id="52" name="矩形 51">
+              <a:extLst>
+                <a:ext uri="{FF2B5EF4-FFF2-40B4-BE49-F238E27FC236}">
+                  <a16:creationId xmlns:a16="http://schemas.microsoft.com/office/drawing/2014/main" id="{769884C4-EF61-488E-B7FE-DBB83C149E80}"/>
+                </a:ext>
+              </a:extLst>
+            </p:cNvPr>
+            <p:cNvSpPr/>
+            <p:nvPr/>
+          </p:nvSpPr>
+          <p:spPr>
+            <a:xfrm>
+              <a:off x="3595958" y="3316384"/>
+              <a:ext cx="288000" cy="288000"/>
+            </a:xfrm>
+            <a:prstGeom prst="rect">
+              <a:avLst/>
+            </a:prstGeom>
+            <a:grpFill/>
+          </p:spPr>
+          <p:style>
+            <a:lnRef idx="2">
+              <a:schemeClr val="accent1">
+                <a:shade val="50000"/>
+              </a:schemeClr>
+            </a:lnRef>
+            <a:fillRef idx="1">
+              <a:schemeClr val="accent1"/>
+            </a:fillRef>
+            <a:effectRef idx="0">
+              <a:schemeClr val="accent1"/>
+            </a:effectRef>
+            <a:fontRef idx="minor">
+              <a:schemeClr val="lt1"/>
+            </a:fontRef>
+          </p:style>
+          <p:txBody>
+            <a:bodyPr rtlCol="0" anchor="ctr"/>
+            <a:lstStyle/>
+            <a:p>
+              <a:pPr algn="ctr"/>
+              <a:endParaRPr lang="zh-CN" altLang="en-US"/>
+            </a:p>
+          </p:txBody>
+        </p:sp>
+        <p:sp>
+          <p:nvSpPr>
+            <p:cNvPr id="53" name="矩形 52">
+              <a:extLst>
+                <a:ext uri="{FF2B5EF4-FFF2-40B4-BE49-F238E27FC236}">
+                  <a16:creationId xmlns:a16="http://schemas.microsoft.com/office/drawing/2014/main" id="{A8883D13-CBB6-48A8-8196-311E06005ED0}"/>
+                </a:ext>
+              </a:extLst>
+            </p:cNvPr>
+            <p:cNvSpPr/>
+            <p:nvPr/>
+          </p:nvSpPr>
+          <p:spPr>
+            <a:xfrm>
+              <a:off x="3885518" y="3316384"/>
+              <a:ext cx="288000" cy="288000"/>
+            </a:xfrm>
+            <a:prstGeom prst="rect">
+              <a:avLst/>
+            </a:prstGeom>
+            <a:grpFill/>
+          </p:spPr>
+          <p:style>
+            <a:lnRef idx="2">
+              <a:schemeClr val="accent1">
+                <a:shade val="50000"/>
+              </a:schemeClr>
+            </a:lnRef>
+            <a:fillRef idx="1">
+              <a:schemeClr val="accent1"/>
+            </a:fillRef>
+            <a:effectRef idx="0">
+              <a:schemeClr val="accent1"/>
+            </a:effectRef>
+            <a:fontRef idx="minor">
+              <a:schemeClr val="lt1"/>
+            </a:fontRef>
+          </p:style>
+          <p:txBody>
+            <a:bodyPr rtlCol="0" anchor="ctr"/>
+            <a:lstStyle/>
+            <a:p>
+              <a:pPr algn="ctr"/>
+              <a:endParaRPr lang="zh-CN" altLang="en-US"/>
+            </a:p>
+          </p:txBody>
+        </p:sp>
+        <p:sp>
+          <p:nvSpPr>
+            <p:cNvPr id="54" name="矩形 53">
+              <a:extLst>
+                <a:ext uri="{FF2B5EF4-FFF2-40B4-BE49-F238E27FC236}">
+                  <a16:creationId xmlns:a16="http://schemas.microsoft.com/office/drawing/2014/main" id="{61BE8E08-EE9A-43F6-ACAB-29F8859547E2}"/>
+                </a:ext>
+              </a:extLst>
+            </p:cNvPr>
+            <p:cNvSpPr/>
+            <p:nvPr/>
+          </p:nvSpPr>
+          <p:spPr>
+            <a:xfrm>
+              <a:off x="3309518" y="3604384"/>
+              <a:ext cx="288000" cy="288000"/>
+            </a:xfrm>
+            <a:prstGeom prst="rect">
+              <a:avLst/>
+            </a:prstGeom>
+            <a:grpFill/>
+          </p:spPr>
+          <p:style>
+            <a:lnRef idx="2">
+              <a:schemeClr val="accent1">
+                <a:shade val="50000"/>
+              </a:schemeClr>
+            </a:lnRef>
+            <a:fillRef idx="1">
+              <a:schemeClr val="accent1"/>
+            </a:fillRef>
+            <a:effectRef idx="0">
+              <a:schemeClr val="accent1"/>
+            </a:effectRef>
+            <a:fontRef idx="minor">
+              <a:schemeClr val="lt1"/>
+            </a:fontRef>
+          </p:style>
+          <p:txBody>
+            <a:bodyPr rtlCol="0" anchor="ctr"/>
+            <a:lstStyle/>
+            <a:p>
+              <a:pPr algn="ctr"/>
+              <a:endParaRPr lang="zh-CN" altLang="en-US"/>
+            </a:p>
+          </p:txBody>
+        </p:sp>
+        <p:sp>
+          <p:nvSpPr>
+            <p:cNvPr id="55" name="矩形 54">
+              <a:extLst>
+                <a:ext uri="{FF2B5EF4-FFF2-40B4-BE49-F238E27FC236}">
+                  <a16:creationId xmlns:a16="http://schemas.microsoft.com/office/drawing/2014/main" id="{DC429352-197E-4527-9150-816B48F1CC42}"/>
+                </a:ext>
+              </a:extLst>
+            </p:cNvPr>
+            <p:cNvSpPr/>
+            <p:nvPr/>
+          </p:nvSpPr>
+          <p:spPr>
+            <a:xfrm>
+              <a:off x="3595958" y="3604384"/>
+              <a:ext cx="288000" cy="288000"/>
+            </a:xfrm>
+            <a:prstGeom prst="rect">
+              <a:avLst/>
+            </a:prstGeom>
+            <a:grpFill/>
+          </p:spPr>
+          <p:style>
+            <a:lnRef idx="2">
+              <a:schemeClr val="accent1">
+                <a:shade val="50000"/>
+              </a:schemeClr>
+            </a:lnRef>
+            <a:fillRef idx="1">
+              <a:schemeClr val="accent1"/>
+            </a:fillRef>
+            <a:effectRef idx="0">
+              <a:schemeClr val="accent1"/>
+            </a:effectRef>
+            <a:fontRef idx="minor">
+              <a:schemeClr val="lt1"/>
+            </a:fontRef>
+          </p:style>
+          <p:txBody>
+            <a:bodyPr rtlCol="0" anchor="ctr"/>
+            <a:lstStyle/>
+            <a:p>
+              <a:pPr algn="ctr"/>
+              <a:endParaRPr lang="zh-CN" altLang="en-US"/>
+            </a:p>
+          </p:txBody>
+        </p:sp>
+        <p:sp>
+          <p:nvSpPr>
+            <p:cNvPr id="56" name="矩形 55">
+              <a:extLst>
+                <a:ext uri="{FF2B5EF4-FFF2-40B4-BE49-F238E27FC236}">
+                  <a16:creationId xmlns:a16="http://schemas.microsoft.com/office/drawing/2014/main" id="{176D575A-B8CB-40C1-B998-001FF050E919}"/>
+                </a:ext>
+              </a:extLst>
+            </p:cNvPr>
+            <p:cNvSpPr/>
+            <p:nvPr/>
+          </p:nvSpPr>
+          <p:spPr>
+            <a:xfrm>
+              <a:off x="3885518" y="3604384"/>
+              <a:ext cx="288000" cy="288000"/>
+            </a:xfrm>
+            <a:prstGeom prst="rect">
+              <a:avLst/>
+            </a:prstGeom>
+            <a:grpFill/>
+          </p:spPr>
+          <p:style>
+            <a:lnRef idx="2">
+              <a:schemeClr val="accent1">
+                <a:shade val="50000"/>
+              </a:schemeClr>
+            </a:lnRef>
+            <a:fillRef idx="1">
+              <a:schemeClr val="accent1"/>
+            </a:fillRef>
+            <a:effectRef idx="0">
+              <a:schemeClr val="accent1"/>
+            </a:effectRef>
+            <a:fontRef idx="minor">
+              <a:schemeClr val="lt1"/>
+            </a:fontRef>
+          </p:style>
+          <p:txBody>
+            <a:bodyPr rtlCol="0" anchor="ctr"/>
+            <a:lstStyle/>
+            <a:p>
+              <a:pPr algn="ctr"/>
+              <a:endParaRPr lang="zh-CN" altLang="en-US"/>
+            </a:p>
+          </p:txBody>
+        </p:sp>
+        <p:sp>
+          <p:nvSpPr>
+            <p:cNvPr id="57" name="矩形 56">
+              <a:extLst>
+                <a:ext uri="{FF2B5EF4-FFF2-40B4-BE49-F238E27FC236}">
+                  <a16:creationId xmlns:a16="http://schemas.microsoft.com/office/drawing/2014/main" id="{DF85B099-F2C1-4725-9663-EB644B2AD778}"/>
+                </a:ext>
+              </a:extLst>
+            </p:cNvPr>
+            <p:cNvSpPr/>
+            <p:nvPr/>
+          </p:nvSpPr>
+          <p:spPr>
+            <a:xfrm>
+              <a:off x="3309518" y="3894064"/>
+              <a:ext cx="288000" cy="288000"/>
+            </a:xfrm>
+            <a:prstGeom prst="rect">
+              <a:avLst/>
+            </a:prstGeom>
+            <a:grpFill/>
+          </p:spPr>
+          <p:style>
+            <a:lnRef idx="2">
+              <a:schemeClr val="accent1">
+                <a:shade val="50000"/>
+              </a:schemeClr>
+            </a:lnRef>
+            <a:fillRef idx="1">
+              <a:schemeClr val="accent1"/>
+            </a:fillRef>
+            <a:effectRef idx="0">
+              <a:schemeClr val="accent1"/>
+            </a:effectRef>
+            <a:fontRef idx="minor">
+              <a:schemeClr val="lt1"/>
+            </a:fontRef>
+          </p:style>
+          <p:txBody>
+            <a:bodyPr rtlCol="0" anchor="ctr"/>
+            <a:lstStyle/>
+            <a:p>
+              <a:pPr algn="ctr"/>
+              <a:endParaRPr lang="zh-CN" altLang="en-US"/>
+            </a:p>
+          </p:txBody>
+        </p:sp>
+        <p:sp>
+          <p:nvSpPr>
+            <p:cNvPr id="58" name="矩形 57">
+              <a:extLst>
+                <a:ext uri="{FF2B5EF4-FFF2-40B4-BE49-F238E27FC236}">
+                  <a16:creationId xmlns:a16="http://schemas.microsoft.com/office/drawing/2014/main" id="{E727130D-2965-4F96-AB75-8E4711582DDE}"/>
+                </a:ext>
+              </a:extLst>
+            </p:cNvPr>
+            <p:cNvSpPr/>
+            <p:nvPr/>
+          </p:nvSpPr>
+          <p:spPr>
+            <a:xfrm>
+              <a:off x="3595958" y="3894064"/>
+              <a:ext cx="288000" cy="288000"/>
+            </a:xfrm>
+            <a:prstGeom prst="rect">
+              <a:avLst/>
+            </a:prstGeom>
+            <a:grpFill/>
+          </p:spPr>
+          <p:style>
+            <a:lnRef idx="2">
+              <a:schemeClr val="accent1">
+                <a:shade val="50000"/>
+              </a:schemeClr>
+            </a:lnRef>
+            <a:fillRef idx="1">
+              <a:schemeClr val="accent1"/>
+            </a:fillRef>
+            <a:effectRef idx="0">
+              <a:schemeClr val="accent1"/>
+            </a:effectRef>
+            <a:fontRef idx="minor">
+              <a:schemeClr val="lt1"/>
+            </a:fontRef>
+          </p:style>
+          <p:txBody>
+            <a:bodyPr rtlCol="0" anchor="ctr"/>
+            <a:lstStyle/>
+            <a:p>
+              <a:pPr algn="ctr"/>
+              <a:endParaRPr lang="zh-CN" altLang="en-US"/>
+            </a:p>
+          </p:txBody>
+        </p:sp>
+        <p:sp>
+          <p:nvSpPr>
+            <p:cNvPr id="59" name="矩形 58">
+              <a:extLst>
+                <a:ext uri="{FF2B5EF4-FFF2-40B4-BE49-F238E27FC236}">
+                  <a16:creationId xmlns:a16="http://schemas.microsoft.com/office/drawing/2014/main" id="{7804EB60-0034-4404-B31C-4600918F1577}"/>
+                </a:ext>
+              </a:extLst>
+            </p:cNvPr>
+            <p:cNvSpPr/>
+            <p:nvPr/>
+          </p:nvSpPr>
+          <p:spPr>
+            <a:xfrm>
+              <a:off x="3883958" y="3894064"/>
+              <a:ext cx="288000" cy="288000"/>
+            </a:xfrm>
+            <a:prstGeom prst="rect">
+              <a:avLst/>
+            </a:prstGeom>
+            <a:grpFill/>
+          </p:spPr>
+          <p:style>
+            <a:lnRef idx="2">
+              <a:schemeClr val="accent1">
+                <a:shade val="50000"/>
+              </a:schemeClr>
+            </a:lnRef>
+            <a:fillRef idx="1">
+              <a:schemeClr val="accent1"/>
+            </a:fillRef>
+            <a:effectRef idx="0">
+              <a:schemeClr val="accent1"/>
+            </a:effectRef>
+            <a:fontRef idx="minor">
+              <a:schemeClr val="lt1"/>
+            </a:fontRef>
+          </p:style>
+          <p:txBody>
+            <a:bodyPr rtlCol="0" anchor="ctr"/>
+            <a:lstStyle/>
+            <a:p>
+              <a:pPr algn="ctr"/>
+              <a:endParaRPr lang="zh-CN" altLang="en-US"/>
+            </a:p>
+          </p:txBody>
+        </p:sp>
+      </p:grpSp>
+      <p:grpSp>
+        <p:nvGrpSpPr>
+          <p:cNvPr id="40" name="组合 39">
+            <a:extLst>
+              <a:ext uri="{FF2B5EF4-FFF2-40B4-BE49-F238E27FC236}">
+                <a16:creationId xmlns:a16="http://schemas.microsoft.com/office/drawing/2014/main" id="{CC0DD79A-9DAD-42B8-9BF2-3BE474228BFC}"/>
+              </a:ext>
+            </a:extLst>
+          </p:cNvPr>
+          <p:cNvGrpSpPr/>
+          <p:nvPr/>
+        </p:nvGrpSpPr>
+        <p:grpSpPr>
+          <a:xfrm>
+            <a:off x="4311185" y="2563320"/>
+            <a:ext cx="864000" cy="865680"/>
+            <a:chOff x="3309518" y="3316384"/>
+            <a:chExt cx="864000" cy="865680"/>
+          </a:xfrm>
+          <a:solidFill>
+            <a:srgbClr val="A162D0"/>
+          </a:solidFill>
+        </p:grpSpPr>
+        <p:sp>
+          <p:nvSpPr>
+            <p:cNvPr id="41" name="矩形 40">
+              <a:extLst>
+                <a:ext uri="{FF2B5EF4-FFF2-40B4-BE49-F238E27FC236}">
+                  <a16:creationId xmlns:a16="http://schemas.microsoft.com/office/drawing/2014/main" id="{FBC0FEF3-87BF-4451-AE58-1499FBA4B95E}"/>
+                </a:ext>
+              </a:extLst>
+            </p:cNvPr>
+            <p:cNvSpPr/>
+            <p:nvPr/>
+          </p:nvSpPr>
+          <p:spPr>
+            <a:xfrm>
+              <a:off x="3309518" y="3316384"/>
+              <a:ext cx="288000" cy="288000"/>
+            </a:xfrm>
+            <a:prstGeom prst="rect">
+              <a:avLst/>
+            </a:prstGeom>
+            <a:grpFill/>
+          </p:spPr>
+          <p:style>
+            <a:lnRef idx="2">
+              <a:schemeClr val="accent1">
+                <a:shade val="50000"/>
+              </a:schemeClr>
+            </a:lnRef>
+            <a:fillRef idx="1">
+              <a:schemeClr val="accent1"/>
+            </a:fillRef>
+            <a:effectRef idx="0">
+              <a:schemeClr val="accent1"/>
+            </a:effectRef>
+            <a:fontRef idx="minor">
+              <a:schemeClr val="lt1"/>
+            </a:fontRef>
+          </p:style>
+          <p:txBody>
+            <a:bodyPr rtlCol="0" anchor="ctr"/>
+            <a:lstStyle/>
+            <a:p>
+              <a:pPr algn="ctr"/>
+              <a:endParaRPr lang="zh-CN" altLang="en-US"/>
+            </a:p>
+          </p:txBody>
+        </p:sp>
+        <p:sp>
+          <p:nvSpPr>
+            <p:cNvPr id="42" name="矩形 41">
+              <a:extLst>
+                <a:ext uri="{FF2B5EF4-FFF2-40B4-BE49-F238E27FC236}">
+                  <a16:creationId xmlns:a16="http://schemas.microsoft.com/office/drawing/2014/main" id="{E159FBD6-04C6-4B96-B1D0-4EB464419C9E}"/>
+                </a:ext>
+              </a:extLst>
+            </p:cNvPr>
+            <p:cNvSpPr/>
+            <p:nvPr/>
+          </p:nvSpPr>
+          <p:spPr>
+            <a:xfrm>
+              <a:off x="3595958" y="3316384"/>
+              <a:ext cx="288000" cy="288000"/>
+            </a:xfrm>
+            <a:prstGeom prst="rect">
+              <a:avLst/>
+            </a:prstGeom>
+            <a:grpFill/>
+          </p:spPr>
+          <p:style>
+            <a:lnRef idx="2">
+              <a:schemeClr val="accent1">
+                <a:shade val="50000"/>
+              </a:schemeClr>
+            </a:lnRef>
+            <a:fillRef idx="1">
+              <a:schemeClr val="accent1"/>
+            </a:fillRef>
+            <a:effectRef idx="0">
+              <a:schemeClr val="accent1"/>
+            </a:effectRef>
+            <a:fontRef idx="minor">
+              <a:schemeClr val="lt1"/>
+            </a:fontRef>
+          </p:style>
+          <p:txBody>
+            <a:bodyPr rtlCol="0" anchor="ctr"/>
+            <a:lstStyle/>
+            <a:p>
+              <a:pPr algn="ctr"/>
+              <a:endParaRPr lang="zh-CN" altLang="en-US"/>
+            </a:p>
+          </p:txBody>
+        </p:sp>
+        <p:sp>
+          <p:nvSpPr>
+            <p:cNvPr id="43" name="矩形 42">
+              <a:extLst>
+                <a:ext uri="{FF2B5EF4-FFF2-40B4-BE49-F238E27FC236}">
+                  <a16:creationId xmlns:a16="http://schemas.microsoft.com/office/drawing/2014/main" id="{B7071018-45F1-434F-A0F7-383256D59DE1}"/>
+                </a:ext>
+              </a:extLst>
+            </p:cNvPr>
+            <p:cNvSpPr/>
+            <p:nvPr/>
+          </p:nvSpPr>
+          <p:spPr>
+            <a:xfrm>
+              <a:off x="3885518" y="3316384"/>
+              <a:ext cx="288000" cy="288000"/>
+            </a:xfrm>
+            <a:prstGeom prst="rect">
+              <a:avLst/>
+            </a:prstGeom>
+            <a:grpFill/>
+          </p:spPr>
+          <p:style>
+            <a:lnRef idx="2">
+              <a:schemeClr val="accent1">
+                <a:shade val="50000"/>
+              </a:schemeClr>
+            </a:lnRef>
+            <a:fillRef idx="1">
+              <a:schemeClr val="accent1"/>
+            </a:fillRef>
+            <a:effectRef idx="0">
+              <a:schemeClr val="accent1"/>
+            </a:effectRef>
+            <a:fontRef idx="minor">
+              <a:schemeClr val="lt1"/>
+            </a:fontRef>
+          </p:style>
+          <p:txBody>
+            <a:bodyPr rtlCol="0" anchor="ctr"/>
+            <a:lstStyle/>
+            <a:p>
+              <a:pPr algn="ctr"/>
+              <a:endParaRPr lang="zh-CN" altLang="en-US"/>
+            </a:p>
+          </p:txBody>
+        </p:sp>
+        <p:sp>
+          <p:nvSpPr>
+            <p:cNvPr id="44" name="矩形 43">
+              <a:extLst>
+                <a:ext uri="{FF2B5EF4-FFF2-40B4-BE49-F238E27FC236}">
+                  <a16:creationId xmlns:a16="http://schemas.microsoft.com/office/drawing/2014/main" id="{7C8555DC-CABC-450F-9233-1106D03F4798}"/>
+                </a:ext>
+              </a:extLst>
+            </p:cNvPr>
+            <p:cNvSpPr/>
+            <p:nvPr/>
+          </p:nvSpPr>
+          <p:spPr>
+            <a:xfrm>
+              <a:off x="3309518" y="3604384"/>
+              <a:ext cx="288000" cy="288000"/>
+            </a:xfrm>
+            <a:prstGeom prst="rect">
+              <a:avLst/>
+            </a:prstGeom>
+            <a:grpFill/>
+          </p:spPr>
+          <p:style>
+            <a:lnRef idx="2">
+              <a:schemeClr val="accent1">
+                <a:shade val="50000"/>
+              </a:schemeClr>
+            </a:lnRef>
+            <a:fillRef idx="1">
+              <a:schemeClr val="accent1"/>
+            </a:fillRef>
+            <a:effectRef idx="0">
+              <a:schemeClr val="accent1"/>
+            </a:effectRef>
+            <a:fontRef idx="minor">
+              <a:schemeClr val="lt1"/>
+            </a:fontRef>
+          </p:style>
+          <p:txBody>
+            <a:bodyPr rtlCol="0" anchor="ctr"/>
+            <a:lstStyle/>
+            <a:p>
+              <a:pPr algn="ctr"/>
+              <a:endParaRPr lang="zh-CN" altLang="en-US"/>
+            </a:p>
+          </p:txBody>
+        </p:sp>
+        <p:sp>
+          <p:nvSpPr>
+            <p:cNvPr id="45" name="矩形 44">
+              <a:extLst>
+                <a:ext uri="{FF2B5EF4-FFF2-40B4-BE49-F238E27FC236}">
+                  <a16:creationId xmlns:a16="http://schemas.microsoft.com/office/drawing/2014/main" id="{864885D5-139E-4BA8-A7C5-624238A13090}"/>
+                </a:ext>
+              </a:extLst>
+            </p:cNvPr>
+            <p:cNvSpPr/>
+            <p:nvPr/>
+          </p:nvSpPr>
+          <p:spPr>
+            <a:xfrm>
+              <a:off x="3595958" y="3604384"/>
+              <a:ext cx="288000" cy="288000"/>
+            </a:xfrm>
+            <a:prstGeom prst="rect">
+              <a:avLst/>
+            </a:prstGeom>
+            <a:grpFill/>
+          </p:spPr>
+          <p:style>
+            <a:lnRef idx="2">
+              <a:schemeClr val="accent1">
+                <a:shade val="50000"/>
+              </a:schemeClr>
+            </a:lnRef>
+            <a:fillRef idx="1">
+              <a:schemeClr val="accent1"/>
+            </a:fillRef>
+            <a:effectRef idx="0">
+              <a:schemeClr val="accent1"/>
+            </a:effectRef>
+            <a:fontRef idx="minor">
+              <a:schemeClr val="lt1"/>
+            </a:fontRef>
+          </p:style>
+          <p:txBody>
+            <a:bodyPr rtlCol="0" anchor="ctr"/>
+            <a:lstStyle/>
+            <a:p>
+              <a:pPr algn="ctr"/>
+              <a:endParaRPr lang="zh-CN" altLang="en-US"/>
+            </a:p>
+          </p:txBody>
+        </p:sp>
+        <p:sp>
+          <p:nvSpPr>
+            <p:cNvPr id="46" name="矩形 45">
+              <a:extLst>
+                <a:ext uri="{FF2B5EF4-FFF2-40B4-BE49-F238E27FC236}">
+                  <a16:creationId xmlns:a16="http://schemas.microsoft.com/office/drawing/2014/main" id="{FFF4E5F8-9B5B-4EFE-BEE7-0A0105B64411}"/>
+                </a:ext>
+              </a:extLst>
+            </p:cNvPr>
+            <p:cNvSpPr/>
+            <p:nvPr/>
+          </p:nvSpPr>
+          <p:spPr>
+            <a:xfrm>
+              <a:off x="3885518" y="3604384"/>
+              <a:ext cx="288000" cy="288000"/>
+            </a:xfrm>
+            <a:prstGeom prst="rect">
+              <a:avLst/>
+            </a:prstGeom>
+            <a:grpFill/>
+          </p:spPr>
+          <p:style>
+            <a:lnRef idx="2">
+              <a:schemeClr val="accent1">
+                <a:shade val="50000"/>
+              </a:schemeClr>
+            </a:lnRef>
+            <a:fillRef idx="1">
+              <a:schemeClr val="accent1"/>
+            </a:fillRef>
+            <a:effectRef idx="0">
+              <a:schemeClr val="accent1"/>
+            </a:effectRef>
+            <a:fontRef idx="minor">
+              <a:schemeClr val="lt1"/>
+            </a:fontRef>
+          </p:style>
+          <p:txBody>
+            <a:bodyPr rtlCol="0" anchor="ctr"/>
+            <a:lstStyle/>
+            <a:p>
+              <a:pPr algn="ctr"/>
+              <a:endParaRPr lang="zh-CN" altLang="en-US"/>
+            </a:p>
+          </p:txBody>
+        </p:sp>
+        <p:sp>
+          <p:nvSpPr>
+            <p:cNvPr id="47" name="矩形 46">
+              <a:extLst>
+                <a:ext uri="{FF2B5EF4-FFF2-40B4-BE49-F238E27FC236}">
+                  <a16:creationId xmlns:a16="http://schemas.microsoft.com/office/drawing/2014/main" id="{C27B5ADB-9915-45C1-9A6F-61649D95A23C}"/>
+                </a:ext>
+              </a:extLst>
+            </p:cNvPr>
+            <p:cNvSpPr/>
+            <p:nvPr/>
+          </p:nvSpPr>
+          <p:spPr>
+            <a:xfrm>
+              <a:off x="3309518" y="3894064"/>
+              <a:ext cx="288000" cy="288000"/>
+            </a:xfrm>
+            <a:prstGeom prst="rect">
+              <a:avLst/>
+            </a:prstGeom>
+            <a:grpFill/>
+          </p:spPr>
+          <p:style>
+            <a:lnRef idx="2">
+              <a:schemeClr val="accent1">
+                <a:shade val="50000"/>
+              </a:schemeClr>
+            </a:lnRef>
+            <a:fillRef idx="1">
+              <a:schemeClr val="accent1"/>
+            </a:fillRef>
+            <a:effectRef idx="0">
+              <a:schemeClr val="accent1"/>
+            </a:effectRef>
+            <a:fontRef idx="minor">
+              <a:schemeClr val="lt1"/>
+            </a:fontRef>
+          </p:style>
+          <p:txBody>
+            <a:bodyPr rtlCol="0" anchor="ctr"/>
+            <a:lstStyle/>
+            <a:p>
+              <a:pPr algn="ctr"/>
+              <a:endParaRPr lang="zh-CN" altLang="en-US"/>
+            </a:p>
+          </p:txBody>
+        </p:sp>
+        <p:sp>
+          <p:nvSpPr>
+            <p:cNvPr id="48" name="矩形 47">
+              <a:extLst>
+                <a:ext uri="{FF2B5EF4-FFF2-40B4-BE49-F238E27FC236}">
+                  <a16:creationId xmlns:a16="http://schemas.microsoft.com/office/drawing/2014/main" id="{E02F8A17-50AD-4242-924B-12F5CF7C7900}"/>
+                </a:ext>
+              </a:extLst>
+            </p:cNvPr>
+            <p:cNvSpPr/>
+            <p:nvPr/>
+          </p:nvSpPr>
+          <p:spPr>
+            <a:xfrm>
+              <a:off x="3595958" y="3894064"/>
+              <a:ext cx="288000" cy="288000"/>
+            </a:xfrm>
+            <a:prstGeom prst="rect">
+              <a:avLst/>
+            </a:prstGeom>
+            <a:grpFill/>
+          </p:spPr>
+          <p:style>
+            <a:lnRef idx="2">
+              <a:schemeClr val="accent1">
+                <a:shade val="50000"/>
+              </a:schemeClr>
+            </a:lnRef>
+            <a:fillRef idx="1">
+              <a:schemeClr val="accent1"/>
+            </a:fillRef>
+            <a:effectRef idx="0">
+              <a:schemeClr val="accent1"/>
+            </a:effectRef>
+            <a:fontRef idx="minor">
+              <a:schemeClr val="lt1"/>
+            </a:fontRef>
+          </p:style>
+          <p:txBody>
+            <a:bodyPr rtlCol="0" anchor="ctr"/>
+            <a:lstStyle/>
+            <a:p>
+              <a:pPr algn="ctr"/>
+              <a:endParaRPr lang="zh-CN" altLang="en-US"/>
+            </a:p>
+          </p:txBody>
+        </p:sp>
+        <p:sp>
+          <p:nvSpPr>
+            <p:cNvPr id="49" name="矩形 48">
+              <a:extLst>
+                <a:ext uri="{FF2B5EF4-FFF2-40B4-BE49-F238E27FC236}">
+                  <a16:creationId xmlns:a16="http://schemas.microsoft.com/office/drawing/2014/main" id="{3EE27791-A1D5-434E-8B30-30A52E8D0486}"/>
+                </a:ext>
+              </a:extLst>
+            </p:cNvPr>
+            <p:cNvSpPr/>
+            <p:nvPr/>
+          </p:nvSpPr>
+          <p:spPr>
+            <a:xfrm>
+              <a:off x="3883958" y="3894064"/>
+              <a:ext cx="288000" cy="288000"/>
+            </a:xfrm>
+            <a:prstGeom prst="rect">
+              <a:avLst/>
+            </a:prstGeom>
+            <a:grpFill/>
+          </p:spPr>
+          <p:style>
+            <a:lnRef idx="2">
+              <a:schemeClr val="accent1">
+                <a:shade val="50000"/>
+              </a:schemeClr>
+            </a:lnRef>
+            <a:fillRef idx="1">
+              <a:schemeClr val="accent1"/>
+            </a:fillRef>
+            <a:effectRef idx="0">
+              <a:schemeClr val="accent1"/>
+            </a:effectRef>
+            <a:fontRef idx="minor">
+              <a:schemeClr val="lt1"/>
+            </a:fontRef>
+          </p:style>
+          <p:txBody>
+            <a:bodyPr rtlCol="0" anchor="ctr"/>
+            <a:lstStyle/>
+            <a:p>
+              <a:pPr algn="ctr"/>
+              <a:endParaRPr lang="zh-CN" altLang="en-US"/>
+            </a:p>
+          </p:txBody>
+        </p:sp>
+      </p:grpSp>
+      <p:sp>
+        <p:nvSpPr>
+          <p:cNvPr id="5" name="矩形 4">
+            <a:extLst>
+              <a:ext uri="{FF2B5EF4-FFF2-40B4-BE49-F238E27FC236}">
+                <a16:creationId xmlns:a16="http://schemas.microsoft.com/office/drawing/2014/main" id="{0A3A660B-6DDD-4E6D-BF17-2A706F317C16}"/>
+              </a:ext>
+            </a:extLst>
+          </p:cNvPr>
+          <p:cNvSpPr/>
+          <p:nvPr/>
+        </p:nvSpPr>
+        <p:spPr>
+          <a:xfrm>
+            <a:off x="7325749" y="1359675"/>
+            <a:ext cx="1620000" cy="1620000"/>
+          </a:xfrm>
+          <a:prstGeom prst="rect">
+            <a:avLst/>
+          </a:prstGeom>
+          <a:solidFill>
+            <a:srgbClr val="02FFFF"/>
+          </a:solidFill>
+        </p:spPr>
+        <p:style>
+          <a:lnRef idx="2">
+            <a:schemeClr val="accent1">
+              <a:shade val="50000"/>
+            </a:schemeClr>
+          </a:lnRef>
+          <a:fillRef idx="1">
+            <a:schemeClr val="accent1"/>
+          </a:fillRef>
+          <a:effectRef idx="0">
+            <a:schemeClr val="accent1"/>
+          </a:effectRef>
+          <a:fontRef idx="minor">
+            <a:schemeClr val="lt1"/>
+          </a:fontRef>
+        </p:style>
+        <p:txBody>
+          <a:bodyPr rtlCol="0" anchor="ctr"/>
+          <a:lstStyle/>
+          <a:p>
+            <a:pPr algn="ctr"/>
+            <a:endParaRPr lang="zh-CN" altLang="en-US"/>
+          </a:p>
+        </p:txBody>
+      </p:sp>
+      <p:sp>
+        <p:nvSpPr>
+          <p:cNvPr id="6" name="矩形 5">
+            <a:extLst>
+              <a:ext uri="{FF2B5EF4-FFF2-40B4-BE49-F238E27FC236}">
+                <a16:creationId xmlns:a16="http://schemas.microsoft.com/office/drawing/2014/main" id="{54767F93-BED9-4143-9FA8-2FB2CE5E620C}"/>
+              </a:ext>
+            </a:extLst>
+          </p:cNvPr>
+          <p:cNvSpPr/>
+          <p:nvPr/>
+        </p:nvSpPr>
+        <p:spPr>
+          <a:xfrm>
+            <a:off x="6703558" y="2342128"/>
+            <a:ext cx="1620000" cy="1620000"/>
+          </a:xfrm>
+          <a:prstGeom prst="rect">
+            <a:avLst/>
+          </a:prstGeom>
+          <a:solidFill>
+            <a:srgbClr val="A162D0"/>
+          </a:solidFill>
+        </p:spPr>
+        <p:style>
+          <a:lnRef idx="2">
+            <a:schemeClr val="accent1">
+              <a:shade val="50000"/>
+            </a:schemeClr>
+          </a:lnRef>
+          <a:fillRef idx="1">
+            <a:schemeClr val="accent1"/>
+          </a:fillRef>
+          <a:effectRef idx="0">
+            <a:schemeClr val="accent1"/>
+          </a:effectRef>
+          <a:fontRef idx="minor">
+            <a:schemeClr val="lt1"/>
+          </a:fontRef>
+        </p:style>
+        <p:txBody>
+          <a:bodyPr rtlCol="0" anchor="ctr"/>
+          <a:lstStyle/>
+          <a:p>
+            <a:pPr algn="ctr"/>
+            <a:endParaRPr lang="zh-CN" altLang="en-US"/>
+          </a:p>
+        </p:txBody>
+      </p:sp>
+      <p:sp>
+        <p:nvSpPr>
+          <p:cNvPr id="4" name="矩形 3">
+            <a:extLst>
+              <a:ext uri="{FF2B5EF4-FFF2-40B4-BE49-F238E27FC236}">
+                <a16:creationId xmlns:a16="http://schemas.microsoft.com/office/drawing/2014/main" id="{01B79D1A-0B86-42FC-8A86-87F04E7F77A5}"/>
+              </a:ext>
+            </a:extLst>
+          </p:cNvPr>
+          <p:cNvSpPr/>
+          <p:nvPr/>
+        </p:nvSpPr>
+        <p:spPr>
+          <a:xfrm>
+            <a:off x="6390894" y="3390919"/>
+            <a:ext cx="1620000" cy="1620000"/>
+          </a:xfrm>
+          <a:prstGeom prst="rect">
+            <a:avLst/>
+          </a:prstGeom>
+          <a:solidFill>
+            <a:srgbClr val="02FFC4"/>
+          </a:solidFill>
+        </p:spPr>
+        <p:style>
+          <a:lnRef idx="2">
+            <a:schemeClr val="accent1">
+              <a:shade val="50000"/>
+            </a:schemeClr>
+          </a:lnRef>
+          <a:fillRef idx="1">
+            <a:schemeClr val="accent1"/>
+          </a:fillRef>
+          <a:effectRef idx="0">
+            <a:schemeClr val="accent1"/>
+          </a:effectRef>
+          <a:fontRef idx="minor">
+            <a:schemeClr val="lt1"/>
+          </a:fontRef>
+        </p:style>
+        <p:txBody>
+          <a:bodyPr rtlCol="0" anchor="ctr"/>
+          <a:lstStyle/>
+          <a:p>
+            <a:pPr algn="ctr"/>
+            <a:endParaRPr lang="zh-CN" altLang="en-US"/>
+          </a:p>
+        </p:txBody>
+      </p:sp>
+      <p:sp>
+        <p:nvSpPr>
+          <p:cNvPr id="9" name="矩形 8">
+            <a:extLst>
+              <a:ext uri="{FF2B5EF4-FFF2-40B4-BE49-F238E27FC236}">
+                <a16:creationId xmlns:a16="http://schemas.microsoft.com/office/drawing/2014/main" id="{6C477CD0-171F-4021-8642-0D60DBB0EAC4}"/>
+              </a:ext>
+            </a:extLst>
+          </p:cNvPr>
+          <p:cNvSpPr/>
+          <p:nvPr/>
+        </p:nvSpPr>
+        <p:spPr>
+          <a:xfrm>
+            <a:off x="937963" y="1698893"/>
+            <a:ext cx="1620000" cy="1620000"/>
+          </a:xfrm>
+          <a:prstGeom prst="rect">
+            <a:avLst/>
+          </a:prstGeom>
+          <a:solidFill>
+            <a:schemeClr val="bg1">
+              <a:lumMod val="75000"/>
+            </a:schemeClr>
+          </a:solidFill>
+        </p:spPr>
+        <p:style>
+          <a:lnRef idx="2">
+            <a:schemeClr val="accent1">
+              <a:shade val="50000"/>
+            </a:schemeClr>
+          </a:lnRef>
+          <a:fillRef idx="1">
+            <a:schemeClr val="accent1"/>
+          </a:fillRef>
+          <a:effectRef idx="0">
+            <a:schemeClr val="accent1"/>
+          </a:effectRef>
+          <a:fontRef idx="minor">
+            <a:schemeClr val="lt1"/>
+          </a:fontRef>
+        </p:style>
+        <p:txBody>
+          <a:bodyPr rtlCol="0" anchor="ctr"/>
+          <a:lstStyle/>
+          <a:p>
+            <a:pPr algn="ctr"/>
+            <a:endParaRPr lang="zh-CN" altLang="en-US"/>
+          </a:p>
+        </p:txBody>
+      </p:sp>
+      <p:sp>
+        <p:nvSpPr>
+          <p:cNvPr id="10" name="矩形 9">
+            <a:extLst>
+              <a:ext uri="{FF2B5EF4-FFF2-40B4-BE49-F238E27FC236}">
+                <a16:creationId xmlns:a16="http://schemas.microsoft.com/office/drawing/2014/main" id="{AAEDFD40-9166-463A-B493-C9A754B81430}"/>
+              </a:ext>
+            </a:extLst>
+          </p:cNvPr>
+          <p:cNvSpPr/>
+          <p:nvPr/>
+        </p:nvSpPr>
+        <p:spPr>
+          <a:xfrm>
+            <a:off x="493579" y="2342587"/>
+            <a:ext cx="1620000" cy="1620000"/>
+          </a:xfrm>
+          <a:prstGeom prst="rect">
+            <a:avLst/>
+          </a:prstGeom>
+          <a:solidFill>
+            <a:schemeClr val="bg1">
+              <a:lumMod val="75000"/>
+            </a:schemeClr>
+          </a:solidFill>
+        </p:spPr>
+        <p:style>
+          <a:lnRef idx="2">
+            <a:schemeClr val="accent1">
+              <a:shade val="50000"/>
+            </a:schemeClr>
+          </a:lnRef>
+          <a:fillRef idx="1">
+            <a:schemeClr val="accent1"/>
+          </a:fillRef>
+          <a:effectRef idx="0">
+            <a:schemeClr val="accent1"/>
+          </a:effectRef>
+          <a:fontRef idx="minor">
+            <a:schemeClr val="lt1"/>
+          </a:fontRef>
+        </p:style>
+        <p:txBody>
+          <a:bodyPr rtlCol="0" anchor="ctr"/>
+          <a:lstStyle/>
+          <a:p>
+            <a:pPr algn="ctr"/>
+            <a:endParaRPr lang="zh-CN" altLang="en-US"/>
+          </a:p>
+        </p:txBody>
+      </p:sp>
+      <p:sp>
+        <p:nvSpPr>
+          <p:cNvPr id="11" name="矩形 10">
+            <a:extLst>
+              <a:ext uri="{FF2B5EF4-FFF2-40B4-BE49-F238E27FC236}">
+                <a16:creationId xmlns:a16="http://schemas.microsoft.com/office/drawing/2014/main" id="{9DD72B5E-17A6-476C-A868-1B8479B47565}"/>
+              </a:ext>
+            </a:extLst>
+          </p:cNvPr>
+          <p:cNvSpPr/>
+          <p:nvPr/>
+        </p:nvSpPr>
+        <p:spPr>
+          <a:xfrm>
+            <a:off x="256800" y="3152129"/>
+            <a:ext cx="1620000" cy="1620000"/>
+          </a:xfrm>
+          <a:prstGeom prst="rect">
+            <a:avLst/>
+          </a:prstGeom>
+          <a:solidFill>
+            <a:schemeClr val="bg1">
+              <a:lumMod val="75000"/>
+            </a:schemeClr>
+          </a:solidFill>
+        </p:spPr>
+        <p:style>
+          <a:lnRef idx="2">
+            <a:schemeClr val="accent1">
+              <a:shade val="50000"/>
+            </a:schemeClr>
+          </a:lnRef>
+          <a:fillRef idx="1">
+            <a:schemeClr val="accent1"/>
+          </a:fillRef>
+          <a:effectRef idx="0">
+            <a:schemeClr val="accent1"/>
+          </a:effectRef>
+          <a:fontRef idx="minor">
+            <a:schemeClr val="lt1"/>
+          </a:fontRef>
+        </p:style>
+        <p:txBody>
+          <a:bodyPr rtlCol="0" anchor="ctr"/>
+          <a:lstStyle/>
+          <a:p>
+            <a:pPr algn="ctr"/>
+            <a:endParaRPr lang="zh-CN" altLang="en-US"/>
+          </a:p>
+        </p:txBody>
+      </p:sp>
+      <p:grpSp>
+        <p:nvGrpSpPr>
+          <p:cNvPr id="39" name="组合 38">
+            <a:extLst>
+              <a:ext uri="{FF2B5EF4-FFF2-40B4-BE49-F238E27FC236}">
+                <a16:creationId xmlns:a16="http://schemas.microsoft.com/office/drawing/2014/main" id="{3746B8F7-B11A-4A6E-8748-970CD48FA98A}"/>
+              </a:ext>
+            </a:extLst>
+          </p:cNvPr>
+          <p:cNvGrpSpPr/>
+          <p:nvPr/>
+        </p:nvGrpSpPr>
+        <p:grpSpPr>
+          <a:xfrm>
+            <a:off x="3719242" y="3335239"/>
+            <a:ext cx="864000" cy="865680"/>
+            <a:chOff x="3309518" y="3316384"/>
+            <a:chExt cx="864000" cy="865680"/>
+          </a:xfrm>
+          <a:solidFill>
+            <a:srgbClr val="02FFC4"/>
+          </a:solidFill>
+        </p:grpSpPr>
+        <p:sp>
+          <p:nvSpPr>
+            <p:cNvPr id="12" name="矩形 11">
+              <a:extLst>
+                <a:ext uri="{FF2B5EF4-FFF2-40B4-BE49-F238E27FC236}">
+                  <a16:creationId xmlns:a16="http://schemas.microsoft.com/office/drawing/2014/main" id="{87071303-B239-4FF5-82F3-43C7D5366DC8}"/>
+                </a:ext>
+              </a:extLst>
+            </p:cNvPr>
+            <p:cNvSpPr/>
+            <p:nvPr/>
+          </p:nvSpPr>
+          <p:spPr>
+            <a:xfrm>
+              <a:off x="3309518" y="3316384"/>
+              <a:ext cx="288000" cy="288000"/>
+            </a:xfrm>
+            <a:prstGeom prst="rect">
+              <a:avLst/>
+            </a:prstGeom>
+            <a:grpFill/>
+          </p:spPr>
+          <p:style>
+            <a:lnRef idx="2">
+              <a:schemeClr val="accent1">
+                <a:shade val="50000"/>
+              </a:schemeClr>
+            </a:lnRef>
+            <a:fillRef idx="1">
+              <a:schemeClr val="accent1"/>
+            </a:fillRef>
+            <a:effectRef idx="0">
+              <a:schemeClr val="accent1"/>
+            </a:effectRef>
+            <a:fontRef idx="minor">
+              <a:schemeClr val="lt1"/>
+            </a:fontRef>
+          </p:style>
+          <p:txBody>
+            <a:bodyPr rtlCol="0" anchor="ctr"/>
+            <a:lstStyle/>
+            <a:p>
+              <a:pPr algn="ctr"/>
+              <a:endParaRPr lang="zh-CN" altLang="en-US"/>
+            </a:p>
+          </p:txBody>
+        </p:sp>
+        <p:sp>
+          <p:nvSpPr>
+            <p:cNvPr id="13" name="矩形 12">
+              <a:extLst>
+                <a:ext uri="{FF2B5EF4-FFF2-40B4-BE49-F238E27FC236}">
+                  <a16:creationId xmlns:a16="http://schemas.microsoft.com/office/drawing/2014/main" id="{FD67105E-EEBC-455E-9467-2F2F1A783657}"/>
+                </a:ext>
+              </a:extLst>
+            </p:cNvPr>
+            <p:cNvSpPr/>
+            <p:nvPr/>
+          </p:nvSpPr>
+          <p:spPr>
+            <a:xfrm>
+              <a:off x="3595958" y="3316384"/>
+              <a:ext cx="288000" cy="288000"/>
+            </a:xfrm>
+            <a:prstGeom prst="rect">
+              <a:avLst/>
+            </a:prstGeom>
+            <a:grpFill/>
+          </p:spPr>
+          <p:style>
+            <a:lnRef idx="2">
+              <a:schemeClr val="accent1">
+                <a:shade val="50000"/>
+              </a:schemeClr>
+            </a:lnRef>
+            <a:fillRef idx="1">
+              <a:schemeClr val="accent1"/>
+            </a:fillRef>
+            <a:effectRef idx="0">
+              <a:schemeClr val="accent1"/>
+            </a:effectRef>
+            <a:fontRef idx="minor">
+              <a:schemeClr val="lt1"/>
+            </a:fontRef>
+          </p:style>
+          <p:txBody>
+            <a:bodyPr rtlCol="0" anchor="ctr"/>
+            <a:lstStyle/>
+            <a:p>
+              <a:pPr algn="ctr"/>
+              <a:endParaRPr lang="zh-CN" altLang="en-US"/>
+            </a:p>
+          </p:txBody>
+        </p:sp>
+        <p:sp>
+          <p:nvSpPr>
+            <p:cNvPr id="14" name="矩形 13">
+              <a:extLst>
+                <a:ext uri="{FF2B5EF4-FFF2-40B4-BE49-F238E27FC236}">
+                  <a16:creationId xmlns:a16="http://schemas.microsoft.com/office/drawing/2014/main" id="{D0739B76-12E6-4C39-85AB-FE0163A6A625}"/>
+                </a:ext>
+              </a:extLst>
+            </p:cNvPr>
+            <p:cNvSpPr/>
+            <p:nvPr/>
+          </p:nvSpPr>
+          <p:spPr>
+            <a:xfrm>
+              <a:off x="3885518" y="3316384"/>
+              <a:ext cx="288000" cy="288000"/>
+            </a:xfrm>
+            <a:prstGeom prst="rect">
+              <a:avLst/>
+            </a:prstGeom>
+            <a:grpFill/>
+          </p:spPr>
+          <p:style>
+            <a:lnRef idx="2">
+              <a:schemeClr val="accent1">
+                <a:shade val="50000"/>
+              </a:schemeClr>
+            </a:lnRef>
+            <a:fillRef idx="1">
+              <a:schemeClr val="accent1"/>
+            </a:fillRef>
+            <a:effectRef idx="0">
+              <a:schemeClr val="accent1"/>
+            </a:effectRef>
+            <a:fontRef idx="minor">
+              <a:schemeClr val="lt1"/>
+            </a:fontRef>
+          </p:style>
+          <p:txBody>
+            <a:bodyPr rtlCol="0" anchor="ctr"/>
+            <a:lstStyle/>
+            <a:p>
+              <a:pPr algn="ctr"/>
+              <a:endParaRPr lang="zh-CN" altLang="en-US"/>
+            </a:p>
+          </p:txBody>
+        </p:sp>
+        <p:sp>
+          <p:nvSpPr>
+            <p:cNvPr id="15" name="矩形 14">
+              <a:extLst>
+                <a:ext uri="{FF2B5EF4-FFF2-40B4-BE49-F238E27FC236}">
+                  <a16:creationId xmlns:a16="http://schemas.microsoft.com/office/drawing/2014/main" id="{7562CF9E-ABF4-4BF8-8EC1-3822D977BE58}"/>
+                </a:ext>
+              </a:extLst>
+            </p:cNvPr>
+            <p:cNvSpPr/>
+            <p:nvPr/>
+          </p:nvSpPr>
+          <p:spPr>
+            <a:xfrm>
+              <a:off x="3309518" y="3604384"/>
+              <a:ext cx="288000" cy="288000"/>
+            </a:xfrm>
+            <a:prstGeom prst="rect">
+              <a:avLst/>
+            </a:prstGeom>
+            <a:grpFill/>
+          </p:spPr>
+          <p:style>
+            <a:lnRef idx="2">
+              <a:schemeClr val="accent1">
+                <a:shade val="50000"/>
+              </a:schemeClr>
+            </a:lnRef>
+            <a:fillRef idx="1">
+              <a:schemeClr val="accent1"/>
+            </a:fillRef>
+            <a:effectRef idx="0">
+              <a:schemeClr val="accent1"/>
+            </a:effectRef>
+            <a:fontRef idx="minor">
+              <a:schemeClr val="lt1"/>
+            </a:fontRef>
+          </p:style>
+          <p:txBody>
+            <a:bodyPr rtlCol="0" anchor="ctr"/>
+            <a:lstStyle/>
+            <a:p>
+              <a:pPr algn="ctr"/>
+              <a:endParaRPr lang="zh-CN" altLang="en-US"/>
+            </a:p>
+          </p:txBody>
+        </p:sp>
+        <p:sp>
+          <p:nvSpPr>
+            <p:cNvPr id="16" name="矩形 15">
+              <a:extLst>
+                <a:ext uri="{FF2B5EF4-FFF2-40B4-BE49-F238E27FC236}">
+                  <a16:creationId xmlns:a16="http://schemas.microsoft.com/office/drawing/2014/main" id="{1F36333C-F921-4877-90CD-B8BC8FE5E6EA}"/>
+                </a:ext>
+              </a:extLst>
+            </p:cNvPr>
+            <p:cNvSpPr/>
+            <p:nvPr/>
+          </p:nvSpPr>
+          <p:spPr>
+            <a:xfrm>
+              <a:off x="3595958" y="3604384"/>
+              <a:ext cx="288000" cy="288000"/>
+            </a:xfrm>
+            <a:prstGeom prst="rect">
+              <a:avLst/>
+            </a:prstGeom>
+            <a:grpFill/>
+          </p:spPr>
+          <p:style>
+            <a:lnRef idx="2">
+              <a:schemeClr val="accent1">
+                <a:shade val="50000"/>
+              </a:schemeClr>
+            </a:lnRef>
+            <a:fillRef idx="1">
+              <a:schemeClr val="accent1"/>
+            </a:fillRef>
+            <a:effectRef idx="0">
+              <a:schemeClr val="accent1"/>
+            </a:effectRef>
+            <a:fontRef idx="minor">
+              <a:schemeClr val="lt1"/>
+            </a:fontRef>
+          </p:style>
+          <p:txBody>
+            <a:bodyPr rtlCol="0" anchor="ctr"/>
+            <a:lstStyle/>
+            <a:p>
+              <a:pPr algn="ctr"/>
+              <a:endParaRPr lang="zh-CN" altLang="en-US"/>
+            </a:p>
+          </p:txBody>
+        </p:sp>
+        <p:sp>
+          <p:nvSpPr>
+            <p:cNvPr id="17" name="矩形 16">
+              <a:extLst>
+                <a:ext uri="{FF2B5EF4-FFF2-40B4-BE49-F238E27FC236}">
+                  <a16:creationId xmlns:a16="http://schemas.microsoft.com/office/drawing/2014/main" id="{B8D08690-CB21-48E4-9117-998EB74DA0E0}"/>
+                </a:ext>
+              </a:extLst>
+            </p:cNvPr>
+            <p:cNvSpPr/>
+            <p:nvPr/>
+          </p:nvSpPr>
+          <p:spPr>
+            <a:xfrm>
+              <a:off x="3885518" y="3604384"/>
+              <a:ext cx="288000" cy="288000"/>
+            </a:xfrm>
+            <a:prstGeom prst="rect">
+              <a:avLst/>
+            </a:prstGeom>
+            <a:grpFill/>
+          </p:spPr>
+          <p:style>
+            <a:lnRef idx="2">
+              <a:schemeClr val="accent1">
+                <a:shade val="50000"/>
+              </a:schemeClr>
+            </a:lnRef>
+            <a:fillRef idx="1">
+              <a:schemeClr val="accent1"/>
+            </a:fillRef>
+            <a:effectRef idx="0">
+              <a:schemeClr val="accent1"/>
+            </a:effectRef>
+            <a:fontRef idx="minor">
+              <a:schemeClr val="lt1"/>
+            </a:fontRef>
+          </p:style>
+          <p:txBody>
+            <a:bodyPr rtlCol="0" anchor="ctr"/>
+            <a:lstStyle/>
+            <a:p>
+              <a:pPr algn="ctr"/>
+              <a:endParaRPr lang="zh-CN" altLang="en-US"/>
+            </a:p>
+          </p:txBody>
+        </p:sp>
+        <p:sp>
+          <p:nvSpPr>
+            <p:cNvPr id="18" name="矩形 17">
+              <a:extLst>
+                <a:ext uri="{FF2B5EF4-FFF2-40B4-BE49-F238E27FC236}">
+                  <a16:creationId xmlns:a16="http://schemas.microsoft.com/office/drawing/2014/main" id="{C1B05000-912B-4AA6-AFC2-A8C443F2F1CE}"/>
+                </a:ext>
+              </a:extLst>
+            </p:cNvPr>
+            <p:cNvSpPr/>
+            <p:nvPr/>
+          </p:nvSpPr>
+          <p:spPr>
+            <a:xfrm>
+              <a:off x="3309518" y="3894064"/>
+              <a:ext cx="288000" cy="288000"/>
+            </a:xfrm>
+            <a:prstGeom prst="rect">
+              <a:avLst/>
+            </a:prstGeom>
+            <a:grpFill/>
+          </p:spPr>
+          <p:style>
+            <a:lnRef idx="2">
+              <a:schemeClr val="accent1">
+                <a:shade val="50000"/>
+              </a:schemeClr>
+            </a:lnRef>
+            <a:fillRef idx="1">
+              <a:schemeClr val="accent1"/>
+            </a:fillRef>
+            <a:effectRef idx="0">
+              <a:schemeClr val="accent1"/>
+            </a:effectRef>
+            <a:fontRef idx="minor">
+              <a:schemeClr val="lt1"/>
+            </a:fontRef>
+          </p:style>
+          <p:txBody>
+            <a:bodyPr rtlCol="0" anchor="ctr"/>
+            <a:lstStyle/>
+            <a:p>
+              <a:pPr algn="ctr"/>
+              <a:endParaRPr lang="zh-CN" altLang="en-US"/>
+            </a:p>
+          </p:txBody>
+        </p:sp>
+        <p:sp>
+          <p:nvSpPr>
+            <p:cNvPr id="19" name="矩形 18">
+              <a:extLst>
+                <a:ext uri="{FF2B5EF4-FFF2-40B4-BE49-F238E27FC236}">
+                  <a16:creationId xmlns:a16="http://schemas.microsoft.com/office/drawing/2014/main" id="{9F2D5BE2-CC6A-4D53-BCD8-FA4214092311}"/>
+                </a:ext>
+              </a:extLst>
+            </p:cNvPr>
+            <p:cNvSpPr/>
+            <p:nvPr/>
+          </p:nvSpPr>
+          <p:spPr>
+            <a:xfrm>
+              <a:off x="3595958" y="3894064"/>
+              <a:ext cx="288000" cy="288000"/>
+            </a:xfrm>
+            <a:prstGeom prst="rect">
+              <a:avLst/>
+            </a:prstGeom>
+            <a:grpFill/>
+          </p:spPr>
+          <p:style>
+            <a:lnRef idx="2">
+              <a:schemeClr val="accent1">
+                <a:shade val="50000"/>
+              </a:schemeClr>
+            </a:lnRef>
+            <a:fillRef idx="1">
+              <a:schemeClr val="accent1"/>
+            </a:fillRef>
+            <a:effectRef idx="0">
+              <a:schemeClr val="accent1"/>
+            </a:effectRef>
+            <a:fontRef idx="minor">
+              <a:schemeClr val="lt1"/>
+            </a:fontRef>
+          </p:style>
+          <p:txBody>
+            <a:bodyPr rtlCol="0" anchor="ctr"/>
+            <a:lstStyle/>
+            <a:p>
+              <a:pPr algn="ctr"/>
+              <a:endParaRPr lang="zh-CN" altLang="en-US"/>
+            </a:p>
+          </p:txBody>
+        </p:sp>
+        <p:sp>
+          <p:nvSpPr>
+            <p:cNvPr id="20" name="矩形 19">
+              <a:extLst>
+                <a:ext uri="{FF2B5EF4-FFF2-40B4-BE49-F238E27FC236}">
+                  <a16:creationId xmlns:a16="http://schemas.microsoft.com/office/drawing/2014/main" id="{ED2C6CB5-5037-4195-AAF0-C149997B0FBE}"/>
+                </a:ext>
+              </a:extLst>
+            </p:cNvPr>
+            <p:cNvSpPr/>
+            <p:nvPr/>
+          </p:nvSpPr>
+          <p:spPr>
+            <a:xfrm>
+              <a:off x="3883958" y="3894064"/>
+              <a:ext cx="288000" cy="288000"/>
+            </a:xfrm>
+            <a:prstGeom prst="rect">
+              <a:avLst/>
+            </a:prstGeom>
+            <a:grpFill/>
+          </p:spPr>
+          <p:style>
+            <a:lnRef idx="2">
+              <a:schemeClr val="accent1">
+                <a:shade val="50000"/>
+              </a:schemeClr>
+            </a:lnRef>
+            <a:fillRef idx="1">
+              <a:schemeClr val="accent1"/>
+            </a:fillRef>
+            <a:effectRef idx="0">
+              <a:schemeClr val="accent1"/>
+            </a:effectRef>
+            <a:fontRef idx="minor">
+              <a:schemeClr val="lt1"/>
+            </a:fontRef>
+          </p:style>
+          <p:txBody>
+            <a:bodyPr rtlCol="0" anchor="ctr"/>
+            <a:lstStyle/>
+            <a:p>
+              <a:pPr algn="ctr"/>
+              <a:endParaRPr lang="zh-CN" altLang="en-US"/>
+            </a:p>
+          </p:txBody>
+        </p:sp>
+      </p:grpSp>
+      <p:cxnSp>
+        <p:nvCxnSpPr>
+          <p:cNvPr id="61" name="连接符: 曲线 60">
+            <a:extLst>
+              <a:ext uri="{FF2B5EF4-FFF2-40B4-BE49-F238E27FC236}">
+                <a16:creationId xmlns:a16="http://schemas.microsoft.com/office/drawing/2014/main" id="{4DD0A243-E58B-4734-8AD9-0143CB7859B0}"/>
+              </a:ext>
+            </a:extLst>
+          </p:cNvPr>
+          <p:cNvCxnSpPr>
+            <a:cxnSpLocks/>
+            <a:stCxn id="11" idx="0"/>
+            <a:endCxn id="13" idx="0"/>
+          </p:cNvCxnSpPr>
+          <p:nvPr/>
+        </p:nvCxnSpPr>
+        <p:spPr>
+          <a:xfrm rot="16200000" flipH="1">
+            <a:off x="2516686" y="1702243"/>
+            <a:ext cx="183110" cy="3082882"/>
+          </a:xfrm>
+          <a:prstGeom prst="curvedConnector3">
+            <a:avLst>
+              <a:gd name="adj1" fmla="val -124843"/>
+            </a:avLst>
+          </a:prstGeom>
+          <a:ln w="12700">
+            <a:solidFill>
+              <a:schemeClr val="tx1"/>
+            </a:solidFill>
+            <a:tailEnd type="triangle"/>
+          </a:ln>
+        </p:spPr>
+        <p:style>
+          <a:lnRef idx="1">
+            <a:schemeClr val="accent1"/>
+          </a:lnRef>
+          <a:fillRef idx="0">
+            <a:schemeClr val="accent1"/>
+          </a:fillRef>
+          <a:effectRef idx="0">
+            <a:schemeClr val="accent1"/>
+          </a:effectRef>
+          <a:fontRef idx="minor">
+            <a:schemeClr val="tx1"/>
+          </a:fontRef>
+        </p:style>
+      </p:cxnSp>
+      <p:cxnSp>
+        <p:nvCxnSpPr>
+          <p:cNvPr id="65" name="连接符: 曲线 64">
+            <a:extLst>
+              <a:ext uri="{FF2B5EF4-FFF2-40B4-BE49-F238E27FC236}">
+                <a16:creationId xmlns:a16="http://schemas.microsoft.com/office/drawing/2014/main" id="{29AAF086-44FB-4122-B1B0-3A86DA516955}"/>
+              </a:ext>
+            </a:extLst>
+          </p:cNvPr>
+          <p:cNvCxnSpPr>
+            <a:cxnSpLocks/>
+            <a:stCxn id="9" idx="0"/>
+            <a:endCxn id="52" idx="0"/>
+          </p:cNvCxnSpPr>
+          <p:nvPr/>
+        </p:nvCxnSpPr>
+        <p:spPr>
+          <a:xfrm rot="16200000" flipH="1">
+            <a:off x="3543890" y="-97034"/>
+            <a:ext cx="88710" cy="3680564"/>
+          </a:xfrm>
+          <a:prstGeom prst="curvedConnector3">
+            <a:avLst>
+              <a:gd name="adj1" fmla="val -257694"/>
+            </a:avLst>
+          </a:prstGeom>
+          <a:ln w="12700">
+            <a:solidFill>
+              <a:schemeClr val="tx1"/>
+            </a:solidFill>
+            <a:tailEnd type="triangle"/>
+          </a:ln>
+        </p:spPr>
+        <p:style>
+          <a:lnRef idx="1">
+            <a:schemeClr val="accent1"/>
+          </a:lnRef>
+          <a:fillRef idx="0">
+            <a:schemeClr val="accent1"/>
+          </a:fillRef>
+          <a:effectRef idx="0">
+            <a:schemeClr val="accent1"/>
+          </a:effectRef>
+          <a:fontRef idx="minor">
+            <a:schemeClr val="tx1"/>
+          </a:fontRef>
+        </p:style>
+      </p:cxnSp>
+      <p:cxnSp>
+        <p:nvCxnSpPr>
+          <p:cNvPr id="71" name="连接符: 曲线 70">
+            <a:extLst>
+              <a:ext uri="{FF2B5EF4-FFF2-40B4-BE49-F238E27FC236}">
+                <a16:creationId xmlns:a16="http://schemas.microsoft.com/office/drawing/2014/main" id="{F2258317-B9F9-44C4-BE3B-09A53F126BBA}"/>
+              </a:ext>
+            </a:extLst>
+          </p:cNvPr>
+          <p:cNvCxnSpPr>
+            <a:cxnSpLocks/>
+            <a:stCxn id="10" idx="0"/>
+            <a:endCxn id="42" idx="0"/>
+          </p:cNvCxnSpPr>
+          <p:nvPr/>
+        </p:nvCxnSpPr>
+        <p:spPr>
+          <a:xfrm rot="16200000" flipH="1">
+            <a:off x="2912235" y="733930"/>
+            <a:ext cx="220733" cy="3438046"/>
+          </a:xfrm>
+          <a:prstGeom prst="curvedConnector3">
+            <a:avLst>
+              <a:gd name="adj1" fmla="val -103564"/>
+            </a:avLst>
+          </a:prstGeom>
+          <a:ln w="12700">
+            <a:solidFill>
+              <a:schemeClr val="tx1"/>
+            </a:solidFill>
+            <a:tailEnd type="triangle"/>
+          </a:ln>
+        </p:spPr>
+        <p:style>
+          <a:lnRef idx="1">
+            <a:schemeClr val="accent1"/>
+          </a:lnRef>
+          <a:fillRef idx="0">
+            <a:schemeClr val="accent1"/>
+          </a:fillRef>
+          <a:effectRef idx="0">
+            <a:schemeClr val="accent1"/>
+          </a:effectRef>
+          <a:fontRef idx="minor">
+            <a:schemeClr val="tx1"/>
+          </a:fontRef>
+        </p:style>
+      </p:cxnSp>
+      <p:cxnSp>
+        <p:nvCxnSpPr>
+          <p:cNvPr id="77" name="连接符: 曲线 76">
+            <a:extLst>
+              <a:ext uri="{FF2B5EF4-FFF2-40B4-BE49-F238E27FC236}">
+                <a16:creationId xmlns:a16="http://schemas.microsoft.com/office/drawing/2014/main" id="{81FC0319-D127-4ABE-AFFE-2ABC1F0B8E13}"/>
+              </a:ext>
+            </a:extLst>
+          </p:cNvPr>
+          <p:cNvCxnSpPr>
+            <a:stCxn id="17" idx="3"/>
+            <a:endCxn id="4" idx="0"/>
+          </p:cNvCxnSpPr>
+          <p:nvPr/>
+        </p:nvCxnSpPr>
+        <p:spPr>
+          <a:xfrm flipV="1">
+            <a:off x="4583242" y="3390919"/>
+            <a:ext cx="2617652" cy="376320"/>
+          </a:xfrm>
+          <a:prstGeom prst="curvedConnector4">
+            <a:avLst>
+              <a:gd name="adj1" fmla="val 34528"/>
+              <a:gd name="adj2" fmla="val 160746"/>
+            </a:avLst>
+          </a:prstGeom>
+          <a:ln w="12700">
+            <a:solidFill>
+              <a:schemeClr val="tx1"/>
+            </a:solidFill>
+            <a:tailEnd type="triangle"/>
+          </a:ln>
+        </p:spPr>
+        <p:style>
+          <a:lnRef idx="1">
+            <a:schemeClr val="accent1"/>
+          </a:lnRef>
+          <a:fillRef idx="0">
+            <a:schemeClr val="accent1"/>
+          </a:fillRef>
+          <a:effectRef idx="0">
+            <a:schemeClr val="accent1"/>
+          </a:effectRef>
+          <a:fontRef idx="minor">
+            <a:schemeClr val="tx1"/>
+          </a:fontRef>
+        </p:style>
+      </p:cxnSp>
+      <p:cxnSp>
+        <p:nvCxnSpPr>
+          <p:cNvPr id="78" name="连接符: 曲线 77">
+            <a:extLst>
+              <a:ext uri="{FF2B5EF4-FFF2-40B4-BE49-F238E27FC236}">
+                <a16:creationId xmlns:a16="http://schemas.microsoft.com/office/drawing/2014/main" id="{0AC65862-936C-468A-80BB-A879F57AB5B6}"/>
+              </a:ext>
+            </a:extLst>
+          </p:cNvPr>
+          <p:cNvCxnSpPr>
+            <a:cxnSpLocks/>
+            <a:stCxn id="46" idx="3"/>
+            <a:endCxn id="6" idx="0"/>
+          </p:cNvCxnSpPr>
+          <p:nvPr/>
+        </p:nvCxnSpPr>
+        <p:spPr>
+          <a:xfrm flipV="1">
+            <a:off x="5175185" y="2342128"/>
+            <a:ext cx="2338373" cy="653192"/>
+          </a:xfrm>
+          <a:prstGeom prst="curvedConnector4">
+            <a:avLst>
+              <a:gd name="adj1" fmla="val 32680"/>
+              <a:gd name="adj2" fmla="val 134997"/>
+            </a:avLst>
+          </a:prstGeom>
+          <a:ln w="12700">
+            <a:solidFill>
+              <a:schemeClr val="tx1"/>
+            </a:solidFill>
+            <a:tailEnd type="triangle"/>
+          </a:ln>
+        </p:spPr>
+        <p:style>
+          <a:lnRef idx="1">
+            <a:schemeClr val="accent1"/>
+          </a:lnRef>
+          <a:fillRef idx="0">
+            <a:schemeClr val="accent1"/>
+          </a:fillRef>
+          <a:effectRef idx="0">
+            <a:schemeClr val="accent1"/>
+          </a:effectRef>
+          <a:fontRef idx="minor">
+            <a:schemeClr val="tx1"/>
+          </a:fontRef>
+        </p:style>
+      </p:cxnSp>
+      <p:cxnSp>
+        <p:nvCxnSpPr>
+          <p:cNvPr id="83" name="连接符: 曲线 82">
+            <a:extLst>
+              <a:ext uri="{FF2B5EF4-FFF2-40B4-BE49-F238E27FC236}">
+                <a16:creationId xmlns:a16="http://schemas.microsoft.com/office/drawing/2014/main" id="{033EEBCD-7737-493E-9EBC-F7962C36F180}"/>
+              </a:ext>
+            </a:extLst>
+          </p:cNvPr>
+          <p:cNvCxnSpPr>
+            <a:cxnSpLocks/>
+            <a:endCxn id="5" idx="0"/>
+          </p:cNvCxnSpPr>
+          <p:nvPr/>
+        </p:nvCxnSpPr>
+        <p:spPr>
+          <a:xfrm flipV="1">
+            <a:off x="5507816" y="1359675"/>
+            <a:ext cx="2627933" cy="417192"/>
+          </a:xfrm>
+          <a:prstGeom prst="curvedConnector4">
+            <a:avLst>
+              <a:gd name="adj1" fmla="val 34589"/>
+              <a:gd name="adj2" fmla="val 154795"/>
+            </a:avLst>
+          </a:prstGeom>
+          <a:ln w="12700">
+            <a:solidFill>
+              <a:schemeClr val="tx1"/>
+            </a:solidFill>
+            <a:tailEnd type="triangle"/>
+          </a:ln>
+        </p:spPr>
+        <p:style>
+          <a:lnRef idx="1">
+            <a:schemeClr val="accent1"/>
+          </a:lnRef>
+          <a:fillRef idx="0">
+            <a:schemeClr val="accent1"/>
+          </a:fillRef>
+          <a:effectRef idx="0">
+            <a:schemeClr val="accent1"/>
+          </a:effectRef>
+          <a:fontRef idx="minor">
+            <a:schemeClr val="tx1"/>
+          </a:fontRef>
+        </p:style>
+      </p:cxnSp>
+      <mc:AlternateContent xmlns:mc="http://schemas.openxmlformats.org/markup-compatibility/2006" xmlns:a14="http://schemas.microsoft.com/office/drawing/2010/main">
+        <mc:Choice Requires="a14">
+          <p:sp>
+            <p:nvSpPr>
+              <p:cNvPr id="86" name="文本框 85">
+                <a:extLst>
+                  <a:ext uri="{FF2B5EF4-FFF2-40B4-BE49-F238E27FC236}">
+                    <a16:creationId xmlns:a16="http://schemas.microsoft.com/office/drawing/2014/main" id="{E03C3AF8-3969-4038-9A2C-27C9BC499DE7}"/>
+                  </a:ext>
+                </a:extLst>
+              </p:cNvPr>
+              <p:cNvSpPr txBox="1"/>
+              <p:nvPr/>
+            </p:nvSpPr>
+            <p:spPr>
+              <a:xfrm>
+                <a:off x="256800" y="849143"/>
+                <a:ext cx="2506776" cy="370230"/>
+              </a:xfrm>
+              <a:prstGeom prst="rect">
+                <a:avLst/>
+              </a:prstGeom>
+              <a:noFill/>
+            </p:spPr>
+            <p:txBody>
+              <a:bodyPr wrap="none" rtlCol="0">
+                <a:spAutoFit/>
+              </a:bodyPr>
+              <a:lstStyle/>
+              <a:p>
+                <a:r>
+                  <a:rPr lang="en-US" altLang="zh-CN" b="1" dirty="0"/>
+                  <a:t>Input Map </a:t>
+                </a:r>
+                <a14:m>
+                  <m:oMath xmlns:m="http://schemas.openxmlformats.org/officeDocument/2006/math">
+                    <m:r>
+                      <m:rPr>
+                        <m:sty m:val="p"/>
+                      </m:rPr>
+                      <a:rPr lang="en-US" altLang="zh-CN" b="0" i="0" smtClean="0">
+                        <a:latin typeface="Cambria Math" panose="02040503050406030204" pitchFamily="18" charset="0"/>
+                      </a:rPr>
+                      <m:t>I</m:t>
+                    </m:r>
+                    <m:r>
+                      <a:rPr lang="en-US" altLang="zh-CN" b="0" i="1" smtClean="0">
+                        <a:latin typeface="Cambria Math" panose="02040503050406030204" pitchFamily="18" charset="0"/>
+                        <a:ea typeface="Cambria Math" panose="02040503050406030204" pitchFamily="18" charset="0"/>
+                      </a:rPr>
+                      <m:t>∈</m:t>
+                    </m:r>
+                    <m:sSup>
+                      <m:sSupPr>
+                        <m:ctrlPr>
+                          <a:rPr lang="en-US" altLang="zh-CN" b="0" i="1" smtClean="0">
+                            <a:latin typeface="Cambria Math" panose="02040503050406030204" pitchFamily="18" charset="0"/>
+                            <a:ea typeface="Cambria Math" panose="02040503050406030204" pitchFamily="18" charset="0"/>
+                          </a:rPr>
+                        </m:ctrlPr>
+                      </m:sSupPr>
+                      <m:e>
+                        <m:r>
+                          <a:rPr lang="en-US" altLang="zh-CN" b="0" i="1" smtClean="0">
+                            <a:latin typeface="Cambria Math" panose="02040503050406030204" pitchFamily="18" charset="0"/>
+                            <a:ea typeface="Cambria Math" panose="02040503050406030204" pitchFamily="18" charset="0"/>
+                          </a:rPr>
+                          <m:t>𝑅</m:t>
+                        </m:r>
+                      </m:e>
+                      <m:sup>
+                        <m:r>
+                          <a:rPr lang="en-US" altLang="zh-CN" b="0" i="1" smtClean="0">
+                            <a:latin typeface="Cambria Math" panose="02040503050406030204" pitchFamily="18" charset="0"/>
+                            <a:ea typeface="Cambria Math" panose="02040503050406030204" pitchFamily="18" charset="0"/>
+                          </a:rPr>
+                          <m:t>𝐻</m:t>
+                        </m:r>
+                        <m:r>
+                          <a:rPr lang="en-US" altLang="zh-CN" b="0" i="1" smtClean="0">
+                            <a:latin typeface="Cambria Math" panose="02040503050406030204" pitchFamily="18" charset="0"/>
+                            <a:ea typeface="Cambria Math" panose="02040503050406030204" pitchFamily="18" charset="0"/>
+                          </a:rPr>
+                          <m:t>×</m:t>
+                        </m:r>
+                        <m:r>
+                          <a:rPr lang="en-US" altLang="zh-CN" b="0" i="1" smtClean="0">
+                            <a:latin typeface="Cambria Math" panose="02040503050406030204" pitchFamily="18" charset="0"/>
+                            <a:ea typeface="Cambria Math" panose="02040503050406030204" pitchFamily="18" charset="0"/>
+                          </a:rPr>
+                          <m:t>𝑊</m:t>
+                        </m:r>
+                        <m:r>
+                          <a:rPr lang="en-US" altLang="zh-CN" b="0" i="1" smtClean="0">
+                            <a:latin typeface="Cambria Math" panose="02040503050406030204" pitchFamily="18" charset="0"/>
+                            <a:ea typeface="Cambria Math" panose="02040503050406030204" pitchFamily="18" charset="0"/>
+                          </a:rPr>
+                          <m:t>×</m:t>
+                        </m:r>
+                        <m:r>
+                          <a:rPr lang="en-US" altLang="zh-CN" b="0" i="1" smtClean="0">
+                            <a:latin typeface="Cambria Math" panose="02040503050406030204" pitchFamily="18" charset="0"/>
+                            <a:ea typeface="Cambria Math" panose="02040503050406030204" pitchFamily="18" charset="0"/>
+                          </a:rPr>
+                          <m:t>𝐶</m:t>
+                        </m:r>
+                      </m:sup>
+                    </m:sSup>
+                  </m:oMath>
+                </a14:m>
+                <a:endParaRPr lang="zh-CN" altLang="en-US" dirty="0"/>
+              </a:p>
+            </p:txBody>
+          </p:sp>
+        </mc:Choice>
+        <mc:Fallback xmlns="">
+          <p:sp>
+            <p:nvSpPr>
+              <p:cNvPr id="86" name="文本框 85">
+                <a:extLst>
+                  <a:ext uri="{FF2B5EF4-FFF2-40B4-BE49-F238E27FC236}">
+                    <a16:creationId xmlns:a16="http://schemas.microsoft.com/office/drawing/2014/main" id="{E03C3AF8-3969-4038-9A2C-27C9BC499DE7}"/>
+                  </a:ext>
+                </a:extLst>
+              </p:cNvPr>
+              <p:cNvSpPr txBox="1">
+                <a:spLocks noRot="1" noChangeAspect="1" noMove="1" noResize="1" noEditPoints="1" noAdjustHandles="1" noChangeArrowheads="1" noChangeShapeType="1" noTextEdit="1"/>
+              </p:cNvSpPr>
+              <p:nvPr/>
+            </p:nvSpPr>
+            <p:spPr>
+              <a:xfrm>
+                <a:off x="256800" y="849143"/>
+                <a:ext cx="2506776" cy="370230"/>
+              </a:xfrm>
+              <a:prstGeom prst="rect">
+                <a:avLst/>
+              </a:prstGeom>
+              <a:blipFill>
+                <a:blip r:embed="rId2"/>
+                <a:stretch>
+                  <a:fillRect l="-1946" t="-8197" b="-24590"/>
+                </a:stretch>
+              </a:blipFill>
+            </p:spPr>
+            <p:txBody>
+              <a:bodyPr/>
+              <a:lstStyle/>
+              <a:p>
+                <a:r>
+                  <a:rPr lang="zh-CN" altLang="en-US">
+                    <a:noFill/>
+                  </a:rPr>
+                  <a:t> </a:t>
+                </a:r>
+              </a:p>
+            </p:txBody>
+          </p:sp>
+        </mc:Fallback>
+      </mc:AlternateContent>
+      <mc:AlternateContent xmlns:mc="http://schemas.openxmlformats.org/markup-compatibility/2006" xmlns:a14="http://schemas.microsoft.com/office/drawing/2010/main">
+        <mc:Choice Requires="a14">
+          <p:sp>
+            <p:nvSpPr>
+              <p:cNvPr id="87" name="文本框 86">
+                <a:extLst>
+                  <a:ext uri="{FF2B5EF4-FFF2-40B4-BE49-F238E27FC236}">
+                    <a16:creationId xmlns:a16="http://schemas.microsoft.com/office/drawing/2014/main" id="{3A2C868F-3ADB-4EC1-B93C-433E2409F962}"/>
+                  </a:ext>
+                </a:extLst>
+              </p:cNvPr>
+              <p:cNvSpPr txBox="1"/>
+              <p:nvPr/>
+            </p:nvSpPr>
+            <p:spPr>
+              <a:xfrm>
+                <a:off x="3863242" y="846299"/>
+                <a:ext cx="2023567" cy="370230"/>
+              </a:xfrm>
+              <a:prstGeom prst="rect">
+                <a:avLst/>
+              </a:prstGeom>
+              <a:noFill/>
+            </p:spPr>
+            <p:txBody>
+              <a:bodyPr wrap="none" rtlCol="0">
+                <a:spAutoFit/>
+              </a:bodyPr>
+              <a:lstStyle/>
+              <a:p>
+                <a:r>
+                  <a:rPr lang="en-US" altLang="zh-CN" b="1" dirty="0"/>
+                  <a:t>Kernel </a:t>
+                </a:r>
+                <a14:m>
+                  <m:oMath xmlns:m="http://schemas.openxmlformats.org/officeDocument/2006/math">
+                    <m:r>
+                      <m:rPr>
+                        <m:sty m:val="p"/>
+                      </m:rPr>
+                      <a:rPr lang="en-US" altLang="zh-CN" dirty="0" smtClean="0">
+                        <a:latin typeface="Cambria Math" panose="02040503050406030204" pitchFamily="18" charset="0"/>
+                      </a:rPr>
+                      <m:t>k</m:t>
+                    </m:r>
+                    <m:r>
+                      <a:rPr lang="en-US" altLang="zh-CN" b="0" i="1" smtClean="0">
+                        <a:latin typeface="Cambria Math" panose="02040503050406030204" pitchFamily="18" charset="0"/>
+                        <a:ea typeface="Cambria Math" panose="02040503050406030204" pitchFamily="18" charset="0"/>
+                      </a:rPr>
+                      <m:t>∈</m:t>
+                    </m:r>
+                    <m:sSup>
+                      <m:sSupPr>
+                        <m:ctrlPr>
+                          <a:rPr lang="en-US" altLang="zh-CN" b="0" i="1" smtClean="0">
+                            <a:latin typeface="Cambria Math" panose="02040503050406030204" pitchFamily="18" charset="0"/>
+                            <a:ea typeface="Cambria Math" panose="02040503050406030204" pitchFamily="18" charset="0"/>
+                          </a:rPr>
+                        </m:ctrlPr>
+                      </m:sSupPr>
+                      <m:e>
+                        <m:r>
+                          <a:rPr lang="en-US" altLang="zh-CN" b="0" i="1" smtClean="0">
+                            <a:latin typeface="Cambria Math" panose="02040503050406030204" pitchFamily="18" charset="0"/>
+                            <a:ea typeface="Cambria Math" panose="02040503050406030204" pitchFamily="18" charset="0"/>
+                          </a:rPr>
+                          <m:t>𝑅</m:t>
+                        </m:r>
+                      </m:e>
+                      <m:sup>
+                        <m:r>
+                          <a:rPr lang="en-US" altLang="zh-CN" b="0" i="1" smtClean="0">
+                            <a:latin typeface="Cambria Math" panose="02040503050406030204" pitchFamily="18" charset="0"/>
+                            <a:ea typeface="Cambria Math" panose="02040503050406030204" pitchFamily="18" charset="0"/>
+                          </a:rPr>
+                          <m:t>𝑆</m:t>
+                        </m:r>
+                        <m:r>
+                          <a:rPr lang="en-US" altLang="zh-CN" b="0" i="1" smtClean="0">
+                            <a:latin typeface="Cambria Math" panose="02040503050406030204" pitchFamily="18" charset="0"/>
+                            <a:ea typeface="Cambria Math" panose="02040503050406030204" pitchFamily="18" charset="0"/>
+                          </a:rPr>
+                          <m:t>×</m:t>
+                        </m:r>
+                        <m:r>
+                          <a:rPr lang="en-US" altLang="zh-CN" b="0" i="1" smtClean="0">
+                            <a:latin typeface="Cambria Math" panose="02040503050406030204" pitchFamily="18" charset="0"/>
+                            <a:ea typeface="Cambria Math" panose="02040503050406030204" pitchFamily="18" charset="0"/>
+                          </a:rPr>
+                          <m:t>𝑆</m:t>
+                        </m:r>
+                        <m:r>
+                          <a:rPr lang="en-US" altLang="zh-CN" b="0" i="1" smtClean="0">
+                            <a:latin typeface="Cambria Math" panose="02040503050406030204" pitchFamily="18" charset="0"/>
+                            <a:ea typeface="Cambria Math" panose="02040503050406030204" pitchFamily="18" charset="0"/>
+                          </a:rPr>
+                          <m:t>×</m:t>
+                        </m:r>
+                        <m:r>
+                          <a:rPr lang="en-US" altLang="zh-CN" b="0" i="1" smtClean="0">
+                            <a:latin typeface="Cambria Math" panose="02040503050406030204" pitchFamily="18" charset="0"/>
+                            <a:ea typeface="Cambria Math" panose="02040503050406030204" pitchFamily="18" charset="0"/>
+                          </a:rPr>
+                          <m:t>𝐶</m:t>
+                        </m:r>
+                      </m:sup>
+                    </m:sSup>
+                  </m:oMath>
+                </a14:m>
+                <a:endParaRPr lang="zh-CN" altLang="en-US" dirty="0"/>
+              </a:p>
+            </p:txBody>
+          </p:sp>
+        </mc:Choice>
+        <mc:Fallback xmlns="">
+          <p:sp>
+            <p:nvSpPr>
+              <p:cNvPr id="87" name="文本框 86">
+                <a:extLst>
+                  <a:ext uri="{FF2B5EF4-FFF2-40B4-BE49-F238E27FC236}">
+                    <a16:creationId xmlns:a16="http://schemas.microsoft.com/office/drawing/2014/main" id="{3A2C868F-3ADB-4EC1-B93C-433E2409F962}"/>
+                  </a:ext>
+                </a:extLst>
+              </p:cNvPr>
+              <p:cNvSpPr txBox="1">
+                <a:spLocks noRot="1" noChangeAspect="1" noMove="1" noResize="1" noEditPoints="1" noAdjustHandles="1" noChangeArrowheads="1" noChangeShapeType="1" noTextEdit="1"/>
+              </p:cNvSpPr>
+              <p:nvPr/>
+            </p:nvSpPr>
+            <p:spPr>
+              <a:xfrm>
+                <a:off x="3863242" y="846299"/>
+                <a:ext cx="2023567" cy="370230"/>
+              </a:xfrm>
+              <a:prstGeom prst="rect">
+                <a:avLst/>
+              </a:prstGeom>
+              <a:blipFill>
+                <a:blip r:embed="rId3"/>
+                <a:stretch>
+                  <a:fillRect l="-2711" t="-9836" b="-24590"/>
+                </a:stretch>
+              </a:blipFill>
+            </p:spPr>
+            <p:txBody>
+              <a:bodyPr/>
+              <a:lstStyle/>
+              <a:p>
+                <a:r>
+                  <a:rPr lang="zh-CN" altLang="en-US">
+                    <a:noFill/>
+                  </a:rPr>
+                  <a:t> </a:t>
+                </a:r>
+              </a:p>
+            </p:txBody>
+          </p:sp>
+        </mc:Fallback>
+      </mc:AlternateContent>
+      <mc:AlternateContent xmlns:mc="http://schemas.openxmlformats.org/markup-compatibility/2006" xmlns:a14="http://schemas.microsoft.com/office/drawing/2010/main">
+        <mc:Choice Requires="a14">
+          <p:sp>
+            <p:nvSpPr>
+              <p:cNvPr id="88" name="文本框 87">
+                <a:extLst>
+                  <a:ext uri="{FF2B5EF4-FFF2-40B4-BE49-F238E27FC236}">
+                    <a16:creationId xmlns:a16="http://schemas.microsoft.com/office/drawing/2014/main" id="{3411A4D3-9B84-4A7E-9C16-CF35389BF2F9}"/>
+                  </a:ext>
+                </a:extLst>
+              </p:cNvPr>
+              <p:cNvSpPr txBox="1"/>
+              <p:nvPr/>
+            </p:nvSpPr>
+            <p:spPr>
+              <a:xfrm>
+                <a:off x="7630376" y="846299"/>
+                <a:ext cx="2772875" cy="370230"/>
+              </a:xfrm>
+              <a:prstGeom prst="rect">
+                <a:avLst/>
+              </a:prstGeom>
+              <a:noFill/>
+            </p:spPr>
+            <p:txBody>
+              <a:bodyPr wrap="none" rtlCol="0">
+                <a:spAutoFit/>
+              </a:bodyPr>
+              <a:lstStyle/>
+              <a:p>
+                <a:r>
+                  <a:rPr lang="en-US" altLang="zh-CN" b="1" dirty="0"/>
+                  <a:t>Output Map </a:t>
+                </a:r>
+                <a14:m>
+                  <m:oMath xmlns:m="http://schemas.openxmlformats.org/officeDocument/2006/math">
+                    <m:r>
+                      <m:rPr>
+                        <m:sty m:val="p"/>
+                      </m:rPr>
+                      <a:rPr lang="en-US" altLang="zh-CN" dirty="0" smtClean="0">
+                        <a:latin typeface="Cambria Math" panose="02040503050406030204" pitchFamily="18" charset="0"/>
+                      </a:rPr>
+                      <m:t>O</m:t>
+                    </m:r>
+                    <m:r>
+                      <a:rPr lang="en-US" altLang="zh-CN" i="1">
+                        <a:latin typeface="Cambria Math" panose="02040503050406030204" pitchFamily="18" charset="0"/>
+                        <a:ea typeface="Cambria Math" panose="02040503050406030204" pitchFamily="18" charset="0"/>
+                      </a:rPr>
+                      <m:t>∈</m:t>
+                    </m:r>
+                    <m:sSup>
+                      <m:sSupPr>
+                        <m:ctrlPr>
+                          <a:rPr lang="en-US" altLang="zh-CN" i="1">
+                            <a:latin typeface="Cambria Math" panose="02040503050406030204" pitchFamily="18" charset="0"/>
+                            <a:ea typeface="Cambria Math" panose="02040503050406030204" pitchFamily="18" charset="0"/>
+                          </a:rPr>
+                        </m:ctrlPr>
+                      </m:sSupPr>
+                      <m:e>
+                        <m:r>
+                          <a:rPr lang="en-US" altLang="zh-CN" i="1">
+                            <a:latin typeface="Cambria Math" panose="02040503050406030204" pitchFamily="18" charset="0"/>
+                            <a:ea typeface="Cambria Math" panose="02040503050406030204" pitchFamily="18" charset="0"/>
+                          </a:rPr>
+                          <m:t>𝑅</m:t>
+                        </m:r>
+                      </m:e>
+                      <m:sup>
+                        <m:r>
+                          <a:rPr lang="en-US" altLang="zh-CN" i="1">
+                            <a:latin typeface="Cambria Math" panose="02040503050406030204" pitchFamily="18" charset="0"/>
+                            <a:ea typeface="Cambria Math" panose="02040503050406030204" pitchFamily="18" charset="0"/>
+                          </a:rPr>
+                          <m:t>𝐻</m:t>
+                        </m:r>
+                        <m:r>
+                          <a:rPr lang="en-US" altLang="zh-CN" i="1">
+                            <a:latin typeface="Cambria Math" panose="02040503050406030204" pitchFamily="18" charset="0"/>
+                            <a:ea typeface="Cambria Math" panose="02040503050406030204" pitchFamily="18" charset="0"/>
+                          </a:rPr>
+                          <m:t>×</m:t>
+                        </m:r>
+                        <m:r>
+                          <a:rPr lang="en-US" altLang="zh-CN" i="1">
+                            <a:latin typeface="Cambria Math" panose="02040503050406030204" pitchFamily="18" charset="0"/>
+                            <a:ea typeface="Cambria Math" panose="02040503050406030204" pitchFamily="18" charset="0"/>
+                          </a:rPr>
+                          <m:t>𝑊</m:t>
+                        </m:r>
+                        <m:r>
+                          <a:rPr lang="en-US" altLang="zh-CN" i="1">
+                            <a:latin typeface="Cambria Math" panose="02040503050406030204" pitchFamily="18" charset="0"/>
+                            <a:ea typeface="Cambria Math" panose="02040503050406030204" pitchFamily="18" charset="0"/>
+                          </a:rPr>
+                          <m:t>×</m:t>
+                        </m:r>
+                        <m:r>
+                          <a:rPr lang="en-US" altLang="zh-CN" i="1">
+                            <a:latin typeface="Cambria Math" panose="02040503050406030204" pitchFamily="18" charset="0"/>
+                            <a:ea typeface="Cambria Math" panose="02040503050406030204" pitchFamily="18" charset="0"/>
+                          </a:rPr>
+                          <m:t>𝐶</m:t>
+                        </m:r>
+                      </m:sup>
+                    </m:sSup>
+                  </m:oMath>
+                </a14:m>
+                <a:endParaRPr lang="zh-CN" altLang="en-US" dirty="0"/>
+              </a:p>
+            </p:txBody>
+          </p:sp>
+        </mc:Choice>
+        <mc:Fallback xmlns="">
+          <p:sp>
+            <p:nvSpPr>
+              <p:cNvPr id="88" name="文本框 87">
+                <a:extLst>
+                  <a:ext uri="{FF2B5EF4-FFF2-40B4-BE49-F238E27FC236}">
+                    <a16:creationId xmlns:a16="http://schemas.microsoft.com/office/drawing/2014/main" id="{3411A4D3-9B84-4A7E-9C16-CF35389BF2F9}"/>
+                  </a:ext>
+                </a:extLst>
+              </p:cNvPr>
+              <p:cNvSpPr txBox="1">
+                <a:spLocks noRot="1" noChangeAspect="1" noMove="1" noResize="1" noEditPoints="1" noAdjustHandles="1" noChangeArrowheads="1" noChangeShapeType="1" noTextEdit="1"/>
+              </p:cNvSpPr>
+              <p:nvPr/>
+            </p:nvSpPr>
+            <p:spPr>
+              <a:xfrm>
+                <a:off x="7630376" y="846299"/>
+                <a:ext cx="2772875" cy="370230"/>
+              </a:xfrm>
+              <a:prstGeom prst="rect">
+                <a:avLst/>
+              </a:prstGeom>
+              <a:blipFill>
+                <a:blip r:embed="rId4"/>
+                <a:stretch>
+                  <a:fillRect l="-1978" t="-9836" b="-24590"/>
+                </a:stretch>
+              </a:blipFill>
+            </p:spPr>
+            <p:txBody>
+              <a:bodyPr/>
+              <a:lstStyle/>
+              <a:p>
+                <a:r>
+                  <a:rPr lang="zh-CN" altLang="en-US">
+                    <a:noFill/>
+                  </a:rPr>
+                  <a:t> </a:t>
+                </a:r>
+              </a:p>
+            </p:txBody>
+          </p:sp>
+        </mc:Fallback>
+      </mc:AlternateContent>
+    </p:spTree>
+    <p:extLst>
+      <p:ext uri="{BB962C8B-B14F-4D97-AF65-F5344CB8AC3E}">
+        <p14:creationId xmlns:p14="http://schemas.microsoft.com/office/powerpoint/2010/main" val="2053387444"/>
+      </p:ext>
+    </p:extLst>
+  </p:cSld>
+  <p:clrMapOvr>
+    <a:masterClrMapping/>
+  </p:clrMapOvr>
+</p:sld>
+</file>
+
+<file path=ppt/slides/slide12.xml><?xml version="1.0" encoding="utf-8"?>
+<p:sld xmlns:a="http://schemas.openxmlformats.org/drawingml/2006/main" xmlns:r="http://schemas.openxmlformats.org/officeDocument/2006/relationships" xmlns:p="http://schemas.openxmlformats.org/presentationml/2006/main">
+  <p:cSld>
+    <p:spTree>
+      <p:nvGrpSpPr>
+        <p:cNvPr id="1" name=""/>
+        <p:cNvGrpSpPr/>
+        <p:nvPr/>
+      </p:nvGrpSpPr>
+      <p:grpSpPr>
+        <a:xfrm>
+          <a:off x="0" y="0"/>
+          <a:ext cx="0" cy="0"/>
+          <a:chOff x="0" y="0"/>
+          <a:chExt cx="0" cy="0"/>
+        </a:xfrm>
+      </p:grpSpPr>
+      <p:sp>
+        <p:nvSpPr>
+          <p:cNvPr id="161" name="矩形 160">
+            <a:extLst>
+              <a:ext uri="{FF2B5EF4-FFF2-40B4-BE49-F238E27FC236}">
+                <a16:creationId xmlns:a16="http://schemas.microsoft.com/office/drawing/2014/main" id="{C5643CC0-A4C0-4BF3-A98D-57D7C70465CC}"/>
+              </a:ext>
+            </a:extLst>
+          </p:cNvPr>
+          <p:cNvSpPr/>
+          <p:nvPr/>
+        </p:nvSpPr>
+        <p:spPr>
+          <a:xfrm>
+            <a:off x="8094738" y="1279869"/>
+            <a:ext cx="1620000" cy="1620000"/>
+          </a:xfrm>
+          <a:prstGeom prst="rect">
+            <a:avLst/>
+          </a:prstGeom>
+          <a:solidFill>
+            <a:srgbClr val="5F86CD"/>
+          </a:solidFill>
+        </p:spPr>
+        <p:style>
+          <a:lnRef idx="2">
+            <a:schemeClr val="accent1">
+              <a:shade val="50000"/>
+            </a:schemeClr>
+          </a:lnRef>
+          <a:fillRef idx="1">
+            <a:schemeClr val="accent1"/>
+          </a:fillRef>
+          <a:effectRef idx="0">
+            <a:schemeClr val="accent1"/>
+          </a:effectRef>
+          <a:fontRef idx="minor">
+            <a:schemeClr val="lt1"/>
+          </a:fontRef>
+        </p:style>
+        <p:txBody>
+          <a:bodyPr rtlCol="0" anchor="ctr"/>
+          <a:lstStyle/>
+          <a:p>
+            <a:pPr algn="ctr"/>
+            <a:endParaRPr lang="zh-CN" altLang="en-US"/>
+          </a:p>
+        </p:txBody>
+      </p:sp>
+      <p:sp>
+        <p:nvSpPr>
+          <p:cNvPr id="151" name="矩形 150">
+            <a:extLst>
+              <a:ext uri="{FF2B5EF4-FFF2-40B4-BE49-F238E27FC236}">
+                <a16:creationId xmlns:a16="http://schemas.microsoft.com/office/drawing/2014/main" id="{33BF2690-E6BA-40A5-A558-23AB8930410E}"/>
+              </a:ext>
+            </a:extLst>
+          </p:cNvPr>
+          <p:cNvSpPr/>
+          <p:nvPr/>
+        </p:nvSpPr>
+        <p:spPr>
+          <a:xfrm>
+            <a:off x="3996094" y="4056493"/>
+            <a:ext cx="288000" cy="288000"/>
+          </a:xfrm>
+          <a:prstGeom prst="rect">
+            <a:avLst/>
+          </a:prstGeom>
+          <a:solidFill>
+            <a:srgbClr val="02FFC4"/>
+          </a:solidFill>
+        </p:spPr>
+        <p:style>
+          <a:lnRef idx="2">
+            <a:schemeClr val="accent1">
+              <a:shade val="50000"/>
+            </a:schemeClr>
+          </a:lnRef>
+          <a:fillRef idx="1">
+            <a:schemeClr val="accent1"/>
+          </a:fillRef>
+          <a:effectRef idx="0">
+            <a:schemeClr val="accent1"/>
+          </a:effectRef>
+          <a:fontRef idx="minor">
+            <a:schemeClr val="lt1"/>
+          </a:fontRef>
+        </p:style>
+        <p:txBody>
+          <a:bodyPr rtlCol="0" anchor="ctr"/>
+          <a:lstStyle/>
+          <a:p>
+            <a:pPr algn="ctr"/>
+            <a:endParaRPr lang="zh-CN" altLang="en-US"/>
+          </a:p>
+        </p:txBody>
+      </p:sp>
+      <p:sp>
+        <p:nvSpPr>
+          <p:cNvPr id="150" name="矩形 149">
+            <a:extLst>
+              <a:ext uri="{FF2B5EF4-FFF2-40B4-BE49-F238E27FC236}">
+                <a16:creationId xmlns:a16="http://schemas.microsoft.com/office/drawing/2014/main" id="{0E5676D8-BAA8-4160-9262-5907BDEA1E6F}"/>
+              </a:ext>
+            </a:extLst>
+          </p:cNvPr>
+          <p:cNvSpPr/>
+          <p:nvPr/>
+        </p:nvSpPr>
+        <p:spPr>
+          <a:xfrm>
+            <a:off x="3889721" y="4217293"/>
+            <a:ext cx="288000" cy="288000"/>
+          </a:xfrm>
+          <a:prstGeom prst="rect">
+            <a:avLst/>
+          </a:prstGeom>
+          <a:solidFill>
+            <a:srgbClr val="02FFC4"/>
+          </a:solidFill>
+        </p:spPr>
+        <p:style>
+          <a:lnRef idx="2">
+            <a:schemeClr val="accent1">
+              <a:shade val="50000"/>
+            </a:schemeClr>
+          </a:lnRef>
+          <a:fillRef idx="1">
+            <a:schemeClr val="accent1"/>
+          </a:fillRef>
+          <a:effectRef idx="0">
+            <a:schemeClr val="accent1"/>
+          </a:effectRef>
+          <a:fontRef idx="minor">
+            <a:schemeClr val="lt1"/>
+          </a:fontRef>
+        </p:style>
+        <p:txBody>
+          <a:bodyPr rtlCol="0" anchor="ctr"/>
+          <a:lstStyle/>
+          <a:p>
+            <a:pPr algn="ctr"/>
+            <a:endParaRPr lang="zh-CN" altLang="en-US"/>
+          </a:p>
+        </p:txBody>
+      </p:sp>
+      <p:sp>
+        <p:nvSpPr>
+          <p:cNvPr id="24" name="矩形 23">
+            <a:extLst>
+              <a:ext uri="{FF2B5EF4-FFF2-40B4-BE49-F238E27FC236}">
+                <a16:creationId xmlns:a16="http://schemas.microsoft.com/office/drawing/2014/main" id="{D74D53A1-AA2B-4C02-8289-6D50E1D01EDC}"/>
+              </a:ext>
+            </a:extLst>
+          </p:cNvPr>
+          <p:cNvSpPr/>
+          <p:nvPr/>
+        </p:nvSpPr>
+        <p:spPr>
+          <a:xfrm>
+            <a:off x="7742459" y="1923477"/>
+            <a:ext cx="1620000" cy="1620000"/>
+          </a:xfrm>
+          <a:prstGeom prst="rect">
+            <a:avLst/>
+          </a:prstGeom>
+          <a:solidFill>
+            <a:srgbClr val="02FFFF"/>
+          </a:solidFill>
+        </p:spPr>
+        <p:style>
+          <a:lnRef idx="2">
+            <a:schemeClr val="accent1">
+              <a:shade val="50000"/>
+            </a:schemeClr>
+          </a:lnRef>
+          <a:fillRef idx="1">
+            <a:schemeClr val="accent1"/>
+          </a:fillRef>
+          <a:effectRef idx="0">
+            <a:schemeClr val="accent1"/>
+          </a:effectRef>
+          <a:fontRef idx="minor">
+            <a:schemeClr val="lt1"/>
+          </a:fontRef>
+        </p:style>
+        <p:txBody>
+          <a:bodyPr rtlCol="0" anchor="ctr"/>
+          <a:lstStyle/>
+          <a:p>
+            <a:pPr algn="ctr"/>
+            <a:endParaRPr lang="zh-CN" altLang="en-US"/>
+          </a:p>
+        </p:txBody>
+      </p:sp>
+      <p:sp>
+        <p:nvSpPr>
+          <p:cNvPr id="25" name="矩形 24">
+            <a:extLst>
+              <a:ext uri="{FF2B5EF4-FFF2-40B4-BE49-F238E27FC236}">
+                <a16:creationId xmlns:a16="http://schemas.microsoft.com/office/drawing/2014/main" id="{930536F2-EFAA-44E3-881E-B8B077206B2D}"/>
+              </a:ext>
+            </a:extLst>
+          </p:cNvPr>
+          <p:cNvSpPr/>
+          <p:nvPr/>
+        </p:nvSpPr>
+        <p:spPr>
+          <a:xfrm>
+            <a:off x="7375059" y="2664787"/>
+            <a:ext cx="1620000" cy="1620000"/>
+          </a:xfrm>
+          <a:prstGeom prst="rect">
+            <a:avLst/>
+          </a:prstGeom>
+          <a:solidFill>
+            <a:srgbClr val="A162D0"/>
+          </a:solidFill>
+        </p:spPr>
+        <p:style>
+          <a:lnRef idx="2">
+            <a:schemeClr val="accent1">
+              <a:shade val="50000"/>
+            </a:schemeClr>
+          </a:lnRef>
+          <a:fillRef idx="1">
+            <a:schemeClr val="accent1"/>
+          </a:fillRef>
+          <a:effectRef idx="0">
+            <a:schemeClr val="accent1"/>
+          </a:effectRef>
+          <a:fontRef idx="minor">
+            <a:schemeClr val="lt1"/>
+          </a:fontRef>
+        </p:style>
+        <p:txBody>
+          <a:bodyPr rtlCol="0" anchor="ctr"/>
+          <a:lstStyle/>
+          <a:p>
+            <a:pPr algn="ctr"/>
+            <a:endParaRPr lang="zh-CN" altLang="en-US"/>
+          </a:p>
+        </p:txBody>
+      </p:sp>
+      <p:sp>
+        <p:nvSpPr>
+          <p:cNvPr id="26" name="矩形 25">
+            <a:extLst>
+              <a:ext uri="{FF2B5EF4-FFF2-40B4-BE49-F238E27FC236}">
+                <a16:creationId xmlns:a16="http://schemas.microsoft.com/office/drawing/2014/main" id="{27247D37-7AE2-495E-913C-429EA80A12D5}"/>
+              </a:ext>
+            </a:extLst>
+          </p:cNvPr>
+          <p:cNvSpPr/>
+          <p:nvPr/>
+        </p:nvSpPr>
+        <p:spPr>
+          <a:xfrm>
+            <a:off x="6945577" y="3455157"/>
+            <a:ext cx="1620000" cy="1620000"/>
+          </a:xfrm>
+          <a:prstGeom prst="rect">
+            <a:avLst/>
+          </a:prstGeom>
+          <a:solidFill>
+            <a:srgbClr val="02FFC4"/>
+          </a:solidFill>
+        </p:spPr>
+        <p:style>
+          <a:lnRef idx="2">
+            <a:schemeClr val="accent1">
+              <a:shade val="50000"/>
+            </a:schemeClr>
+          </a:lnRef>
+          <a:fillRef idx="1">
+            <a:schemeClr val="accent1"/>
+          </a:fillRef>
+          <a:effectRef idx="0">
+            <a:schemeClr val="accent1"/>
+          </a:effectRef>
+          <a:fontRef idx="minor">
+            <a:schemeClr val="lt1"/>
+          </a:fontRef>
+        </p:style>
+        <p:txBody>
+          <a:bodyPr rtlCol="0" anchor="ctr"/>
+          <a:lstStyle/>
+          <a:p>
+            <a:pPr algn="ctr"/>
+            <a:endParaRPr lang="zh-CN" altLang="en-US"/>
+          </a:p>
+        </p:txBody>
+      </p:sp>
+      <p:sp>
+        <p:nvSpPr>
+          <p:cNvPr id="27" name="矩形 26">
+            <a:extLst>
+              <a:ext uri="{FF2B5EF4-FFF2-40B4-BE49-F238E27FC236}">
+                <a16:creationId xmlns:a16="http://schemas.microsoft.com/office/drawing/2014/main" id="{1AA91AC8-2F19-43EF-BF67-3CE73E0CC92F}"/>
+              </a:ext>
+            </a:extLst>
+          </p:cNvPr>
+          <p:cNvSpPr/>
+          <p:nvPr/>
+        </p:nvSpPr>
+        <p:spPr>
+          <a:xfrm>
+            <a:off x="768796" y="2316235"/>
+            <a:ext cx="1620000" cy="1620000"/>
+          </a:xfrm>
+          <a:prstGeom prst="rect">
+            <a:avLst/>
+          </a:prstGeom>
+          <a:solidFill>
+            <a:schemeClr val="bg1">
+              <a:lumMod val="75000"/>
+            </a:schemeClr>
+          </a:solidFill>
+        </p:spPr>
+        <p:style>
+          <a:lnRef idx="2">
+            <a:schemeClr val="accent1">
+              <a:shade val="50000"/>
+            </a:schemeClr>
+          </a:lnRef>
+          <a:fillRef idx="1">
+            <a:schemeClr val="accent1"/>
+          </a:fillRef>
+          <a:effectRef idx="0">
+            <a:schemeClr val="accent1"/>
+          </a:effectRef>
+          <a:fontRef idx="minor">
+            <a:schemeClr val="lt1"/>
+          </a:fontRef>
+        </p:style>
+        <p:txBody>
+          <a:bodyPr rtlCol="0" anchor="ctr"/>
+          <a:lstStyle/>
+          <a:p>
+            <a:pPr algn="ctr"/>
+            <a:endParaRPr lang="zh-CN" altLang="en-US"/>
+          </a:p>
+        </p:txBody>
+      </p:sp>
+      <p:sp>
+        <p:nvSpPr>
+          <p:cNvPr id="28" name="矩形 27">
+            <a:extLst>
+              <a:ext uri="{FF2B5EF4-FFF2-40B4-BE49-F238E27FC236}">
+                <a16:creationId xmlns:a16="http://schemas.microsoft.com/office/drawing/2014/main" id="{2BFCB683-3BEC-4FEE-AF64-0A7EBDEA90AC}"/>
+              </a:ext>
+            </a:extLst>
+          </p:cNvPr>
+          <p:cNvSpPr/>
+          <p:nvPr/>
+        </p:nvSpPr>
+        <p:spPr>
+          <a:xfrm>
+            <a:off x="324412" y="2959929"/>
+            <a:ext cx="1620000" cy="1620000"/>
+          </a:xfrm>
+          <a:prstGeom prst="rect">
+            <a:avLst/>
+          </a:prstGeom>
+          <a:solidFill>
+            <a:schemeClr val="bg1">
+              <a:lumMod val="75000"/>
+            </a:schemeClr>
+          </a:solidFill>
+        </p:spPr>
+        <p:style>
+          <a:lnRef idx="2">
+            <a:schemeClr val="accent1">
+              <a:shade val="50000"/>
+            </a:schemeClr>
+          </a:lnRef>
+          <a:fillRef idx="1">
+            <a:schemeClr val="accent1"/>
+          </a:fillRef>
+          <a:effectRef idx="0">
+            <a:schemeClr val="accent1"/>
+          </a:effectRef>
+          <a:fontRef idx="minor">
+            <a:schemeClr val="lt1"/>
+          </a:fontRef>
+        </p:style>
+        <p:txBody>
+          <a:bodyPr rtlCol="0" anchor="ctr"/>
+          <a:lstStyle/>
+          <a:p>
+            <a:pPr algn="ctr"/>
+            <a:endParaRPr lang="zh-CN" altLang="en-US"/>
+          </a:p>
+        </p:txBody>
+      </p:sp>
+      <p:sp>
+        <p:nvSpPr>
+          <p:cNvPr id="29" name="矩形 28">
+            <a:extLst>
+              <a:ext uri="{FF2B5EF4-FFF2-40B4-BE49-F238E27FC236}">
+                <a16:creationId xmlns:a16="http://schemas.microsoft.com/office/drawing/2014/main" id="{7983E931-B90A-4493-8596-855C2385954C}"/>
+              </a:ext>
+            </a:extLst>
+          </p:cNvPr>
+          <p:cNvSpPr/>
+          <p:nvPr/>
+        </p:nvSpPr>
+        <p:spPr>
+          <a:xfrm>
+            <a:off x="87633" y="3769471"/>
+            <a:ext cx="1620000" cy="1620000"/>
+          </a:xfrm>
+          <a:prstGeom prst="rect">
+            <a:avLst/>
+          </a:prstGeom>
+          <a:solidFill>
+            <a:schemeClr val="bg1">
+              <a:lumMod val="75000"/>
+            </a:schemeClr>
+          </a:solidFill>
+        </p:spPr>
+        <p:style>
+          <a:lnRef idx="2">
+            <a:schemeClr val="accent1">
+              <a:shade val="50000"/>
+            </a:schemeClr>
+          </a:lnRef>
+          <a:fillRef idx="1">
+            <a:schemeClr val="accent1"/>
+          </a:fillRef>
+          <a:effectRef idx="0">
+            <a:schemeClr val="accent1"/>
+          </a:effectRef>
+          <a:fontRef idx="minor">
+            <a:schemeClr val="lt1"/>
+          </a:fontRef>
+        </p:style>
+        <p:txBody>
+          <a:bodyPr rtlCol="0" anchor="ctr"/>
+          <a:lstStyle/>
+          <a:p>
+            <a:pPr algn="ctr"/>
+            <a:endParaRPr lang="zh-CN" altLang="en-US"/>
+          </a:p>
+        </p:txBody>
+      </p:sp>
+      <mc:AlternateContent xmlns:mc="http://schemas.openxmlformats.org/markup-compatibility/2006" xmlns:a14="http://schemas.microsoft.com/office/drawing/2010/main">
+        <mc:Choice Requires="a14">
+          <p:sp>
+            <p:nvSpPr>
+              <p:cNvPr id="46" name="文本框 45">
+                <a:extLst>
+                  <a:ext uri="{FF2B5EF4-FFF2-40B4-BE49-F238E27FC236}">
+                    <a16:creationId xmlns:a16="http://schemas.microsoft.com/office/drawing/2014/main" id="{AAD87183-E8FC-4D48-A4CC-B9EF403792E8}"/>
+                  </a:ext>
+                </a:extLst>
+              </p:cNvPr>
+              <p:cNvSpPr txBox="1"/>
+              <p:nvPr/>
+            </p:nvSpPr>
+            <p:spPr>
+              <a:xfrm>
+                <a:off x="256800" y="849143"/>
+                <a:ext cx="2506776" cy="370230"/>
+              </a:xfrm>
+              <a:prstGeom prst="rect">
+                <a:avLst/>
+              </a:prstGeom>
+              <a:noFill/>
+            </p:spPr>
+            <p:txBody>
+              <a:bodyPr wrap="none" rtlCol="0">
+                <a:spAutoFit/>
+              </a:bodyPr>
+              <a:lstStyle/>
+              <a:p>
+                <a:r>
+                  <a:rPr lang="en-US" altLang="zh-CN" b="1" dirty="0"/>
+                  <a:t>Input Map </a:t>
+                </a:r>
+                <a14:m>
+                  <m:oMath xmlns:m="http://schemas.openxmlformats.org/officeDocument/2006/math">
+                    <m:r>
+                      <m:rPr>
+                        <m:sty m:val="p"/>
+                      </m:rPr>
+                      <a:rPr lang="en-US" altLang="zh-CN" b="0" i="0" smtClean="0">
+                        <a:latin typeface="Cambria Math" panose="02040503050406030204" pitchFamily="18" charset="0"/>
+                      </a:rPr>
+                      <m:t>I</m:t>
+                    </m:r>
+                    <m:r>
+                      <a:rPr lang="en-US" altLang="zh-CN" b="0" i="1" smtClean="0">
+                        <a:latin typeface="Cambria Math" panose="02040503050406030204" pitchFamily="18" charset="0"/>
+                        <a:ea typeface="Cambria Math" panose="02040503050406030204" pitchFamily="18" charset="0"/>
+                      </a:rPr>
+                      <m:t>∈</m:t>
+                    </m:r>
+                    <m:sSup>
+                      <m:sSupPr>
+                        <m:ctrlPr>
+                          <a:rPr lang="en-US" altLang="zh-CN" b="0" i="1" smtClean="0">
+                            <a:latin typeface="Cambria Math" panose="02040503050406030204" pitchFamily="18" charset="0"/>
+                            <a:ea typeface="Cambria Math" panose="02040503050406030204" pitchFamily="18" charset="0"/>
+                          </a:rPr>
+                        </m:ctrlPr>
+                      </m:sSupPr>
+                      <m:e>
+                        <m:r>
+                          <a:rPr lang="en-US" altLang="zh-CN" b="0" i="1" smtClean="0">
+                            <a:latin typeface="Cambria Math" panose="02040503050406030204" pitchFamily="18" charset="0"/>
+                            <a:ea typeface="Cambria Math" panose="02040503050406030204" pitchFamily="18" charset="0"/>
+                          </a:rPr>
+                          <m:t>𝑅</m:t>
+                        </m:r>
+                      </m:e>
+                      <m:sup>
+                        <m:r>
+                          <a:rPr lang="en-US" altLang="zh-CN" b="0" i="1" smtClean="0">
+                            <a:latin typeface="Cambria Math" panose="02040503050406030204" pitchFamily="18" charset="0"/>
+                            <a:ea typeface="Cambria Math" panose="02040503050406030204" pitchFamily="18" charset="0"/>
+                          </a:rPr>
+                          <m:t>𝐻</m:t>
+                        </m:r>
+                        <m:r>
+                          <a:rPr lang="en-US" altLang="zh-CN" b="0" i="1" smtClean="0">
+                            <a:latin typeface="Cambria Math" panose="02040503050406030204" pitchFamily="18" charset="0"/>
+                            <a:ea typeface="Cambria Math" panose="02040503050406030204" pitchFamily="18" charset="0"/>
+                          </a:rPr>
+                          <m:t>×</m:t>
+                        </m:r>
+                        <m:r>
+                          <a:rPr lang="en-US" altLang="zh-CN" b="0" i="1" smtClean="0">
+                            <a:latin typeface="Cambria Math" panose="02040503050406030204" pitchFamily="18" charset="0"/>
+                            <a:ea typeface="Cambria Math" panose="02040503050406030204" pitchFamily="18" charset="0"/>
+                          </a:rPr>
+                          <m:t>𝑊</m:t>
+                        </m:r>
+                        <m:r>
+                          <a:rPr lang="en-US" altLang="zh-CN" b="0" i="1" smtClean="0">
+                            <a:latin typeface="Cambria Math" panose="02040503050406030204" pitchFamily="18" charset="0"/>
+                            <a:ea typeface="Cambria Math" panose="02040503050406030204" pitchFamily="18" charset="0"/>
+                          </a:rPr>
+                          <m:t>×</m:t>
+                        </m:r>
+                        <m:r>
+                          <a:rPr lang="en-US" altLang="zh-CN" b="0" i="1" smtClean="0">
+                            <a:latin typeface="Cambria Math" panose="02040503050406030204" pitchFamily="18" charset="0"/>
+                            <a:ea typeface="Cambria Math" panose="02040503050406030204" pitchFamily="18" charset="0"/>
+                          </a:rPr>
+                          <m:t>𝐶</m:t>
+                        </m:r>
+                      </m:sup>
+                    </m:sSup>
+                  </m:oMath>
+                </a14:m>
+                <a:endParaRPr lang="zh-CN" altLang="en-US" dirty="0"/>
+              </a:p>
+            </p:txBody>
+          </p:sp>
+        </mc:Choice>
+        <mc:Fallback xmlns="">
+          <p:sp>
+            <p:nvSpPr>
+              <p:cNvPr id="46" name="文本框 45">
+                <a:extLst>
+                  <a:ext uri="{FF2B5EF4-FFF2-40B4-BE49-F238E27FC236}">
+                    <a16:creationId xmlns:a16="http://schemas.microsoft.com/office/drawing/2014/main" id="{AAD87183-E8FC-4D48-A4CC-B9EF403792E8}"/>
+                  </a:ext>
+                </a:extLst>
+              </p:cNvPr>
+              <p:cNvSpPr txBox="1">
+                <a:spLocks noRot="1" noChangeAspect="1" noMove="1" noResize="1" noEditPoints="1" noAdjustHandles="1" noChangeArrowheads="1" noChangeShapeType="1" noTextEdit="1"/>
+              </p:cNvSpPr>
+              <p:nvPr/>
+            </p:nvSpPr>
+            <p:spPr>
+              <a:xfrm>
+                <a:off x="256800" y="849143"/>
+                <a:ext cx="2506776" cy="370230"/>
+              </a:xfrm>
+              <a:prstGeom prst="rect">
+                <a:avLst/>
+              </a:prstGeom>
+              <a:blipFill>
+                <a:blip r:embed="rId2"/>
+                <a:stretch>
+                  <a:fillRect l="-1946" t="-8197" b="-24590"/>
+                </a:stretch>
+              </a:blipFill>
+            </p:spPr>
+            <p:txBody>
+              <a:bodyPr/>
+              <a:lstStyle/>
+              <a:p>
+                <a:r>
+                  <a:rPr lang="zh-CN" altLang="en-US">
+                    <a:noFill/>
+                  </a:rPr>
+                  <a:t> </a:t>
+                </a:r>
+              </a:p>
+            </p:txBody>
+          </p:sp>
+        </mc:Fallback>
+      </mc:AlternateContent>
+      <mc:AlternateContent xmlns:mc="http://schemas.openxmlformats.org/markup-compatibility/2006" xmlns:a14="http://schemas.microsoft.com/office/drawing/2010/main">
+        <mc:Choice Requires="a14">
+          <p:sp>
+            <p:nvSpPr>
+              <p:cNvPr id="47" name="文本框 46">
+                <a:extLst>
+                  <a:ext uri="{FF2B5EF4-FFF2-40B4-BE49-F238E27FC236}">
+                    <a16:creationId xmlns:a16="http://schemas.microsoft.com/office/drawing/2014/main" id="{03D183A7-E0CB-42B4-9A69-2855A2E09C4E}"/>
+                  </a:ext>
+                </a:extLst>
+              </p:cNvPr>
+              <p:cNvSpPr txBox="1"/>
+              <p:nvPr/>
+            </p:nvSpPr>
+            <p:spPr>
+              <a:xfrm>
+                <a:off x="3863242" y="846299"/>
+                <a:ext cx="2232471" cy="370230"/>
+              </a:xfrm>
+              <a:prstGeom prst="rect">
+                <a:avLst/>
+              </a:prstGeom>
+              <a:noFill/>
+            </p:spPr>
+            <p:txBody>
+              <a:bodyPr wrap="none" rtlCol="0">
+                <a:spAutoFit/>
+              </a:bodyPr>
+              <a:lstStyle/>
+              <a:p>
+                <a:r>
+                  <a:rPr lang="en-US" altLang="zh-CN" b="1" dirty="0"/>
+                  <a:t>Kernel </a:t>
+                </a:r>
+                <a14:m>
+                  <m:oMath xmlns:m="http://schemas.openxmlformats.org/officeDocument/2006/math">
+                    <m:r>
+                      <m:rPr>
+                        <m:sty m:val="p"/>
+                      </m:rPr>
+                      <a:rPr lang="en-US" altLang="zh-CN" dirty="0" smtClean="0">
+                        <a:latin typeface="Cambria Math" panose="02040503050406030204" pitchFamily="18" charset="0"/>
+                      </a:rPr>
+                      <m:t>k</m:t>
+                    </m:r>
+                    <m:r>
+                      <a:rPr lang="en-US" altLang="zh-CN" b="0" i="1" smtClean="0">
+                        <a:latin typeface="Cambria Math" panose="02040503050406030204" pitchFamily="18" charset="0"/>
+                        <a:ea typeface="Cambria Math" panose="02040503050406030204" pitchFamily="18" charset="0"/>
+                      </a:rPr>
+                      <m:t>∈</m:t>
+                    </m:r>
+                    <m:sSup>
+                      <m:sSupPr>
+                        <m:ctrlPr>
+                          <a:rPr lang="en-US" altLang="zh-CN" b="0" i="1" smtClean="0">
+                            <a:latin typeface="Cambria Math" panose="02040503050406030204" pitchFamily="18" charset="0"/>
+                            <a:ea typeface="Cambria Math" panose="02040503050406030204" pitchFamily="18" charset="0"/>
+                          </a:rPr>
+                        </m:ctrlPr>
+                      </m:sSupPr>
+                      <m:e>
+                        <m:r>
+                          <a:rPr lang="en-US" altLang="zh-CN" b="0" i="1" smtClean="0">
+                            <a:latin typeface="Cambria Math" panose="02040503050406030204" pitchFamily="18" charset="0"/>
+                            <a:ea typeface="Cambria Math" panose="02040503050406030204" pitchFamily="18" charset="0"/>
+                          </a:rPr>
+                          <m:t>𝑅</m:t>
+                        </m:r>
+                      </m:e>
+                      <m:sup>
+                        <m:r>
+                          <a:rPr lang="en-US" altLang="zh-CN" b="0" i="1" smtClean="0">
+                            <a:latin typeface="Cambria Math" panose="02040503050406030204" pitchFamily="18" charset="0"/>
+                            <a:ea typeface="Cambria Math" panose="02040503050406030204" pitchFamily="18" charset="0"/>
+                          </a:rPr>
+                          <m:t>1×1×</m:t>
+                        </m:r>
+                        <m:r>
+                          <a:rPr lang="en-US" altLang="zh-CN" b="0" i="1" smtClean="0">
+                            <a:latin typeface="Cambria Math" panose="02040503050406030204" pitchFamily="18" charset="0"/>
+                            <a:ea typeface="Cambria Math" panose="02040503050406030204" pitchFamily="18" charset="0"/>
+                          </a:rPr>
+                          <m:t>𝐶</m:t>
+                        </m:r>
+                        <m:r>
+                          <a:rPr lang="en-US" altLang="zh-CN" b="0" i="1" smtClean="0">
+                            <a:latin typeface="Cambria Math" panose="02040503050406030204" pitchFamily="18" charset="0"/>
+                            <a:ea typeface="Cambria Math" panose="02040503050406030204" pitchFamily="18" charset="0"/>
+                          </a:rPr>
+                          <m:t>×</m:t>
+                        </m:r>
+                        <m:r>
+                          <a:rPr lang="en-US" altLang="zh-CN" b="0" i="1" smtClean="0">
+                            <a:latin typeface="Cambria Math" panose="02040503050406030204" pitchFamily="18" charset="0"/>
+                            <a:ea typeface="Cambria Math" panose="02040503050406030204" pitchFamily="18" charset="0"/>
+                          </a:rPr>
+                          <m:t>𝐿</m:t>
+                        </m:r>
+                      </m:sup>
+                    </m:sSup>
+                  </m:oMath>
+                </a14:m>
+                <a:endParaRPr lang="zh-CN" altLang="en-US" dirty="0"/>
+              </a:p>
+            </p:txBody>
+          </p:sp>
+        </mc:Choice>
+        <mc:Fallback xmlns="">
+          <p:sp>
+            <p:nvSpPr>
+              <p:cNvPr id="47" name="文本框 46">
+                <a:extLst>
+                  <a:ext uri="{FF2B5EF4-FFF2-40B4-BE49-F238E27FC236}">
+                    <a16:creationId xmlns:a16="http://schemas.microsoft.com/office/drawing/2014/main" id="{03D183A7-E0CB-42B4-9A69-2855A2E09C4E}"/>
+                  </a:ext>
+                </a:extLst>
+              </p:cNvPr>
+              <p:cNvSpPr txBox="1">
+                <a:spLocks noRot="1" noChangeAspect="1" noMove="1" noResize="1" noEditPoints="1" noAdjustHandles="1" noChangeArrowheads="1" noChangeShapeType="1" noTextEdit="1"/>
+              </p:cNvSpPr>
+              <p:nvPr/>
+            </p:nvSpPr>
+            <p:spPr>
+              <a:xfrm>
+                <a:off x="3863242" y="846299"/>
+                <a:ext cx="2232471" cy="370230"/>
+              </a:xfrm>
+              <a:prstGeom prst="rect">
+                <a:avLst/>
+              </a:prstGeom>
+              <a:blipFill>
+                <a:blip r:embed="rId3"/>
+                <a:stretch>
+                  <a:fillRect l="-2459" t="-9836" b="-24590"/>
+                </a:stretch>
+              </a:blipFill>
+            </p:spPr>
+            <p:txBody>
+              <a:bodyPr/>
+              <a:lstStyle/>
+              <a:p>
+                <a:r>
+                  <a:rPr lang="zh-CN" altLang="en-US">
+                    <a:noFill/>
+                  </a:rPr>
+                  <a:t> </a:t>
+                </a:r>
+              </a:p>
+            </p:txBody>
+          </p:sp>
+        </mc:Fallback>
+      </mc:AlternateContent>
+      <mc:AlternateContent xmlns:mc="http://schemas.openxmlformats.org/markup-compatibility/2006" xmlns:a14="http://schemas.microsoft.com/office/drawing/2010/main">
+        <mc:Choice Requires="a14">
+          <p:sp>
+            <p:nvSpPr>
+              <p:cNvPr id="48" name="文本框 47">
+                <a:extLst>
+                  <a:ext uri="{FF2B5EF4-FFF2-40B4-BE49-F238E27FC236}">
+                    <a16:creationId xmlns:a16="http://schemas.microsoft.com/office/drawing/2014/main" id="{AD7544FF-6D44-459E-83AA-83E0540A13CC}"/>
+                  </a:ext>
+                </a:extLst>
+              </p:cNvPr>
+              <p:cNvSpPr txBox="1"/>
+              <p:nvPr/>
+            </p:nvSpPr>
+            <p:spPr>
+              <a:xfrm>
+                <a:off x="7630376" y="846299"/>
+                <a:ext cx="2758769" cy="369332"/>
+              </a:xfrm>
+              <a:prstGeom prst="rect">
+                <a:avLst/>
+              </a:prstGeom>
+              <a:noFill/>
+            </p:spPr>
+            <p:txBody>
+              <a:bodyPr wrap="none" rtlCol="0">
+                <a:spAutoFit/>
+              </a:bodyPr>
+              <a:lstStyle/>
+              <a:p>
+                <a:r>
+                  <a:rPr lang="en-US" altLang="zh-CN" b="1" dirty="0"/>
+                  <a:t>Output Map </a:t>
+                </a:r>
+                <a14:m>
+                  <m:oMath xmlns:m="http://schemas.openxmlformats.org/officeDocument/2006/math">
+                    <m:r>
+                      <m:rPr>
+                        <m:sty m:val="p"/>
+                      </m:rPr>
+                      <a:rPr lang="en-US" altLang="zh-CN" dirty="0" smtClean="0">
+                        <a:latin typeface="Cambria Math" panose="02040503050406030204" pitchFamily="18" charset="0"/>
+                      </a:rPr>
+                      <m:t>O</m:t>
+                    </m:r>
+                    <m:r>
+                      <a:rPr lang="en-US" altLang="zh-CN" i="1">
+                        <a:latin typeface="Cambria Math" panose="02040503050406030204" pitchFamily="18" charset="0"/>
+                        <a:ea typeface="Cambria Math" panose="02040503050406030204" pitchFamily="18" charset="0"/>
+                      </a:rPr>
+                      <m:t>∈</m:t>
+                    </m:r>
+                    <m:sSup>
+                      <m:sSupPr>
+                        <m:ctrlPr>
+                          <a:rPr lang="en-US" altLang="zh-CN" i="1">
+                            <a:latin typeface="Cambria Math" panose="02040503050406030204" pitchFamily="18" charset="0"/>
+                            <a:ea typeface="Cambria Math" panose="02040503050406030204" pitchFamily="18" charset="0"/>
+                          </a:rPr>
+                        </m:ctrlPr>
+                      </m:sSupPr>
+                      <m:e>
+                        <m:r>
+                          <a:rPr lang="en-US" altLang="zh-CN" i="1">
+                            <a:latin typeface="Cambria Math" panose="02040503050406030204" pitchFamily="18" charset="0"/>
+                            <a:ea typeface="Cambria Math" panose="02040503050406030204" pitchFamily="18" charset="0"/>
+                          </a:rPr>
+                          <m:t>𝑅</m:t>
+                        </m:r>
+                      </m:e>
+                      <m:sup>
+                        <m:r>
+                          <a:rPr lang="en-US" altLang="zh-CN" i="1">
+                            <a:latin typeface="Cambria Math" panose="02040503050406030204" pitchFamily="18" charset="0"/>
+                            <a:ea typeface="Cambria Math" panose="02040503050406030204" pitchFamily="18" charset="0"/>
+                          </a:rPr>
+                          <m:t>𝐻</m:t>
+                        </m:r>
+                        <m:r>
+                          <a:rPr lang="en-US" altLang="zh-CN" i="1">
+                            <a:latin typeface="Cambria Math" panose="02040503050406030204" pitchFamily="18" charset="0"/>
+                            <a:ea typeface="Cambria Math" panose="02040503050406030204" pitchFamily="18" charset="0"/>
+                          </a:rPr>
+                          <m:t>×</m:t>
+                        </m:r>
+                        <m:r>
+                          <a:rPr lang="en-US" altLang="zh-CN" i="1">
+                            <a:latin typeface="Cambria Math" panose="02040503050406030204" pitchFamily="18" charset="0"/>
+                            <a:ea typeface="Cambria Math" panose="02040503050406030204" pitchFamily="18" charset="0"/>
+                          </a:rPr>
+                          <m:t>𝑊</m:t>
+                        </m:r>
+                        <m:r>
+                          <a:rPr lang="en-US" altLang="zh-CN" i="1">
+                            <a:latin typeface="Cambria Math" panose="02040503050406030204" pitchFamily="18" charset="0"/>
+                            <a:ea typeface="Cambria Math" panose="02040503050406030204" pitchFamily="18" charset="0"/>
+                          </a:rPr>
+                          <m:t>×</m:t>
+                        </m:r>
+                        <m:r>
+                          <a:rPr lang="en-US" altLang="zh-CN" b="0" i="1" smtClean="0">
+                            <a:latin typeface="Cambria Math" panose="02040503050406030204" pitchFamily="18" charset="0"/>
+                            <a:ea typeface="Cambria Math" panose="02040503050406030204" pitchFamily="18" charset="0"/>
+                          </a:rPr>
+                          <m:t>𝐿</m:t>
+                        </m:r>
+                      </m:sup>
+                    </m:sSup>
+                  </m:oMath>
+                </a14:m>
+                <a:endParaRPr lang="zh-CN" altLang="en-US" dirty="0"/>
+              </a:p>
+            </p:txBody>
+          </p:sp>
+        </mc:Choice>
+        <mc:Fallback xmlns="">
+          <p:sp>
+            <p:nvSpPr>
+              <p:cNvPr id="48" name="文本框 47">
+                <a:extLst>
+                  <a:ext uri="{FF2B5EF4-FFF2-40B4-BE49-F238E27FC236}">
+                    <a16:creationId xmlns:a16="http://schemas.microsoft.com/office/drawing/2014/main" id="{AD7544FF-6D44-459E-83AA-83E0540A13CC}"/>
+                  </a:ext>
+                </a:extLst>
+              </p:cNvPr>
+              <p:cNvSpPr txBox="1">
+                <a:spLocks noRot="1" noChangeAspect="1" noMove="1" noResize="1" noEditPoints="1" noAdjustHandles="1" noChangeArrowheads="1" noChangeShapeType="1" noTextEdit="1"/>
+              </p:cNvSpPr>
+              <p:nvPr/>
+            </p:nvSpPr>
+            <p:spPr>
+              <a:xfrm>
+                <a:off x="7630376" y="846299"/>
+                <a:ext cx="2758769" cy="369332"/>
+              </a:xfrm>
+              <a:prstGeom prst="rect">
+                <a:avLst/>
+              </a:prstGeom>
+              <a:blipFill>
+                <a:blip r:embed="rId4"/>
+                <a:stretch>
+                  <a:fillRect l="-1991" t="-10000" b="-26667"/>
+                </a:stretch>
+              </a:blipFill>
+            </p:spPr>
+            <p:txBody>
+              <a:bodyPr/>
+              <a:lstStyle/>
+              <a:p>
+                <a:r>
+                  <a:rPr lang="zh-CN" altLang="en-US">
+                    <a:noFill/>
+                  </a:rPr>
+                  <a:t> </a:t>
+                </a:r>
+              </a:p>
+            </p:txBody>
+          </p:sp>
+        </mc:Fallback>
+      </mc:AlternateContent>
+      <p:sp>
+        <p:nvSpPr>
+          <p:cNvPr id="140" name="矩形 139">
+            <a:extLst>
+              <a:ext uri="{FF2B5EF4-FFF2-40B4-BE49-F238E27FC236}">
+                <a16:creationId xmlns:a16="http://schemas.microsoft.com/office/drawing/2014/main" id="{B01DD69A-BAAA-4EE6-9442-2AC842638CB9}"/>
+              </a:ext>
+            </a:extLst>
+          </p:cNvPr>
+          <p:cNvSpPr/>
+          <p:nvPr/>
+        </p:nvSpPr>
+        <p:spPr>
+          <a:xfrm>
+            <a:off x="11171557" y="4811791"/>
+            <a:ext cx="288000" cy="288000"/>
+          </a:xfrm>
+          <a:prstGeom prst="rect">
+            <a:avLst/>
+          </a:prstGeom>
+          <a:solidFill>
+            <a:srgbClr val="02FFC4"/>
+          </a:solidFill>
+        </p:spPr>
+        <p:style>
+          <a:lnRef idx="2">
+            <a:schemeClr val="accent1">
+              <a:shade val="50000"/>
+            </a:schemeClr>
+          </a:lnRef>
+          <a:fillRef idx="1">
+            <a:schemeClr val="accent1"/>
+          </a:fillRef>
+          <a:effectRef idx="0">
+            <a:schemeClr val="accent1"/>
+          </a:effectRef>
+          <a:fontRef idx="minor">
+            <a:schemeClr val="lt1"/>
+          </a:fontRef>
+        </p:style>
+        <p:txBody>
+          <a:bodyPr rtlCol="0" anchor="ctr"/>
+          <a:lstStyle/>
+          <a:p>
+            <a:pPr algn="ctr"/>
+            <a:endParaRPr lang="zh-CN" altLang="en-US"/>
+          </a:p>
+        </p:txBody>
+      </p:sp>
+      <p:sp>
+        <p:nvSpPr>
+          <p:cNvPr id="141" name="矩形 140">
+            <a:extLst>
+              <a:ext uri="{FF2B5EF4-FFF2-40B4-BE49-F238E27FC236}">
+                <a16:creationId xmlns:a16="http://schemas.microsoft.com/office/drawing/2014/main" id="{44FBB092-FE51-4BD3-AEAB-5E161200685A}"/>
+              </a:ext>
+            </a:extLst>
+          </p:cNvPr>
+          <p:cNvSpPr/>
+          <p:nvPr/>
+        </p:nvSpPr>
+        <p:spPr>
+          <a:xfrm>
+            <a:off x="11457997" y="4811791"/>
+            <a:ext cx="288000" cy="288000"/>
+          </a:xfrm>
+          <a:prstGeom prst="rect">
+            <a:avLst/>
+          </a:prstGeom>
+          <a:solidFill>
+            <a:srgbClr val="02FFC4"/>
+          </a:solidFill>
+        </p:spPr>
+        <p:style>
+          <a:lnRef idx="2">
+            <a:schemeClr val="accent1">
+              <a:shade val="50000"/>
+            </a:schemeClr>
+          </a:lnRef>
+          <a:fillRef idx="1">
+            <a:schemeClr val="accent1"/>
+          </a:fillRef>
+          <a:effectRef idx="0">
+            <a:schemeClr val="accent1"/>
+          </a:effectRef>
+          <a:fontRef idx="minor">
+            <a:schemeClr val="lt1"/>
+          </a:fontRef>
+        </p:style>
+        <p:txBody>
+          <a:bodyPr rtlCol="0" anchor="ctr"/>
+          <a:lstStyle/>
+          <a:p>
+            <a:pPr algn="ctr"/>
+            <a:endParaRPr lang="zh-CN" altLang="en-US"/>
+          </a:p>
+        </p:txBody>
+      </p:sp>
+      <p:sp>
+        <p:nvSpPr>
+          <p:cNvPr id="142" name="矩形 141">
+            <a:extLst>
+              <a:ext uri="{FF2B5EF4-FFF2-40B4-BE49-F238E27FC236}">
+                <a16:creationId xmlns:a16="http://schemas.microsoft.com/office/drawing/2014/main" id="{EA7B9763-439B-4D0B-81E3-34BD11D82121}"/>
+              </a:ext>
+            </a:extLst>
+          </p:cNvPr>
+          <p:cNvSpPr/>
+          <p:nvPr/>
+        </p:nvSpPr>
+        <p:spPr>
+          <a:xfrm>
+            <a:off x="11747557" y="4811791"/>
+            <a:ext cx="288000" cy="288000"/>
+          </a:xfrm>
+          <a:prstGeom prst="rect">
+            <a:avLst/>
+          </a:prstGeom>
+          <a:solidFill>
+            <a:srgbClr val="02FFC4"/>
+          </a:solidFill>
+        </p:spPr>
+        <p:style>
+          <a:lnRef idx="2">
+            <a:schemeClr val="accent1">
+              <a:shade val="50000"/>
+            </a:schemeClr>
+          </a:lnRef>
+          <a:fillRef idx="1">
+            <a:schemeClr val="accent1"/>
+          </a:fillRef>
+          <a:effectRef idx="0">
+            <a:schemeClr val="accent1"/>
+          </a:effectRef>
+          <a:fontRef idx="minor">
+            <a:schemeClr val="lt1"/>
+          </a:fontRef>
+        </p:style>
+        <p:txBody>
+          <a:bodyPr rtlCol="0" anchor="ctr"/>
+          <a:lstStyle/>
+          <a:p>
+            <a:pPr algn="ctr"/>
+            <a:endParaRPr lang="zh-CN" altLang="en-US"/>
+          </a:p>
+        </p:txBody>
+      </p:sp>
+      <p:sp>
+        <p:nvSpPr>
+          <p:cNvPr id="143" name="矩形 142">
+            <a:extLst>
+              <a:ext uri="{FF2B5EF4-FFF2-40B4-BE49-F238E27FC236}">
+                <a16:creationId xmlns:a16="http://schemas.microsoft.com/office/drawing/2014/main" id="{A6695C15-1F50-4B02-8E30-59479F5754FF}"/>
+              </a:ext>
+            </a:extLst>
+          </p:cNvPr>
+          <p:cNvSpPr/>
+          <p:nvPr/>
+        </p:nvSpPr>
+        <p:spPr>
+          <a:xfrm>
+            <a:off x="11171557" y="5099791"/>
+            <a:ext cx="288000" cy="288000"/>
+          </a:xfrm>
+          <a:prstGeom prst="rect">
+            <a:avLst/>
+          </a:prstGeom>
+          <a:solidFill>
+            <a:srgbClr val="02FFC4"/>
+          </a:solidFill>
+        </p:spPr>
+        <p:style>
+          <a:lnRef idx="2">
+            <a:schemeClr val="accent1">
+              <a:shade val="50000"/>
+            </a:schemeClr>
+          </a:lnRef>
+          <a:fillRef idx="1">
+            <a:schemeClr val="accent1"/>
+          </a:fillRef>
+          <a:effectRef idx="0">
+            <a:schemeClr val="accent1"/>
+          </a:effectRef>
+          <a:fontRef idx="minor">
+            <a:schemeClr val="lt1"/>
+          </a:fontRef>
+        </p:style>
+        <p:txBody>
+          <a:bodyPr rtlCol="0" anchor="ctr"/>
+          <a:lstStyle/>
+          <a:p>
+            <a:pPr algn="ctr"/>
+            <a:endParaRPr lang="zh-CN" altLang="en-US"/>
+          </a:p>
+        </p:txBody>
+      </p:sp>
+      <p:sp>
+        <p:nvSpPr>
+          <p:cNvPr id="144" name="矩形 143">
+            <a:extLst>
+              <a:ext uri="{FF2B5EF4-FFF2-40B4-BE49-F238E27FC236}">
+                <a16:creationId xmlns:a16="http://schemas.microsoft.com/office/drawing/2014/main" id="{EC3816AB-C0EB-4403-8B19-EEC11BAF7CC2}"/>
+              </a:ext>
+            </a:extLst>
+          </p:cNvPr>
+          <p:cNvSpPr/>
+          <p:nvPr/>
+        </p:nvSpPr>
+        <p:spPr>
+          <a:xfrm>
+            <a:off x="11457997" y="5099791"/>
+            <a:ext cx="288000" cy="288000"/>
+          </a:xfrm>
+          <a:prstGeom prst="rect">
+            <a:avLst/>
+          </a:prstGeom>
+          <a:solidFill>
+            <a:srgbClr val="02FFC4"/>
+          </a:solidFill>
+        </p:spPr>
+        <p:style>
+          <a:lnRef idx="2">
+            <a:schemeClr val="accent1">
+              <a:shade val="50000"/>
+            </a:schemeClr>
+          </a:lnRef>
+          <a:fillRef idx="1">
+            <a:schemeClr val="accent1"/>
+          </a:fillRef>
+          <a:effectRef idx="0">
+            <a:schemeClr val="accent1"/>
+          </a:effectRef>
+          <a:fontRef idx="minor">
+            <a:schemeClr val="lt1"/>
+          </a:fontRef>
+        </p:style>
+        <p:txBody>
+          <a:bodyPr rtlCol="0" anchor="ctr"/>
+          <a:lstStyle/>
+          <a:p>
+            <a:pPr algn="ctr"/>
+            <a:endParaRPr lang="zh-CN" altLang="en-US"/>
+          </a:p>
+        </p:txBody>
+      </p:sp>
+      <p:sp>
+        <p:nvSpPr>
+          <p:cNvPr id="145" name="矩形 144">
+            <a:extLst>
+              <a:ext uri="{FF2B5EF4-FFF2-40B4-BE49-F238E27FC236}">
+                <a16:creationId xmlns:a16="http://schemas.microsoft.com/office/drawing/2014/main" id="{DDED7F2B-D5FD-4BEB-A7E7-C2590E507A53}"/>
+              </a:ext>
+            </a:extLst>
+          </p:cNvPr>
+          <p:cNvSpPr/>
+          <p:nvPr/>
+        </p:nvSpPr>
+        <p:spPr>
+          <a:xfrm>
+            <a:off x="11747557" y="5099791"/>
+            <a:ext cx="288000" cy="288000"/>
+          </a:xfrm>
+          <a:prstGeom prst="rect">
+            <a:avLst/>
+          </a:prstGeom>
+          <a:solidFill>
+            <a:srgbClr val="02FFC4"/>
+          </a:solidFill>
+        </p:spPr>
+        <p:style>
+          <a:lnRef idx="2">
+            <a:schemeClr val="accent1">
+              <a:shade val="50000"/>
+            </a:schemeClr>
+          </a:lnRef>
+          <a:fillRef idx="1">
+            <a:schemeClr val="accent1"/>
+          </a:fillRef>
+          <a:effectRef idx="0">
+            <a:schemeClr val="accent1"/>
+          </a:effectRef>
+          <a:fontRef idx="minor">
+            <a:schemeClr val="lt1"/>
+          </a:fontRef>
+        </p:style>
+        <p:txBody>
+          <a:bodyPr rtlCol="0" anchor="ctr"/>
+          <a:lstStyle/>
+          <a:p>
+            <a:pPr algn="ctr"/>
+            <a:endParaRPr lang="zh-CN" altLang="en-US"/>
+          </a:p>
+        </p:txBody>
+      </p:sp>
+      <p:sp>
+        <p:nvSpPr>
+          <p:cNvPr id="146" name="矩形 145">
+            <a:extLst>
+              <a:ext uri="{FF2B5EF4-FFF2-40B4-BE49-F238E27FC236}">
+                <a16:creationId xmlns:a16="http://schemas.microsoft.com/office/drawing/2014/main" id="{44F05078-9034-4645-B8B4-41B2C4EBCCD0}"/>
+              </a:ext>
+            </a:extLst>
+          </p:cNvPr>
+          <p:cNvSpPr/>
+          <p:nvPr/>
+        </p:nvSpPr>
+        <p:spPr>
+          <a:xfrm>
+            <a:off x="11171557" y="5389471"/>
+            <a:ext cx="288000" cy="288000"/>
+          </a:xfrm>
+          <a:prstGeom prst="rect">
+            <a:avLst/>
+          </a:prstGeom>
+          <a:solidFill>
+            <a:srgbClr val="02FFC4"/>
+          </a:solidFill>
+        </p:spPr>
+        <p:style>
+          <a:lnRef idx="2">
+            <a:schemeClr val="accent1">
+              <a:shade val="50000"/>
+            </a:schemeClr>
+          </a:lnRef>
+          <a:fillRef idx="1">
+            <a:schemeClr val="accent1"/>
+          </a:fillRef>
+          <a:effectRef idx="0">
+            <a:schemeClr val="accent1"/>
+          </a:effectRef>
+          <a:fontRef idx="minor">
+            <a:schemeClr val="lt1"/>
+          </a:fontRef>
+        </p:style>
+        <p:txBody>
+          <a:bodyPr rtlCol="0" anchor="ctr"/>
+          <a:lstStyle/>
+          <a:p>
+            <a:pPr algn="ctr"/>
+            <a:endParaRPr lang="zh-CN" altLang="en-US"/>
+          </a:p>
+        </p:txBody>
+      </p:sp>
+      <p:sp>
+        <p:nvSpPr>
+          <p:cNvPr id="147" name="矩形 146">
+            <a:extLst>
+              <a:ext uri="{FF2B5EF4-FFF2-40B4-BE49-F238E27FC236}">
+                <a16:creationId xmlns:a16="http://schemas.microsoft.com/office/drawing/2014/main" id="{193F4B23-A476-4B19-8B13-F210ADF2F618}"/>
+              </a:ext>
+            </a:extLst>
+          </p:cNvPr>
+          <p:cNvSpPr/>
+          <p:nvPr/>
+        </p:nvSpPr>
+        <p:spPr>
+          <a:xfrm>
+            <a:off x="11457997" y="5389471"/>
+            <a:ext cx="288000" cy="288000"/>
+          </a:xfrm>
+          <a:prstGeom prst="rect">
+            <a:avLst/>
+          </a:prstGeom>
+          <a:solidFill>
+            <a:srgbClr val="02FFC4"/>
+          </a:solidFill>
+        </p:spPr>
+        <p:style>
+          <a:lnRef idx="2">
+            <a:schemeClr val="accent1">
+              <a:shade val="50000"/>
+            </a:schemeClr>
+          </a:lnRef>
+          <a:fillRef idx="1">
+            <a:schemeClr val="accent1"/>
+          </a:fillRef>
+          <a:effectRef idx="0">
+            <a:schemeClr val="accent1"/>
+          </a:effectRef>
+          <a:fontRef idx="minor">
+            <a:schemeClr val="lt1"/>
+          </a:fontRef>
+        </p:style>
+        <p:txBody>
+          <a:bodyPr rtlCol="0" anchor="ctr"/>
+          <a:lstStyle/>
+          <a:p>
+            <a:pPr algn="ctr"/>
+            <a:endParaRPr lang="zh-CN" altLang="en-US"/>
+          </a:p>
+        </p:txBody>
+      </p:sp>
+      <p:sp>
+        <p:nvSpPr>
+          <p:cNvPr id="148" name="矩形 147">
+            <a:extLst>
+              <a:ext uri="{FF2B5EF4-FFF2-40B4-BE49-F238E27FC236}">
+                <a16:creationId xmlns:a16="http://schemas.microsoft.com/office/drawing/2014/main" id="{67625432-AAAA-41FF-B04A-384F0100C0F7}"/>
+              </a:ext>
+            </a:extLst>
+          </p:cNvPr>
+          <p:cNvSpPr/>
+          <p:nvPr/>
+        </p:nvSpPr>
+        <p:spPr>
+          <a:xfrm>
+            <a:off x="11745997" y="5389471"/>
+            <a:ext cx="288000" cy="288000"/>
+          </a:xfrm>
+          <a:prstGeom prst="rect">
+            <a:avLst/>
+          </a:prstGeom>
+          <a:solidFill>
+            <a:srgbClr val="02FFC4"/>
+          </a:solidFill>
+        </p:spPr>
+        <p:style>
+          <a:lnRef idx="2">
+            <a:schemeClr val="accent1">
+              <a:shade val="50000"/>
+            </a:schemeClr>
+          </a:lnRef>
+          <a:fillRef idx="1">
+            <a:schemeClr val="accent1"/>
+          </a:fillRef>
+          <a:effectRef idx="0">
+            <a:schemeClr val="accent1"/>
+          </a:effectRef>
+          <a:fontRef idx="minor">
+            <a:schemeClr val="lt1"/>
+          </a:fontRef>
+        </p:style>
+        <p:txBody>
+          <a:bodyPr rtlCol="0" anchor="ctr"/>
+          <a:lstStyle/>
+          <a:p>
+            <a:pPr algn="ctr"/>
+            <a:endParaRPr lang="zh-CN" altLang="en-US" dirty="0"/>
+          </a:p>
+        </p:txBody>
+      </p:sp>
+      <p:sp>
+        <p:nvSpPr>
+          <p:cNvPr id="149" name="矩形 148">
+            <a:extLst>
+              <a:ext uri="{FF2B5EF4-FFF2-40B4-BE49-F238E27FC236}">
+                <a16:creationId xmlns:a16="http://schemas.microsoft.com/office/drawing/2014/main" id="{715D6E89-AC59-4B60-A44D-13C721FA6F66}"/>
+              </a:ext>
+            </a:extLst>
+          </p:cNvPr>
+          <p:cNvSpPr/>
+          <p:nvPr/>
+        </p:nvSpPr>
+        <p:spPr>
+          <a:xfrm>
+            <a:off x="3785664" y="4361293"/>
+            <a:ext cx="288000" cy="288000"/>
+          </a:xfrm>
+          <a:prstGeom prst="rect">
+            <a:avLst/>
+          </a:prstGeom>
+          <a:solidFill>
+            <a:srgbClr val="02FFC4"/>
+          </a:solidFill>
+        </p:spPr>
+        <p:style>
+          <a:lnRef idx="2">
+            <a:schemeClr val="accent1">
+              <a:shade val="50000"/>
+            </a:schemeClr>
+          </a:lnRef>
+          <a:fillRef idx="1">
+            <a:schemeClr val="accent1"/>
+          </a:fillRef>
+          <a:effectRef idx="0">
+            <a:schemeClr val="accent1"/>
+          </a:effectRef>
+          <a:fontRef idx="minor">
+            <a:schemeClr val="lt1"/>
+          </a:fontRef>
+        </p:style>
+        <p:txBody>
+          <a:bodyPr rtlCol="0" anchor="ctr"/>
+          <a:lstStyle/>
+          <a:p>
+            <a:pPr algn="ctr"/>
+            <a:endParaRPr lang="zh-CN" altLang="en-US"/>
+          </a:p>
+        </p:txBody>
+      </p:sp>
+      <p:sp>
+        <p:nvSpPr>
+          <p:cNvPr id="152" name="矩形 151">
+            <a:extLst>
+              <a:ext uri="{FF2B5EF4-FFF2-40B4-BE49-F238E27FC236}">
+                <a16:creationId xmlns:a16="http://schemas.microsoft.com/office/drawing/2014/main" id="{56B5E08E-57FA-471B-99C8-C2D4D86D8A36}"/>
+              </a:ext>
+            </a:extLst>
+          </p:cNvPr>
+          <p:cNvSpPr/>
+          <p:nvPr/>
+        </p:nvSpPr>
+        <p:spPr>
+          <a:xfrm>
+            <a:off x="4540679" y="3150357"/>
+            <a:ext cx="288000" cy="288000"/>
+          </a:xfrm>
+          <a:prstGeom prst="rect">
+            <a:avLst/>
+          </a:prstGeom>
+          <a:solidFill>
+            <a:srgbClr val="A162D0"/>
+          </a:solidFill>
+        </p:spPr>
+        <p:style>
+          <a:lnRef idx="2">
+            <a:schemeClr val="accent1">
+              <a:shade val="50000"/>
+            </a:schemeClr>
+          </a:lnRef>
+          <a:fillRef idx="1">
+            <a:schemeClr val="accent1"/>
+          </a:fillRef>
+          <a:effectRef idx="0">
+            <a:schemeClr val="accent1"/>
+          </a:effectRef>
+          <a:fontRef idx="minor">
+            <a:schemeClr val="lt1"/>
+          </a:fontRef>
+        </p:style>
+        <p:txBody>
+          <a:bodyPr rtlCol="0" anchor="ctr"/>
+          <a:lstStyle/>
+          <a:p>
+            <a:pPr algn="ctr"/>
+            <a:endParaRPr lang="zh-CN" altLang="en-US"/>
+          </a:p>
+        </p:txBody>
+      </p:sp>
+      <p:sp>
+        <p:nvSpPr>
+          <p:cNvPr id="153" name="矩形 152">
+            <a:extLst>
+              <a:ext uri="{FF2B5EF4-FFF2-40B4-BE49-F238E27FC236}">
+                <a16:creationId xmlns:a16="http://schemas.microsoft.com/office/drawing/2014/main" id="{DDC927EC-A5B8-464B-9A4E-A22145BC5ADA}"/>
+              </a:ext>
+            </a:extLst>
+          </p:cNvPr>
+          <p:cNvSpPr/>
+          <p:nvPr/>
+        </p:nvSpPr>
+        <p:spPr>
+          <a:xfrm>
+            <a:off x="4434306" y="3311157"/>
+            <a:ext cx="288000" cy="288000"/>
+          </a:xfrm>
+          <a:prstGeom prst="rect">
+            <a:avLst/>
+          </a:prstGeom>
+          <a:solidFill>
+            <a:srgbClr val="A162D0"/>
+          </a:solidFill>
+        </p:spPr>
+        <p:style>
+          <a:lnRef idx="2">
+            <a:schemeClr val="accent1">
+              <a:shade val="50000"/>
+            </a:schemeClr>
+          </a:lnRef>
+          <a:fillRef idx="1">
+            <a:schemeClr val="accent1"/>
+          </a:fillRef>
+          <a:effectRef idx="0">
+            <a:schemeClr val="accent1"/>
+          </a:effectRef>
+          <a:fontRef idx="minor">
+            <a:schemeClr val="lt1"/>
+          </a:fontRef>
+        </p:style>
+        <p:txBody>
+          <a:bodyPr rtlCol="0" anchor="ctr"/>
+          <a:lstStyle/>
+          <a:p>
+            <a:pPr algn="ctr"/>
+            <a:endParaRPr lang="zh-CN" altLang="en-US"/>
+          </a:p>
+        </p:txBody>
+      </p:sp>
+      <p:sp>
+        <p:nvSpPr>
+          <p:cNvPr id="154" name="矩形 153">
+            <a:extLst>
+              <a:ext uri="{FF2B5EF4-FFF2-40B4-BE49-F238E27FC236}">
+                <a16:creationId xmlns:a16="http://schemas.microsoft.com/office/drawing/2014/main" id="{2D29D1BE-0F5C-470D-872C-1FC6739D79D3}"/>
+              </a:ext>
+            </a:extLst>
+          </p:cNvPr>
+          <p:cNvSpPr/>
+          <p:nvPr/>
+        </p:nvSpPr>
+        <p:spPr>
+          <a:xfrm>
+            <a:off x="4330249" y="3455157"/>
+            <a:ext cx="288000" cy="288000"/>
+          </a:xfrm>
+          <a:prstGeom prst="rect">
+            <a:avLst/>
+          </a:prstGeom>
+          <a:solidFill>
+            <a:srgbClr val="A162D0"/>
+          </a:solidFill>
+        </p:spPr>
+        <p:style>
+          <a:lnRef idx="2">
+            <a:schemeClr val="accent1">
+              <a:shade val="50000"/>
+            </a:schemeClr>
+          </a:lnRef>
+          <a:fillRef idx="1">
+            <a:schemeClr val="accent1"/>
+          </a:fillRef>
+          <a:effectRef idx="0">
+            <a:schemeClr val="accent1"/>
+          </a:effectRef>
+          <a:fontRef idx="minor">
+            <a:schemeClr val="lt1"/>
+          </a:fontRef>
+        </p:style>
+        <p:txBody>
+          <a:bodyPr rtlCol="0" anchor="ctr"/>
+          <a:lstStyle/>
+          <a:p>
+            <a:pPr algn="ctr"/>
+            <a:endParaRPr lang="zh-CN" altLang="en-US"/>
+          </a:p>
+        </p:txBody>
+      </p:sp>
+      <p:sp>
+        <p:nvSpPr>
+          <p:cNvPr id="155" name="矩形 154">
+            <a:extLst>
+              <a:ext uri="{FF2B5EF4-FFF2-40B4-BE49-F238E27FC236}">
+                <a16:creationId xmlns:a16="http://schemas.microsoft.com/office/drawing/2014/main" id="{FD8BA402-BD77-4F4D-9EB8-0297EF17DF5B}"/>
+              </a:ext>
+            </a:extLst>
+          </p:cNvPr>
+          <p:cNvSpPr/>
+          <p:nvPr/>
+        </p:nvSpPr>
+        <p:spPr>
+          <a:xfrm>
+            <a:off x="4958425" y="2340129"/>
+            <a:ext cx="288000" cy="288000"/>
+          </a:xfrm>
+          <a:prstGeom prst="rect">
+            <a:avLst/>
+          </a:prstGeom>
+          <a:solidFill>
+            <a:srgbClr val="02FFFF"/>
+          </a:solidFill>
+        </p:spPr>
+        <p:style>
+          <a:lnRef idx="2">
+            <a:schemeClr val="accent1">
+              <a:shade val="50000"/>
+            </a:schemeClr>
+          </a:lnRef>
+          <a:fillRef idx="1">
+            <a:schemeClr val="accent1"/>
+          </a:fillRef>
+          <a:effectRef idx="0">
+            <a:schemeClr val="accent1"/>
+          </a:effectRef>
+          <a:fontRef idx="minor">
+            <a:schemeClr val="lt1"/>
+          </a:fontRef>
+        </p:style>
+        <p:txBody>
+          <a:bodyPr rtlCol="0" anchor="ctr"/>
+          <a:lstStyle/>
+          <a:p>
+            <a:pPr algn="ctr"/>
+            <a:endParaRPr lang="zh-CN" altLang="en-US"/>
+          </a:p>
+        </p:txBody>
+      </p:sp>
+      <p:sp>
+        <p:nvSpPr>
+          <p:cNvPr id="156" name="矩形 155">
+            <a:extLst>
+              <a:ext uri="{FF2B5EF4-FFF2-40B4-BE49-F238E27FC236}">
+                <a16:creationId xmlns:a16="http://schemas.microsoft.com/office/drawing/2014/main" id="{8F83BC00-0788-4631-91C8-B435BCD4C5DA}"/>
+              </a:ext>
+            </a:extLst>
+          </p:cNvPr>
+          <p:cNvSpPr/>
+          <p:nvPr/>
+        </p:nvSpPr>
+        <p:spPr>
+          <a:xfrm>
+            <a:off x="4852052" y="2500929"/>
+            <a:ext cx="288000" cy="288000"/>
+          </a:xfrm>
+          <a:prstGeom prst="rect">
+            <a:avLst/>
+          </a:prstGeom>
+          <a:solidFill>
+            <a:srgbClr val="02FFFF"/>
+          </a:solidFill>
+        </p:spPr>
+        <p:style>
+          <a:lnRef idx="2">
+            <a:schemeClr val="accent1">
+              <a:shade val="50000"/>
+            </a:schemeClr>
+          </a:lnRef>
+          <a:fillRef idx="1">
+            <a:schemeClr val="accent1"/>
+          </a:fillRef>
+          <a:effectRef idx="0">
+            <a:schemeClr val="accent1"/>
+          </a:effectRef>
+          <a:fontRef idx="minor">
+            <a:schemeClr val="lt1"/>
+          </a:fontRef>
+        </p:style>
+        <p:txBody>
+          <a:bodyPr rtlCol="0" anchor="ctr"/>
+          <a:lstStyle/>
+          <a:p>
+            <a:pPr algn="ctr"/>
+            <a:endParaRPr lang="zh-CN" altLang="en-US"/>
+          </a:p>
+        </p:txBody>
+      </p:sp>
+      <p:sp>
+        <p:nvSpPr>
+          <p:cNvPr id="157" name="矩形 156">
+            <a:extLst>
+              <a:ext uri="{FF2B5EF4-FFF2-40B4-BE49-F238E27FC236}">
+                <a16:creationId xmlns:a16="http://schemas.microsoft.com/office/drawing/2014/main" id="{7B96C006-E303-4181-A07E-17EE846CD5DD}"/>
+              </a:ext>
+            </a:extLst>
+          </p:cNvPr>
+          <p:cNvSpPr/>
+          <p:nvPr/>
+        </p:nvSpPr>
+        <p:spPr>
+          <a:xfrm>
+            <a:off x="4747995" y="2644929"/>
+            <a:ext cx="288000" cy="288000"/>
+          </a:xfrm>
+          <a:prstGeom prst="rect">
+            <a:avLst/>
+          </a:prstGeom>
+          <a:solidFill>
+            <a:srgbClr val="02FFFF"/>
+          </a:solidFill>
+        </p:spPr>
+        <p:style>
+          <a:lnRef idx="2">
+            <a:schemeClr val="accent1">
+              <a:shade val="50000"/>
+            </a:schemeClr>
+          </a:lnRef>
+          <a:fillRef idx="1">
+            <a:schemeClr val="accent1"/>
+          </a:fillRef>
+          <a:effectRef idx="0">
+            <a:schemeClr val="accent1"/>
+          </a:effectRef>
+          <a:fontRef idx="minor">
+            <a:schemeClr val="lt1"/>
+          </a:fontRef>
+        </p:style>
+        <p:txBody>
+          <a:bodyPr rtlCol="0" anchor="ctr"/>
+          <a:lstStyle/>
+          <a:p>
+            <a:pPr algn="ctr"/>
+            <a:endParaRPr lang="zh-CN" altLang="en-US"/>
+          </a:p>
+        </p:txBody>
+      </p:sp>
+      <p:sp>
+        <p:nvSpPr>
+          <p:cNvPr id="158" name="矩形 157">
+            <a:extLst>
+              <a:ext uri="{FF2B5EF4-FFF2-40B4-BE49-F238E27FC236}">
+                <a16:creationId xmlns:a16="http://schemas.microsoft.com/office/drawing/2014/main" id="{E8B8AAD0-62F0-44C6-8AE2-0B02D8E6C228}"/>
+              </a:ext>
+            </a:extLst>
+          </p:cNvPr>
+          <p:cNvSpPr/>
+          <p:nvPr/>
+        </p:nvSpPr>
+        <p:spPr>
+          <a:xfrm>
+            <a:off x="5474924" y="1551183"/>
+            <a:ext cx="288000" cy="288000"/>
+          </a:xfrm>
+          <a:prstGeom prst="rect">
+            <a:avLst/>
+          </a:prstGeom>
+          <a:solidFill>
+            <a:srgbClr val="5F86CD"/>
+          </a:solidFill>
+        </p:spPr>
+        <p:style>
+          <a:lnRef idx="2">
+            <a:schemeClr val="accent1">
+              <a:shade val="50000"/>
+            </a:schemeClr>
+          </a:lnRef>
+          <a:fillRef idx="1">
+            <a:schemeClr val="accent1"/>
+          </a:fillRef>
+          <a:effectRef idx="0">
+            <a:schemeClr val="accent1"/>
+          </a:effectRef>
+          <a:fontRef idx="minor">
+            <a:schemeClr val="lt1"/>
+          </a:fontRef>
+        </p:style>
+        <p:txBody>
+          <a:bodyPr rtlCol="0" anchor="ctr"/>
+          <a:lstStyle/>
+          <a:p>
+            <a:pPr algn="ctr"/>
+            <a:endParaRPr lang="zh-CN" altLang="en-US"/>
+          </a:p>
+        </p:txBody>
+      </p:sp>
+      <p:sp>
+        <p:nvSpPr>
+          <p:cNvPr id="159" name="矩形 158">
+            <a:extLst>
+              <a:ext uri="{FF2B5EF4-FFF2-40B4-BE49-F238E27FC236}">
+                <a16:creationId xmlns:a16="http://schemas.microsoft.com/office/drawing/2014/main" id="{9B612C93-DE94-4592-B0DF-B4DF8D7D8252}"/>
+              </a:ext>
+            </a:extLst>
+          </p:cNvPr>
+          <p:cNvSpPr/>
+          <p:nvPr/>
+        </p:nvSpPr>
+        <p:spPr>
+          <a:xfrm>
+            <a:off x="5368551" y="1711983"/>
+            <a:ext cx="288000" cy="288000"/>
+          </a:xfrm>
+          <a:prstGeom prst="rect">
+            <a:avLst/>
+          </a:prstGeom>
+          <a:solidFill>
+            <a:srgbClr val="5F86CD"/>
+          </a:solidFill>
+        </p:spPr>
+        <p:style>
+          <a:lnRef idx="2">
+            <a:schemeClr val="accent1">
+              <a:shade val="50000"/>
+            </a:schemeClr>
+          </a:lnRef>
+          <a:fillRef idx="1">
+            <a:schemeClr val="accent1"/>
+          </a:fillRef>
+          <a:effectRef idx="0">
+            <a:schemeClr val="accent1"/>
+          </a:effectRef>
+          <a:fontRef idx="minor">
+            <a:schemeClr val="lt1"/>
+          </a:fontRef>
+        </p:style>
+        <p:txBody>
+          <a:bodyPr rtlCol="0" anchor="ctr"/>
+          <a:lstStyle/>
+          <a:p>
+            <a:pPr algn="ctr"/>
+            <a:endParaRPr lang="zh-CN" altLang="en-US"/>
+          </a:p>
+        </p:txBody>
+      </p:sp>
+      <p:sp>
+        <p:nvSpPr>
+          <p:cNvPr id="160" name="矩形 159">
+            <a:extLst>
+              <a:ext uri="{FF2B5EF4-FFF2-40B4-BE49-F238E27FC236}">
+                <a16:creationId xmlns:a16="http://schemas.microsoft.com/office/drawing/2014/main" id="{F9E90170-82A8-470D-9BB2-2680E6D5A280}"/>
+              </a:ext>
+            </a:extLst>
+          </p:cNvPr>
+          <p:cNvSpPr/>
+          <p:nvPr/>
+        </p:nvSpPr>
+        <p:spPr>
+          <a:xfrm>
+            <a:off x="5264494" y="1855983"/>
+            <a:ext cx="288000" cy="288000"/>
+          </a:xfrm>
+          <a:prstGeom prst="rect">
+            <a:avLst/>
+          </a:prstGeom>
+          <a:solidFill>
+            <a:srgbClr val="5F86CD"/>
+          </a:solidFill>
+        </p:spPr>
+        <p:style>
+          <a:lnRef idx="2">
+            <a:schemeClr val="accent1">
+              <a:shade val="50000"/>
+            </a:schemeClr>
+          </a:lnRef>
+          <a:fillRef idx="1">
+            <a:schemeClr val="accent1"/>
+          </a:fillRef>
+          <a:effectRef idx="0">
+            <a:schemeClr val="accent1"/>
+          </a:effectRef>
+          <a:fontRef idx="minor">
+            <a:schemeClr val="lt1"/>
+          </a:fontRef>
+        </p:style>
+        <p:txBody>
+          <a:bodyPr rtlCol="0" anchor="ctr"/>
+          <a:lstStyle/>
+          <a:p>
+            <a:pPr algn="ctr"/>
+            <a:endParaRPr lang="zh-CN" altLang="en-US"/>
+          </a:p>
+        </p:txBody>
+      </p:sp>
+      <p:cxnSp>
+        <p:nvCxnSpPr>
+          <p:cNvPr id="165" name="连接符: 曲线 164">
+            <a:extLst>
+              <a:ext uri="{FF2B5EF4-FFF2-40B4-BE49-F238E27FC236}">
+                <a16:creationId xmlns:a16="http://schemas.microsoft.com/office/drawing/2014/main" id="{A1D5DA5A-445F-4F70-B1F9-5AF7548139FC}"/>
+              </a:ext>
+            </a:extLst>
+          </p:cNvPr>
+          <p:cNvCxnSpPr>
+            <a:stCxn id="29" idx="0"/>
+            <a:endCxn id="149" idx="0"/>
+          </p:cNvCxnSpPr>
+          <p:nvPr/>
+        </p:nvCxnSpPr>
+        <p:spPr>
+          <a:xfrm rot="16200000" flipH="1">
+            <a:off x="2117737" y="2549367"/>
+            <a:ext cx="591822" cy="3032031"/>
+          </a:xfrm>
+          <a:prstGeom prst="curvedConnector3">
+            <a:avLst>
+              <a:gd name="adj1" fmla="val -13706"/>
+            </a:avLst>
+          </a:prstGeom>
+          <a:ln>
+            <a:solidFill>
+              <a:schemeClr val="tx1"/>
+            </a:solidFill>
+            <a:tailEnd type="triangle"/>
+          </a:ln>
+        </p:spPr>
+        <p:style>
+          <a:lnRef idx="1">
+            <a:schemeClr val="accent1"/>
+          </a:lnRef>
+          <a:fillRef idx="0">
+            <a:schemeClr val="accent1"/>
+          </a:fillRef>
+          <a:effectRef idx="0">
+            <a:schemeClr val="accent1"/>
+          </a:effectRef>
+          <a:fontRef idx="minor">
+            <a:schemeClr val="tx1"/>
+          </a:fontRef>
+        </p:style>
+      </p:cxnSp>
+      <p:cxnSp>
+        <p:nvCxnSpPr>
+          <p:cNvPr id="169" name="连接符: 曲线 168">
+            <a:extLst>
+              <a:ext uri="{FF2B5EF4-FFF2-40B4-BE49-F238E27FC236}">
+                <a16:creationId xmlns:a16="http://schemas.microsoft.com/office/drawing/2014/main" id="{A17F308A-5B58-4DAA-858B-48823B3E3CB3}"/>
+              </a:ext>
+            </a:extLst>
+          </p:cNvPr>
+          <p:cNvCxnSpPr>
+            <a:cxnSpLocks/>
+            <a:stCxn id="28" idx="0"/>
+            <a:endCxn id="150" idx="0"/>
+          </p:cNvCxnSpPr>
+          <p:nvPr/>
+        </p:nvCxnSpPr>
+        <p:spPr>
+          <a:xfrm rot="16200000" flipH="1">
+            <a:off x="1955384" y="2138957"/>
+            <a:ext cx="1257364" cy="2899309"/>
+          </a:xfrm>
+          <a:prstGeom prst="curvedConnector3">
+            <a:avLst>
+              <a:gd name="adj1" fmla="val 30301"/>
+            </a:avLst>
+          </a:prstGeom>
+          <a:ln>
+            <a:solidFill>
+              <a:schemeClr val="tx1"/>
+            </a:solidFill>
+            <a:tailEnd type="triangle"/>
+          </a:ln>
+        </p:spPr>
+        <p:style>
+          <a:lnRef idx="1">
+            <a:schemeClr val="accent1"/>
+          </a:lnRef>
+          <a:fillRef idx="0">
+            <a:schemeClr val="accent1"/>
+          </a:fillRef>
+          <a:effectRef idx="0">
+            <a:schemeClr val="accent1"/>
+          </a:effectRef>
+          <a:fontRef idx="minor">
+            <a:schemeClr val="tx1"/>
+          </a:fontRef>
+        </p:style>
+      </p:cxnSp>
+      <p:cxnSp>
+        <p:nvCxnSpPr>
+          <p:cNvPr id="174" name="连接符: 曲线 173">
+            <a:extLst>
+              <a:ext uri="{FF2B5EF4-FFF2-40B4-BE49-F238E27FC236}">
+                <a16:creationId xmlns:a16="http://schemas.microsoft.com/office/drawing/2014/main" id="{A70791B5-F72D-409C-BDAB-D6A89AD21BD5}"/>
+              </a:ext>
+            </a:extLst>
+          </p:cNvPr>
+          <p:cNvCxnSpPr>
+            <a:cxnSpLocks/>
+            <a:stCxn id="27" idx="0"/>
+            <a:endCxn id="151" idx="0"/>
+          </p:cNvCxnSpPr>
+          <p:nvPr/>
+        </p:nvCxnSpPr>
+        <p:spPr>
+          <a:xfrm rot="16200000" flipH="1">
+            <a:off x="1989316" y="1905715"/>
+            <a:ext cx="1740258" cy="2561298"/>
+          </a:xfrm>
+          <a:prstGeom prst="curvedConnector3">
+            <a:avLst>
+              <a:gd name="adj1" fmla="val 43928"/>
+            </a:avLst>
+          </a:prstGeom>
+          <a:ln>
+            <a:solidFill>
+              <a:schemeClr val="tx1"/>
+            </a:solidFill>
+            <a:tailEnd type="triangle"/>
+          </a:ln>
+        </p:spPr>
+        <p:style>
+          <a:lnRef idx="1">
+            <a:schemeClr val="accent1"/>
+          </a:lnRef>
+          <a:fillRef idx="0">
+            <a:schemeClr val="accent1"/>
+          </a:fillRef>
+          <a:effectRef idx="0">
+            <a:schemeClr val="accent1"/>
+          </a:effectRef>
+          <a:fontRef idx="minor">
+            <a:schemeClr val="tx1"/>
+          </a:fontRef>
+        </p:style>
+      </p:cxnSp>
+      <p:cxnSp>
+        <p:nvCxnSpPr>
+          <p:cNvPr id="178" name="连接符: 曲线 177">
+            <a:extLst>
+              <a:ext uri="{FF2B5EF4-FFF2-40B4-BE49-F238E27FC236}">
+                <a16:creationId xmlns:a16="http://schemas.microsoft.com/office/drawing/2014/main" id="{DC8EAA2E-2FD8-4C70-875C-1C343AD38597}"/>
+              </a:ext>
+            </a:extLst>
+          </p:cNvPr>
+          <p:cNvCxnSpPr>
+            <a:cxnSpLocks/>
+            <a:stCxn id="149" idx="3"/>
+            <a:endCxn id="26" idx="2"/>
+          </p:cNvCxnSpPr>
+          <p:nvPr/>
+        </p:nvCxnSpPr>
+        <p:spPr>
+          <a:xfrm>
+            <a:off x="4073664" y="4505293"/>
+            <a:ext cx="3681913" cy="569864"/>
+          </a:xfrm>
+          <a:prstGeom prst="curvedConnector4">
+            <a:avLst>
+              <a:gd name="adj1" fmla="val 39000"/>
+              <a:gd name="adj2" fmla="val 140115"/>
+            </a:avLst>
+          </a:prstGeom>
+          <a:ln>
+            <a:solidFill>
+              <a:schemeClr val="tx1"/>
+            </a:solidFill>
+            <a:tailEnd type="triangle"/>
+          </a:ln>
+        </p:spPr>
+        <p:style>
+          <a:lnRef idx="1">
+            <a:schemeClr val="accent1"/>
+          </a:lnRef>
+          <a:fillRef idx="0">
+            <a:schemeClr val="accent1"/>
+          </a:fillRef>
+          <a:effectRef idx="0">
+            <a:schemeClr val="accent1"/>
+          </a:effectRef>
+          <a:fontRef idx="minor">
+            <a:schemeClr val="tx1"/>
+          </a:fontRef>
+        </p:style>
+      </p:cxnSp>
+      <p:cxnSp>
+        <p:nvCxnSpPr>
+          <p:cNvPr id="183" name="连接符: 曲线 182">
+            <a:extLst>
+              <a:ext uri="{FF2B5EF4-FFF2-40B4-BE49-F238E27FC236}">
+                <a16:creationId xmlns:a16="http://schemas.microsoft.com/office/drawing/2014/main" id="{2BAF5B9A-FC7B-4112-ADD4-E2E37CDFB4ED}"/>
+              </a:ext>
+            </a:extLst>
+          </p:cNvPr>
+          <p:cNvCxnSpPr>
+            <a:cxnSpLocks/>
+            <a:stCxn id="150" idx="3"/>
+            <a:endCxn id="26" idx="2"/>
+          </p:cNvCxnSpPr>
+          <p:nvPr/>
+        </p:nvCxnSpPr>
+        <p:spPr>
+          <a:xfrm>
+            <a:off x="4177721" y="4361293"/>
+            <a:ext cx="3577856" cy="713864"/>
+          </a:xfrm>
+          <a:prstGeom prst="curvedConnector4">
+            <a:avLst>
+              <a:gd name="adj1" fmla="val 38680"/>
+              <a:gd name="adj2" fmla="val 132023"/>
+            </a:avLst>
+          </a:prstGeom>
+          <a:ln>
+            <a:solidFill>
+              <a:schemeClr val="tx1"/>
+            </a:solidFill>
+            <a:tailEnd type="triangle"/>
+          </a:ln>
+        </p:spPr>
+        <p:style>
+          <a:lnRef idx="1">
+            <a:schemeClr val="accent1"/>
+          </a:lnRef>
+          <a:fillRef idx="0">
+            <a:schemeClr val="accent1"/>
+          </a:fillRef>
+          <a:effectRef idx="0">
+            <a:schemeClr val="accent1"/>
+          </a:effectRef>
+          <a:fontRef idx="minor">
+            <a:schemeClr val="tx1"/>
+          </a:fontRef>
+        </p:style>
+      </p:cxnSp>
+      <p:cxnSp>
+        <p:nvCxnSpPr>
+          <p:cNvPr id="186" name="连接符: 曲线 185">
+            <a:extLst>
+              <a:ext uri="{FF2B5EF4-FFF2-40B4-BE49-F238E27FC236}">
+                <a16:creationId xmlns:a16="http://schemas.microsoft.com/office/drawing/2014/main" id="{68F00A35-E049-42BA-91AB-AC6CF9BC9067}"/>
+              </a:ext>
+            </a:extLst>
+          </p:cNvPr>
+          <p:cNvCxnSpPr>
+            <a:cxnSpLocks/>
+            <a:stCxn id="151" idx="3"/>
+            <a:endCxn id="26" idx="2"/>
+          </p:cNvCxnSpPr>
+          <p:nvPr/>
+        </p:nvCxnSpPr>
+        <p:spPr>
+          <a:xfrm>
+            <a:off x="4284094" y="4200493"/>
+            <a:ext cx="3471483" cy="874664"/>
+          </a:xfrm>
+          <a:prstGeom prst="curvedConnector4">
+            <a:avLst>
+              <a:gd name="adj1" fmla="val 38334"/>
+              <a:gd name="adj2" fmla="val 126136"/>
+            </a:avLst>
+          </a:prstGeom>
+          <a:ln>
+            <a:solidFill>
+              <a:schemeClr val="tx1"/>
+            </a:solidFill>
+            <a:tailEnd type="triangle"/>
+          </a:ln>
+        </p:spPr>
+        <p:style>
+          <a:lnRef idx="1">
+            <a:schemeClr val="accent1"/>
+          </a:lnRef>
+          <a:fillRef idx="0">
+            <a:schemeClr val="accent1"/>
+          </a:fillRef>
+          <a:effectRef idx="0">
+            <a:schemeClr val="accent1"/>
+          </a:effectRef>
+          <a:fontRef idx="minor">
+            <a:schemeClr val="tx1"/>
+          </a:fontRef>
+        </p:style>
+      </p:cxnSp>
+    </p:spTree>
+    <p:extLst>
+      <p:ext uri="{BB962C8B-B14F-4D97-AF65-F5344CB8AC3E}">
+        <p14:creationId xmlns:p14="http://schemas.microsoft.com/office/powerpoint/2010/main" val="3229937415"/>
+      </p:ext>
+    </p:extLst>
+  </p:cSld>
+  <p:clrMapOvr>
+    <a:masterClrMapping/>
+  </p:clrMapOvr>
+</p:sld>
+</file>
+
+<file path=ppt/slides/slide13.xml><?xml version="1.0" encoding="utf-8"?>
+<p:sld xmlns:a="http://schemas.openxmlformats.org/drawingml/2006/main" xmlns:r="http://schemas.openxmlformats.org/officeDocument/2006/relationships" xmlns:p="http://schemas.openxmlformats.org/presentationml/2006/main">
+  <p:cSld>
+    <p:spTree>
+      <p:nvGrpSpPr>
+        <p:cNvPr id="1" name=""/>
+        <p:cNvGrpSpPr/>
+        <p:nvPr/>
+      </p:nvGrpSpPr>
+      <p:grpSpPr>
+        <a:xfrm>
+          <a:off x="0" y="0"/>
+          <a:ext cx="0" cy="0"/>
+          <a:chOff x="0" y="0"/>
+          <a:chExt cx="0" cy="0"/>
+        </a:xfrm>
+      </p:grpSpPr>
+      <p:pic>
+        <p:nvPicPr>
+          <p:cNvPr id="5" name="图片 4">
+            <a:extLst>
+              <a:ext uri="{FF2B5EF4-FFF2-40B4-BE49-F238E27FC236}">
+                <a16:creationId xmlns:a16="http://schemas.microsoft.com/office/drawing/2014/main" id="{8E83BDCF-491E-4824-96C3-22F7A78CC7C2}"/>
+              </a:ext>
+            </a:extLst>
+          </p:cNvPr>
+          <p:cNvPicPr>
+            <a:picLocks noChangeAspect="1"/>
+          </p:cNvPicPr>
+          <p:nvPr/>
+        </p:nvPicPr>
+        <p:blipFill>
+          <a:blip r:embed="rId2">
+            <a:extLst>
+              <a:ext uri="{28A0092B-C50C-407E-A947-70E740481C1C}">
+                <a14:useLocalDpi xmlns:a14="http://schemas.microsoft.com/office/drawing/2010/main" val="0"/>
+              </a:ext>
+            </a:extLst>
+          </a:blip>
+          <a:stretch>
+            <a:fillRect/>
+          </a:stretch>
+        </p:blipFill>
+        <p:spPr>
+          <a:xfrm>
+            <a:off x="411804" y="359315"/>
+            <a:ext cx="6096000" cy="4057650"/>
+          </a:xfrm>
+          <a:prstGeom prst="rect">
+            <a:avLst/>
+          </a:prstGeom>
+        </p:spPr>
+      </p:pic>
+      <p:pic>
+        <p:nvPicPr>
+          <p:cNvPr id="7" name="图片 6">
+            <a:extLst>
+              <a:ext uri="{FF2B5EF4-FFF2-40B4-BE49-F238E27FC236}">
+                <a16:creationId xmlns:a16="http://schemas.microsoft.com/office/drawing/2014/main" id="{8A85A863-BD56-4D86-BD8F-5AE7FD576738}"/>
+              </a:ext>
+            </a:extLst>
+          </p:cNvPr>
+          <p:cNvPicPr>
+            <a:picLocks noChangeAspect="1"/>
+          </p:cNvPicPr>
+          <p:nvPr/>
+        </p:nvPicPr>
+        <p:blipFill>
+          <a:blip r:embed="rId3">
+            <a:extLst>
+              <a:ext uri="{28A0092B-C50C-407E-A947-70E740481C1C}">
+                <a14:useLocalDpi xmlns:a14="http://schemas.microsoft.com/office/drawing/2010/main" val="0"/>
+              </a:ext>
+            </a:extLst>
+          </a:blip>
+          <a:stretch>
+            <a:fillRect/>
+          </a:stretch>
+        </p:blipFill>
+        <p:spPr>
+          <a:xfrm>
+            <a:off x="6644374" y="359315"/>
+            <a:ext cx="6079405" cy="4057650"/>
+          </a:xfrm>
+          <a:prstGeom prst="rect">
+            <a:avLst/>
+          </a:prstGeom>
+        </p:spPr>
+      </p:pic>
+    </p:spTree>
+    <p:extLst>
+      <p:ext uri="{BB962C8B-B14F-4D97-AF65-F5344CB8AC3E}">
+        <p14:creationId xmlns:p14="http://schemas.microsoft.com/office/powerpoint/2010/main" val="1016840708"/>
+      </p:ext>
+    </p:extLst>
+  </p:cSld>
+  <p:clrMapOvr>
+    <a:masterClrMapping/>
+  </p:clrMapOvr>
+</p:sld>
+</file>
+
+<file path=ppt/slides/slide14.xml><?xml version="1.0" encoding="utf-8"?>
+<p:sld xmlns:a="http://schemas.openxmlformats.org/drawingml/2006/main" xmlns:r="http://schemas.openxmlformats.org/officeDocument/2006/relationships" xmlns:p="http://schemas.openxmlformats.org/presentationml/2006/main">
+  <p:cSld>
+    <p:spTree>
+      <p:nvGrpSpPr>
+        <p:cNvPr id="1" name=""/>
+        <p:cNvGrpSpPr/>
+        <p:nvPr/>
+      </p:nvGrpSpPr>
+      <p:grpSpPr>
+        <a:xfrm>
+          <a:off x="0" y="0"/>
+          <a:ext cx="0" cy="0"/>
+          <a:chOff x="0" y="0"/>
+          <a:chExt cx="0" cy="0"/>
+        </a:xfrm>
+      </p:grpSpPr>
+      <p:pic>
+        <p:nvPicPr>
+          <p:cNvPr id="9" name="图片 8">
+            <a:extLst>
+              <a:ext uri="{FF2B5EF4-FFF2-40B4-BE49-F238E27FC236}">
+                <a16:creationId xmlns:a16="http://schemas.microsoft.com/office/drawing/2014/main" id="{975894EF-65A0-4EFE-8800-5832500F8067}"/>
+              </a:ext>
+            </a:extLst>
+          </p:cNvPr>
+          <p:cNvPicPr>
+            <a:picLocks noChangeAspect="1"/>
+          </p:cNvPicPr>
+          <p:nvPr/>
+        </p:nvPicPr>
+        <p:blipFill>
+          <a:blip r:embed="rId2">
+            <a:extLst>
+              <a:ext uri="{28A0092B-C50C-407E-A947-70E740481C1C}">
+                <a14:useLocalDpi xmlns:a14="http://schemas.microsoft.com/office/drawing/2010/main" val="0"/>
+              </a:ext>
+            </a:extLst>
+          </a:blip>
+          <a:stretch>
+            <a:fillRect/>
+          </a:stretch>
+        </p:blipFill>
+        <p:spPr>
+          <a:xfrm>
+            <a:off x="5740940" y="1413988"/>
+            <a:ext cx="5047034" cy="3785276"/>
+          </a:xfrm>
+          <a:prstGeom prst="rect">
+            <a:avLst/>
+          </a:prstGeom>
+        </p:spPr>
+      </p:pic>
+      <p:pic>
+        <p:nvPicPr>
+          <p:cNvPr id="11" name="图片 10">
+            <a:extLst>
+              <a:ext uri="{FF2B5EF4-FFF2-40B4-BE49-F238E27FC236}">
+                <a16:creationId xmlns:a16="http://schemas.microsoft.com/office/drawing/2014/main" id="{9B44BC33-7E74-4524-B813-A63BB7F724F3}"/>
+              </a:ext>
+            </a:extLst>
+          </p:cNvPr>
+          <p:cNvPicPr>
+            <a:picLocks noChangeAspect="1"/>
+          </p:cNvPicPr>
+          <p:nvPr/>
+        </p:nvPicPr>
+        <p:blipFill>
+          <a:blip r:embed="rId3">
+            <a:extLst>
+              <a:ext uri="{28A0092B-C50C-407E-A947-70E740481C1C}">
+                <a14:useLocalDpi xmlns:a14="http://schemas.microsoft.com/office/drawing/2010/main" val="0"/>
+              </a:ext>
+            </a:extLst>
+          </a:blip>
+          <a:stretch>
+            <a:fillRect/>
+          </a:stretch>
+        </p:blipFill>
+        <p:spPr>
+          <a:xfrm>
+            <a:off x="-1591656" y="1413988"/>
+            <a:ext cx="6922368" cy="3362293"/>
+          </a:xfrm>
+          <a:prstGeom prst="rect">
+            <a:avLst/>
+          </a:prstGeom>
+        </p:spPr>
+      </p:pic>
+    </p:spTree>
+    <p:extLst>
+      <p:ext uri="{BB962C8B-B14F-4D97-AF65-F5344CB8AC3E}">
+        <p14:creationId xmlns:p14="http://schemas.microsoft.com/office/powerpoint/2010/main" val="84577732"/>
+      </p:ext>
+    </p:extLst>
+  </p:cSld>
+  <p:clrMapOvr>
+    <a:masterClrMapping/>
+  </p:clrMapOvr>
+</p:sld>
+</file>
+
+<file path=ppt/slides/slide15.xml><?xml version="1.0" encoding="utf-8"?>
+<p:sld xmlns:a="http://schemas.openxmlformats.org/drawingml/2006/main" xmlns:r="http://schemas.openxmlformats.org/officeDocument/2006/relationships" xmlns:p="http://schemas.openxmlformats.org/presentationml/2006/main">
+  <p:cSld>
+    <p:spTree>
+      <p:nvGrpSpPr>
+        <p:cNvPr id="1" name=""/>
+        <p:cNvGrpSpPr/>
+        <p:nvPr/>
+      </p:nvGrpSpPr>
+      <p:grpSpPr>
+        <a:xfrm>
+          <a:off x="0" y="0"/>
+          <a:ext cx="0" cy="0"/>
+          <a:chOff x="0" y="0"/>
+          <a:chExt cx="0" cy="0"/>
+        </a:xfrm>
+      </p:grpSpPr>
+      <p:pic>
+        <p:nvPicPr>
+          <p:cNvPr id="5" name="图片 4">
+            <a:extLst>
+              <a:ext uri="{FF2B5EF4-FFF2-40B4-BE49-F238E27FC236}">
+                <a16:creationId xmlns:a16="http://schemas.microsoft.com/office/drawing/2014/main" id="{512063EE-9076-4996-88A6-825214B09950}"/>
+              </a:ext>
+            </a:extLst>
+          </p:cNvPr>
+          <p:cNvPicPr>
+            <a:picLocks noChangeAspect="1"/>
+          </p:cNvPicPr>
+          <p:nvPr/>
+        </p:nvPicPr>
+        <p:blipFill>
+          <a:blip r:embed="rId2">
+            <a:extLst>
+              <a:ext uri="{28A0092B-C50C-407E-A947-70E740481C1C}">
+                <a14:useLocalDpi xmlns:a14="http://schemas.microsoft.com/office/drawing/2010/main" val="0"/>
+              </a:ext>
+            </a:extLst>
+          </a:blip>
+          <a:stretch>
+            <a:fillRect/>
+          </a:stretch>
+        </p:blipFill>
+        <p:spPr>
+          <a:xfrm>
+            <a:off x="427886" y="1143000"/>
+            <a:ext cx="6096000" cy="4572000"/>
+          </a:xfrm>
+          <a:prstGeom prst="rect">
+            <a:avLst/>
+          </a:prstGeom>
+        </p:spPr>
+      </p:pic>
+      <p:pic>
+        <p:nvPicPr>
+          <p:cNvPr id="9" name="图片 8">
+            <a:extLst>
+              <a:ext uri="{FF2B5EF4-FFF2-40B4-BE49-F238E27FC236}">
+                <a16:creationId xmlns:a16="http://schemas.microsoft.com/office/drawing/2014/main" id="{952E75C7-2B31-491E-8F24-8A818261AF30}"/>
+              </a:ext>
+            </a:extLst>
+          </p:cNvPr>
+          <p:cNvPicPr>
+            <a:picLocks noChangeAspect="1"/>
+          </p:cNvPicPr>
+          <p:nvPr/>
+        </p:nvPicPr>
+        <p:blipFill>
+          <a:blip r:embed="rId3">
+            <a:extLst>
+              <a:ext uri="{28A0092B-C50C-407E-A947-70E740481C1C}">
+                <a14:useLocalDpi xmlns:a14="http://schemas.microsoft.com/office/drawing/2010/main" val="0"/>
+              </a:ext>
+            </a:extLst>
+          </a:blip>
+          <a:stretch>
+            <a:fillRect/>
+          </a:stretch>
+        </p:blipFill>
+        <p:spPr>
+          <a:xfrm>
+            <a:off x="6908800" y="1143000"/>
+            <a:ext cx="6096000" cy="4572000"/>
+          </a:xfrm>
+          <a:prstGeom prst="rect">
+            <a:avLst/>
+          </a:prstGeom>
+        </p:spPr>
+      </p:pic>
+    </p:spTree>
+    <p:extLst>
+      <p:ext uri="{BB962C8B-B14F-4D97-AF65-F5344CB8AC3E}">
+        <p14:creationId xmlns:p14="http://schemas.microsoft.com/office/powerpoint/2010/main" val="1009947240"/>
+      </p:ext>
+    </p:extLst>
+  </p:cSld>
+  <p:clrMapOvr>
+    <a:masterClrMapping/>
+  </p:clrMapOvr>
+</p:sld>
+</file>
+
 <file path=ppt/slides/slide2.xml><?xml version="1.0" encoding="utf-8"?>
 <p:sld xmlns:a="http://schemas.openxmlformats.org/drawingml/2006/main" xmlns:r="http://schemas.openxmlformats.org/officeDocument/2006/relationships" xmlns:p="http://schemas.openxmlformats.org/presentationml/2006/main">
   <p:cSld>
